--- a/Presentation_821_JiayuChen.pptx
+++ b/Presentation_821_JiayuChen.pptx
@@ -991,9 +991,19 @@
           <a:lstStyle/>
           <a:p>
             <a:r>
-              <a:rPr lang="zh-CN" altLang="en-US" dirty="0"/>
-              <a:t>概率论。不学概率论马尔科夫学不下去了</a:t>
-            </a:r>
+              <a:rPr lang="en-US" altLang="zh-CN" dirty="0"/>
+              <a:t>This week, I have a hard time learning Hidden Markov Models.</a:t>
+            </a:r>
+          </a:p>
+          <a:p>
+            <a:endParaRPr lang="en-US" altLang="zh-CN" dirty="0"/>
+          </a:p>
+          <a:p>
+            <a:r>
+              <a:rPr lang="en-US" altLang="zh-CN" dirty="0"/>
+              <a:t>I need to allocate some time to study probability theory in order to better understand the concepts.</a:t>
+            </a:r>
+            <a:endParaRPr lang="zh-CN" altLang="en-US" dirty="0"/>
           </a:p>
         </p:txBody>
       </p:sp>
@@ -1162,8 +1172,44 @@
           <a:lstStyle/>
           <a:p>
             <a:r>
-              <a:rPr lang="zh-CN" altLang="en-US" dirty="0"/>
-              <a:t>本周，我</a:t>
+              <a:rPr lang="en-US" altLang="zh-CN" dirty="0"/>
+              <a:t>Here is brief work description </a:t>
+            </a:r>
+          </a:p>
+          <a:p>
+            <a:endParaRPr lang="en-US" altLang="zh-CN" dirty="0"/>
+          </a:p>
+          <a:p>
+            <a:r>
+              <a:rPr lang="en-US" altLang="zh-CN" dirty="0"/>
+              <a:t>In Work_1, I automate feature selection from a pool of 480 features. This automated selection demonstrates excellent performance.</a:t>
+            </a:r>
+          </a:p>
+          <a:p>
+            <a:endParaRPr lang="en-US" altLang="zh-CN" dirty="0"/>
+          </a:p>
+          <a:p>
+            <a:r>
+              <a:rPr lang="en-US" altLang="zh-CN" dirty="0"/>
+              <a:t>Work_2 involves predicting variables S and D using signals with a 0.8 noise level. </a:t>
+            </a:r>
+          </a:p>
+          <a:p>
+            <a:endParaRPr lang="en-US" altLang="zh-CN" dirty="0"/>
+          </a:p>
+          <a:p>
+            <a:r>
+              <a:rPr lang="en-US" altLang="zh-CN" dirty="0"/>
+              <a:t>Additionally, Work_3 is tutorial writing.</a:t>
+            </a:r>
+          </a:p>
+          <a:p>
+            <a:endParaRPr lang="en-US" altLang="zh-CN" dirty="0"/>
+          </a:p>
+          <a:p>
+            <a:r>
+              <a:rPr lang="en-US" altLang="zh-CN" dirty="0"/>
+              <a:t>while Work_4 focuses on enhancing theoretical knowledge learning.</a:t>
             </a:r>
           </a:p>
         </p:txBody>
@@ -1266,6 +1312,327 @@
               <a:defRPr/>
             </a:pPr>
             <a:r>
+              <a:rPr lang="en-US" altLang="zh-CN" dirty="0"/>
+              <a:t>The automated feature selection process among the 480 features yields remarkable outcomes:</a:t>
+            </a:r>
+          </a:p>
+          <a:p>
+            <a:pPr marL="0" marR="0" lvl="0" indent="0" algn="l" defTabSz="914400" rtl="0" eaLnBrk="1" fontAlgn="auto" latinLnBrk="0" hangingPunct="1">
+              <a:lnSpc>
+                <a:spcPct val="100000"/>
+              </a:lnSpc>
+              <a:spcBef>
+                <a:spcPts val="0"/>
+              </a:spcBef>
+              <a:spcAft>
+                <a:spcPts val="0"/>
+              </a:spcAft>
+              <a:buClrTx/>
+              <a:buSzTx/>
+              <a:buFontTx/>
+              <a:buNone/>
+              <a:tabLst/>
+              <a:defRPr/>
+            </a:pPr>
+            <a:endParaRPr lang="en-US" altLang="zh-CN" dirty="0"/>
+          </a:p>
+          <a:p>
+            <a:pPr marL="0" marR="0" lvl="0" indent="0" algn="l" defTabSz="914400" rtl="0" eaLnBrk="1" fontAlgn="auto" latinLnBrk="0" hangingPunct="1">
+              <a:lnSpc>
+                <a:spcPct val="100000"/>
+              </a:lnSpc>
+              <a:spcBef>
+                <a:spcPts val="0"/>
+              </a:spcBef>
+              <a:spcAft>
+                <a:spcPts val="0"/>
+              </a:spcAft>
+              <a:buClrTx/>
+              <a:buSzTx/>
+              <a:buFontTx/>
+              <a:buNone/>
+              <a:tabLst/>
+              <a:defRPr/>
+            </a:pPr>
+            <a:r>
+              <a:rPr lang="en-US" altLang="zh-CN" dirty="0"/>
+              <a:t>For the prediction of variable S, the algorithm identifies the sole feature "Dis21/Dis12" as the most influential. Similarly, in predicting variable D, the final selection involves four features, including "Amplitude1" and "Amplitude2".</a:t>
+            </a:r>
+          </a:p>
+          <a:p>
+            <a:pPr marL="0" marR="0" lvl="0" indent="0" algn="l" defTabSz="914400" rtl="0" eaLnBrk="1" fontAlgn="auto" latinLnBrk="0" hangingPunct="1">
+              <a:lnSpc>
+                <a:spcPct val="100000"/>
+              </a:lnSpc>
+              <a:spcBef>
+                <a:spcPts val="0"/>
+              </a:spcBef>
+              <a:spcAft>
+                <a:spcPts val="0"/>
+              </a:spcAft>
+              <a:buClrTx/>
+              <a:buSzTx/>
+              <a:buFontTx/>
+              <a:buNone/>
+              <a:tabLst/>
+              <a:defRPr/>
+            </a:pPr>
+            <a:endParaRPr lang="en-US" altLang="zh-CN" dirty="0"/>
+          </a:p>
+          <a:p>
+            <a:pPr marL="0" marR="0" lvl="0" indent="0" algn="l" defTabSz="914400" rtl="0" eaLnBrk="1" fontAlgn="auto" latinLnBrk="0" hangingPunct="1">
+              <a:lnSpc>
+                <a:spcPct val="100000"/>
+              </a:lnSpc>
+              <a:spcBef>
+                <a:spcPts val="0"/>
+              </a:spcBef>
+              <a:spcAft>
+                <a:spcPts val="0"/>
+              </a:spcAft>
+              <a:buClrTx/>
+              <a:buSzTx/>
+              <a:buFontTx/>
+              <a:buNone/>
+              <a:tabLst/>
+              <a:defRPr/>
+            </a:pPr>
+            <a:r>
+              <a:rPr lang="en-US" altLang="zh-CN" dirty="0"/>
+              <a:t>This approach presents several distinct advantages:</a:t>
+            </a:r>
+          </a:p>
+          <a:p>
+            <a:pPr marL="0" marR="0" lvl="0" indent="0" algn="l" defTabSz="914400" rtl="0" eaLnBrk="1" fontAlgn="auto" latinLnBrk="0" hangingPunct="1">
+              <a:lnSpc>
+                <a:spcPct val="100000"/>
+              </a:lnSpc>
+              <a:spcBef>
+                <a:spcPts val="0"/>
+              </a:spcBef>
+              <a:spcAft>
+                <a:spcPts val="0"/>
+              </a:spcAft>
+              <a:buClrTx/>
+              <a:buSzTx/>
+              <a:buFontTx/>
+              <a:buNone/>
+              <a:tabLst/>
+              <a:defRPr/>
+            </a:pPr>
+            <a:endParaRPr lang="en-US" altLang="zh-CN" dirty="0"/>
+          </a:p>
+          <a:p>
+            <a:pPr marL="0" marR="0" lvl="0" indent="0" algn="l" defTabSz="914400" rtl="0" eaLnBrk="1" fontAlgn="auto" latinLnBrk="0" hangingPunct="1">
+              <a:lnSpc>
+                <a:spcPct val="100000"/>
+              </a:lnSpc>
+              <a:spcBef>
+                <a:spcPts val="0"/>
+              </a:spcBef>
+              <a:spcAft>
+                <a:spcPts val="0"/>
+              </a:spcAft>
+              <a:buClrTx/>
+              <a:buSzTx/>
+              <a:buFontTx/>
+              <a:buNone/>
+              <a:tabLst/>
+              <a:defRPr/>
+            </a:pPr>
+            <a:r>
+              <a:rPr lang="en-US" altLang="zh-CN" dirty="0"/>
+              <a:t>1. **Simplified Feature Construction**: By exclusively focusing on straightforward features like Dis12 and Dis21, there's no need to manually engineer complex features like "Dis21/Dis21", saving time and effort.</a:t>
+            </a:r>
+          </a:p>
+          <a:p>
+            <a:pPr marL="0" marR="0" lvl="0" indent="0" algn="l" defTabSz="914400" rtl="0" eaLnBrk="1" fontAlgn="auto" latinLnBrk="0" hangingPunct="1">
+              <a:lnSpc>
+                <a:spcPct val="100000"/>
+              </a:lnSpc>
+              <a:spcBef>
+                <a:spcPts val="0"/>
+              </a:spcBef>
+              <a:spcAft>
+                <a:spcPts val="0"/>
+              </a:spcAft>
+              <a:buClrTx/>
+              <a:buSzTx/>
+              <a:buFontTx/>
+              <a:buNone/>
+              <a:tabLst/>
+              <a:defRPr/>
+            </a:pPr>
+            <a:endParaRPr lang="en-US" altLang="zh-CN" dirty="0"/>
+          </a:p>
+          <a:p>
+            <a:pPr marL="0" marR="0" lvl="0" indent="0" algn="l" defTabSz="914400" rtl="0" eaLnBrk="1" fontAlgn="auto" latinLnBrk="0" hangingPunct="1">
+              <a:lnSpc>
+                <a:spcPct val="100000"/>
+              </a:lnSpc>
+              <a:spcBef>
+                <a:spcPts val="0"/>
+              </a:spcBef>
+              <a:spcAft>
+                <a:spcPts val="0"/>
+              </a:spcAft>
+              <a:buClrTx/>
+              <a:buSzTx/>
+              <a:buFontTx/>
+              <a:buNone/>
+              <a:tabLst/>
+              <a:defRPr/>
+            </a:pPr>
+            <a:r>
+              <a:rPr lang="en-US" altLang="zh-CN" dirty="0"/>
+              <a:t>2. **Minimal Parameter Adjustment**: The entire process hinges on a single parameter that has a negligible impact on the final results. This simplifies the tuning process and reduces the likelihood of overfitting.</a:t>
+            </a:r>
+          </a:p>
+          <a:p>
+            <a:pPr marL="0" marR="0" lvl="0" indent="0" algn="l" defTabSz="914400" rtl="0" eaLnBrk="1" fontAlgn="auto" latinLnBrk="0" hangingPunct="1">
+              <a:lnSpc>
+                <a:spcPct val="100000"/>
+              </a:lnSpc>
+              <a:spcBef>
+                <a:spcPts val="0"/>
+              </a:spcBef>
+              <a:spcAft>
+                <a:spcPts val="0"/>
+              </a:spcAft>
+              <a:buClrTx/>
+              <a:buSzTx/>
+              <a:buFontTx/>
+              <a:buNone/>
+              <a:tabLst/>
+              <a:defRPr/>
+            </a:pPr>
+            <a:endParaRPr lang="en-US" altLang="zh-CN" dirty="0"/>
+          </a:p>
+          <a:p>
+            <a:pPr marL="0" marR="0" lvl="0" indent="0" algn="l" defTabSz="914400" rtl="0" eaLnBrk="1" fontAlgn="auto" latinLnBrk="0" hangingPunct="1">
+              <a:lnSpc>
+                <a:spcPct val="100000"/>
+              </a:lnSpc>
+              <a:spcBef>
+                <a:spcPts val="0"/>
+              </a:spcBef>
+              <a:spcAft>
+                <a:spcPts val="0"/>
+              </a:spcAft>
+              <a:buClrTx/>
+              <a:buSzTx/>
+              <a:buFontTx/>
+              <a:buNone/>
+              <a:tabLst/>
+              <a:defRPr/>
+            </a:pPr>
+            <a:r>
+              <a:rPr lang="en-US" altLang="zh-CN" dirty="0"/>
+              <a:t>3. **Reduced Randomness**: The method exhibits low levels of randomness, leading to more consistent and reproducible results across different runs.</a:t>
+            </a:r>
+          </a:p>
+          <a:p>
+            <a:pPr marL="0" marR="0" lvl="0" indent="0" algn="l" defTabSz="914400" rtl="0" eaLnBrk="1" fontAlgn="auto" latinLnBrk="0" hangingPunct="1">
+              <a:lnSpc>
+                <a:spcPct val="100000"/>
+              </a:lnSpc>
+              <a:spcBef>
+                <a:spcPts val="0"/>
+              </a:spcBef>
+              <a:spcAft>
+                <a:spcPts val="0"/>
+              </a:spcAft>
+              <a:buClrTx/>
+              <a:buSzTx/>
+              <a:buFontTx/>
+              <a:buNone/>
+              <a:tabLst/>
+              <a:defRPr/>
+            </a:pPr>
+            <a:endParaRPr lang="en-US" altLang="zh-CN" dirty="0"/>
+          </a:p>
+          <a:p>
+            <a:pPr marL="0" marR="0" lvl="0" indent="0" algn="l" defTabSz="914400" rtl="0" eaLnBrk="1" fontAlgn="auto" latinLnBrk="0" hangingPunct="1">
+              <a:lnSpc>
+                <a:spcPct val="100000"/>
+              </a:lnSpc>
+              <a:spcBef>
+                <a:spcPts val="0"/>
+              </a:spcBef>
+              <a:spcAft>
+                <a:spcPts val="0"/>
+              </a:spcAft>
+              <a:buClrTx/>
+              <a:buSzTx/>
+              <a:buFontTx/>
+              <a:buNone/>
+              <a:tabLst/>
+              <a:defRPr/>
+            </a:pPr>
+            <a:r>
+              <a:rPr lang="en-US" altLang="zh-CN" dirty="0"/>
+              <a:t>Overall, this feature selection technique effectively narrows down the feature set, leverages fundamental features for accurate predictions, and streamlines the process by minimizing the reliance on intricate features and parameter adjustments.</a:t>
+            </a:r>
+          </a:p>
+          <a:p>
+            <a:pPr marL="0" marR="0" lvl="0" indent="0" algn="l" defTabSz="914400" rtl="0" eaLnBrk="1" fontAlgn="auto" latinLnBrk="0" hangingPunct="1">
+              <a:lnSpc>
+                <a:spcPct val="100000"/>
+              </a:lnSpc>
+              <a:spcBef>
+                <a:spcPts val="0"/>
+              </a:spcBef>
+              <a:spcAft>
+                <a:spcPts val="0"/>
+              </a:spcAft>
+              <a:buClrTx/>
+              <a:buSzTx/>
+              <a:buFontTx/>
+              <a:buNone/>
+              <a:tabLst/>
+              <a:defRPr/>
+            </a:pPr>
+            <a:endParaRPr lang="en-US" altLang="zh-CN" dirty="0"/>
+          </a:p>
+          <a:p>
+            <a:pPr marL="0" marR="0" lvl="0" indent="0" algn="l" defTabSz="914400" rtl="0" eaLnBrk="1" fontAlgn="auto" latinLnBrk="0" hangingPunct="1">
+              <a:lnSpc>
+                <a:spcPct val="100000"/>
+              </a:lnSpc>
+              <a:spcBef>
+                <a:spcPts val="0"/>
+              </a:spcBef>
+              <a:spcAft>
+                <a:spcPts val="0"/>
+              </a:spcAft>
+              <a:buClrTx/>
+              <a:buSzTx/>
+              <a:buFontTx/>
+              <a:buNone/>
+              <a:tabLst/>
+              <a:defRPr/>
+            </a:pPr>
+            <a:endParaRPr lang="en-US" altLang="zh-CN" dirty="0"/>
+          </a:p>
+          <a:p>
+            <a:pPr marL="0" marR="0" lvl="0" indent="0" algn="l" defTabSz="914400" rtl="0" eaLnBrk="1" fontAlgn="auto" latinLnBrk="0" hangingPunct="1">
+              <a:lnSpc>
+                <a:spcPct val="100000"/>
+              </a:lnSpc>
+              <a:spcBef>
+                <a:spcPts val="0"/>
+              </a:spcBef>
+              <a:spcAft>
+                <a:spcPts val="0"/>
+              </a:spcAft>
+              <a:buClrTx/>
+              <a:buSzTx/>
+              <a:buFontTx/>
+              <a:buNone/>
+              <a:tabLst/>
+              <a:defRPr/>
+            </a:pPr>
+            <a:r>
               <a:rPr lang="zh-CN" altLang="en-US" dirty="0"/>
               <a:t>大概介绍一下，它的效果：</a:t>
             </a:r>
@@ -1275,15 +1642,157 @@
             </a:r>
             <a:r>
               <a:rPr lang="zh-CN" altLang="en-US" dirty="0"/>
-              <a:t>个特征中进行筛选，并且在</a:t>
-            </a:r>
-            <a:r>
-              <a:rPr lang="en-US" altLang="zh-CN" dirty="0"/>
-              <a:t>xxx</a:t>
-            </a:r>
-            <a:r>
-              <a:rPr lang="zh-CN" altLang="en-US" dirty="0"/>
-              <a:t>中</a:t>
+              <a:t>个特征中进行筛选，</a:t>
+            </a:r>
+            <a:endParaRPr lang="en-US" altLang="zh-CN" dirty="0"/>
+          </a:p>
+          <a:p>
+            <a:pPr marL="0" marR="0" lvl="0" indent="0" algn="l" defTabSz="914400" rtl="0" eaLnBrk="1" fontAlgn="auto" latinLnBrk="0" hangingPunct="1">
+              <a:lnSpc>
+                <a:spcPct val="100000"/>
+              </a:lnSpc>
+              <a:spcBef>
+                <a:spcPts val="0"/>
+              </a:spcBef>
+              <a:spcAft>
+                <a:spcPts val="0"/>
+              </a:spcAft>
+              <a:buClrTx/>
+              <a:buSzTx/>
+              <a:buFontTx/>
+              <a:buNone/>
+              <a:tabLst/>
+              <a:defRPr/>
+            </a:pPr>
+            <a:endParaRPr lang="en-US" altLang="zh-CN" dirty="0"/>
+          </a:p>
+          <a:p>
+            <a:pPr marL="0" marR="0" lvl="0" indent="0" algn="l" defTabSz="914400" rtl="0" eaLnBrk="1" fontAlgn="auto" latinLnBrk="0" hangingPunct="1">
+              <a:lnSpc>
+                <a:spcPct val="100000"/>
+              </a:lnSpc>
+              <a:spcBef>
+                <a:spcPts val="0"/>
+              </a:spcBef>
+              <a:spcAft>
+                <a:spcPts val="0"/>
+              </a:spcAft>
+              <a:buClrTx/>
+              <a:buSzTx/>
+              <a:buFontTx/>
+              <a:buNone/>
+              <a:tabLst/>
+              <a:defRPr/>
+            </a:pPr>
+            <a:r>
+              <a:rPr lang="zh-CN" altLang="en-US" b="0" i="0" dirty="0">
+                <a:solidFill>
+                  <a:srgbClr val="ECECF1"/>
+                </a:solidFill>
+                <a:effectLst/>
+                <a:latin typeface="Söhne"/>
+              </a:rPr>
+              <a:t>对于</a:t>
+            </a:r>
+            <a:r>
+              <a:rPr lang="en-US" altLang="zh-CN" b="0" i="0" dirty="0">
+                <a:solidFill>
+                  <a:srgbClr val="ECECF1"/>
+                </a:solidFill>
+                <a:effectLst/>
+                <a:latin typeface="Söhne"/>
+              </a:rPr>
+              <a:t>S</a:t>
+            </a:r>
+            <a:r>
+              <a:rPr lang="zh-CN" altLang="en-US" b="0" i="0" dirty="0">
+                <a:solidFill>
+                  <a:srgbClr val="ECECF1"/>
+                </a:solidFill>
+                <a:effectLst/>
+                <a:latin typeface="Söhne"/>
+              </a:rPr>
+              <a:t>的预测，选出“</a:t>
+            </a:r>
+            <a:r>
+              <a:rPr lang="en-US" altLang="zh-CN" b="0" i="0" dirty="0">
+                <a:solidFill>
+                  <a:srgbClr val="ECECF1"/>
+                </a:solidFill>
+                <a:effectLst/>
+                <a:latin typeface="Söhne"/>
+              </a:rPr>
+              <a:t>Dis21/Dis12</a:t>
+            </a:r>
+            <a:r>
+              <a:rPr lang="zh-CN" altLang="en-US" b="0" i="0" dirty="0">
+                <a:solidFill>
+                  <a:srgbClr val="ECECF1"/>
+                </a:solidFill>
+                <a:effectLst/>
+                <a:latin typeface="Söhne"/>
+              </a:rPr>
+              <a:t>”这个唯一特征。对于</a:t>
+            </a:r>
+            <a:r>
+              <a:rPr lang="en-US" altLang="zh-CN" b="0" i="0" dirty="0">
+                <a:solidFill>
+                  <a:srgbClr val="ECECF1"/>
+                </a:solidFill>
+                <a:effectLst/>
+                <a:latin typeface="Söhne"/>
+              </a:rPr>
+              <a:t>D</a:t>
+            </a:r>
+            <a:r>
+              <a:rPr lang="zh-CN" altLang="en-US" b="0" i="0" dirty="0">
+                <a:solidFill>
+                  <a:srgbClr val="ECECF1"/>
+                </a:solidFill>
+                <a:effectLst/>
+                <a:latin typeface="Söhne"/>
+              </a:rPr>
+              <a:t>的预测，最后筛选出包含“</a:t>
+            </a:r>
+            <a:r>
+              <a:rPr lang="en-US" altLang="zh-CN" b="0" i="0" dirty="0">
+                <a:solidFill>
+                  <a:srgbClr val="ECECF1"/>
+                </a:solidFill>
+                <a:effectLst/>
+                <a:latin typeface="Söhne"/>
+              </a:rPr>
+              <a:t>Amplitude1/Amplitude2</a:t>
+            </a:r>
+            <a:r>
+              <a:rPr lang="zh-CN" altLang="en-US" b="0" i="0" dirty="0">
+                <a:solidFill>
+                  <a:srgbClr val="ECECF1"/>
+                </a:solidFill>
+                <a:effectLst/>
+                <a:latin typeface="Söhne"/>
+              </a:rPr>
+              <a:t>”在内的</a:t>
+            </a:r>
+            <a:r>
+              <a:rPr lang="en-US" altLang="zh-CN" b="0" i="0" dirty="0">
+                <a:solidFill>
+                  <a:srgbClr val="ECECF1"/>
+                </a:solidFill>
+                <a:effectLst/>
+                <a:latin typeface="Söhne"/>
+              </a:rPr>
+              <a:t>4</a:t>
+            </a:r>
+            <a:r>
+              <a:rPr lang="zh-CN" altLang="en-US" b="0" i="0" dirty="0">
+                <a:solidFill>
+                  <a:srgbClr val="ECECF1"/>
+                </a:solidFill>
+                <a:effectLst/>
+                <a:latin typeface="Söhne"/>
+              </a:rPr>
+              <a:t>个特征</a:t>
             </a:r>
             <a:endParaRPr lang="en-US" altLang="zh-CN" dirty="0"/>
           </a:p>
@@ -1349,13 +1858,49 @@
               <a:tabLst/>
               <a:defRPr/>
             </a:pPr>
+            <a:endParaRPr lang="en-US" altLang="zh-CN" dirty="0"/>
+          </a:p>
+          <a:p>
+            <a:pPr marL="228600" marR="0" lvl="0" indent="-228600" algn="l" defTabSz="914400" rtl="0" eaLnBrk="1" fontAlgn="auto" latinLnBrk="0" hangingPunct="1">
+              <a:lnSpc>
+                <a:spcPct val="100000"/>
+              </a:lnSpc>
+              <a:spcBef>
+                <a:spcPts val="0"/>
+              </a:spcBef>
+              <a:spcAft>
+                <a:spcPts val="0"/>
+              </a:spcAft>
+              <a:buClrTx/>
+              <a:buSzTx/>
+              <a:buFontTx/>
+              <a:buAutoNum type="arabicPeriod"/>
+              <a:tabLst/>
+              <a:defRPr/>
+            </a:pPr>
             <a:r>
               <a:rPr lang="zh-CN" altLang="en-US" dirty="0"/>
-              <a:t>不需要手动构造</a:t>
-            </a:r>
-            <a:r>
-              <a:rPr lang="en-US" altLang="zh-CN" dirty="0" err="1"/>
-              <a:t>xxxx</a:t>
+              <a:t>我们只需要构造</a:t>
+            </a:r>
+            <a:r>
+              <a:rPr lang="en-US" altLang="zh-CN" dirty="0"/>
+              <a:t>Dis12</a:t>
+            </a:r>
+            <a:r>
+              <a:rPr lang="zh-CN" altLang="en-US" dirty="0"/>
+              <a:t>， </a:t>
+            </a:r>
+            <a:r>
+              <a:rPr lang="en-US" altLang="zh-CN" dirty="0"/>
+              <a:t>Dis21</a:t>
+            </a:r>
+            <a:r>
+              <a:rPr lang="zh-CN" altLang="en-US" dirty="0"/>
+              <a:t>这种简单特征，不需要手动构造</a:t>
+            </a:r>
+            <a:r>
+              <a:rPr lang="en-US" altLang="zh-CN" dirty="0"/>
+              <a:t>”Dis21/Dis21”</a:t>
             </a:r>
             <a:r>
               <a:rPr lang="zh-CN" altLang="en-US" dirty="0"/>
@@ -6597,7 +7142,7 @@
         </p:nvSpPr>
         <p:spPr>
           <a:xfrm>
-            <a:off x="1574961" y="3105834"/>
+            <a:off x="1574963" y="3105834"/>
             <a:ext cx="9042074" cy="646331"/>
           </a:xfrm>
           <a:prstGeom prst="rect">
@@ -6636,7 +7181,7 @@
         </p:nvSpPr>
         <p:spPr>
           <a:xfrm>
-            <a:off x="5044438" y="5292959"/>
+            <a:off x="5044440" y="5292959"/>
             <a:ext cx="2103120" cy="584775"/>
           </a:xfrm>
           <a:prstGeom prst="rect">
@@ -6912,13 +7457,14 @@
           </p:cNvPr>
           <p:cNvCxnSpPr>
             <a:cxnSpLocks/>
+            <a:endCxn id="40" idx="3"/>
           </p:cNvCxnSpPr>
           <p:nvPr/>
         </p:nvCxnSpPr>
         <p:spPr>
           <a:xfrm flipH="1">
-            <a:off x="6107336" y="4218474"/>
-            <a:ext cx="667537" cy="265624"/>
+            <a:off x="5764031" y="4276145"/>
+            <a:ext cx="1061925" cy="1282370"/>
           </a:xfrm>
           <a:prstGeom prst="straightConnector1">
             <a:avLst/>
@@ -6953,13 +7499,14 @@
           </p:cNvPr>
           <p:cNvCxnSpPr>
             <a:cxnSpLocks/>
+            <a:endCxn id="40" idx="3"/>
           </p:cNvCxnSpPr>
           <p:nvPr/>
         </p:nvCxnSpPr>
         <p:spPr>
-          <a:xfrm flipH="1" flipV="1">
-            <a:off x="6107336" y="4660743"/>
-            <a:ext cx="667537" cy="71003"/>
+          <a:xfrm flipH="1">
+            <a:off x="5764031" y="4751449"/>
+            <a:ext cx="1061925" cy="807066"/>
           </a:xfrm>
           <a:prstGeom prst="straightConnector1">
             <a:avLst/>
@@ -6992,13 +7539,16 @@
               </a:ext>
             </a:extLst>
           </p:cNvPr>
-          <p:cNvCxnSpPr/>
+          <p:cNvCxnSpPr>
+            <a:cxnSpLocks/>
+            <a:endCxn id="39" idx="3"/>
+          </p:cNvCxnSpPr>
           <p:nvPr/>
         </p:nvCxnSpPr>
         <p:spPr>
-          <a:xfrm flipH="1">
-            <a:off x="6107336" y="3787907"/>
-            <a:ext cx="667537" cy="0"/>
+          <a:xfrm flipH="1" flipV="1">
+            <a:off x="4949492" y="3823357"/>
+            <a:ext cx="1748191" cy="5575"/>
           </a:xfrm>
           <a:prstGeom prst="straightConnector1">
             <a:avLst/>
@@ -7036,7 +7586,7 @@
         </p:nvSpPr>
         <p:spPr>
           <a:xfrm>
-            <a:off x="4191065" y="1835943"/>
+            <a:off x="3826087" y="1823571"/>
             <a:ext cx="2634891" cy="369332"/>
           </a:xfrm>
           <a:prstGeom prst="rect">
@@ -7088,7 +7638,7 @@
         </p:nvSpPr>
         <p:spPr>
           <a:xfrm>
-            <a:off x="4191064" y="2351776"/>
+            <a:off x="3826087" y="2326891"/>
             <a:ext cx="2321423" cy="369332"/>
           </a:xfrm>
           <a:prstGeom prst="rect">
@@ -7140,7 +7690,7 @@
         </p:nvSpPr>
         <p:spPr>
           <a:xfrm>
-            <a:off x="4191065" y="2786271"/>
+            <a:off x="3826087" y="2822350"/>
             <a:ext cx="2321423" cy="369332"/>
           </a:xfrm>
           <a:prstGeom prst="rect">
@@ -7192,8 +7742,8 @@
         </p:nvSpPr>
         <p:spPr>
           <a:xfrm>
-            <a:off x="3661679" y="3490562"/>
-            <a:ext cx="2321423" cy="646331"/>
+            <a:off x="1122218" y="3500191"/>
+            <a:ext cx="3827274" cy="646331"/>
           </a:xfrm>
           <a:prstGeom prst="rect">
             <a:avLst/>
@@ -7224,10 +7774,9 @@
               <a:defRPr/>
             </a:pPr>
             <a:r>
-              <a:rPr lang="zh-CN" altLang="en-US" dirty="0"/>
-              <a:t>几乎没有办法看清原始信号</a:t>
-            </a:r>
-            <a:endParaRPr lang="en-US" altLang="zh-CN" dirty="0"/>
+              <a:rPr lang="en-US" altLang="zh-CN" dirty="0"/>
+              <a:t>It's almost impossible to discern the original signal.</a:t>
+            </a:r>
           </a:p>
         </p:txBody>
       </p:sp>
@@ -7245,8 +7794,8 @@
         </p:nvSpPr>
         <p:spPr>
           <a:xfrm>
-            <a:off x="3661679" y="4131581"/>
-            <a:ext cx="2321423" cy="1200329"/>
+            <a:off x="0" y="4819851"/>
+            <a:ext cx="5764031" cy="1477328"/>
           </a:xfrm>
           <a:prstGeom prst="rect">
             <a:avLst/>
@@ -7277,24 +7826,178 @@
               <a:defRPr/>
             </a:pPr>
             <a:r>
-              <a:rPr lang="zh-CN" altLang="en-US" dirty="0"/>
-              <a:t>峰的高度差异很大，但是间距几乎没变化，或许可以用</a:t>
-            </a:r>
-            <a:r>
               <a:rPr lang="en-US" altLang="zh-CN" dirty="0"/>
-              <a:t>IMF_1</a:t>
-            </a:r>
-            <a:r>
-              <a:rPr lang="zh-CN" altLang="en-US" dirty="0"/>
-              <a:t>来预测</a:t>
-            </a:r>
+              <a:t>The variations in peak heights are great, while intervals remain relatively consistent. </a:t>
+            </a:r>
+          </a:p>
+          <a:p>
+            <a:pPr marL="0" marR="0" lvl="0" indent="0" algn="l" defTabSz="914400" rtl="0" eaLnBrk="1" fontAlgn="auto" latinLnBrk="0" hangingPunct="1">
+              <a:lnSpc>
+                <a:spcPct val="100000"/>
+              </a:lnSpc>
+              <a:spcBef>
+                <a:spcPts val="0"/>
+              </a:spcBef>
+              <a:spcAft>
+                <a:spcPts val="0"/>
+              </a:spcAft>
+              <a:buClrTx/>
+              <a:buSzTx/>
+              <a:buFontTx/>
+              <a:buNone/>
+              <a:tabLst/>
+              <a:defRPr/>
+            </a:pPr>
+            <a:endParaRPr lang="en-US" altLang="zh-CN" dirty="0"/>
+          </a:p>
+          <a:p>
+            <a:pPr marL="0" marR="0" lvl="0" indent="0" algn="l" defTabSz="914400" rtl="0" eaLnBrk="1" fontAlgn="auto" latinLnBrk="0" hangingPunct="1">
+              <a:lnSpc>
+                <a:spcPct val="100000"/>
+              </a:lnSpc>
+              <a:spcBef>
+                <a:spcPts val="0"/>
+              </a:spcBef>
+              <a:spcAft>
+                <a:spcPts val="0"/>
+              </a:spcAft>
+              <a:buClrTx/>
+              <a:buSzTx/>
+              <a:buFontTx/>
+              <a:buNone/>
+              <a:tabLst/>
+              <a:defRPr/>
+            </a:pPr>
             <a:r>
               <a:rPr lang="en-US" altLang="zh-CN" dirty="0"/>
-              <a:t>S</a:t>
-            </a:r>
-          </a:p>
-        </p:txBody>
-      </p:sp>
+              <a:t>It might be possible to employ IMF_1 for predicting S.</a:t>
+            </a:r>
+          </a:p>
+        </p:txBody>
+      </p:sp>
+      <p:cxnSp>
+        <p:nvCxnSpPr>
+          <p:cNvPr id="12" name="直接箭头连接符 11">
+            <a:extLst>
+              <a:ext uri="{FF2B5EF4-FFF2-40B4-BE49-F238E27FC236}">
+                <a16:creationId xmlns:a16="http://schemas.microsoft.com/office/drawing/2014/main" id="{1327AA17-BADD-5434-7609-CBFAE0763540}"/>
+              </a:ext>
+            </a:extLst>
+          </p:cNvPr>
+          <p:cNvCxnSpPr>
+            <a:cxnSpLocks/>
+          </p:cNvCxnSpPr>
+          <p:nvPr/>
+        </p:nvCxnSpPr>
+        <p:spPr>
+          <a:xfrm flipH="1">
+            <a:off x="6294993" y="2008237"/>
+            <a:ext cx="402690" cy="0"/>
+          </a:xfrm>
+          <a:prstGeom prst="straightConnector1">
+            <a:avLst/>
+          </a:prstGeom>
+          <a:ln>
+            <a:tailEnd type="triangle"/>
+          </a:ln>
+        </p:spPr>
+        <p:style>
+          <a:lnRef idx="1">
+            <a:schemeClr val="accent1"/>
+          </a:lnRef>
+          <a:fillRef idx="0">
+            <a:schemeClr val="accent1"/>
+          </a:fillRef>
+          <a:effectRef idx="0">
+            <a:schemeClr val="accent1"/>
+          </a:effectRef>
+          <a:fontRef idx="minor">
+            <a:schemeClr val="tx1"/>
+          </a:fontRef>
+        </p:style>
+      </p:cxnSp>
+      <p:cxnSp>
+        <p:nvCxnSpPr>
+          <p:cNvPr id="14" name="直接箭头连接符 13">
+            <a:extLst>
+              <a:ext uri="{FF2B5EF4-FFF2-40B4-BE49-F238E27FC236}">
+                <a16:creationId xmlns:a16="http://schemas.microsoft.com/office/drawing/2014/main" id="{92D3ED83-9C02-6AA1-8C58-0671B6DF1AFB}"/>
+              </a:ext>
+            </a:extLst>
+          </p:cNvPr>
+          <p:cNvCxnSpPr>
+            <a:cxnSpLocks/>
+          </p:cNvCxnSpPr>
+          <p:nvPr/>
+        </p:nvCxnSpPr>
+        <p:spPr>
+          <a:xfrm flipH="1">
+            <a:off x="5466240" y="2511557"/>
+            <a:ext cx="1231443" cy="0"/>
+          </a:xfrm>
+          <a:prstGeom prst="straightConnector1">
+            <a:avLst/>
+          </a:prstGeom>
+          <a:ln>
+            <a:tailEnd type="triangle"/>
+          </a:ln>
+        </p:spPr>
+        <p:style>
+          <a:lnRef idx="1">
+            <a:schemeClr val="accent1"/>
+          </a:lnRef>
+          <a:fillRef idx="0">
+            <a:schemeClr val="accent1"/>
+          </a:fillRef>
+          <a:effectRef idx="0">
+            <a:schemeClr val="accent1"/>
+          </a:effectRef>
+          <a:fontRef idx="minor">
+            <a:schemeClr val="tx1"/>
+          </a:fontRef>
+        </p:style>
+      </p:cxnSp>
+      <p:cxnSp>
+        <p:nvCxnSpPr>
+          <p:cNvPr id="17" name="直接箭头连接符 16">
+            <a:extLst>
+              <a:ext uri="{FF2B5EF4-FFF2-40B4-BE49-F238E27FC236}">
+                <a16:creationId xmlns:a16="http://schemas.microsoft.com/office/drawing/2014/main" id="{9CDC4A38-4ED8-0CE2-9E01-BD0B275D5444}"/>
+              </a:ext>
+            </a:extLst>
+          </p:cNvPr>
+          <p:cNvCxnSpPr>
+            <a:cxnSpLocks/>
+          </p:cNvCxnSpPr>
+          <p:nvPr/>
+        </p:nvCxnSpPr>
+        <p:spPr>
+          <a:xfrm flipH="1">
+            <a:off x="5946165" y="3007016"/>
+            <a:ext cx="751518" cy="0"/>
+          </a:xfrm>
+          <a:prstGeom prst="straightConnector1">
+            <a:avLst/>
+          </a:prstGeom>
+          <a:ln>
+            <a:tailEnd type="triangle"/>
+          </a:ln>
+        </p:spPr>
+        <p:style>
+          <a:lnRef idx="1">
+            <a:schemeClr val="accent1"/>
+          </a:lnRef>
+          <a:fillRef idx="0">
+            <a:schemeClr val="accent1"/>
+          </a:fillRef>
+          <a:effectRef idx="0">
+            <a:schemeClr val="accent1"/>
+          </a:effectRef>
+          <a:fontRef idx="minor">
+            <a:schemeClr val="tx1"/>
+          </a:fontRef>
+        </p:style>
+      </p:cxnSp>
     </p:spTree>
     <p:extLst>
       <p:ext uri="{BB962C8B-B14F-4D97-AF65-F5344CB8AC3E}">
@@ -7402,7 +8105,7 @@
         </p:blipFill>
         <p:spPr>
           <a:xfrm>
-            <a:off x="72736" y="2234044"/>
+            <a:off x="0" y="2234044"/>
             <a:ext cx="12192000" cy="4064000"/>
           </a:xfrm>
           <a:prstGeom prst="rect">
@@ -7424,7 +8127,7 @@
         </p:nvSpPr>
         <p:spPr>
           <a:xfrm>
-            <a:off x="2098964" y="3319895"/>
+            <a:off x="2051462" y="3319895"/>
             <a:ext cx="218209" cy="218209"/>
           </a:xfrm>
           <a:prstGeom prst="ellipse">
@@ -7508,8 +8211,8 @@
         </p:nvCxnSpPr>
         <p:spPr>
           <a:xfrm flipV="1">
-            <a:off x="2208069" y="2234044"/>
-            <a:ext cx="514350" cy="1085851"/>
+            <a:off x="2160567" y="2234044"/>
+            <a:ext cx="561852" cy="1085851"/>
           </a:xfrm>
           <a:prstGeom prst="straightConnector1">
             <a:avLst/>
@@ -7550,8 +8253,8 @@
         </p:nvSpPr>
         <p:spPr>
           <a:xfrm>
-            <a:off x="3143250" y="1568057"/>
-            <a:ext cx="4189268" cy="646331"/>
+            <a:off x="3238129" y="1429558"/>
+            <a:ext cx="5715742" cy="923330"/>
           </a:xfrm>
           <a:prstGeom prst="rect">
             <a:avLst/>
@@ -7582,12 +8285,8 @@
               <a:defRPr/>
             </a:pPr>
             <a:r>
-              <a:rPr lang="zh-CN" altLang="en-US" dirty="0"/>
-              <a:t>峰和峰之间非常毛，影响了</a:t>
-            </a:r>
-            <a:r>
               <a:rPr lang="en-US" altLang="zh-CN" dirty="0"/>
-              <a:t>Peaks detection</a:t>
+              <a:t>Signals between peaks are quite noisy and unclear, which is affecting the accuracy of peak detection.</a:t>
             </a:r>
           </a:p>
         </p:txBody>
@@ -7699,7 +8398,7 @@
         </p:blipFill>
         <p:spPr>
           <a:xfrm>
-            <a:off x="1957297" y="1668274"/>
+            <a:off x="1957297" y="2036409"/>
             <a:ext cx="4138703" cy="2759136"/>
           </a:xfrm>
           <a:prstGeom prst="rect">
@@ -7735,8 +8434,8 @@
         </p:blipFill>
         <p:spPr>
           <a:xfrm>
-            <a:off x="6096000" y="1743980"/>
-            <a:ext cx="4138703" cy="2759136"/>
+            <a:off x="6096000" y="2036409"/>
+            <a:ext cx="4199121" cy="2799415"/>
           </a:xfrm>
           <a:prstGeom prst="rect">
             <a:avLst/>
@@ -7757,8 +8456,8 @@
         </p:nvSpPr>
         <p:spPr>
           <a:xfrm>
-            <a:off x="2696440" y="1173354"/>
-            <a:ext cx="4189268" cy="646331"/>
+            <a:off x="2557523" y="1390078"/>
+            <a:ext cx="7076953" cy="646331"/>
           </a:xfrm>
           <a:prstGeom prst="rect">
             <a:avLst/>
@@ -7790,31 +8489,7 @@
             </a:pPr>
             <a:r>
               <a:rPr lang="en-US" altLang="zh-CN" dirty="0"/>
-              <a:t>EEMD</a:t>
-            </a:r>
-            <a:r>
-              <a:rPr lang="zh-CN" altLang="en-US" dirty="0"/>
-              <a:t>非常非常慢，所以</a:t>
-            </a:r>
-            <a:r>
-              <a:rPr lang="en-US" altLang="zh-CN" dirty="0"/>
-              <a:t>train set 500</a:t>
-            </a:r>
-            <a:r>
-              <a:rPr lang="zh-CN" altLang="en-US" dirty="0"/>
-              <a:t>个</a:t>
-            </a:r>
-            <a:r>
-              <a:rPr lang="en-US" altLang="zh-CN" dirty="0"/>
-              <a:t>signals, test set 300</a:t>
-            </a:r>
-            <a:r>
-              <a:rPr lang="zh-CN" altLang="en-US" dirty="0"/>
-              <a:t>个</a:t>
-            </a:r>
-            <a:r>
-              <a:rPr lang="en-US" altLang="zh-CN" dirty="0"/>
-              <a:t>signals</a:t>
+              <a:t>EEMD is extremely slow, which is why I use a training set of 500 signals and a test set of 300 signals.</a:t>
             </a:r>
           </a:p>
         </p:txBody>
@@ -7833,8 +8508,8 @@
         </p:nvSpPr>
         <p:spPr>
           <a:xfrm>
-            <a:off x="2253166" y="4503116"/>
-            <a:ext cx="4189268" cy="646331"/>
+            <a:off x="2067119" y="4871251"/>
+            <a:ext cx="4028881" cy="1200329"/>
           </a:xfrm>
           <a:prstGeom prst="rect">
             <a:avLst/>
@@ -7866,13 +8541,8 @@
             </a:pPr>
             <a:r>
               <a:rPr lang="en-US" altLang="zh-CN" dirty="0"/>
-              <a:t>D</a:t>
-            </a:r>
-            <a:r>
-              <a:rPr lang="zh-CN" altLang="en-US" dirty="0"/>
-              <a:t>的预测非常失败，因为峰的相对高度完全被改变了</a:t>
-            </a:r>
-            <a:endParaRPr lang="en-US" altLang="zh-CN" dirty="0"/>
+              <a:t>The prediction for D is unsuccessful due to the great alteration in relative heights of peaks.</a:t>
+            </a:r>
           </a:p>
         </p:txBody>
       </p:sp>
@@ -7890,8 +8560,8 @@
         </p:nvSpPr>
         <p:spPr>
           <a:xfrm>
-            <a:off x="6391869" y="4503116"/>
-            <a:ext cx="4189268" cy="646331"/>
+            <a:off x="6391869" y="4871251"/>
+            <a:ext cx="4189268" cy="1477328"/>
           </a:xfrm>
           <a:prstGeom prst="rect">
             <a:avLst/>
@@ -7923,21 +8593,31 @@
             </a:pPr>
             <a:r>
               <a:rPr lang="en-US" altLang="zh-CN" dirty="0"/>
-              <a:t>S</a:t>
-            </a:r>
-            <a:r>
-              <a:rPr lang="zh-CN" altLang="en-US" dirty="0"/>
-              <a:t>能学到趋势，但是</a:t>
-            </a:r>
+              <a:t>Regarding the prediction of S, the model can capture the trend, but MAE is notably high. </a:t>
+            </a:r>
+          </a:p>
+          <a:p>
+            <a:pPr marL="0" marR="0" lvl="0" indent="0" algn="l" defTabSz="914400" rtl="0" eaLnBrk="1" fontAlgn="auto" latinLnBrk="0" hangingPunct="1">
+              <a:lnSpc>
+                <a:spcPct val="100000"/>
+              </a:lnSpc>
+              <a:spcBef>
+                <a:spcPts val="0"/>
+              </a:spcBef>
+              <a:spcAft>
+                <a:spcPts val="0"/>
+              </a:spcAft>
+              <a:buClrTx/>
+              <a:buSzTx/>
+              <a:buFontTx/>
+              <a:buNone/>
+              <a:tabLst/>
+              <a:defRPr/>
+            </a:pPr>
             <a:r>
               <a:rPr lang="en-US" altLang="zh-CN" dirty="0"/>
-              <a:t>MAE</a:t>
-            </a:r>
-            <a:r>
-              <a:rPr lang="zh-CN" altLang="en-US" dirty="0"/>
-              <a:t>依然很大，效果不理想</a:t>
-            </a:r>
-            <a:endParaRPr lang="en-US" altLang="zh-CN" dirty="0"/>
+              <a:t>The performance is not meeting the desired standard.</a:t>
+            </a:r>
           </a:p>
         </p:txBody>
       </p:sp>
@@ -8070,7 +8750,7 @@
         </p:blipFill>
         <p:spPr>
           <a:xfrm>
-            <a:off x="3564463" y="1077330"/>
+            <a:off x="3564463" y="928735"/>
             <a:ext cx="3812444" cy="4341122"/>
           </a:xfrm>
           <a:prstGeom prst="rect">
@@ -8099,7 +8779,7 @@
         </p:blipFill>
         <p:spPr>
           <a:xfrm>
-            <a:off x="7304809" y="1171150"/>
+            <a:off x="7304809" y="1116374"/>
             <a:ext cx="4887191" cy="4153483"/>
           </a:xfrm>
           <a:prstGeom prst="rect">
@@ -8136,6 +8816,50 @@
           </a:prstGeom>
         </p:spPr>
       </p:pic>
+      <p:sp>
+        <p:nvSpPr>
+          <p:cNvPr id="4" name="文本框 3">
+            <a:extLst>
+              <a:ext uri="{FF2B5EF4-FFF2-40B4-BE49-F238E27FC236}">
+                <a16:creationId xmlns:a16="http://schemas.microsoft.com/office/drawing/2014/main" id="{D3B31CC5-E305-2FA6-69A2-348D5DA7978F}"/>
+              </a:ext>
+            </a:extLst>
+          </p:cNvPr>
+          <p:cNvSpPr txBox="1"/>
+          <p:nvPr/>
+        </p:nvSpPr>
+        <p:spPr>
+          <a:xfrm>
+            <a:off x="4043548" y="5367753"/>
+            <a:ext cx="6858000" cy="1200329"/>
+          </a:xfrm>
+          <a:prstGeom prst="rect">
+            <a:avLst/>
+          </a:prstGeom>
+          <a:noFill/>
+        </p:spPr>
+        <p:txBody>
+          <a:bodyPr wrap="square">
+            <a:spAutoFit/>
+          </a:bodyPr>
+          <a:lstStyle/>
+          <a:p>
+            <a:r>
+              <a:rPr lang="en-US" altLang="zh-CN" dirty="0"/>
+              <a:t>In noise generation, I've encountered some challenges. </a:t>
+            </a:r>
+          </a:p>
+          <a:p>
+            <a:endParaRPr lang="en-US" altLang="zh-CN" dirty="0"/>
+          </a:p>
+          <a:p>
+            <a:r>
+              <a:rPr lang="en-US" altLang="zh-CN" dirty="0"/>
+              <a:t>Some noise definitions are vague and difficult to implement accurately.</a:t>
+            </a:r>
+          </a:p>
+        </p:txBody>
+      </p:sp>
     </p:spTree>
     <p:extLst>
       <p:ext uri="{BB962C8B-B14F-4D97-AF65-F5344CB8AC3E}">
@@ -8229,7 +8953,7 @@
         </p:nvSpPr>
         <p:spPr>
           <a:xfrm>
-            <a:off x="1841283" y="1385264"/>
+            <a:off x="1770031" y="1385264"/>
             <a:ext cx="3059685" cy="400110"/>
           </a:xfrm>
           <a:prstGeom prst="rect">
@@ -8256,6 +8980,7 @@
             </a:lvl1pPr>
           </a:lstStyle>
           <a:p>
+            <a:pPr algn="ctr"/>
             <a:r>
               <a:rPr lang="en-US" altLang="zh-CN" sz="2000" b="1" dirty="0"/>
               <a:t>Signals and Systems</a:t>
@@ -8382,7 +9107,7 @@
         <p:spPr>
           <a:xfrm>
             <a:off x="6594767" y="1903188"/>
-            <a:ext cx="4996573" cy="3693319"/>
+            <a:ext cx="4996573" cy="3970318"/>
           </a:xfrm>
           <a:prstGeom prst="rect">
             <a:avLst/>
@@ -8536,6 +9261,14 @@
                 <a:latin typeface="+mj-lt"/>
               </a:rPr>
               <a:t>Part 8 (Conditional Probability)</a:t>
+            </a:r>
+          </a:p>
+          <a:p>
+            <a:r>
+              <a:rPr lang="en-US" altLang="zh-CN" dirty="0">
+                <a:latin typeface="+mj-lt"/>
+              </a:rPr>
+              <a:t>Part 9 (Independence)</a:t>
             </a:r>
           </a:p>
         </p:txBody>
@@ -8675,8 +9408,8 @@
         </p:nvSpPr>
         <p:spPr>
           <a:xfrm>
-            <a:off x="2180895" y="1760475"/>
-            <a:ext cx="8020009" cy="2862322"/>
+            <a:off x="2085995" y="1962356"/>
+            <a:ext cx="8020009" cy="1200329"/>
           </a:xfrm>
           <a:prstGeom prst="rect">
             <a:avLst/>
@@ -8707,97 +9440,8 @@
             </a:pPr>
             <a:r>
               <a:rPr lang="en-US" altLang="zh-CN" dirty="0"/>
-              <a:t>Tutorial</a:t>
-            </a:r>
-            <a:r>
-              <a:rPr lang="zh-CN" altLang="en-US" dirty="0"/>
-              <a:t>中是否需要加一个数据模块，保证我们写出来的</a:t>
-            </a:r>
-            <a:r>
-              <a:rPr lang="en-US" altLang="zh-CN" dirty="0"/>
-              <a:t>Example</a:t>
-            </a:r>
-            <a:r>
-              <a:rPr lang="zh-CN" altLang="en-US" dirty="0"/>
-              <a:t>是比较统一的</a:t>
-            </a:r>
-            <a:endParaRPr lang="en-US" altLang="zh-CN" dirty="0"/>
-          </a:p>
-          <a:p>
-            <a:pPr marL="342900" indent="-342900">
-              <a:buAutoNum type="arabicPeriod"/>
-            </a:pPr>
-            <a:endParaRPr lang="en-US" altLang="zh-CN" dirty="0"/>
-          </a:p>
-          <a:p>
-            <a:pPr marL="342900" indent="-342900">
-              <a:buAutoNum type="arabicPeriod"/>
-            </a:pPr>
-            <a:r>
-              <a:rPr lang="en-US" altLang="zh-CN" dirty="0"/>
-              <a:t>Tutorial</a:t>
-            </a:r>
-            <a:r>
-              <a:rPr lang="zh-CN" altLang="en-US" dirty="0"/>
-              <a:t>中的噪声生成模块，我感觉我怎么写都是错的</a:t>
-            </a:r>
-            <a:endParaRPr lang="en-US" altLang="zh-CN" dirty="0"/>
-          </a:p>
-          <a:p>
-            <a:pPr marL="342900" indent="-342900">
-              <a:buAutoNum type="arabicPeriod"/>
-            </a:pPr>
-            <a:endParaRPr lang="en-US" altLang="zh-CN" dirty="0"/>
-          </a:p>
-          <a:p>
-            <a:pPr marL="342900" indent="-342900">
-              <a:buAutoNum type="arabicPeriod"/>
-            </a:pPr>
-            <a:r>
-              <a:rPr lang="zh-CN" altLang="en-US" dirty="0"/>
-              <a:t>在去噪过程中，怎么才知道，</a:t>
-            </a:r>
-            <a:r>
-              <a:rPr lang="en-US" altLang="zh-CN" dirty="0"/>
-              <a:t>ok</a:t>
-            </a:r>
-            <a:r>
-              <a:rPr lang="zh-CN" altLang="en-US" dirty="0"/>
-              <a:t>，这样差不多可以了。</a:t>
-            </a:r>
-            <a:endParaRPr lang="en-US" altLang="zh-CN" dirty="0"/>
-          </a:p>
-          <a:p>
-            <a:pPr marL="342900" indent="-342900">
-              <a:buAutoNum type="arabicPeriod"/>
-            </a:pPr>
-            <a:endParaRPr lang="en-US" altLang="zh-CN" dirty="0"/>
-          </a:p>
-          <a:p>
-            <a:pPr marL="342900" indent="-342900">
-              <a:buAutoNum type="arabicPeriod"/>
-            </a:pPr>
-            <a:r>
-              <a:rPr lang="zh-CN" altLang="en-US" dirty="0"/>
-              <a:t>是不是在实际的数据中，</a:t>
-            </a:r>
-            <a:r>
-              <a:rPr lang="en-US" altLang="zh-CN" dirty="0"/>
-              <a:t>1000</a:t>
-            </a:r>
-            <a:r>
-              <a:rPr lang="zh-CN" altLang="en-US" dirty="0"/>
-              <a:t>条长度为</a:t>
-            </a:r>
-            <a:r>
-              <a:rPr lang="en-US" altLang="zh-CN" dirty="0"/>
-              <a:t>10s</a:t>
-            </a:r>
-            <a:r>
-              <a:rPr lang="zh-CN" altLang="en-US" dirty="0"/>
-              <a:t>的数据可能来自不同的几十个人，然后每个人在不同的环境中测得，每条数据携带的噪声完全不同，这时是怎么处理的？</a:t>
-            </a:r>
-            <a:endParaRPr lang="en-US" altLang="zh-CN" dirty="0"/>
+              <a:t>During the denoising process, how do we determine that the outcome is satisfactory and that denoising results are acceptable? Can we determine this before features are fed into the model?</a:t>
+            </a:r>
           </a:p>
         </p:txBody>
       </p:sp>
@@ -8921,7 +9565,7 @@
         <p:spPr>
           <a:xfrm>
             <a:off x="1725568" y="771425"/>
-            <a:ext cx="9042074" cy="646331"/>
+            <a:ext cx="9042074" cy="461665"/>
           </a:xfrm>
           <a:prstGeom prst="rect">
             <a:avLst/>
@@ -8936,16 +9580,12 @@
           <a:p>
             <a:pPr algn="ctr"/>
             <a:r>
-              <a:rPr lang="zh-CN" altLang="en-US" sz="3600" dirty="0">
+              <a:rPr lang="en-US" altLang="zh-CN" sz="2400" dirty="0">
                 <a:latin typeface="Consolas" panose="020B0609020204030204" pitchFamily="49" charset="0"/>
                 <a:cs typeface="Times New Roman" panose="02020603050405020304" pitchFamily="18" charset="0"/>
               </a:rPr>
-              <a:t>工作简介</a:t>
-            </a:r>
-            <a:endParaRPr lang="en-US" altLang="zh-CN" sz="3600" dirty="0">
-              <a:latin typeface="Consolas" panose="020B0609020204030204" pitchFamily="49" charset="0"/>
-              <a:cs typeface="Times New Roman" panose="02020603050405020304" pitchFamily="18" charset="0"/>
-            </a:endParaRPr>
+              <a:t>Work Description</a:t>
+            </a:r>
           </a:p>
         </p:txBody>
       </p:sp>
@@ -8963,8 +9603,8 @@
         </p:nvSpPr>
         <p:spPr>
           <a:xfrm>
-            <a:off x="2330823" y="2062779"/>
-            <a:ext cx="7530353" cy="3139321"/>
+            <a:off x="2699803" y="1839258"/>
+            <a:ext cx="7296252" cy="3693319"/>
           </a:xfrm>
           <a:prstGeom prst="rect">
             <a:avLst/>
@@ -8979,98 +9619,22 @@
           <a:p>
             <a:r>
               <a:rPr lang="en-US" altLang="zh-CN" dirty="0"/>
-              <a:t>Work_1: </a:t>
-            </a:r>
-            <a:r>
-              <a:rPr lang="zh-CN" altLang="en-US" dirty="0"/>
-              <a:t>从</a:t>
-            </a:r>
+              <a:t>Work_1: Automated feature selection is performed from 	 480 features. </a:t>
+            </a:r>
+          </a:p>
+          <a:p>
+            <a:endParaRPr lang="en-US" altLang="zh-CN" dirty="0"/>
+          </a:p>
+          <a:p>
+            <a:endParaRPr lang="en-US" altLang="zh-CN" dirty="0"/>
+          </a:p>
+          <a:p>
             <a:r>
               <a:rPr lang="en-US" altLang="zh-CN" dirty="0"/>
-              <a:t>480</a:t>
-            </a:r>
-            <a:r>
-              <a:rPr lang="zh-CN" altLang="en-US" dirty="0"/>
-              <a:t>个特征中进行筛选。对于</a:t>
-            </a:r>
-            <a:r>
-              <a:rPr lang="en-US" altLang="zh-CN" dirty="0"/>
-              <a:t>S</a:t>
-            </a:r>
-            <a:r>
-              <a:rPr lang="zh-CN" altLang="en-US" dirty="0"/>
-              <a:t>的预测，选出</a:t>
-            </a:r>
-            <a:r>
-              <a:rPr lang="en-US" altLang="zh-CN" dirty="0"/>
-              <a:t>Dis12/Dis21</a:t>
-            </a:r>
-            <a:r>
-              <a:rPr lang="zh-CN" altLang="en-US" dirty="0"/>
-              <a:t>这个特征。对于</a:t>
-            </a:r>
-            <a:r>
-              <a:rPr lang="en-US" altLang="zh-CN" dirty="0"/>
-              <a:t>D</a:t>
-            </a:r>
-            <a:r>
-              <a:rPr lang="zh-CN" altLang="en-US" dirty="0"/>
-              <a:t>的预测，最后筛选出包含</a:t>
-            </a:r>
-            <a:r>
-              <a:rPr lang="en-US" altLang="zh-CN" dirty="0"/>
-              <a:t>Amplitude1/Amplitude2</a:t>
-            </a:r>
-            <a:r>
-              <a:rPr lang="zh-CN" altLang="en-US" dirty="0"/>
-              <a:t>的</a:t>
-            </a:r>
-            <a:r>
-              <a:rPr lang="en-US" altLang="zh-CN" dirty="0"/>
-              <a:t>3</a:t>
-            </a:r>
-            <a:r>
-              <a:rPr lang="zh-CN" altLang="en-US" dirty="0"/>
-              <a:t>个特征</a:t>
-            </a:r>
-            <a:endParaRPr lang="en-US" altLang="zh-CN" dirty="0"/>
-          </a:p>
-          <a:p>
-            <a:endParaRPr lang="en-US" altLang="zh-CN" dirty="0"/>
-          </a:p>
-          <a:p>
-            <a:r>
-              <a:rPr lang="en-US" altLang="zh-CN" dirty="0"/>
-              <a:t>Work_2:</a:t>
-            </a:r>
-            <a:r>
-              <a:rPr lang="zh-CN" altLang="en-US" dirty="0"/>
-              <a:t>使用</a:t>
-            </a:r>
-            <a:r>
-              <a:rPr lang="en-US" altLang="zh-CN" dirty="0"/>
-              <a:t>0.8</a:t>
-            </a:r>
-            <a:r>
-              <a:rPr lang="zh-CN" altLang="en-US" dirty="0"/>
-              <a:t>噪声等级的信号，尝试对</a:t>
-            </a:r>
-            <a:r>
-              <a:rPr lang="en-US" altLang="zh-CN" dirty="0"/>
-              <a:t>S</a:t>
-            </a:r>
-            <a:r>
-              <a:rPr lang="zh-CN" altLang="en-US" dirty="0"/>
-              <a:t>和</a:t>
-            </a:r>
-            <a:r>
-              <a:rPr lang="en-US" altLang="zh-CN" dirty="0"/>
-              <a:t>D</a:t>
-            </a:r>
-            <a:r>
-              <a:rPr lang="zh-CN" altLang="en-US" dirty="0"/>
-              <a:t>进行预测</a:t>
-            </a:r>
+              <a:t>Work_2:Attempting to predict variables S and D using 	signals with a noise level of 0.8.</a:t>
+            </a:r>
+          </a:p>
+          <a:p>
             <a:endParaRPr lang="en-US" altLang="zh-CN" dirty="0"/>
           </a:p>
           <a:p>
@@ -9086,6 +9650,9 @@
             <a:endParaRPr lang="en-US" altLang="zh-CN" dirty="0"/>
           </a:p>
           <a:p>
+            <a:endParaRPr lang="en-US" altLang="zh-CN" dirty="0"/>
+          </a:p>
+          <a:p>
             <a:r>
               <a:rPr lang="en-US" altLang="zh-CN" dirty="0"/>
               <a:t>Work_4:</a:t>
@@ -9098,12 +9665,6 @@
           </a:p>
           <a:p>
             <a:endParaRPr lang="en-US" altLang="zh-CN" dirty="0"/>
-          </a:p>
-          <a:p>
-            <a:r>
-              <a:rPr lang="en-US" altLang="zh-CN" dirty="0"/>
-              <a:t>Some Questions</a:t>
-            </a:r>
           </a:p>
         </p:txBody>
       </p:sp>
@@ -9186,6 +9747,349 @@
           </a:p>
         </p:txBody>
       </p:sp>
+      <p:sp>
+        <p:nvSpPr>
+          <p:cNvPr id="4" name="文本框 3">
+            <a:extLst>
+              <a:ext uri="{FF2B5EF4-FFF2-40B4-BE49-F238E27FC236}">
+                <a16:creationId xmlns:a16="http://schemas.microsoft.com/office/drawing/2014/main" id="{5413D777-BF33-235B-D008-92121492D6B1}"/>
+              </a:ext>
+            </a:extLst>
+          </p:cNvPr>
+          <p:cNvSpPr txBox="1"/>
+          <p:nvPr/>
+        </p:nvSpPr>
+        <p:spPr>
+          <a:xfrm>
+            <a:off x="1122219" y="1067491"/>
+            <a:ext cx="10234056" cy="2123658"/>
+          </a:xfrm>
+          <a:prstGeom prst="rect">
+            <a:avLst/>
+          </a:prstGeom>
+          <a:noFill/>
+        </p:spPr>
+        <p:txBody>
+          <a:bodyPr wrap="square">
+            <a:spAutoFit/>
+          </a:bodyPr>
+          <a:lstStyle/>
+          <a:p>
+            <a:pPr marL="0" marR="0" lvl="0" indent="0" algn="l" defTabSz="914400" rtl="0" eaLnBrk="1" fontAlgn="auto" latinLnBrk="0" hangingPunct="1">
+              <a:lnSpc>
+                <a:spcPct val="100000"/>
+              </a:lnSpc>
+              <a:spcBef>
+                <a:spcPts val="0"/>
+              </a:spcBef>
+              <a:spcAft>
+                <a:spcPts val="0"/>
+              </a:spcAft>
+              <a:buClrTx/>
+              <a:buSzTx/>
+              <a:buFontTx/>
+              <a:buNone/>
+              <a:tabLst/>
+              <a:defRPr/>
+            </a:pPr>
+            <a:r>
+              <a:rPr lang="en-US" altLang="zh-CN" sz="2400" dirty="0"/>
+              <a:t>Outcomes:</a:t>
+            </a:r>
+          </a:p>
+          <a:p>
+            <a:pPr marL="0" marR="0" lvl="0" indent="0" algn="l" defTabSz="914400" rtl="0" eaLnBrk="1" fontAlgn="auto" latinLnBrk="0" hangingPunct="1">
+              <a:lnSpc>
+                <a:spcPct val="100000"/>
+              </a:lnSpc>
+              <a:spcBef>
+                <a:spcPts val="0"/>
+              </a:spcBef>
+              <a:spcAft>
+                <a:spcPts val="0"/>
+              </a:spcAft>
+              <a:buClrTx/>
+              <a:buSzTx/>
+              <a:buFontTx/>
+              <a:buNone/>
+              <a:tabLst/>
+              <a:defRPr/>
+            </a:pPr>
+            <a:endParaRPr lang="en-US" altLang="zh-CN" dirty="0"/>
+          </a:p>
+          <a:p>
+            <a:pPr marL="0" marR="0" lvl="0" indent="0" algn="l" defTabSz="914400" rtl="0" eaLnBrk="1" fontAlgn="auto" latinLnBrk="0" hangingPunct="1">
+              <a:lnSpc>
+                <a:spcPct val="100000"/>
+              </a:lnSpc>
+              <a:spcBef>
+                <a:spcPts val="0"/>
+              </a:spcBef>
+              <a:spcAft>
+                <a:spcPts val="0"/>
+              </a:spcAft>
+              <a:buClrTx/>
+              <a:buSzTx/>
+              <a:buFontTx/>
+              <a:buNone/>
+              <a:tabLst/>
+              <a:defRPr/>
+            </a:pPr>
+            <a:r>
+              <a:rPr lang="en-US" altLang="zh-CN" dirty="0"/>
+              <a:t>For the prediction of S, the algorithm identifies the sole feature "Dis21/Dis12" as the most influential. </a:t>
+            </a:r>
+          </a:p>
+          <a:p>
+            <a:pPr marL="0" marR="0" lvl="0" indent="0" algn="l" defTabSz="914400" rtl="0" eaLnBrk="1" fontAlgn="auto" latinLnBrk="0" hangingPunct="1">
+              <a:lnSpc>
+                <a:spcPct val="100000"/>
+              </a:lnSpc>
+              <a:spcBef>
+                <a:spcPts val="0"/>
+              </a:spcBef>
+              <a:spcAft>
+                <a:spcPts val="0"/>
+              </a:spcAft>
+              <a:buClrTx/>
+              <a:buSzTx/>
+              <a:buFontTx/>
+              <a:buNone/>
+              <a:tabLst/>
+              <a:defRPr/>
+            </a:pPr>
+            <a:endParaRPr lang="en-US" altLang="zh-CN" dirty="0"/>
+          </a:p>
+          <a:p>
+            <a:pPr marL="0" marR="0" lvl="0" indent="0" algn="l" defTabSz="914400" rtl="0" eaLnBrk="1" fontAlgn="auto" latinLnBrk="0" hangingPunct="1">
+              <a:lnSpc>
+                <a:spcPct val="100000"/>
+              </a:lnSpc>
+              <a:spcBef>
+                <a:spcPts val="0"/>
+              </a:spcBef>
+              <a:spcAft>
+                <a:spcPts val="0"/>
+              </a:spcAft>
+              <a:buClrTx/>
+              <a:buSzTx/>
+              <a:buFontTx/>
+              <a:buNone/>
+              <a:tabLst/>
+              <a:defRPr/>
+            </a:pPr>
+            <a:r>
+              <a:rPr lang="en-US" altLang="zh-CN" dirty="0"/>
+              <a:t>For the prediction of D, the final selection involves 4 features, including “Amplitude1/Amplitude2".</a:t>
+            </a:r>
+          </a:p>
+        </p:txBody>
+      </p:sp>
+      <p:sp>
+        <p:nvSpPr>
+          <p:cNvPr id="6" name="文本框 5">
+            <a:extLst>
+              <a:ext uri="{FF2B5EF4-FFF2-40B4-BE49-F238E27FC236}">
+                <a16:creationId xmlns:a16="http://schemas.microsoft.com/office/drawing/2014/main" id="{4830A778-D782-3B88-47C2-1178B692B8D5}"/>
+              </a:ext>
+            </a:extLst>
+          </p:cNvPr>
+          <p:cNvSpPr txBox="1"/>
+          <p:nvPr/>
+        </p:nvSpPr>
+        <p:spPr>
+          <a:xfrm>
+            <a:off x="1122219" y="3607479"/>
+            <a:ext cx="10234056" cy="2954655"/>
+          </a:xfrm>
+          <a:prstGeom prst="rect">
+            <a:avLst/>
+          </a:prstGeom>
+          <a:noFill/>
+        </p:spPr>
+        <p:txBody>
+          <a:bodyPr wrap="square">
+            <a:spAutoFit/>
+          </a:bodyPr>
+          <a:lstStyle/>
+          <a:p>
+            <a:pPr marL="0" marR="0" lvl="0" indent="0" algn="l" defTabSz="914400" rtl="0" eaLnBrk="1" fontAlgn="auto" latinLnBrk="0" hangingPunct="1">
+              <a:lnSpc>
+                <a:spcPct val="100000"/>
+              </a:lnSpc>
+              <a:spcBef>
+                <a:spcPts val="0"/>
+              </a:spcBef>
+              <a:spcAft>
+                <a:spcPts val="0"/>
+              </a:spcAft>
+              <a:buClrTx/>
+              <a:buSzTx/>
+              <a:buFontTx/>
+              <a:buNone/>
+              <a:tabLst/>
+              <a:defRPr/>
+            </a:pPr>
+            <a:r>
+              <a:rPr lang="en-US" altLang="zh-CN" sz="2400" dirty="0"/>
+              <a:t>Several Advantages:</a:t>
+            </a:r>
+          </a:p>
+          <a:p>
+            <a:pPr marL="0" marR="0" lvl="0" indent="0" algn="l" defTabSz="914400" rtl="0" eaLnBrk="1" fontAlgn="auto" latinLnBrk="0" hangingPunct="1">
+              <a:lnSpc>
+                <a:spcPct val="100000"/>
+              </a:lnSpc>
+              <a:spcBef>
+                <a:spcPts val="0"/>
+              </a:spcBef>
+              <a:spcAft>
+                <a:spcPts val="0"/>
+              </a:spcAft>
+              <a:buClrTx/>
+              <a:buSzTx/>
+              <a:buFontTx/>
+              <a:buNone/>
+              <a:tabLst/>
+              <a:defRPr/>
+            </a:pPr>
+            <a:endParaRPr lang="en-US" altLang="zh-CN" dirty="0"/>
+          </a:p>
+          <a:p>
+            <a:pPr marL="0" marR="0" lvl="0" indent="0" algn="l" defTabSz="914400" rtl="0" eaLnBrk="1" fontAlgn="auto" latinLnBrk="0" hangingPunct="1">
+              <a:lnSpc>
+                <a:spcPct val="100000"/>
+              </a:lnSpc>
+              <a:spcBef>
+                <a:spcPts val="0"/>
+              </a:spcBef>
+              <a:spcAft>
+                <a:spcPts val="0"/>
+              </a:spcAft>
+              <a:buClrTx/>
+              <a:buSzTx/>
+              <a:buFontTx/>
+              <a:buNone/>
+              <a:tabLst/>
+              <a:defRPr/>
+            </a:pPr>
+            <a:r>
+              <a:rPr lang="en-US" altLang="zh-CN" dirty="0"/>
+              <a:t>1. </a:t>
+            </a:r>
+            <a:r>
+              <a:rPr lang="en-US" altLang="zh-CN" b="1" dirty="0"/>
+              <a:t>Simplified Feature Construction</a:t>
+            </a:r>
+            <a:r>
+              <a:rPr lang="en-US" altLang="zh-CN" dirty="0"/>
+              <a:t>: Focusing on straightforward features like “Dis12” and “Dis21”, there's no need to manually engineer complex features like "Dis21/Dis21".</a:t>
+            </a:r>
+          </a:p>
+          <a:p>
+            <a:pPr marL="0" marR="0" lvl="0" indent="0" algn="l" defTabSz="914400" rtl="0" eaLnBrk="1" fontAlgn="auto" latinLnBrk="0" hangingPunct="1">
+              <a:lnSpc>
+                <a:spcPct val="100000"/>
+              </a:lnSpc>
+              <a:spcBef>
+                <a:spcPts val="0"/>
+              </a:spcBef>
+              <a:spcAft>
+                <a:spcPts val="0"/>
+              </a:spcAft>
+              <a:buClrTx/>
+              <a:buSzTx/>
+              <a:buFontTx/>
+              <a:buNone/>
+              <a:tabLst/>
+              <a:defRPr/>
+            </a:pPr>
+            <a:endParaRPr lang="en-US" altLang="zh-CN" dirty="0"/>
+          </a:p>
+          <a:p>
+            <a:pPr marL="0" marR="0" lvl="0" indent="0" algn="l" defTabSz="914400" rtl="0" eaLnBrk="1" fontAlgn="auto" latinLnBrk="0" hangingPunct="1">
+              <a:lnSpc>
+                <a:spcPct val="100000"/>
+              </a:lnSpc>
+              <a:spcBef>
+                <a:spcPts val="0"/>
+              </a:spcBef>
+              <a:spcAft>
+                <a:spcPts val="0"/>
+              </a:spcAft>
+              <a:buClrTx/>
+              <a:buSzTx/>
+              <a:buFontTx/>
+              <a:buNone/>
+              <a:tabLst/>
+              <a:defRPr/>
+            </a:pPr>
+            <a:r>
+              <a:rPr lang="en-US" altLang="zh-CN" dirty="0"/>
+              <a:t>2. </a:t>
+            </a:r>
+            <a:r>
+              <a:rPr lang="en-US" altLang="zh-CN" b="1" dirty="0"/>
+              <a:t>Minimal Parameter Adjustment: </a:t>
+            </a:r>
+            <a:r>
+              <a:rPr lang="en-US" altLang="zh-CN" dirty="0"/>
+              <a:t>The entire process hinges on one parameter that has a negligible impact on final results. </a:t>
+            </a:r>
+          </a:p>
+          <a:p>
+            <a:pPr marL="0" marR="0" lvl="0" indent="0" algn="l" defTabSz="914400" rtl="0" eaLnBrk="1" fontAlgn="auto" latinLnBrk="0" hangingPunct="1">
+              <a:lnSpc>
+                <a:spcPct val="100000"/>
+              </a:lnSpc>
+              <a:spcBef>
+                <a:spcPts val="0"/>
+              </a:spcBef>
+              <a:spcAft>
+                <a:spcPts val="0"/>
+              </a:spcAft>
+              <a:buClrTx/>
+              <a:buSzTx/>
+              <a:buFontTx/>
+              <a:buNone/>
+              <a:tabLst/>
+              <a:defRPr/>
+            </a:pPr>
+            <a:endParaRPr lang="en-US" altLang="zh-CN" dirty="0"/>
+          </a:p>
+          <a:p>
+            <a:pPr marL="0" marR="0" lvl="0" indent="0" algn="l" defTabSz="914400" rtl="0" eaLnBrk="1" fontAlgn="auto" latinLnBrk="0" hangingPunct="1">
+              <a:lnSpc>
+                <a:spcPct val="100000"/>
+              </a:lnSpc>
+              <a:spcBef>
+                <a:spcPts val="0"/>
+              </a:spcBef>
+              <a:spcAft>
+                <a:spcPts val="0"/>
+              </a:spcAft>
+              <a:buClrTx/>
+              <a:buSzTx/>
+              <a:buFontTx/>
+              <a:buNone/>
+              <a:tabLst/>
+              <a:defRPr/>
+            </a:pPr>
+            <a:r>
+              <a:rPr lang="en-US" altLang="zh-CN" dirty="0"/>
+              <a:t>3. </a:t>
+            </a:r>
+            <a:r>
+              <a:rPr lang="en-US" altLang="zh-CN" b="1" dirty="0"/>
+              <a:t>Reduced Randomness</a:t>
+            </a:r>
+            <a:r>
+              <a:rPr lang="en-US" altLang="zh-CN" dirty="0"/>
+              <a:t>: The method shows low levels of randomness.</a:t>
+            </a:r>
+          </a:p>
+        </p:txBody>
+      </p:sp>
     </p:spTree>
     <p:extLst>
       <p:ext uri="{BB962C8B-B14F-4D97-AF65-F5344CB8AC3E}">
@@ -9279,8 +10183,8 @@
         </p:nvSpPr>
         <p:spPr>
           <a:xfrm>
-            <a:off x="486555" y="1787868"/>
-            <a:ext cx="2589993" cy="461317"/>
+            <a:off x="237507" y="1787687"/>
+            <a:ext cx="2892062" cy="461317"/>
           </a:xfrm>
           <a:prstGeom prst="rect">
             <a:avLst/>
@@ -9344,8 +10248,8 @@
         </p:nvSpPr>
         <p:spPr>
           <a:xfrm>
-            <a:off x="486551" y="2516605"/>
-            <a:ext cx="2589997" cy="551038"/>
+            <a:off x="237507" y="2555745"/>
+            <a:ext cx="2900405" cy="465411"/>
           </a:xfrm>
           <a:prstGeom prst="rect">
             <a:avLst/>
@@ -9409,8 +10313,8 @@
         </p:nvSpPr>
         <p:spPr>
           <a:xfrm>
-            <a:off x="486553" y="3385356"/>
-            <a:ext cx="2589998" cy="405001"/>
+            <a:off x="237507" y="3298082"/>
+            <a:ext cx="2900405" cy="479037"/>
           </a:xfrm>
           <a:prstGeom prst="rect">
             <a:avLst/>
@@ -9448,7 +10352,7 @@
                 <a:latin typeface="Consolas" panose="020B0609020204030204" pitchFamily="49" charset="0"/>
                 <a:cs typeface="Times New Roman" panose="02020603050405020304" pitchFamily="18" charset="0"/>
               </a:rPr>
-              <a:t>Relevance Table</a:t>
+              <a:t>Relevance Calculation</a:t>
             </a:r>
             <a:endParaRPr lang="zh-CN" altLang="en-US" dirty="0">
               <a:solidFill>
@@ -9474,8 +10378,8 @@
         </p:nvSpPr>
         <p:spPr>
           <a:xfrm>
-            <a:off x="486552" y="4093275"/>
-            <a:ext cx="2589999" cy="551037"/>
+            <a:off x="237507" y="4093275"/>
+            <a:ext cx="2895472" cy="689096"/>
           </a:xfrm>
           <a:prstGeom prst="rect">
             <a:avLst/>
@@ -9513,7 +10417,64 @@
                 <a:effectLst/>
                 <a:latin typeface="-apple-system"/>
               </a:rPr>
-              <a:t>Univariate feature selection and choose best K</a:t>
+              <a:t>Univariate Feature </a:t>
+            </a:r>
+            <a:r>
+              <a:rPr lang="en-US" altLang="zh-CN" dirty="0">
+                <a:solidFill>
+                  <a:srgbClr val="212529"/>
+                </a:solidFill>
+                <a:latin typeface="-apple-system"/>
+              </a:rPr>
+              <a:t>S</a:t>
+            </a:r>
+            <a:r>
+              <a:rPr lang="en-US" altLang="zh-CN" b="0" i="0" dirty="0">
+                <a:solidFill>
+                  <a:srgbClr val="212529"/>
+                </a:solidFill>
+                <a:effectLst/>
+                <a:latin typeface="-apple-system"/>
+              </a:rPr>
+              <a:t>election and </a:t>
+            </a:r>
+            <a:r>
+              <a:rPr lang="en-US" altLang="zh-CN" dirty="0">
+                <a:solidFill>
+                  <a:srgbClr val="212529"/>
+                </a:solidFill>
+                <a:latin typeface="-apple-system"/>
+              </a:rPr>
+              <a:t>C</a:t>
+            </a:r>
+            <a:r>
+              <a:rPr lang="en-US" altLang="zh-CN" b="0" i="0" dirty="0">
+                <a:solidFill>
+                  <a:srgbClr val="212529"/>
+                </a:solidFill>
+                <a:effectLst/>
+                <a:latin typeface="-apple-system"/>
+              </a:rPr>
+              <a:t>hoose </a:t>
+            </a:r>
+            <a:r>
+              <a:rPr lang="en-US" altLang="zh-CN" dirty="0">
+                <a:solidFill>
+                  <a:srgbClr val="212529"/>
+                </a:solidFill>
+                <a:latin typeface="-apple-system"/>
+              </a:rPr>
+              <a:t>B</a:t>
+            </a:r>
+            <a:r>
+              <a:rPr lang="en-US" altLang="zh-CN" b="0" i="0" dirty="0">
+                <a:solidFill>
+                  <a:srgbClr val="212529"/>
+                </a:solidFill>
+                <a:effectLst/>
+                <a:latin typeface="-apple-system"/>
+              </a:rPr>
+              <a:t>est K</a:t>
             </a:r>
             <a:endParaRPr lang="zh-CN" altLang="en-US" dirty="0">
               <a:solidFill>
@@ -9539,8 +10500,8 @@
         </p:nvSpPr>
         <p:spPr>
           <a:xfrm>
-            <a:off x="486551" y="4908415"/>
-            <a:ext cx="2590001" cy="653560"/>
+            <a:off x="237507" y="5063946"/>
+            <a:ext cx="2900405" cy="653560"/>
           </a:xfrm>
           <a:prstGeom prst="rect">
             <a:avLst/>
@@ -9571,22 +10532,34 @@
           <a:p>
             <a:pPr algn="ctr"/>
             <a:r>
-              <a:rPr lang="en-US" altLang="zh-CN" dirty="0" err="1">
+              <a:rPr lang="en-US" altLang="zh-CN" b="0" i="0" dirty="0">
                 <a:solidFill>
-                  <a:schemeClr val="tx1"/>
+                  <a:srgbClr val="212529"/>
                 </a:solidFill>
-                <a:latin typeface="Consolas" panose="020B0609020204030204" pitchFamily="49" charset="0"/>
-                <a:cs typeface="Times New Roman" panose="02020603050405020304" pitchFamily="18" charset="0"/>
+                <a:effectLst/>
+                <a:latin typeface="-apple-system"/>
               </a:rPr>
-              <a:t>Rfecv</a:t>
-            </a:r>
-            <a:endParaRPr lang="zh-CN" altLang="en-US" dirty="0">
-              <a:solidFill>
-                <a:schemeClr val="tx1"/>
-              </a:solidFill>
-              <a:latin typeface="Consolas" panose="020B0609020204030204" pitchFamily="49" charset="0"/>
-              <a:cs typeface="Times New Roman" panose="02020603050405020304" pitchFamily="18" charset="0"/>
-            </a:endParaRPr>
+              <a:t>Recursive Feature </a:t>
+            </a:r>
+            <a:r>
+              <a:rPr lang="en-US" altLang="zh-CN" dirty="0">
+                <a:solidFill>
+                  <a:srgbClr val="212529"/>
+                </a:solidFill>
+                <a:latin typeface="-apple-system"/>
+              </a:rPr>
+              <a:t>E</a:t>
+            </a:r>
+            <a:r>
+              <a:rPr lang="en-US" altLang="zh-CN" b="0" i="0" dirty="0">
+                <a:solidFill>
+                  <a:srgbClr val="212529"/>
+                </a:solidFill>
+                <a:effectLst/>
+                <a:latin typeface="-apple-system"/>
+              </a:rPr>
+              <a:t>limination (RFE)</a:t>
+            </a:r>
           </a:p>
         </p:txBody>
       </p:sp>
@@ -9607,9 +10580,9 @@
           <p:nvPr/>
         </p:nvCxnSpPr>
         <p:spPr>
-          <a:xfrm flipH="1">
-            <a:off x="1781550" y="2249185"/>
-            <a:ext cx="2" cy="267420"/>
+          <a:xfrm>
+            <a:off x="1683538" y="2249004"/>
+            <a:ext cx="4172" cy="306741"/>
           </a:xfrm>
           <a:prstGeom prst="straightConnector1">
             <a:avLst/>
@@ -9654,8 +10627,8 @@
         </p:nvCxnSpPr>
         <p:spPr>
           <a:xfrm>
-            <a:off x="1781550" y="3067643"/>
-            <a:ext cx="2" cy="317713"/>
+            <a:off x="1687710" y="3021156"/>
+            <a:ext cx="0" cy="276926"/>
           </a:xfrm>
           <a:prstGeom prst="straightConnector1">
             <a:avLst/>
@@ -9700,8 +10673,8 @@
         </p:nvCxnSpPr>
         <p:spPr>
           <a:xfrm>
-            <a:off x="1781552" y="4644312"/>
-            <a:ext cx="0" cy="264103"/>
+            <a:off x="1685243" y="4782371"/>
+            <a:ext cx="2467" cy="281575"/>
           </a:xfrm>
           <a:prstGeom prst="straightConnector1">
             <a:avLst/>
@@ -9742,7 +10715,7 @@
         </p:nvSpPr>
         <p:spPr>
           <a:xfrm>
-            <a:off x="486553" y="865837"/>
+            <a:off x="388540" y="865837"/>
             <a:ext cx="2589995" cy="646331"/>
           </a:xfrm>
           <a:prstGeom prst="rect">
@@ -9821,9 +10794,9 @@
           <p:nvPr/>
         </p:nvCxnSpPr>
         <p:spPr>
-          <a:xfrm>
-            <a:off x="1781552" y="5561975"/>
-            <a:ext cx="0" cy="437106"/>
+          <a:xfrm flipH="1">
+            <a:off x="1683538" y="5717506"/>
+            <a:ext cx="4172" cy="264807"/>
           </a:xfrm>
           <a:prstGeom prst="straightConnector1">
             <a:avLst/>
@@ -9868,8 +10841,8 @@
         </p:nvCxnSpPr>
         <p:spPr>
           <a:xfrm>
-            <a:off x="1781551" y="1512168"/>
-            <a:ext cx="1" cy="275700"/>
+            <a:off x="1683538" y="1512168"/>
+            <a:ext cx="0" cy="275519"/>
           </a:xfrm>
           <a:prstGeom prst="straightConnector1">
             <a:avLst/>
@@ -9910,8 +10883,8 @@
         </p:nvSpPr>
         <p:spPr>
           <a:xfrm>
-            <a:off x="4520153" y="1839974"/>
-            <a:ext cx="4595301" cy="369332"/>
+            <a:off x="4736831" y="1829444"/>
+            <a:ext cx="6333894" cy="369332"/>
           </a:xfrm>
           <a:prstGeom prst="rect">
             <a:avLst/>
@@ -9925,17 +10898,10 @@
           <a:lstStyle/>
           <a:p>
             <a:r>
-              <a:rPr lang="zh-CN" altLang="en-US" dirty="0"/>
-              <a:t>选择</a:t>
-            </a:r>
-            <a:r>
               <a:rPr lang="en-US" altLang="zh-CN" dirty="0"/>
-              <a:t>20</a:t>
-            </a:r>
-            <a:r>
-              <a:rPr lang="zh-CN" altLang="en-US" dirty="0"/>
-              <a:t>个常见的基础特征</a:t>
-            </a:r>
+              <a:t>Selecting 20 commonly used fundamental features.</a:t>
+            </a:r>
+            <a:endParaRPr lang="zh-CN" altLang="en-US" dirty="0"/>
           </a:p>
         </p:txBody>
       </p:sp>
@@ -9956,9 +10922,9 @@
           <p:nvPr/>
         </p:nvCxnSpPr>
         <p:spPr>
-          <a:xfrm flipH="1" flipV="1">
-            <a:off x="3076548" y="2018527"/>
-            <a:ext cx="1443605" cy="6113"/>
+          <a:xfrm flipH="1">
+            <a:off x="3129569" y="2014110"/>
+            <a:ext cx="1607262" cy="4236"/>
           </a:xfrm>
           <a:prstGeom prst="straightConnector1">
             <a:avLst/>
@@ -10004,9 +10970,9 @@
           <p:nvPr/>
         </p:nvCxnSpPr>
         <p:spPr>
-          <a:xfrm flipH="1" flipV="1">
-            <a:off x="3076551" y="4368794"/>
-            <a:ext cx="1443602" cy="25652"/>
+          <a:xfrm flipH="1">
+            <a:off x="3132979" y="4437823"/>
+            <a:ext cx="1603852" cy="0"/>
           </a:xfrm>
           <a:prstGeom prst="straightConnector1">
             <a:avLst/>
@@ -10047,14 +11013,15 @@
           </p:cNvPr>
           <p:cNvCxnSpPr>
             <a:cxnSpLocks/>
+            <a:stCxn id="70" idx="1"/>
             <a:endCxn id="8" idx="3"/>
           </p:cNvCxnSpPr>
           <p:nvPr/>
         </p:nvCxnSpPr>
         <p:spPr>
           <a:xfrm flipH="1">
-            <a:off x="3076552" y="5210459"/>
-            <a:ext cx="1443601" cy="24736"/>
+            <a:off x="3137912" y="5380081"/>
+            <a:ext cx="1503878" cy="10645"/>
           </a:xfrm>
           <a:prstGeom prst="straightConnector1">
             <a:avLst/>
@@ -10101,14 +11068,17 @@
           <p:nvPr/>
         </p:nvCxnSpPr>
         <p:spPr>
-          <a:xfrm>
-            <a:off x="1781552" y="3790357"/>
-            <a:ext cx="0" cy="302918"/>
+          <a:xfrm flipH="1">
+            <a:off x="1685243" y="3777119"/>
+            <a:ext cx="2467" cy="316156"/>
           </a:xfrm>
           <a:prstGeom prst="straightConnector1">
             <a:avLst/>
           </a:prstGeom>
-          <a:ln>
+          <a:ln w="19050">
+            <a:solidFill>
+              <a:schemeClr val="tx1"/>
+            </a:solidFill>
             <a:tailEnd type="triangle"/>
           </a:ln>
         </p:spPr>
@@ -10141,8 +11111,8 @@
         </p:nvSpPr>
         <p:spPr>
           <a:xfrm>
-            <a:off x="486551" y="5999081"/>
-            <a:ext cx="2590001" cy="653560"/>
+            <a:off x="237507" y="5982313"/>
+            <a:ext cx="2892061" cy="511446"/>
           </a:xfrm>
           <a:prstGeom prst="rect">
             <a:avLst/>
@@ -10206,8 +11176,8 @@
         </p:nvSpPr>
         <p:spPr>
           <a:xfrm>
-            <a:off x="4886171" y="2612665"/>
-            <a:ext cx="2419658" cy="369332"/>
+            <a:off x="4736831" y="2600483"/>
+            <a:ext cx="6062876" cy="369332"/>
           </a:xfrm>
           <a:prstGeom prst="rect">
             <a:avLst/>
@@ -10222,7 +11192,7 @@
           <a:p>
             <a:r>
               <a:rPr lang="en-US" altLang="zh-CN" dirty="0"/>
-              <a:t>20-&gt;480</a:t>
+              <a:t>The 20 features are expanded into 480 features.</a:t>
             </a:r>
             <a:endParaRPr lang="zh-CN" altLang="en-US" dirty="0"/>
           </a:p>
@@ -10242,8 +11212,8 @@
         </p:nvSpPr>
         <p:spPr>
           <a:xfrm>
-            <a:off x="4886171" y="3429000"/>
-            <a:ext cx="2419658" cy="369332"/>
+            <a:off x="5042120" y="3415117"/>
+            <a:ext cx="2589999" cy="369332"/>
           </a:xfrm>
           <a:prstGeom prst="rect">
             <a:avLst/>
@@ -10256,6 +11226,7 @@
           </a:bodyPr>
           <a:lstStyle/>
           <a:p>
+            <a:pPr algn="ctr"/>
             <a:r>
               <a:rPr lang="en-US" altLang="zh-CN" dirty="0"/>
               <a:t>480 -&gt; 428</a:t>
@@ -10278,8 +11249,8 @@
         </p:nvSpPr>
         <p:spPr>
           <a:xfrm>
-            <a:off x="5012188" y="1024121"/>
-            <a:ext cx="2419658" cy="369332"/>
+            <a:off x="4886171" y="1024121"/>
+            <a:ext cx="2419658" cy="400110"/>
           </a:xfrm>
           <a:prstGeom prst="rect">
             <a:avLst/>
@@ -10292,11 +11263,12 @@
           </a:bodyPr>
           <a:lstStyle/>
           <a:p>
-            <a:r>
-              <a:rPr lang="en-US" altLang="zh-CN" dirty="0"/>
+            <a:pPr algn="ctr"/>
+            <a:r>
+              <a:rPr lang="en-US" altLang="zh-CN" sz="2000" b="1" dirty="0"/>
               <a:t>S Prediction</a:t>
             </a:r>
-            <a:endParaRPr lang="zh-CN" altLang="en-US" dirty="0"/>
+            <a:endParaRPr lang="zh-CN" altLang="en-US" sz="2000" b="1" dirty="0"/>
           </a:p>
         </p:txBody>
       </p:sp>
@@ -10314,8 +11286,8 @@
         </p:nvSpPr>
         <p:spPr>
           <a:xfrm>
-            <a:off x="8157657" y="1024121"/>
-            <a:ext cx="2419658" cy="369332"/>
+            <a:off x="8395159" y="1024121"/>
+            <a:ext cx="2419658" cy="400110"/>
           </a:xfrm>
           <a:prstGeom prst="rect">
             <a:avLst/>
@@ -10328,11 +11300,12 @@
           </a:bodyPr>
           <a:lstStyle/>
           <a:p>
-            <a:r>
-              <a:rPr lang="en-US" altLang="zh-CN" dirty="0"/>
+            <a:pPr algn="ctr"/>
+            <a:r>
+              <a:rPr lang="en-US" altLang="zh-CN" sz="2000" b="1" dirty="0"/>
               <a:t>D Prediction</a:t>
             </a:r>
-            <a:endParaRPr lang="zh-CN" altLang="en-US" dirty="0"/>
+            <a:endParaRPr lang="zh-CN" altLang="en-US" sz="2000" b="1" dirty="0"/>
           </a:p>
         </p:txBody>
       </p:sp>
@@ -10350,7 +11323,7 @@
         </p:nvSpPr>
         <p:spPr>
           <a:xfrm>
-            <a:off x="8157657" y="3403190"/>
+            <a:off x="8252283" y="3396902"/>
             <a:ext cx="2419658" cy="369332"/>
           </a:xfrm>
           <a:prstGeom prst="rect">
@@ -10364,6 +11337,7 @@
           </a:bodyPr>
           <a:lstStyle/>
           <a:p>
+            <a:pPr algn="ctr"/>
             <a:r>
               <a:rPr lang="en-US" altLang="zh-CN" dirty="0"/>
               <a:t>480 -&gt; 370</a:t>
@@ -10386,7 +11360,7 @@
         </p:nvSpPr>
         <p:spPr>
           <a:xfrm>
-            <a:off x="4886171" y="4130143"/>
+            <a:off x="4981692" y="4253072"/>
             <a:ext cx="2419658" cy="369332"/>
           </a:xfrm>
           <a:prstGeom prst="rect">
@@ -10400,6 +11374,7 @@
           </a:bodyPr>
           <a:lstStyle/>
           <a:p>
+            <a:pPr algn="ctr"/>
             <a:r>
               <a:rPr lang="en-US" altLang="zh-CN" dirty="0"/>
               <a:t>428 -&gt; 3</a:t>
@@ -10422,8 +11397,8 @@
         </p:nvSpPr>
         <p:spPr>
           <a:xfrm>
-            <a:off x="8157657" y="4156619"/>
-            <a:ext cx="2419658" cy="369332"/>
+            <a:off x="8584049" y="4251077"/>
+            <a:ext cx="1756124" cy="369332"/>
           </a:xfrm>
           <a:prstGeom prst="rect">
             <a:avLst/>
@@ -10436,6 +11411,7 @@
           </a:bodyPr>
           <a:lstStyle/>
           <a:p>
+            <a:pPr algn="ctr"/>
             <a:r>
               <a:rPr lang="en-US" altLang="zh-CN" dirty="0"/>
               <a:t>370 -&gt; 5</a:t>
@@ -10458,7 +11434,7 @@
         </p:nvSpPr>
         <p:spPr>
           <a:xfrm>
-            <a:off x="4886170" y="5050529"/>
+            <a:off x="4641790" y="5056915"/>
             <a:ext cx="3271483" cy="646331"/>
           </a:xfrm>
           <a:prstGeom prst="rect">
@@ -10472,15 +11448,17 @@
           </a:bodyPr>
           <a:lstStyle/>
           <a:p>
+            <a:pPr algn="ctr"/>
             <a:r>
               <a:rPr lang="en-US" altLang="zh-CN" dirty="0"/>
-              <a:t>3 -&gt; 1 </a:t>
-            </a:r>
-          </a:p>
-          <a:p>
+              <a:t>3 -&gt; 1</a:t>
+            </a:r>
+          </a:p>
+          <a:p>
+            <a:pPr algn="ctr"/>
             <a:r>
               <a:rPr lang="en-US" altLang="zh-CN" dirty="0"/>
-              <a:t>Just Dis21_divide_Dis12</a:t>
+              <a:t>Just “Dis21_divide_Dis12”</a:t>
             </a:r>
           </a:p>
         </p:txBody>
@@ -10499,8 +11477,8 @@
         </p:nvSpPr>
         <p:spPr>
           <a:xfrm>
-            <a:off x="8854343" y="4998504"/>
-            <a:ext cx="2419658" cy="923330"/>
+            <a:off x="7904528" y="5058482"/>
+            <a:ext cx="3337657" cy="646331"/>
           </a:xfrm>
           <a:prstGeom prst="rect">
             <a:avLst/>
@@ -10513,13 +11491,29 @@
           </a:bodyPr>
           <a:lstStyle/>
           <a:p>
+            <a:pPr algn="ctr"/>
             <a:r>
               <a:rPr lang="en-US" altLang="zh-CN" dirty="0"/>
               <a:t>5 -&gt; 4 </a:t>
             </a:r>
+          </a:p>
+          <a:p>
+            <a:pPr algn="ctr"/>
+            <a:r>
+              <a:rPr lang="en-US" altLang="zh-CN" dirty="0"/>
+              <a:t>“</a:t>
+            </a:r>
             <a:r>
               <a:rPr lang="fr-FR" altLang="zh-CN" dirty="0"/>
-              <a:t>P2_divide_P1 is included</a:t>
+              <a:t>P2_divide_P1</a:t>
+            </a:r>
+            <a:r>
+              <a:rPr lang="en-US" altLang="zh-CN" dirty="0"/>
+              <a:t>”</a:t>
+            </a:r>
+            <a:r>
+              <a:rPr lang="fr-FR" altLang="zh-CN" dirty="0"/>
+              <a:t> included</a:t>
             </a:r>
             <a:endParaRPr lang="zh-CN" altLang="en-US" dirty="0"/>
           </a:p>
@@ -10539,8 +11533,8 @@
         </p:nvSpPr>
         <p:spPr>
           <a:xfrm>
-            <a:off x="4886170" y="6124427"/>
-            <a:ext cx="3271483" cy="369332"/>
+            <a:off x="5459272" y="6135713"/>
+            <a:ext cx="1464497" cy="369332"/>
           </a:xfrm>
           <a:prstGeom prst="rect">
             <a:avLst/>
@@ -10558,9 +11552,6 @@
             </a:pPr>
             <a:r>
               <a:rPr lang="en-US" altLang="zh-CN" dirty="0">
-                <a:solidFill>
-                  <a:srgbClr val="ABB2BF"/>
-                </a:solidFill>
                 <a:latin typeface="Consolas" panose="020B0609020204030204" pitchFamily="49" charset="0"/>
               </a:rPr>
               <a:t>MAE: 1.76</a:t>
@@ -10583,8 +11574,8 @@
         </p:nvSpPr>
         <p:spPr>
           <a:xfrm>
-            <a:off x="8657449" y="6141195"/>
-            <a:ext cx="2616552" cy="646331"/>
+            <a:off x="8013922" y="6048019"/>
+            <a:ext cx="3975593" cy="646331"/>
           </a:xfrm>
           <a:prstGeom prst="rect">
             <a:avLst/>
@@ -10599,28 +11590,213 @@
           <a:p>
             <a:r>
               <a:rPr lang="en-US" altLang="zh-CN" dirty="0">
-                <a:solidFill>
-                  <a:srgbClr val="ABB2BF"/>
-                </a:solidFill>
                 <a:latin typeface="Consolas" panose="020B0609020204030204" pitchFamily="49" charset="0"/>
               </a:rPr>
-              <a:t>MAE: 4.09 </a:t>
+              <a:t>MAE: 4.09 (“P2_divide_P1 only)</a:t>
             </a:r>
           </a:p>
           <a:p>
             <a:r>
               <a:rPr lang="en-US" altLang="zh-CN" dirty="0">
-                <a:solidFill>
-                  <a:srgbClr val="ABB2BF"/>
-                </a:solidFill>
                 <a:latin typeface="Consolas" panose="020B0609020204030204" pitchFamily="49" charset="0"/>
               </a:rPr>
-              <a:t>MAE: 4.47</a:t>
+              <a:t>MAE: 4.47 (Selected 4 features)</a:t>
             </a:r>
             <a:endParaRPr lang="zh-CN" altLang="en-US" dirty="0"/>
           </a:p>
         </p:txBody>
       </p:sp>
+      <p:cxnSp>
+        <p:nvCxnSpPr>
+          <p:cNvPr id="11" name="直接箭头连接符 10">
+            <a:extLst>
+              <a:ext uri="{FF2B5EF4-FFF2-40B4-BE49-F238E27FC236}">
+                <a16:creationId xmlns:a16="http://schemas.microsoft.com/office/drawing/2014/main" id="{388F33E8-65DB-AA12-03E8-7DCE7D549670}"/>
+              </a:ext>
+            </a:extLst>
+          </p:cNvPr>
+          <p:cNvCxnSpPr>
+            <a:cxnSpLocks/>
+            <a:stCxn id="61" idx="1"/>
+            <a:endCxn id="5" idx="3"/>
+          </p:cNvCxnSpPr>
+          <p:nvPr/>
+        </p:nvCxnSpPr>
+        <p:spPr>
+          <a:xfrm flipH="1">
+            <a:off x="3137912" y="2785149"/>
+            <a:ext cx="1598919" cy="3302"/>
+          </a:xfrm>
+          <a:prstGeom prst="straightConnector1">
+            <a:avLst/>
+          </a:prstGeom>
+          <a:ln>
+            <a:solidFill>
+              <a:schemeClr val="bg1">
+                <a:lumMod val="50000"/>
+              </a:schemeClr>
+            </a:solidFill>
+            <a:prstDash val="lgDash"/>
+            <a:tailEnd type="triangle"/>
+          </a:ln>
+        </p:spPr>
+        <p:style>
+          <a:lnRef idx="1">
+            <a:schemeClr val="accent1"/>
+          </a:lnRef>
+          <a:fillRef idx="0">
+            <a:schemeClr val="accent1"/>
+          </a:fillRef>
+          <a:effectRef idx="0">
+            <a:schemeClr val="accent1"/>
+          </a:effectRef>
+          <a:fontRef idx="minor">
+            <a:schemeClr val="tx1"/>
+          </a:fontRef>
+        </p:style>
+      </p:cxnSp>
+      <p:cxnSp>
+        <p:nvCxnSpPr>
+          <p:cNvPr id="23" name="直接连接符 22">
+            <a:extLst>
+              <a:ext uri="{FF2B5EF4-FFF2-40B4-BE49-F238E27FC236}">
+                <a16:creationId xmlns:a16="http://schemas.microsoft.com/office/drawing/2014/main" id="{EA7D74F4-39CA-2DBA-2482-47DC24A63D11}"/>
+              </a:ext>
+            </a:extLst>
+          </p:cNvPr>
+          <p:cNvCxnSpPr>
+            <a:cxnSpLocks/>
+          </p:cNvCxnSpPr>
+          <p:nvPr/>
+        </p:nvCxnSpPr>
+        <p:spPr>
+          <a:xfrm>
+            <a:off x="7956468" y="865837"/>
+            <a:ext cx="0" cy="5992163"/>
+          </a:xfrm>
+          <a:prstGeom prst="line">
+            <a:avLst/>
+          </a:prstGeom>
+          <a:ln w="19050">
+            <a:solidFill>
+              <a:schemeClr val="bg1">
+                <a:lumMod val="65000"/>
+              </a:schemeClr>
+            </a:solidFill>
+            <a:prstDash val="dash"/>
+          </a:ln>
+        </p:spPr>
+        <p:style>
+          <a:lnRef idx="1">
+            <a:schemeClr val="accent1"/>
+          </a:lnRef>
+          <a:fillRef idx="0">
+            <a:schemeClr val="accent1"/>
+          </a:fillRef>
+          <a:effectRef idx="0">
+            <a:schemeClr val="accent1"/>
+          </a:effectRef>
+          <a:fontRef idx="minor">
+            <a:schemeClr val="tx1"/>
+          </a:fontRef>
+        </p:style>
+      </p:cxnSp>
+      <p:cxnSp>
+        <p:nvCxnSpPr>
+          <p:cNvPr id="26" name="直接箭头连接符 25">
+            <a:extLst>
+              <a:ext uri="{FF2B5EF4-FFF2-40B4-BE49-F238E27FC236}">
+                <a16:creationId xmlns:a16="http://schemas.microsoft.com/office/drawing/2014/main" id="{54381B88-C9D8-7BBF-6ECD-D224C99A1007}"/>
+              </a:ext>
+            </a:extLst>
+          </p:cNvPr>
+          <p:cNvCxnSpPr>
+            <a:cxnSpLocks/>
+            <a:endCxn id="6" idx="3"/>
+          </p:cNvCxnSpPr>
+          <p:nvPr/>
+        </p:nvCxnSpPr>
+        <p:spPr>
+          <a:xfrm flipH="1">
+            <a:off x="3137912" y="3537600"/>
+            <a:ext cx="1598919" cy="1"/>
+          </a:xfrm>
+          <a:prstGeom prst="straightConnector1">
+            <a:avLst/>
+          </a:prstGeom>
+          <a:ln>
+            <a:solidFill>
+              <a:schemeClr val="bg1">
+                <a:lumMod val="50000"/>
+              </a:schemeClr>
+            </a:solidFill>
+            <a:prstDash val="lgDash"/>
+            <a:tailEnd type="triangle"/>
+          </a:ln>
+        </p:spPr>
+        <p:style>
+          <a:lnRef idx="1">
+            <a:schemeClr val="accent1"/>
+          </a:lnRef>
+          <a:fillRef idx="0">
+            <a:schemeClr val="accent1"/>
+          </a:fillRef>
+          <a:effectRef idx="0">
+            <a:schemeClr val="accent1"/>
+          </a:effectRef>
+          <a:fontRef idx="minor">
+            <a:schemeClr val="tx1"/>
+          </a:fontRef>
+        </p:style>
+      </p:cxnSp>
+      <p:cxnSp>
+        <p:nvCxnSpPr>
+          <p:cNvPr id="123" name="直接箭头连接符 122">
+            <a:extLst>
+              <a:ext uri="{FF2B5EF4-FFF2-40B4-BE49-F238E27FC236}">
+                <a16:creationId xmlns:a16="http://schemas.microsoft.com/office/drawing/2014/main" id="{0A3C3C35-BCBD-9924-E13B-5220030F09D4}"/>
+              </a:ext>
+            </a:extLst>
+          </p:cNvPr>
+          <p:cNvCxnSpPr>
+            <a:cxnSpLocks/>
+            <a:endCxn id="57" idx="3"/>
+          </p:cNvCxnSpPr>
+          <p:nvPr/>
+        </p:nvCxnSpPr>
+        <p:spPr>
+          <a:xfrm flipH="1">
+            <a:off x="3129568" y="6238036"/>
+            <a:ext cx="1512222" cy="0"/>
+          </a:xfrm>
+          <a:prstGeom prst="straightConnector1">
+            <a:avLst/>
+          </a:prstGeom>
+          <a:ln>
+            <a:solidFill>
+              <a:schemeClr val="bg1">
+                <a:lumMod val="50000"/>
+              </a:schemeClr>
+            </a:solidFill>
+            <a:prstDash val="lgDash"/>
+            <a:tailEnd type="triangle"/>
+          </a:ln>
+        </p:spPr>
+        <p:style>
+          <a:lnRef idx="1">
+            <a:schemeClr val="accent1"/>
+          </a:lnRef>
+          <a:fillRef idx="0">
+            <a:schemeClr val="accent1"/>
+          </a:fillRef>
+          <a:effectRef idx="0">
+            <a:schemeClr val="accent1"/>
+          </a:effectRef>
+          <a:fontRef idx="minor">
+            <a:schemeClr val="tx1"/>
+          </a:fontRef>
+        </p:style>
+      </p:cxnSp>
     </p:spTree>
     <p:extLst>
       <p:ext uri="{BB962C8B-B14F-4D97-AF65-F5344CB8AC3E}">
@@ -10715,13 +11891,13 @@
           <p:nvPr>
             <p:extLst>
               <p:ext uri="{D42A27DB-BD31-4B8C-83A1-F6EECF244321}">
-                <p14:modId xmlns:p14="http://schemas.microsoft.com/office/powerpoint/2010/main" val="3833628367"/>
+                <p14:modId xmlns:p14="http://schemas.microsoft.com/office/powerpoint/2010/main" val="818500211"/>
               </p:ext>
             </p:extLst>
           </p:nvPr>
         </p:nvGraphicFramePr>
         <p:xfrm>
-          <a:off x="5007428" y="0"/>
+          <a:off x="4992832" y="218301"/>
           <a:ext cx="7184572" cy="2832499"/>
         </p:xfrm>
         <a:graphic>
@@ -11264,8 +12440,8 @@
         </p:nvSpPr>
         <p:spPr>
           <a:xfrm>
-            <a:off x="2162627" y="1120393"/>
-            <a:ext cx="5210629" cy="1477328"/>
+            <a:off x="-5854" y="3578396"/>
+            <a:ext cx="3995387" cy="1754326"/>
           </a:xfrm>
           <a:prstGeom prst="rect">
             <a:avLst/>
@@ -11280,7 +12456,7 @@
           <a:p>
             <a:r>
               <a:rPr lang="en-US" altLang="zh-CN" dirty="0"/>
-              <a:t>Target Feature of S:</a:t>
+              <a:t>20 Commonly used Features</a:t>
             </a:r>
           </a:p>
           <a:p>
@@ -11289,7 +12465,21 @@
           <a:p>
             <a:r>
               <a:rPr lang="en-US" altLang="zh-CN" dirty="0"/>
-              <a:t>Target Feature of D: </a:t>
+              <a:t>Core Feature of S:</a:t>
+            </a:r>
+            <a:r>
+              <a:rPr lang="en-US" altLang="zh-CN" b="1" dirty="0"/>
+              <a:t>Dis21/Dis12</a:t>
+            </a:r>
+          </a:p>
+          <a:p>
+            <a:r>
+              <a:rPr lang="en-US" altLang="zh-CN" dirty="0"/>
+              <a:t>Core Feature of D:</a:t>
+            </a:r>
+            <a:r>
+              <a:rPr lang="en-US" altLang="zh-CN" b="1" dirty="0"/>
+              <a:t>P1/P2</a:t>
             </a:r>
           </a:p>
           <a:p>
@@ -11306,10 +12496,10 @@
       </p:sp>
       <p:sp>
         <p:nvSpPr>
-          <p:cNvPr id="6" name="文本框 5">
-            <a:extLst>
-              <a:ext uri="{FF2B5EF4-FFF2-40B4-BE49-F238E27FC236}">
-                <a16:creationId xmlns:a16="http://schemas.microsoft.com/office/drawing/2014/main" id="{B956A123-8812-AFCD-5ABC-649CFAE1B519}"/>
+          <p:cNvPr id="7" name="文本框 6">
+            <a:extLst>
+              <a:ext uri="{FF2B5EF4-FFF2-40B4-BE49-F238E27FC236}">
+                <a16:creationId xmlns:a16="http://schemas.microsoft.com/office/drawing/2014/main" id="{E8EA29A7-3A6D-7E78-2763-14CF912692AA}"/>
               </a:ext>
             </a:extLst>
           </p:cNvPr>
@@ -11318,13 +12508,80 @@
         </p:nvSpPr>
         <p:spPr>
           <a:xfrm>
-            <a:off x="2510969" y="5041164"/>
-            <a:ext cx="1567545" cy="1754326"/>
+            <a:off x="3989533" y="4313639"/>
+            <a:ext cx="3938402" cy="369332"/>
           </a:xfrm>
           <a:prstGeom prst="rect">
             <a:avLst/>
           </a:prstGeom>
           <a:noFill/>
+          <a:ln w="12700">
+            <a:solidFill>
+              <a:schemeClr val="bg1">
+                <a:lumMod val="50000"/>
+              </a:schemeClr>
+            </a:solidFill>
+          </a:ln>
+        </p:spPr>
+        <p:txBody>
+          <a:bodyPr wrap="square">
+            <a:spAutoFit/>
+          </a:bodyPr>
+          <a:lstStyle>
+            <a:defPPr>
+              <a:defRPr lang="zh-CN"/>
+            </a:defPPr>
+          </a:lstStyle>
+          <a:p>
+            <a:pPr algn="ctr"/>
+            <a:r>
+              <a:rPr lang="en-US" altLang="zh-CN" dirty="0"/>
+              <a:t>Get </a:t>
+            </a:r>
+            <a:r>
+              <a:rPr lang="en-US" altLang="zh-CN" dirty="0" err="1"/>
+              <a:t>Feature_i</a:t>
+            </a:r>
+            <a:r>
+              <a:rPr lang="en-US" altLang="zh-CN" dirty="0"/>
+              <a:t> and </a:t>
+            </a:r>
+            <a:r>
+              <a:rPr lang="en-US" altLang="zh-CN" dirty="0" err="1"/>
+              <a:t>Feature_j</a:t>
+            </a:r>
+            <a:endParaRPr lang="en-US" altLang="zh-CN" dirty="0"/>
+          </a:p>
+        </p:txBody>
+      </p:sp>
+      <p:sp>
+        <p:nvSpPr>
+          <p:cNvPr id="8" name="文本框 7">
+            <a:extLst>
+              <a:ext uri="{FF2B5EF4-FFF2-40B4-BE49-F238E27FC236}">
+                <a16:creationId xmlns:a16="http://schemas.microsoft.com/office/drawing/2014/main" id="{BD399101-490D-5088-BEB2-1A3FF8100B5A}"/>
+              </a:ext>
+            </a:extLst>
+          </p:cNvPr>
+          <p:cNvSpPr txBox="1"/>
+          <p:nvPr/>
+        </p:nvSpPr>
+        <p:spPr>
+          <a:xfrm>
+            <a:off x="3989533" y="3662337"/>
+            <a:ext cx="3938402" cy="369332"/>
+          </a:xfrm>
+          <a:prstGeom prst="rect">
+            <a:avLst/>
+          </a:prstGeom>
+          <a:noFill/>
+          <a:ln w="12700">
+            <a:solidFill>
+              <a:schemeClr val="bg1">
+                <a:lumMod val="50000"/>
+              </a:schemeClr>
+            </a:solidFill>
+          </a:ln>
         </p:spPr>
         <p:txBody>
           <a:bodyPr wrap="square">
@@ -11332,124 +12589,7 @@
           </a:bodyPr>
           <a:lstStyle/>
           <a:p>
-            <a:r>
-              <a:rPr lang="en-US" altLang="zh-CN" dirty="0" err="1"/>
-              <a:t>Feature_i</a:t>
-            </a:r>
-            <a:endParaRPr lang="en-US" altLang="zh-CN" dirty="0"/>
-          </a:p>
-          <a:p>
-            <a:r>
-              <a:rPr lang="en-US" altLang="zh-CN" b="1" dirty="0"/>
-              <a:t>_add_</a:t>
-            </a:r>
-          </a:p>
-          <a:p>
-            <a:r>
-              <a:rPr lang="en-US" altLang="zh-CN" b="1" dirty="0"/>
-              <a:t>_minus_</a:t>
-            </a:r>
-          </a:p>
-          <a:p>
-            <a:r>
-              <a:rPr lang="en-US" altLang="zh-CN" b="1" dirty="0"/>
-              <a:t>_multi_</a:t>
-            </a:r>
-          </a:p>
-          <a:p>
-            <a:r>
-              <a:rPr lang="en-US" altLang="zh-CN" b="1" dirty="0"/>
-              <a:t>_divide_</a:t>
-            </a:r>
-          </a:p>
-          <a:p>
-            <a:r>
-              <a:rPr lang="en-US" altLang="zh-CN" dirty="0" err="1"/>
-              <a:t>Feature_j</a:t>
-            </a:r>
-            <a:endParaRPr lang="en-US" altLang="zh-CN" dirty="0"/>
-          </a:p>
-        </p:txBody>
-      </p:sp>
-      <p:sp>
-        <p:nvSpPr>
-          <p:cNvPr id="7" name="文本框 6">
-            <a:extLst>
-              <a:ext uri="{FF2B5EF4-FFF2-40B4-BE49-F238E27FC236}">
-                <a16:creationId xmlns:a16="http://schemas.microsoft.com/office/drawing/2014/main" id="{E8EA29A7-3A6D-7E78-2763-14CF912692AA}"/>
-              </a:ext>
-            </a:extLst>
-          </p:cNvPr>
-          <p:cNvSpPr txBox="1"/>
-          <p:nvPr/>
-        </p:nvSpPr>
-        <p:spPr>
-          <a:xfrm>
-            <a:off x="1122218" y="4538508"/>
-            <a:ext cx="4259943" cy="369332"/>
-          </a:xfrm>
-          <a:prstGeom prst="rect">
-            <a:avLst/>
-          </a:prstGeom>
-          <a:noFill/>
-        </p:spPr>
-        <p:txBody>
-          <a:bodyPr wrap="square">
-            <a:spAutoFit/>
-          </a:bodyPr>
-          <a:lstStyle/>
-          <a:p>
-            <a:r>
-              <a:rPr lang="en-US" altLang="zh-CN" dirty="0"/>
-              <a:t>Get </a:t>
-            </a:r>
-            <a:r>
-              <a:rPr lang="en-US" altLang="zh-CN" dirty="0" err="1"/>
-              <a:t>Feature_i</a:t>
-            </a:r>
-            <a:r>
-              <a:rPr lang="en-US" altLang="zh-CN" dirty="0"/>
-              <a:t> </a:t>
-            </a:r>
-            <a:r>
-              <a:rPr lang="en-US" altLang="zh-CN" dirty="0" err="1"/>
-              <a:t>Feature_j</a:t>
-            </a:r>
-            <a:r>
-              <a:rPr lang="en-US" altLang="zh-CN" dirty="0"/>
-              <a:t> from </a:t>
-            </a:r>
-          </a:p>
-        </p:txBody>
-      </p:sp>
-      <p:sp>
-        <p:nvSpPr>
-          <p:cNvPr id="8" name="文本框 7">
-            <a:extLst>
-              <a:ext uri="{FF2B5EF4-FFF2-40B4-BE49-F238E27FC236}">
-                <a16:creationId xmlns:a16="http://schemas.microsoft.com/office/drawing/2014/main" id="{BD399101-490D-5088-BEB2-1A3FF8100B5A}"/>
-              </a:ext>
-            </a:extLst>
-          </p:cNvPr>
-          <p:cNvSpPr txBox="1"/>
-          <p:nvPr/>
-        </p:nvSpPr>
-        <p:spPr>
-          <a:xfrm>
-            <a:off x="1122217" y="3533448"/>
-            <a:ext cx="4259943" cy="369332"/>
-          </a:xfrm>
-          <a:prstGeom prst="rect">
-            <a:avLst/>
-          </a:prstGeom>
-          <a:noFill/>
-        </p:spPr>
-        <p:txBody>
-          <a:bodyPr wrap="square">
-            <a:spAutoFit/>
-          </a:bodyPr>
-          <a:lstStyle/>
-          <a:p>
+            <a:pPr algn="ctr"/>
             <a:r>
               <a:rPr lang="en-US" altLang="zh-CN" dirty="0"/>
               <a:t>Feature_0 . . . Feature_19</a:t>
@@ -11457,8 +12597,8 @@
           </a:p>
         </p:txBody>
       </p:sp>
-      <mc:AlternateContent xmlns:mc="http://schemas.openxmlformats.org/markup-compatibility/2006" xmlns:a14="http://schemas.microsoft.com/office/drawing/2010/main">
-        <mc:Choice Requires="a14">
+      <mc:AlternateContent xmlns:mc="http://schemas.openxmlformats.org/markup-compatibility/2006">
+        <mc:Choice xmlns:a14="http://schemas.microsoft.com/office/drawing/2010/main" Requires="a14">
           <p:sp>
             <p:nvSpPr>
               <p:cNvPr id="9" name="文本框 8">
@@ -11473,8 +12613,8 @@
             </p:nvSpPr>
             <p:spPr>
               <a:xfrm>
-                <a:off x="7658595" y="3902780"/>
-                <a:ext cx="1882238" cy="2031325"/>
+                <a:off x="8454241" y="4148855"/>
+                <a:ext cx="3488377" cy="1200329"/>
               </a:xfrm>
               <a:prstGeom prst="rect">
                 <a:avLst/>
@@ -11489,27 +12629,21 @@
               <a:p>
                 <a:r>
                   <a:rPr lang="en-US" altLang="zh-CN" dirty="0"/>
-                  <a:t>N </a:t>
+                  <a:t>n</a:t>
                 </a:r>
                 <a:r>
                   <a:rPr lang="zh-CN" altLang="en-US" dirty="0"/>
-                  <a:t>个 </a:t>
+                  <a:t> </a:t>
                 </a:r>
                 <a:r>
                   <a:rPr lang="en-US" altLang="zh-CN" dirty="0"/>
-                  <a:t>basic features</a:t>
+                  <a:t>basic features,</a:t>
                 </a:r>
-              </a:p>
-              <a:p>
-                <a:endParaRPr lang="en-US" altLang="zh-CN" dirty="0"/>
-              </a:p>
-              <a:p>
-                <a:endParaRPr lang="en-US" altLang="zh-CN" dirty="0"/>
               </a:p>
               <a:p>
                 <a:r>
                   <a:rPr lang="en-US" altLang="zh-CN" dirty="0"/>
-                  <a:t>4 * </a:t>
+                  <a:t>All features = 4 * </a:t>
                 </a:r>
                 <a14:m>
                   <m:oMath xmlns:m="http://schemas.openxmlformats.org/officeDocument/2006/math">
@@ -11548,21 +12682,21 @@
                     </m:sSubSup>
                   </m:oMath>
                 </a14:m>
+                <a:r>
+                  <a:rPr lang="en-US" altLang="zh-CN" dirty="0"/>
+                  <a:t> + n</a:t>
+                </a:r>
+              </a:p>
+              <a:p>
                 <a:endParaRPr lang="en-US" altLang="zh-CN" dirty="0"/>
               </a:p>
               <a:p>
                 <a:endParaRPr lang="en-US" altLang="zh-CN" dirty="0"/>
               </a:p>
-              <a:p>
-                <a:r>
-                  <a:rPr lang="en-US" altLang="zh-CN" dirty="0"/>
-                  <a:t>N = 20 -&gt; 480</a:t>
-                </a:r>
-              </a:p>
             </p:txBody>
           </p:sp>
         </mc:Choice>
-        <mc:Fallback xmlns="">
+        <mc:Fallback>
           <p:sp>
             <p:nvSpPr>
               <p:cNvPr id="9" name="文本框 8">
@@ -11579,8 +12713,8 @@
             </p:nvSpPr>
             <p:spPr>
               <a:xfrm>
-                <a:off x="7658595" y="3902780"/>
-                <a:ext cx="1882238" cy="2031325"/>
+                <a:off x="8454241" y="4148855"/>
+                <a:ext cx="3488377" cy="1200329"/>
               </a:xfrm>
               <a:prstGeom prst="rect">
                 <a:avLst/>
@@ -11588,7 +12722,7 @@
               <a:blipFill>
                 <a:blip r:embed="rId3"/>
                 <a:stretch>
-                  <a:fillRect l="-2589" t="-1502" b="-3904"/>
+                  <a:fillRect l="-1573" t="-3061"/>
                 </a:stretch>
               </a:blipFill>
             </p:spPr>
@@ -11607,6 +12741,620 @@
           </p:sp>
         </mc:Fallback>
       </mc:AlternateContent>
+      <p:cxnSp>
+        <p:nvCxnSpPr>
+          <p:cNvPr id="11" name="直接箭头连接符 10">
+            <a:extLst>
+              <a:ext uri="{FF2B5EF4-FFF2-40B4-BE49-F238E27FC236}">
+                <a16:creationId xmlns:a16="http://schemas.microsoft.com/office/drawing/2014/main" id="{0CA99DD0-A77B-2725-F9C5-27EDA8F1C8A6}"/>
+              </a:ext>
+            </a:extLst>
+          </p:cNvPr>
+          <p:cNvCxnSpPr>
+            <a:cxnSpLocks/>
+            <a:stCxn id="5" idx="0"/>
+            <a:endCxn id="4" idx="1"/>
+          </p:cNvCxnSpPr>
+          <p:nvPr/>
+        </p:nvCxnSpPr>
+        <p:spPr>
+          <a:xfrm flipV="1">
+            <a:off x="1991840" y="1634550"/>
+            <a:ext cx="3000992" cy="1943846"/>
+          </a:xfrm>
+          <a:prstGeom prst="straightConnector1">
+            <a:avLst/>
+          </a:prstGeom>
+          <a:ln>
+            <a:solidFill>
+              <a:schemeClr val="tx1"/>
+            </a:solidFill>
+            <a:tailEnd type="triangle"/>
+          </a:ln>
+        </p:spPr>
+        <p:style>
+          <a:lnRef idx="1">
+            <a:schemeClr val="accent1"/>
+          </a:lnRef>
+          <a:fillRef idx="0">
+            <a:schemeClr val="accent1"/>
+          </a:fillRef>
+          <a:effectRef idx="0">
+            <a:schemeClr val="accent1"/>
+          </a:effectRef>
+          <a:fontRef idx="minor">
+            <a:schemeClr val="tx1"/>
+          </a:fontRef>
+        </p:style>
+      </p:cxnSp>
+      <p:grpSp>
+        <p:nvGrpSpPr>
+          <p:cNvPr id="22" name="组合 21">
+            <a:extLst>
+              <a:ext uri="{FF2B5EF4-FFF2-40B4-BE49-F238E27FC236}">
+                <a16:creationId xmlns:a16="http://schemas.microsoft.com/office/drawing/2014/main" id="{D57B8079-0A89-D36D-DBAC-F2EEB7E604D0}"/>
+              </a:ext>
+            </a:extLst>
+          </p:cNvPr>
+          <p:cNvGrpSpPr/>
+          <p:nvPr/>
+        </p:nvGrpSpPr>
+        <p:grpSpPr>
+          <a:xfrm>
+            <a:off x="3989533" y="4967603"/>
+            <a:ext cx="3938402" cy="1200329"/>
+            <a:chOff x="3989534" y="4620343"/>
+            <a:chExt cx="3938402" cy="1200329"/>
+          </a:xfrm>
+        </p:grpSpPr>
+        <p:sp>
+          <p:nvSpPr>
+            <p:cNvPr id="6" name="文本框 5">
+              <a:extLst>
+                <a:ext uri="{FF2B5EF4-FFF2-40B4-BE49-F238E27FC236}">
+                  <a16:creationId xmlns:a16="http://schemas.microsoft.com/office/drawing/2014/main" id="{B956A123-8812-AFCD-5ABC-649CFAE1B519}"/>
+                </a:ext>
+              </a:extLst>
+            </p:cNvPr>
+            <p:cNvSpPr txBox="1"/>
+            <p:nvPr/>
+          </p:nvSpPr>
+          <p:spPr>
+            <a:xfrm>
+              <a:off x="3989534" y="4620343"/>
+              <a:ext cx="3938402" cy="1200329"/>
+            </a:xfrm>
+            <a:prstGeom prst="rect">
+              <a:avLst/>
+            </a:prstGeom>
+            <a:noFill/>
+            <a:ln w="12700">
+              <a:solidFill>
+                <a:schemeClr val="bg1">
+                  <a:lumMod val="50000"/>
+                </a:schemeClr>
+              </a:solidFill>
+            </a:ln>
+          </p:spPr>
+          <p:txBody>
+            <a:bodyPr wrap="square">
+              <a:spAutoFit/>
+            </a:bodyPr>
+            <a:lstStyle>
+              <a:defPPr>
+                <a:defRPr lang="zh-CN"/>
+              </a:defPPr>
+            </a:lstStyle>
+            <a:p>
+              <a:pPr algn="ctr"/>
+              <a:r>
+                <a:rPr lang="en-US" altLang="zh-CN" b="1" dirty="0"/>
+                <a:t>_add_</a:t>
+              </a:r>
+            </a:p>
+            <a:p>
+              <a:pPr algn="ctr"/>
+              <a:r>
+                <a:rPr lang="en-US" altLang="zh-CN" b="1" dirty="0"/>
+                <a:t>_minus_</a:t>
+              </a:r>
+            </a:p>
+            <a:p>
+              <a:pPr algn="ctr"/>
+              <a:r>
+                <a:rPr lang="en-US" altLang="zh-CN" b="1" dirty="0"/>
+                <a:t>_multi_</a:t>
+              </a:r>
+            </a:p>
+            <a:p>
+              <a:pPr algn="ctr"/>
+              <a:r>
+                <a:rPr lang="en-US" altLang="zh-CN" b="1" dirty="0"/>
+                <a:t>_divide_</a:t>
+              </a:r>
+            </a:p>
+          </p:txBody>
+        </p:sp>
+        <p:sp>
+          <p:nvSpPr>
+            <p:cNvPr id="14" name="文本框 13">
+              <a:extLst>
+                <a:ext uri="{FF2B5EF4-FFF2-40B4-BE49-F238E27FC236}">
+                  <a16:creationId xmlns:a16="http://schemas.microsoft.com/office/drawing/2014/main" id="{A4596023-49C1-7059-00C6-E8B58DFC61D9}"/>
+                </a:ext>
+              </a:extLst>
+            </p:cNvPr>
+            <p:cNvSpPr txBox="1"/>
+            <p:nvPr/>
+          </p:nvSpPr>
+          <p:spPr>
+            <a:xfrm>
+              <a:off x="4107627" y="5096379"/>
+              <a:ext cx="1362695" cy="369332"/>
+            </a:xfrm>
+            <a:prstGeom prst="rect">
+              <a:avLst/>
+            </a:prstGeom>
+            <a:noFill/>
+          </p:spPr>
+          <p:txBody>
+            <a:bodyPr wrap="square">
+              <a:spAutoFit/>
+            </a:bodyPr>
+            <a:lstStyle/>
+            <a:p>
+              <a:pPr algn="ctr"/>
+              <a:r>
+                <a:rPr lang="en-US" altLang="zh-CN" dirty="0" err="1"/>
+                <a:t>Feature_i</a:t>
+              </a:r>
+              <a:endParaRPr lang="en-US" altLang="zh-CN" dirty="0"/>
+            </a:p>
+          </p:txBody>
+        </p:sp>
+        <p:sp>
+          <p:nvSpPr>
+            <p:cNvPr id="16" name="文本框 15">
+              <a:extLst>
+                <a:ext uri="{FF2B5EF4-FFF2-40B4-BE49-F238E27FC236}">
+                  <a16:creationId xmlns:a16="http://schemas.microsoft.com/office/drawing/2014/main" id="{E4F1D7C1-2F0B-DBFD-6A96-D424ECF42268}"/>
+                </a:ext>
+              </a:extLst>
+            </p:cNvPr>
+            <p:cNvSpPr txBox="1"/>
+            <p:nvPr/>
+          </p:nvSpPr>
+          <p:spPr>
+            <a:xfrm>
+              <a:off x="6565241" y="5096379"/>
+              <a:ext cx="1362695" cy="369332"/>
+            </a:xfrm>
+            <a:prstGeom prst="rect">
+              <a:avLst/>
+            </a:prstGeom>
+            <a:noFill/>
+          </p:spPr>
+          <p:txBody>
+            <a:bodyPr wrap="square">
+              <a:spAutoFit/>
+            </a:bodyPr>
+            <a:lstStyle/>
+            <a:p>
+              <a:pPr algn="ctr"/>
+              <a:r>
+                <a:rPr lang="en-US" altLang="zh-CN" dirty="0" err="1"/>
+                <a:t>Feature_j</a:t>
+              </a:r>
+              <a:endParaRPr lang="en-US" altLang="zh-CN" dirty="0"/>
+            </a:p>
+          </p:txBody>
+        </p:sp>
+      </p:grpSp>
+      <p:sp>
+        <p:nvSpPr>
+          <p:cNvPr id="17" name="文本框 16">
+            <a:extLst>
+              <a:ext uri="{FF2B5EF4-FFF2-40B4-BE49-F238E27FC236}">
+                <a16:creationId xmlns:a16="http://schemas.microsoft.com/office/drawing/2014/main" id="{1913563D-F82D-8598-31B4-CD5756D26D5C}"/>
+              </a:ext>
+            </a:extLst>
+          </p:cNvPr>
+          <p:cNvSpPr txBox="1"/>
+          <p:nvPr/>
+        </p:nvSpPr>
+        <p:spPr>
+          <a:xfrm>
+            <a:off x="3989533" y="6455033"/>
+            <a:ext cx="3938402" cy="369332"/>
+          </a:xfrm>
+          <a:prstGeom prst="rect">
+            <a:avLst/>
+          </a:prstGeom>
+          <a:noFill/>
+          <a:ln w="12700">
+            <a:solidFill>
+              <a:schemeClr val="bg1">
+                <a:lumMod val="50000"/>
+              </a:schemeClr>
+            </a:solidFill>
+          </a:ln>
+        </p:spPr>
+        <p:txBody>
+          <a:bodyPr wrap="square">
+            <a:spAutoFit/>
+          </a:bodyPr>
+          <a:lstStyle>
+            <a:defPPr>
+              <a:defRPr lang="zh-CN"/>
+            </a:defPPr>
+          </a:lstStyle>
+          <a:p>
+            <a:pPr algn="ctr"/>
+            <a:r>
+              <a:rPr lang="en-US" altLang="zh-CN" dirty="0"/>
+              <a:t>Add 4 new intersected </a:t>
+            </a:r>
+            <a:r>
+              <a:rPr lang="en-US" altLang="zh-CN" dirty="0" err="1"/>
+              <a:t>Featurs</a:t>
+            </a:r>
+            <a:endParaRPr lang="en-US" altLang="zh-CN" dirty="0"/>
+          </a:p>
+        </p:txBody>
+      </p:sp>
+      <p:sp>
+        <p:nvSpPr>
+          <p:cNvPr id="21" name="文本框 20">
+            <a:extLst>
+              <a:ext uri="{FF2B5EF4-FFF2-40B4-BE49-F238E27FC236}">
+                <a16:creationId xmlns:a16="http://schemas.microsoft.com/office/drawing/2014/main" id="{3D631647-C0FA-3843-9AEF-018D2DA1CFA4}"/>
+              </a:ext>
+            </a:extLst>
+          </p:cNvPr>
+          <p:cNvSpPr txBox="1"/>
+          <p:nvPr/>
+        </p:nvSpPr>
+        <p:spPr>
+          <a:xfrm>
+            <a:off x="376796" y="1525278"/>
+            <a:ext cx="3230088" cy="1015663"/>
+          </a:xfrm>
+          <a:prstGeom prst="rect">
+            <a:avLst/>
+          </a:prstGeom>
+          <a:noFill/>
+        </p:spPr>
+        <p:txBody>
+          <a:bodyPr wrap="square" rtlCol="0">
+            <a:spAutoFit/>
+          </a:bodyPr>
+          <a:lstStyle/>
+          <a:p>
+            <a:pPr algn="ctr"/>
+            <a:r>
+              <a:rPr lang="en-US" altLang="zh-CN" sz="2400" b="1" dirty="0"/>
+              <a:t>Step 1. </a:t>
+            </a:r>
+          </a:p>
+          <a:p>
+            <a:pPr algn="ctr"/>
+            <a:r>
+              <a:rPr lang="en-US" altLang="zh-CN" b="1" dirty="0"/>
+              <a:t>Get Basic Features and Do Feature Intersection</a:t>
+            </a:r>
+            <a:endParaRPr lang="zh-CN" altLang="en-US" b="1" dirty="0"/>
+          </a:p>
+        </p:txBody>
+      </p:sp>
+      <p:cxnSp>
+        <p:nvCxnSpPr>
+          <p:cNvPr id="24" name="直接箭头连接符 23">
+            <a:extLst>
+              <a:ext uri="{FF2B5EF4-FFF2-40B4-BE49-F238E27FC236}">
+                <a16:creationId xmlns:a16="http://schemas.microsoft.com/office/drawing/2014/main" id="{E254E536-EDCB-FC1A-BA80-E21E0AC9D364}"/>
+              </a:ext>
+            </a:extLst>
+          </p:cNvPr>
+          <p:cNvCxnSpPr>
+            <a:stCxn id="8" idx="2"/>
+            <a:endCxn id="7" idx="0"/>
+          </p:cNvCxnSpPr>
+          <p:nvPr/>
+        </p:nvCxnSpPr>
+        <p:spPr>
+          <a:xfrm>
+            <a:off x="5958734" y="4031669"/>
+            <a:ext cx="0" cy="281970"/>
+          </a:xfrm>
+          <a:prstGeom prst="straightConnector1">
+            <a:avLst/>
+          </a:prstGeom>
+          <a:ln>
+            <a:solidFill>
+              <a:schemeClr val="bg1">
+                <a:lumMod val="50000"/>
+              </a:schemeClr>
+            </a:solidFill>
+            <a:tailEnd type="triangle"/>
+          </a:ln>
+        </p:spPr>
+        <p:style>
+          <a:lnRef idx="1">
+            <a:schemeClr val="accent1"/>
+          </a:lnRef>
+          <a:fillRef idx="0">
+            <a:schemeClr val="accent1"/>
+          </a:fillRef>
+          <a:effectRef idx="0">
+            <a:schemeClr val="accent1"/>
+          </a:effectRef>
+          <a:fontRef idx="minor">
+            <a:schemeClr val="tx1"/>
+          </a:fontRef>
+        </p:style>
+      </p:cxnSp>
+      <p:cxnSp>
+        <p:nvCxnSpPr>
+          <p:cNvPr id="26" name="直接箭头连接符 25">
+            <a:extLst>
+              <a:ext uri="{FF2B5EF4-FFF2-40B4-BE49-F238E27FC236}">
+                <a16:creationId xmlns:a16="http://schemas.microsoft.com/office/drawing/2014/main" id="{1F33EA82-B1A3-7851-1D92-8F82A9A99831}"/>
+              </a:ext>
+            </a:extLst>
+          </p:cNvPr>
+          <p:cNvCxnSpPr>
+            <a:stCxn id="7" idx="2"/>
+            <a:endCxn id="6" idx="0"/>
+          </p:cNvCxnSpPr>
+          <p:nvPr/>
+        </p:nvCxnSpPr>
+        <p:spPr>
+          <a:xfrm>
+            <a:off x="5958734" y="4682971"/>
+            <a:ext cx="0" cy="284632"/>
+          </a:xfrm>
+          <a:prstGeom prst="straightConnector1">
+            <a:avLst/>
+          </a:prstGeom>
+          <a:ln>
+            <a:solidFill>
+              <a:schemeClr val="bg1">
+                <a:lumMod val="50000"/>
+              </a:schemeClr>
+            </a:solidFill>
+            <a:tailEnd type="triangle"/>
+          </a:ln>
+        </p:spPr>
+        <p:style>
+          <a:lnRef idx="1">
+            <a:schemeClr val="accent1"/>
+          </a:lnRef>
+          <a:fillRef idx="0">
+            <a:schemeClr val="accent1"/>
+          </a:fillRef>
+          <a:effectRef idx="0">
+            <a:schemeClr val="accent1"/>
+          </a:effectRef>
+          <a:fontRef idx="minor">
+            <a:schemeClr val="tx1"/>
+          </a:fontRef>
+        </p:style>
+      </p:cxnSp>
+      <p:cxnSp>
+        <p:nvCxnSpPr>
+          <p:cNvPr id="28" name="直接箭头连接符 27">
+            <a:extLst>
+              <a:ext uri="{FF2B5EF4-FFF2-40B4-BE49-F238E27FC236}">
+                <a16:creationId xmlns:a16="http://schemas.microsoft.com/office/drawing/2014/main" id="{E32E16CA-6DEA-6AE4-05DF-5613F798748D}"/>
+              </a:ext>
+            </a:extLst>
+          </p:cNvPr>
+          <p:cNvCxnSpPr>
+            <a:stCxn id="6" idx="2"/>
+            <a:endCxn id="17" idx="0"/>
+          </p:cNvCxnSpPr>
+          <p:nvPr/>
+        </p:nvCxnSpPr>
+        <p:spPr>
+          <a:xfrm>
+            <a:off x="5958734" y="6167932"/>
+            <a:ext cx="0" cy="287101"/>
+          </a:xfrm>
+          <a:prstGeom prst="straightConnector1">
+            <a:avLst/>
+          </a:prstGeom>
+          <a:ln>
+            <a:solidFill>
+              <a:schemeClr val="bg1">
+                <a:lumMod val="50000"/>
+              </a:schemeClr>
+            </a:solidFill>
+            <a:tailEnd type="triangle"/>
+          </a:ln>
+        </p:spPr>
+        <p:style>
+          <a:lnRef idx="1">
+            <a:schemeClr val="accent1"/>
+          </a:lnRef>
+          <a:fillRef idx="0">
+            <a:schemeClr val="accent1"/>
+          </a:fillRef>
+          <a:effectRef idx="0">
+            <a:schemeClr val="accent1"/>
+          </a:effectRef>
+          <a:fontRef idx="minor">
+            <a:schemeClr val="tx1"/>
+          </a:fontRef>
+        </p:style>
+      </p:cxnSp>
+      <p:sp>
+        <p:nvSpPr>
+          <p:cNvPr id="32" name="文本框 31">
+            <a:extLst>
+              <a:ext uri="{FF2B5EF4-FFF2-40B4-BE49-F238E27FC236}">
+                <a16:creationId xmlns:a16="http://schemas.microsoft.com/office/drawing/2014/main" id="{07AEAD0B-9830-815A-C9B0-28E77AE371E7}"/>
+              </a:ext>
+            </a:extLst>
+          </p:cNvPr>
+          <p:cNvSpPr txBox="1"/>
+          <p:nvPr/>
+        </p:nvSpPr>
+        <p:spPr>
+          <a:xfrm>
+            <a:off x="4372183" y="3230495"/>
+            <a:ext cx="3230088" cy="369332"/>
+          </a:xfrm>
+          <a:prstGeom prst="rect">
+            <a:avLst/>
+          </a:prstGeom>
+          <a:noFill/>
+        </p:spPr>
+        <p:txBody>
+          <a:bodyPr wrap="square">
+            <a:spAutoFit/>
+          </a:bodyPr>
+          <a:lstStyle/>
+          <a:p>
+            <a:pPr algn="ctr"/>
+            <a:r>
+              <a:rPr lang="en-US" altLang="zh-CN" b="1" dirty="0"/>
+              <a:t>Feature Intersection</a:t>
+            </a:r>
+            <a:endParaRPr lang="zh-CN" altLang="en-US" dirty="0"/>
+          </a:p>
+        </p:txBody>
+      </p:sp>
+      <p:sp>
+        <p:nvSpPr>
+          <p:cNvPr id="34" name="文本框 33">
+            <a:extLst>
+              <a:ext uri="{FF2B5EF4-FFF2-40B4-BE49-F238E27FC236}">
+                <a16:creationId xmlns:a16="http://schemas.microsoft.com/office/drawing/2014/main" id="{69E158FB-22A6-62BC-F884-2C943005892A}"/>
+              </a:ext>
+            </a:extLst>
+          </p:cNvPr>
+          <p:cNvSpPr txBox="1"/>
+          <p:nvPr/>
+        </p:nvSpPr>
+        <p:spPr>
+          <a:xfrm>
+            <a:off x="8454241" y="5332722"/>
+            <a:ext cx="2994313" cy="646331"/>
+          </a:xfrm>
+          <a:prstGeom prst="rect">
+            <a:avLst/>
+          </a:prstGeom>
+          <a:noFill/>
+        </p:spPr>
+        <p:txBody>
+          <a:bodyPr wrap="square">
+            <a:spAutoFit/>
+          </a:bodyPr>
+          <a:lstStyle/>
+          <a:p>
+            <a:r>
+              <a:rPr lang="en-US" altLang="zh-CN" dirty="0"/>
+              <a:t>n = 20 ,</a:t>
+            </a:r>
+          </a:p>
+          <a:p>
+            <a:r>
+              <a:rPr lang="en-US" altLang="zh-CN" dirty="0"/>
+              <a:t>All Features = 480</a:t>
+            </a:r>
+          </a:p>
+        </p:txBody>
+      </p:sp>
+      <p:cxnSp>
+        <p:nvCxnSpPr>
+          <p:cNvPr id="35" name="直接箭头连接符 34">
+            <a:extLst>
+              <a:ext uri="{FF2B5EF4-FFF2-40B4-BE49-F238E27FC236}">
+                <a16:creationId xmlns:a16="http://schemas.microsoft.com/office/drawing/2014/main" id="{F22C7AD6-1513-70CA-1DF1-A51411D8BB4C}"/>
+              </a:ext>
+            </a:extLst>
+          </p:cNvPr>
+          <p:cNvCxnSpPr/>
+          <p:nvPr/>
+        </p:nvCxnSpPr>
+        <p:spPr>
+          <a:xfrm>
+            <a:off x="9792485" y="4967603"/>
+            <a:ext cx="0" cy="284632"/>
+          </a:xfrm>
+          <a:prstGeom prst="straightConnector1">
+            <a:avLst/>
+          </a:prstGeom>
+          <a:ln>
+            <a:solidFill>
+              <a:schemeClr val="bg1">
+                <a:lumMod val="50000"/>
+              </a:schemeClr>
+            </a:solidFill>
+            <a:tailEnd type="triangle"/>
+          </a:ln>
+        </p:spPr>
+        <p:style>
+          <a:lnRef idx="1">
+            <a:schemeClr val="accent1"/>
+          </a:lnRef>
+          <a:fillRef idx="0">
+            <a:schemeClr val="accent1"/>
+          </a:fillRef>
+          <a:effectRef idx="0">
+            <a:schemeClr val="accent1"/>
+          </a:effectRef>
+          <a:fontRef idx="minor">
+            <a:schemeClr val="tx1"/>
+          </a:fontRef>
+        </p:style>
+      </p:cxnSp>
+      <p:cxnSp>
+        <p:nvCxnSpPr>
+          <p:cNvPr id="36" name="直接连接符 35">
+            <a:extLst>
+              <a:ext uri="{FF2B5EF4-FFF2-40B4-BE49-F238E27FC236}">
+                <a16:creationId xmlns:a16="http://schemas.microsoft.com/office/drawing/2014/main" id="{63627CFA-6E37-619F-AFA0-843F67CE7E60}"/>
+              </a:ext>
+            </a:extLst>
+          </p:cNvPr>
+          <p:cNvCxnSpPr>
+            <a:cxnSpLocks/>
+          </p:cNvCxnSpPr>
+          <p:nvPr/>
+        </p:nvCxnSpPr>
+        <p:spPr>
+          <a:xfrm>
+            <a:off x="3835730" y="3230495"/>
+            <a:ext cx="0" cy="3627505"/>
+          </a:xfrm>
+          <a:prstGeom prst="line">
+            <a:avLst/>
+          </a:prstGeom>
+          <a:ln w="19050">
+            <a:solidFill>
+              <a:schemeClr val="bg1">
+                <a:lumMod val="65000"/>
+              </a:schemeClr>
+            </a:solidFill>
+            <a:prstDash val="dash"/>
+          </a:ln>
+        </p:spPr>
+        <p:style>
+          <a:lnRef idx="1">
+            <a:schemeClr val="accent1"/>
+          </a:lnRef>
+          <a:fillRef idx="0">
+            <a:schemeClr val="accent1"/>
+          </a:fillRef>
+          <a:effectRef idx="0">
+            <a:schemeClr val="accent1"/>
+          </a:effectRef>
+          <a:fontRef idx="minor">
+            <a:schemeClr val="tx1"/>
+          </a:fontRef>
+        </p:style>
+      </p:cxnSp>
     </p:spTree>
     <p:extLst>
       <p:ext uri="{BB962C8B-B14F-4D97-AF65-F5344CB8AC3E}">
@@ -11686,12 +13434,815 @@
           </a:p>
         </p:txBody>
       </p:sp>
+      <p:sp>
+        <p:nvSpPr>
+          <p:cNvPr id="9" name="文本框 8">
+            <a:extLst>
+              <a:ext uri="{FF2B5EF4-FFF2-40B4-BE49-F238E27FC236}">
+                <a16:creationId xmlns:a16="http://schemas.microsoft.com/office/drawing/2014/main" id="{AE735C1C-0C08-8283-B321-1372849A2DC7}"/>
+              </a:ext>
+            </a:extLst>
+          </p:cNvPr>
+          <p:cNvSpPr txBox="1"/>
+          <p:nvPr/>
+        </p:nvSpPr>
+        <p:spPr>
+          <a:xfrm>
+            <a:off x="6494506" y="1229165"/>
+            <a:ext cx="2118253" cy="2862322"/>
+          </a:xfrm>
+          <a:prstGeom prst="rect">
+            <a:avLst/>
+          </a:prstGeom>
+          <a:noFill/>
+        </p:spPr>
+        <p:txBody>
+          <a:bodyPr wrap="square">
+            <a:spAutoFit/>
+          </a:bodyPr>
+          <a:lstStyle/>
+          <a:p>
+            <a:r>
+              <a:rPr lang="en-US" altLang="zh-CN" b="0" i="0" dirty="0">
+                <a:solidFill>
+                  <a:srgbClr val="212529"/>
+                </a:solidFill>
+                <a:effectLst/>
+                <a:latin typeface="-apple-system"/>
+              </a:rPr>
+              <a:t>Univariate feature selection based on </a:t>
+            </a:r>
+            <a:r>
+              <a:rPr lang="en-US" altLang="zh-CN" b="1" i="0" dirty="0">
+                <a:solidFill>
+                  <a:srgbClr val="212529"/>
+                </a:solidFill>
+                <a:effectLst/>
+                <a:latin typeface="-apple-system"/>
+              </a:rPr>
+              <a:t>F-Test</a:t>
+            </a:r>
+          </a:p>
+          <a:p>
+            <a:endParaRPr lang="en-US" altLang="zh-CN" b="1" dirty="0">
+              <a:solidFill>
+                <a:srgbClr val="212529"/>
+              </a:solidFill>
+              <a:latin typeface="-apple-system"/>
+            </a:endParaRPr>
+          </a:p>
+          <a:p>
+            <a:endParaRPr lang="en-US" altLang="zh-CN" b="1" dirty="0">
+              <a:solidFill>
+                <a:srgbClr val="212529"/>
+              </a:solidFill>
+              <a:latin typeface="-apple-system"/>
+            </a:endParaRPr>
+          </a:p>
+          <a:p>
+            <a:r>
+              <a:rPr lang="en-US" altLang="zh-CN" b="0" i="0" dirty="0">
+                <a:solidFill>
+                  <a:srgbClr val="212529"/>
+                </a:solidFill>
+                <a:effectLst/>
+                <a:latin typeface="-apple-system"/>
+              </a:rPr>
+              <a:t>F-test captures </a:t>
+            </a:r>
+          </a:p>
+          <a:p>
+            <a:r>
+              <a:rPr lang="en-US" altLang="zh-CN" b="1" i="0" dirty="0">
+                <a:solidFill>
+                  <a:srgbClr val="212529"/>
+                </a:solidFill>
+                <a:effectLst/>
+                <a:latin typeface="-apple-system"/>
+              </a:rPr>
+              <a:t>linear dependency</a:t>
+            </a:r>
+            <a:endParaRPr lang="zh-CN" altLang="en-US" b="1" dirty="0"/>
+          </a:p>
+          <a:p>
+            <a:endParaRPr lang="en-US" altLang="zh-CN" b="1" dirty="0"/>
+          </a:p>
+          <a:p>
+            <a:endParaRPr lang="en-US" altLang="zh-CN" dirty="0"/>
+          </a:p>
+          <a:p>
+            <a:r>
+              <a:rPr lang="en-US" altLang="zh-CN" dirty="0"/>
+              <a:t>Choose Top K</a:t>
+            </a:r>
+            <a:endParaRPr lang="zh-CN" altLang="en-US" dirty="0"/>
+          </a:p>
+        </p:txBody>
+      </p:sp>
+      <p:sp>
+        <p:nvSpPr>
+          <p:cNvPr id="15" name="文本框 14">
+            <a:extLst>
+              <a:ext uri="{FF2B5EF4-FFF2-40B4-BE49-F238E27FC236}">
+                <a16:creationId xmlns:a16="http://schemas.microsoft.com/office/drawing/2014/main" id="{48120E4E-0018-C37C-2300-B352DACA0852}"/>
+              </a:ext>
+            </a:extLst>
+          </p:cNvPr>
+          <p:cNvSpPr txBox="1"/>
+          <p:nvPr/>
+        </p:nvSpPr>
+        <p:spPr>
+          <a:xfrm>
+            <a:off x="9315018" y="1215873"/>
+            <a:ext cx="2351373" cy="2862322"/>
+          </a:xfrm>
+          <a:prstGeom prst="rect">
+            <a:avLst/>
+          </a:prstGeom>
+          <a:noFill/>
+        </p:spPr>
+        <p:txBody>
+          <a:bodyPr wrap="square">
+            <a:spAutoFit/>
+          </a:bodyPr>
+          <a:lstStyle/>
+          <a:p>
+            <a:r>
+              <a:rPr lang="en-US" altLang="zh-CN" b="0" i="0" dirty="0">
+                <a:solidFill>
+                  <a:srgbClr val="212529"/>
+                </a:solidFill>
+                <a:effectLst/>
+                <a:latin typeface="-apple-system"/>
+              </a:rPr>
+              <a:t>Univariate feature selection based on </a:t>
+            </a:r>
+            <a:r>
+              <a:rPr lang="en-US" altLang="zh-CN" b="1" dirty="0">
+                <a:solidFill>
+                  <a:srgbClr val="212529"/>
+                </a:solidFill>
+                <a:latin typeface="-apple-system"/>
+              </a:rPr>
+              <a:t>m</a:t>
+            </a:r>
+            <a:r>
+              <a:rPr lang="en-US" altLang="zh-CN" b="1" i="0" dirty="0">
+                <a:solidFill>
+                  <a:srgbClr val="212529"/>
+                </a:solidFill>
+                <a:effectLst/>
+                <a:latin typeface="-apple-system"/>
+              </a:rPr>
+              <a:t>utual information</a:t>
+            </a:r>
+          </a:p>
+          <a:p>
+            <a:endParaRPr lang="en-US" altLang="zh-CN" b="1" dirty="0">
+              <a:solidFill>
+                <a:srgbClr val="212529"/>
+              </a:solidFill>
+              <a:latin typeface="-apple-system"/>
+            </a:endParaRPr>
+          </a:p>
+          <a:p>
+            <a:endParaRPr lang="en-US" altLang="zh-CN" b="1" dirty="0">
+              <a:solidFill>
+                <a:srgbClr val="212529"/>
+              </a:solidFill>
+              <a:latin typeface="-apple-system"/>
+            </a:endParaRPr>
+          </a:p>
+          <a:p>
+            <a:r>
+              <a:rPr lang="en-US" altLang="zh-CN" b="0" i="0" dirty="0">
+                <a:solidFill>
+                  <a:srgbClr val="212529"/>
+                </a:solidFill>
+                <a:effectLst/>
+                <a:latin typeface="-apple-system"/>
+              </a:rPr>
+              <a:t>mutual information captures </a:t>
+            </a:r>
+            <a:r>
+              <a:rPr lang="en-US" altLang="zh-CN" b="1" i="0" dirty="0">
+                <a:solidFill>
+                  <a:srgbClr val="212529"/>
+                </a:solidFill>
+                <a:effectLst/>
+                <a:latin typeface="-apple-system"/>
+              </a:rPr>
+              <a:t>any kind of dependency</a:t>
+            </a:r>
+            <a:endParaRPr lang="zh-CN" altLang="en-US" b="1" dirty="0"/>
+          </a:p>
+          <a:p>
+            <a:endParaRPr lang="en-US" altLang="zh-CN" b="1" dirty="0"/>
+          </a:p>
+          <a:p>
+            <a:r>
+              <a:rPr lang="en-US" altLang="zh-CN" dirty="0"/>
+              <a:t>Choose Top K</a:t>
+            </a:r>
+            <a:endParaRPr lang="zh-CN" altLang="en-US" dirty="0"/>
+          </a:p>
+        </p:txBody>
+      </p:sp>
+      <p:sp>
+        <p:nvSpPr>
+          <p:cNvPr id="18" name="文本框 17">
+            <a:extLst>
+              <a:ext uri="{FF2B5EF4-FFF2-40B4-BE49-F238E27FC236}">
+                <a16:creationId xmlns:a16="http://schemas.microsoft.com/office/drawing/2014/main" id="{5E6BE24B-9A03-BFAF-8FEC-42A8F7E7B305}"/>
+              </a:ext>
+            </a:extLst>
+          </p:cNvPr>
+          <p:cNvSpPr txBox="1"/>
+          <p:nvPr/>
+        </p:nvSpPr>
+        <p:spPr>
+          <a:xfrm>
+            <a:off x="8355840" y="4232238"/>
+            <a:ext cx="1154564" cy="461665"/>
+          </a:xfrm>
+          <a:prstGeom prst="rect">
+            <a:avLst/>
+          </a:prstGeom>
+          <a:noFill/>
+        </p:spPr>
+        <p:txBody>
+          <a:bodyPr wrap="square">
+            <a:spAutoFit/>
+          </a:bodyPr>
+          <a:lstStyle/>
+          <a:p>
+            <a:r>
+              <a:rPr lang="en-US" altLang="zh-CN" sz="2400" dirty="0"/>
+              <a:t>Union</a:t>
+            </a:r>
+            <a:endParaRPr lang="zh-CN" altLang="en-US" sz="2400" dirty="0"/>
+          </a:p>
+        </p:txBody>
+      </p:sp>
+      <p:sp>
+        <p:nvSpPr>
+          <p:cNvPr id="21" name="文本框 20">
+            <a:extLst>
+              <a:ext uri="{FF2B5EF4-FFF2-40B4-BE49-F238E27FC236}">
+                <a16:creationId xmlns:a16="http://schemas.microsoft.com/office/drawing/2014/main" id="{13E1BE8A-E7E7-B316-3CBD-369F5FD7A8F4}"/>
+              </a:ext>
+            </a:extLst>
+          </p:cNvPr>
+          <p:cNvSpPr txBox="1"/>
+          <p:nvPr/>
+        </p:nvSpPr>
+        <p:spPr>
+          <a:xfrm>
+            <a:off x="1318639" y="2765044"/>
+            <a:ext cx="3968244" cy="2031325"/>
+          </a:xfrm>
+          <a:prstGeom prst="rect">
+            <a:avLst/>
+          </a:prstGeom>
+          <a:noFill/>
+        </p:spPr>
+        <p:txBody>
+          <a:bodyPr wrap="square">
+            <a:spAutoFit/>
+          </a:bodyPr>
+          <a:lstStyle/>
+          <a:p>
+            <a:pPr marL="0" marR="0" lvl="0" indent="0" algn="l" defTabSz="914400" rtl="0" eaLnBrk="1" fontAlgn="auto" latinLnBrk="0" hangingPunct="1">
+              <a:lnSpc>
+                <a:spcPct val="100000"/>
+              </a:lnSpc>
+              <a:spcBef>
+                <a:spcPts val="0"/>
+              </a:spcBef>
+              <a:spcAft>
+                <a:spcPts val="0"/>
+              </a:spcAft>
+              <a:buClrTx/>
+              <a:buSzTx/>
+              <a:buFontTx/>
+              <a:buNone/>
+              <a:tabLst/>
+              <a:defRPr/>
+            </a:pPr>
+            <a:r>
+              <a:rPr lang="en-US" altLang="zh-CN" dirty="0"/>
+              <a:t>Calculate relevance between </a:t>
+            </a:r>
+            <a:r>
+              <a:rPr lang="en-US" altLang="zh-CN" dirty="0" err="1"/>
+              <a:t>Feature_i</a:t>
+            </a:r>
+            <a:r>
+              <a:rPr lang="en-US" altLang="zh-CN" dirty="0"/>
+              <a:t> and S/D, and then get p-value.</a:t>
+            </a:r>
+          </a:p>
+          <a:p>
+            <a:pPr marL="0" marR="0" lvl="0" indent="0" algn="l" defTabSz="914400" rtl="0" eaLnBrk="1" fontAlgn="auto" latinLnBrk="0" hangingPunct="1">
+              <a:lnSpc>
+                <a:spcPct val="100000"/>
+              </a:lnSpc>
+              <a:spcBef>
+                <a:spcPts val="0"/>
+              </a:spcBef>
+              <a:spcAft>
+                <a:spcPts val="0"/>
+              </a:spcAft>
+              <a:buClrTx/>
+              <a:buSzTx/>
+              <a:buFontTx/>
+              <a:buNone/>
+              <a:tabLst/>
+              <a:defRPr/>
+            </a:pPr>
+            <a:endParaRPr lang="en-US" altLang="zh-CN" dirty="0"/>
+          </a:p>
+          <a:p>
+            <a:pPr>
+              <a:defRPr/>
+            </a:pPr>
+            <a:r>
+              <a:rPr lang="en-US" altLang="zh-CN" dirty="0"/>
+              <a:t>If p-value &lt; 0.05, filter it out.</a:t>
+            </a:r>
+          </a:p>
+          <a:p>
+            <a:pPr marL="0" marR="0" lvl="0" indent="0" algn="l" defTabSz="914400" rtl="0" eaLnBrk="1" fontAlgn="auto" latinLnBrk="0" hangingPunct="1">
+              <a:lnSpc>
+                <a:spcPct val="100000"/>
+              </a:lnSpc>
+              <a:spcBef>
+                <a:spcPts val="0"/>
+              </a:spcBef>
+              <a:spcAft>
+                <a:spcPts val="0"/>
+              </a:spcAft>
+              <a:buClrTx/>
+              <a:buSzTx/>
+              <a:buFontTx/>
+              <a:buNone/>
+              <a:tabLst/>
+              <a:defRPr/>
+            </a:pPr>
+            <a:endParaRPr lang="en-US" altLang="zh-CN" dirty="0"/>
+          </a:p>
+        </p:txBody>
+      </p:sp>
+      <p:sp>
+        <p:nvSpPr>
+          <p:cNvPr id="23" name="文本框 22">
+            <a:extLst>
+              <a:ext uri="{FF2B5EF4-FFF2-40B4-BE49-F238E27FC236}">
+                <a16:creationId xmlns:a16="http://schemas.microsoft.com/office/drawing/2014/main" id="{D930AE72-2A02-CBDE-F0D3-196BEC168BB8}"/>
+              </a:ext>
+            </a:extLst>
+          </p:cNvPr>
+          <p:cNvSpPr txBox="1"/>
+          <p:nvPr/>
+        </p:nvSpPr>
+        <p:spPr>
+          <a:xfrm>
+            <a:off x="6194957" y="4796369"/>
+            <a:ext cx="6152902" cy="2031325"/>
+          </a:xfrm>
+          <a:prstGeom prst="rect">
+            <a:avLst/>
+          </a:prstGeom>
+          <a:noFill/>
+        </p:spPr>
+        <p:txBody>
+          <a:bodyPr wrap="square">
+            <a:spAutoFit/>
+          </a:bodyPr>
+          <a:lstStyle/>
+          <a:p>
+            <a:pPr marL="0" marR="0" lvl="0" indent="0" algn="l" defTabSz="914400" rtl="0" eaLnBrk="1" fontAlgn="auto" latinLnBrk="0" hangingPunct="1">
+              <a:lnSpc>
+                <a:spcPct val="100000"/>
+              </a:lnSpc>
+              <a:spcBef>
+                <a:spcPts val="0"/>
+              </a:spcBef>
+              <a:spcAft>
+                <a:spcPts val="0"/>
+              </a:spcAft>
+              <a:buClrTx/>
+              <a:buSzTx/>
+              <a:buFontTx/>
+              <a:buNone/>
+              <a:tabLst/>
+              <a:defRPr/>
+            </a:pPr>
+            <a:r>
+              <a:rPr lang="en-US" altLang="zh-CN" dirty="0"/>
+              <a:t>K = 3</a:t>
+            </a:r>
+          </a:p>
+          <a:p>
+            <a:pPr marL="0" marR="0" lvl="0" indent="0" algn="l" defTabSz="914400" rtl="0" eaLnBrk="1" fontAlgn="auto" latinLnBrk="0" hangingPunct="1">
+              <a:lnSpc>
+                <a:spcPct val="100000"/>
+              </a:lnSpc>
+              <a:spcBef>
+                <a:spcPts val="0"/>
+              </a:spcBef>
+              <a:spcAft>
+                <a:spcPts val="0"/>
+              </a:spcAft>
+              <a:buClrTx/>
+              <a:buSzTx/>
+              <a:buFontTx/>
+              <a:buNone/>
+              <a:tabLst/>
+              <a:defRPr/>
+            </a:pPr>
+            <a:endParaRPr lang="en-US" altLang="zh-CN" dirty="0"/>
+          </a:p>
+          <a:p>
+            <a:pPr marL="0" marR="0" lvl="0" indent="0" algn="l" defTabSz="914400" rtl="0" eaLnBrk="1" fontAlgn="auto" latinLnBrk="0" hangingPunct="1">
+              <a:lnSpc>
+                <a:spcPct val="100000"/>
+              </a:lnSpc>
+              <a:spcBef>
+                <a:spcPts val="0"/>
+              </a:spcBef>
+              <a:spcAft>
+                <a:spcPts val="0"/>
+              </a:spcAft>
+              <a:buClrTx/>
+              <a:buSzTx/>
+              <a:buFontTx/>
+              <a:buNone/>
+              <a:tabLst/>
+              <a:defRPr/>
+            </a:pPr>
+            <a:r>
+              <a:rPr lang="en-US" altLang="zh-CN" dirty="0"/>
+              <a:t>S: {</a:t>
+            </a:r>
+            <a:r>
+              <a:rPr lang="fr-FR" altLang="zh-CN" dirty="0">
+                <a:latin typeface="Consolas" panose="020B0609020204030204" pitchFamily="49" charset="0"/>
+              </a:rPr>
+              <a:t>‘</a:t>
+            </a:r>
+            <a:r>
+              <a:rPr lang="fr-FR" altLang="zh-CN" b="0" i="0" dirty="0">
+                <a:effectLst/>
+                <a:latin typeface="Consolas" panose="020B0609020204030204" pitchFamily="49" charset="0"/>
+              </a:rPr>
+              <a:t>Dis22_divide_Dis21’, </a:t>
+            </a:r>
+            <a:r>
+              <a:rPr lang="fr-FR" altLang="zh-CN" b="1" dirty="0">
+                <a:latin typeface="Consolas" panose="020B0609020204030204" pitchFamily="49" charset="0"/>
+              </a:rPr>
+              <a:t>‘</a:t>
+            </a:r>
+            <a:r>
+              <a:rPr lang="fr-FR" altLang="zh-CN" b="1" i="0" dirty="0">
+                <a:effectLst/>
+                <a:latin typeface="Consolas" panose="020B0609020204030204" pitchFamily="49" charset="0"/>
+              </a:rPr>
+              <a:t>Dis21_divide_Dis12’</a:t>
+            </a:r>
+            <a:r>
+              <a:rPr lang="fr-FR" altLang="zh-CN" i="0" dirty="0">
+                <a:effectLst/>
+                <a:latin typeface="Consolas" panose="020B0609020204030204" pitchFamily="49" charset="0"/>
+              </a:rPr>
+              <a:t>,</a:t>
+            </a:r>
+            <a:r>
+              <a:rPr lang="fr-FR" altLang="zh-CN" b="1" i="0" dirty="0">
+                <a:effectLst/>
+                <a:latin typeface="Consolas" panose="020B0609020204030204" pitchFamily="49" charset="0"/>
+              </a:rPr>
+              <a:t> </a:t>
+            </a:r>
+            <a:r>
+              <a:rPr lang="fr-FR" altLang="zh-CN" b="0" i="0" dirty="0">
+                <a:effectLst/>
+                <a:latin typeface="Consolas" panose="020B0609020204030204" pitchFamily="49" charset="0"/>
+              </a:rPr>
+              <a:t>‘Dis22_divide_Dis12</a:t>
+            </a:r>
+            <a:r>
+              <a:rPr lang="en-US" altLang="zh-CN" b="0" i="0" dirty="0">
+                <a:effectLst/>
+                <a:latin typeface="Consolas" panose="020B0609020204030204" pitchFamily="49" charset="0"/>
+              </a:rPr>
+              <a:t>’}</a:t>
+            </a:r>
+          </a:p>
+          <a:p>
+            <a:pPr marL="0" marR="0" lvl="0" indent="0" algn="l" defTabSz="914400" rtl="0" eaLnBrk="1" fontAlgn="auto" latinLnBrk="0" hangingPunct="1">
+              <a:lnSpc>
+                <a:spcPct val="100000"/>
+              </a:lnSpc>
+              <a:spcBef>
+                <a:spcPts val="0"/>
+              </a:spcBef>
+              <a:spcAft>
+                <a:spcPts val="0"/>
+              </a:spcAft>
+              <a:buClrTx/>
+              <a:buSzTx/>
+              <a:buFontTx/>
+              <a:buNone/>
+              <a:tabLst/>
+              <a:defRPr/>
+            </a:pPr>
+            <a:endParaRPr lang="fr-FR" altLang="zh-CN" b="0" i="0" dirty="0">
+              <a:effectLst/>
+              <a:latin typeface="Consolas" panose="020B0609020204030204" pitchFamily="49" charset="0"/>
+            </a:endParaRPr>
+          </a:p>
+          <a:p>
+            <a:pPr marL="0" marR="0" lvl="0" indent="0" algn="l" defTabSz="914400" rtl="0" eaLnBrk="1" fontAlgn="auto" latinLnBrk="0" hangingPunct="1">
+              <a:lnSpc>
+                <a:spcPct val="100000"/>
+              </a:lnSpc>
+              <a:spcBef>
+                <a:spcPts val="0"/>
+              </a:spcBef>
+              <a:spcAft>
+                <a:spcPts val="0"/>
+              </a:spcAft>
+              <a:buClrTx/>
+              <a:buSzTx/>
+              <a:buFontTx/>
+              <a:buNone/>
+              <a:tabLst/>
+              <a:defRPr/>
+            </a:pPr>
+            <a:r>
+              <a:rPr lang="fr-FR" altLang="zh-CN" b="0" i="0" dirty="0">
+                <a:effectLst/>
+                <a:latin typeface="Consolas" panose="020B0609020204030204" pitchFamily="49" charset="0"/>
+              </a:rPr>
+              <a:t>D: {</a:t>
+            </a:r>
+            <a:r>
+              <a:rPr lang="en-US" altLang="zh-CN" dirty="0">
+                <a:latin typeface="Consolas" panose="020B0609020204030204" pitchFamily="49" charset="0"/>
+              </a:rPr>
+              <a:t>‘</a:t>
+            </a:r>
+            <a:r>
+              <a:rPr lang="en-US" altLang="zh-CN" b="0" i="0" dirty="0">
+                <a:effectLst/>
+                <a:latin typeface="Consolas" panose="020B0609020204030204" pitchFamily="49" charset="0"/>
+              </a:rPr>
+              <a:t>Dis22_minus_P2’, </a:t>
+            </a:r>
+            <a:r>
+              <a:rPr lang="en-US" altLang="zh-CN" dirty="0">
+                <a:latin typeface="Consolas" panose="020B0609020204030204" pitchFamily="49" charset="0"/>
+              </a:rPr>
+              <a:t>‘</a:t>
+            </a:r>
+            <a:r>
+              <a:rPr lang="en-US" altLang="zh-CN" b="0" i="0" dirty="0">
+                <a:effectLst/>
+                <a:latin typeface="Consolas" panose="020B0609020204030204" pitchFamily="49" charset="0"/>
+              </a:rPr>
+              <a:t>P1_multi_P2’, </a:t>
+            </a:r>
+            <a:r>
+              <a:rPr lang="en-US" altLang="zh-CN" dirty="0">
+                <a:latin typeface="Consolas" panose="020B0609020204030204" pitchFamily="49" charset="0"/>
+              </a:rPr>
+              <a:t>‘</a:t>
+            </a:r>
+            <a:r>
+              <a:rPr lang="en-US" altLang="zh-CN" b="0" i="0" dirty="0">
+                <a:effectLst/>
+                <a:latin typeface="Consolas" panose="020B0609020204030204" pitchFamily="49" charset="0"/>
+              </a:rPr>
+              <a:t>Dis22_add_P2</a:t>
+            </a:r>
+            <a:r>
+              <a:rPr lang="en-US" altLang="zh-CN" dirty="0">
+                <a:latin typeface="Consolas" panose="020B0609020204030204" pitchFamily="49" charset="0"/>
+              </a:rPr>
+              <a:t>’</a:t>
+            </a:r>
+            <a:r>
+              <a:rPr lang="en-US" altLang="zh-CN" b="0" i="0" dirty="0">
+                <a:effectLst/>
+                <a:latin typeface="Consolas" panose="020B0609020204030204" pitchFamily="49" charset="0"/>
+              </a:rPr>
+              <a:t>, </a:t>
+            </a:r>
+            <a:r>
+              <a:rPr lang="en-US" altLang="zh-CN" b="1" i="0" dirty="0">
+                <a:effectLst/>
+                <a:latin typeface="Consolas" panose="020B0609020204030204" pitchFamily="49" charset="0"/>
+              </a:rPr>
+              <a:t>‘P2_divide_P1</a:t>
+            </a:r>
+            <a:r>
+              <a:rPr lang="en-US" altLang="zh-CN" b="1" dirty="0">
+                <a:latin typeface="Consolas" panose="020B0609020204030204" pitchFamily="49" charset="0"/>
+              </a:rPr>
+              <a:t>’</a:t>
+            </a:r>
+            <a:r>
+              <a:rPr lang="en-US" altLang="zh-CN" b="0" i="0" dirty="0">
+                <a:effectLst/>
+                <a:latin typeface="Consolas" panose="020B0609020204030204" pitchFamily="49" charset="0"/>
+              </a:rPr>
+              <a:t>, ‘P2’}</a:t>
+            </a:r>
+          </a:p>
+        </p:txBody>
+      </p:sp>
+      <p:sp>
+        <p:nvSpPr>
+          <p:cNvPr id="3" name="文本框 2">
+            <a:extLst>
+              <a:ext uri="{FF2B5EF4-FFF2-40B4-BE49-F238E27FC236}">
+                <a16:creationId xmlns:a16="http://schemas.microsoft.com/office/drawing/2014/main" id="{5A27514A-C958-EBEF-CD64-25DC0B0741FA}"/>
+              </a:ext>
+            </a:extLst>
+          </p:cNvPr>
+          <p:cNvSpPr txBox="1"/>
+          <p:nvPr/>
+        </p:nvSpPr>
+        <p:spPr>
+          <a:xfrm>
+            <a:off x="1488623" y="1486307"/>
+            <a:ext cx="3230088" cy="738664"/>
+          </a:xfrm>
+          <a:prstGeom prst="rect">
+            <a:avLst/>
+          </a:prstGeom>
+          <a:noFill/>
+        </p:spPr>
+        <p:txBody>
+          <a:bodyPr wrap="square" rtlCol="0">
+            <a:spAutoFit/>
+          </a:bodyPr>
+          <a:lstStyle/>
+          <a:p>
+            <a:pPr algn="ctr"/>
+            <a:r>
+              <a:rPr lang="en-US" altLang="zh-CN" sz="2400" b="1" dirty="0"/>
+              <a:t>Step 2. </a:t>
+            </a:r>
+          </a:p>
+          <a:p>
+            <a:pPr algn="ctr"/>
+            <a:r>
+              <a:rPr lang="en-US" altLang="zh-CN" b="1" dirty="0"/>
+              <a:t>Relevance Calculation</a:t>
+            </a:r>
+          </a:p>
+        </p:txBody>
+      </p:sp>
+      <p:sp>
+        <p:nvSpPr>
+          <p:cNvPr id="8" name="文本框 7">
+            <a:extLst>
+              <a:ext uri="{FF2B5EF4-FFF2-40B4-BE49-F238E27FC236}">
+                <a16:creationId xmlns:a16="http://schemas.microsoft.com/office/drawing/2014/main" id="{F1D8E832-D8AF-6D18-0A02-13F2EB51A51D}"/>
+              </a:ext>
+            </a:extLst>
+          </p:cNvPr>
+          <p:cNvSpPr txBox="1"/>
+          <p:nvPr/>
+        </p:nvSpPr>
+        <p:spPr>
+          <a:xfrm>
+            <a:off x="883103" y="5134924"/>
+            <a:ext cx="2419658" cy="677108"/>
+          </a:xfrm>
+          <a:prstGeom prst="rect">
+            <a:avLst/>
+          </a:prstGeom>
+          <a:noFill/>
+        </p:spPr>
+        <p:txBody>
+          <a:bodyPr wrap="square">
+            <a:spAutoFit/>
+          </a:bodyPr>
+          <a:lstStyle/>
+          <a:p>
+            <a:pPr algn="ctr"/>
+            <a:r>
+              <a:rPr lang="en-US" altLang="zh-CN" sz="2000" dirty="0"/>
+              <a:t>S Prediction</a:t>
+            </a:r>
+          </a:p>
+          <a:p>
+            <a:pPr algn="ctr"/>
+            <a:r>
+              <a:rPr lang="en-US" altLang="zh-CN" dirty="0"/>
+              <a:t>480 -&gt; 428</a:t>
+            </a:r>
+            <a:endParaRPr lang="zh-CN" altLang="en-US" dirty="0"/>
+          </a:p>
+        </p:txBody>
+      </p:sp>
+      <p:sp>
+        <p:nvSpPr>
+          <p:cNvPr id="10" name="文本框 9">
+            <a:extLst>
+              <a:ext uri="{FF2B5EF4-FFF2-40B4-BE49-F238E27FC236}">
+                <a16:creationId xmlns:a16="http://schemas.microsoft.com/office/drawing/2014/main" id="{7E3B91AC-23C2-B2C5-3678-8D397C919C36}"/>
+              </a:ext>
+            </a:extLst>
+          </p:cNvPr>
+          <p:cNvSpPr txBox="1"/>
+          <p:nvPr/>
+        </p:nvSpPr>
+        <p:spPr>
+          <a:xfrm>
+            <a:off x="2912191" y="5134924"/>
+            <a:ext cx="2419658" cy="677108"/>
+          </a:xfrm>
+          <a:prstGeom prst="rect">
+            <a:avLst/>
+          </a:prstGeom>
+          <a:noFill/>
+        </p:spPr>
+        <p:txBody>
+          <a:bodyPr wrap="square">
+            <a:spAutoFit/>
+          </a:bodyPr>
+          <a:lstStyle/>
+          <a:p>
+            <a:pPr algn="ctr"/>
+            <a:r>
+              <a:rPr lang="en-US" altLang="zh-CN" sz="2000" dirty="0"/>
+              <a:t>D Prediction</a:t>
+            </a:r>
+          </a:p>
+          <a:p>
+            <a:pPr algn="ctr"/>
+            <a:r>
+              <a:rPr lang="en-US" altLang="zh-CN" dirty="0"/>
+              <a:t>480 -&gt; 370</a:t>
+            </a:r>
+            <a:endParaRPr lang="zh-CN" altLang="en-US" dirty="0"/>
+          </a:p>
+        </p:txBody>
+      </p:sp>
+      <p:sp>
+        <p:nvSpPr>
+          <p:cNvPr id="11" name="文本框 10">
+            <a:extLst>
+              <a:ext uri="{FF2B5EF4-FFF2-40B4-BE49-F238E27FC236}">
+                <a16:creationId xmlns:a16="http://schemas.microsoft.com/office/drawing/2014/main" id="{86FC54B8-A614-6DEB-5433-BE7C9AFD6F91}"/>
+              </a:ext>
+            </a:extLst>
+          </p:cNvPr>
+          <p:cNvSpPr txBox="1"/>
+          <p:nvPr/>
+        </p:nvSpPr>
+        <p:spPr>
+          <a:xfrm>
+            <a:off x="6323117" y="154951"/>
+            <a:ext cx="5220009" cy="738664"/>
+          </a:xfrm>
+          <a:prstGeom prst="rect">
+            <a:avLst/>
+          </a:prstGeom>
+          <a:noFill/>
+        </p:spPr>
+        <p:txBody>
+          <a:bodyPr wrap="square" rtlCol="0">
+            <a:spAutoFit/>
+          </a:bodyPr>
+          <a:lstStyle/>
+          <a:p>
+            <a:pPr algn="ctr"/>
+            <a:r>
+              <a:rPr lang="en-US" altLang="zh-CN" sz="2400" b="1" dirty="0"/>
+              <a:t>Step 3. </a:t>
+            </a:r>
+          </a:p>
+          <a:p>
+            <a:pPr algn="ctr"/>
+            <a:r>
+              <a:rPr lang="en-US" altLang="zh-CN" b="1" dirty="0"/>
+              <a:t>Univariate Feature Selection</a:t>
+            </a:r>
+          </a:p>
+        </p:txBody>
+      </p:sp>
       <p:cxnSp>
         <p:nvCxnSpPr>
-          <p:cNvPr id="4" name="直接连接符 3">
-            <a:extLst>
-              <a:ext uri="{FF2B5EF4-FFF2-40B4-BE49-F238E27FC236}">
-                <a16:creationId xmlns:a16="http://schemas.microsoft.com/office/drawing/2014/main" id="{2301947C-BEBC-16B8-AB3E-E01A1600A0FB}"/>
+          <p:cNvPr id="24" name="直接连接符 23">
+            <a:extLst>
+              <a:ext uri="{FF2B5EF4-FFF2-40B4-BE49-F238E27FC236}">
+                <a16:creationId xmlns:a16="http://schemas.microsoft.com/office/drawing/2014/main" id="{353F1457-308D-D85E-2BA6-C26303E5E2AF}"/>
               </a:ext>
             </a:extLst>
           </p:cNvPr>
@@ -11702,15 +14253,17 @@
         </p:nvCxnSpPr>
         <p:spPr>
           <a:xfrm>
-            <a:off x="5829300" y="0"/>
-            <a:ext cx="0" cy="6858000"/>
+            <a:off x="5818910" y="-27778"/>
+            <a:ext cx="0" cy="6885778"/>
           </a:xfrm>
           <a:prstGeom prst="line">
             <a:avLst/>
           </a:prstGeom>
-          <a:ln>
+          <a:ln w="19050">
             <a:solidFill>
-              <a:schemeClr val="tx1"/>
+              <a:schemeClr val="bg1">
+                <a:lumMod val="65000"/>
+              </a:schemeClr>
             </a:solidFill>
             <a:prstDash val="dash"/>
           </a:ln>
@@ -11730,563 +14283,6 @@
           </a:fontRef>
         </p:style>
       </p:cxnSp>
-      <p:sp>
-        <p:nvSpPr>
-          <p:cNvPr id="9" name="文本框 8">
-            <a:extLst>
-              <a:ext uri="{FF2B5EF4-FFF2-40B4-BE49-F238E27FC236}">
-                <a16:creationId xmlns:a16="http://schemas.microsoft.com/office/drawing/2014/main" id="{AE735C1C-0C08-8283-B321-1372849A2DC7}"/>
-              </a:ext>
-            </a:extLst>
-          </p:cNvPr>
-          <p:cNvSpPr txBox="1"/>
-          <p:nvPr/>
-        </p:nvSpPr>
-        <p:spPr>
-          <a:xfrm>
-            <a:off x="6362701" y="1215873"/>
-            <a:ext cx="2034020" cy="923330"/>
-          </a:xfrm>
-          <a:prstGeom prst="rect">
-            <a:avLst/>
-          </a:prstGeom>
-          <a:noFill/>
-        </p:spPr>
-        <p:txBody>
-          <a:bodyPr wrap="square">
-            <a:spAutoFit/>
-          </a:bodyPr>
-          <a:lstStyle/>
-          <a:p>
-            <a:r>
-              <a:rPr lang="en-US" altLang="zh-CN" b="0" i="0" dirty="0">
-                <a:solidFill>
-                  <a:srgbClr val="212529"/>
-                </a:solidFill>
-                <a:effectLst/>
-                <a:latin typeface="-apple-system"/>
-              </a:rPr>
-              <a:t>Univariate feature selection Based on F-Test</a:t>
-            </a:r>
-            <a:endParaRPr lang="zh-CN" altLang="en-US" dirty="0"/>
-          </a:p>
-        </p:txBody>
-      </p:sp>
-      <p:sp>
-        <p:nvSpPr>
-          <p:cNvPr id="12" name="文本框 11">
-            <a:extLst>
-              <a:ext uri="{FF2B5EF4-FFF2-40B4-BE49-F238E27FC236}">
-                <a16:creationId xmlns:a16="http://schemas.microsoft.com/office/drawing/2014/main" id="{91775D77-7B4E-3338-44AF-B6FD1885E785}"/>
-              </a:ext>
-            </a:extLst>
-          </p:cNvPr>
-          <p:cNvSpPr txBox="1"/>
-          <p:nvPr/>
-        </p:nvSpPr>
-        <p:spPr>
-          <a:xfrm>
-            <a:off x="6362701" y="2782669"/>
-            <a:ext cx="2034019" cy="646331"/>
-          </a:xfrm>
-          <a:prstGeom prst="rect">
-            <a:avLst/>
-          </a:prstGeom>
-          <a:noFill/>
-        </p:spPr>
-        <p:txBody>
-          <a:bodyPr wrap="square">
-            <a:spAutoFit/>
-          </a:bodyPr>
-          <a:lstStyle/>
-          <a:p>
-            <a:r>
-              <a:rPr lang="en-US" altLang="zh-CN" b="0" i="0" dirty="0">
-                <a:solidFill>
-                  <a:srgbClr val="212529"/>
-                </a:solidFill>
-                <a:effectLst/>
-                <a:latin typeface="-apple-system"/>
-              </a:rPr>
-              <a:t>F-test captures </a:t>
-            </a:r>
-          </a:p>
-          <a:p>
-            <a:r>
-              <a:rPr lang="en-US" altLang="zh-CN" b="0" i="0" dirty="0">
-                <a:solidFill>
-                  <a:srgbClr val="212529"/>
-                </a:solidFill>
-                <a:effectLst/>
-                <a:latin typeface="-apple-system"/>
-              </a:rPr>
-              <a:t>linear dependency</a:t>
-            </a:r>
-            <a:endParaRPr lang="zh-CN" altLang="en-US" dirty="0"/>
-          </a:p>
-        </p:txBody>
-      </p:sp>
-      <p:sp>
-        <p:nvSpPr>
-          <p:cNvPr id="14" name="文本框 13">
-            <a:extLst>
-              <a:ext uri="{FF2B5EF4-FFF2-40B4-BE49-F238E27FC236}">
-                <a16:creationId xmlns:a16="http://schemas.microsoft.com/office/drawing/2014/main" id="{2146AE68-0B80-4ADE-425F-F283517D4DCE}"/>
-              </a:ext>
-            </a:extLst>
-          </p:cNvPr>
-          <p:cNvSpPr txBox="1"/>
-          <p:nvPr/>
-        </p:nvSpPr>
-        <p:spPr>
-          <a:xfrm>
-            <a:off x="9447934" y="2782669"/>
-            <a:ext cx="2823730" cy="923330"/>
-          </a:xfrm>
-          <a:prstGeom prst="rect">
-            <a:avLst/>
-          </a:prstGeom>
-          <a:noFill/>
-        </p:spPr>
-        <p:txBody>
-          <a:bodyPr wrap="square">
-            <a:spAutoFit/>
-          </a:bodyPr>
-          <a:lstStyle/>
-          <a:p>
-            <a:r>
-              <a:rPr lang="en-US" altLang="zh-CN" b="0" i="0" dirty="0">
-                <a:solidFill>
-                  <a:srgbClr val="212529"/>
-                </a:solidFill>
-                <a:effectLst/>
-                <a:latin typeface="-apple-system"/>
-              </a:rPr>
-              <a:t>mutual information captures any kind of dependency</a:t>
-            </a:r>
-            <a:endParaRPr lang="zh-CN" altLang="en-US" dirty="0"/>
-          </a:p>
-        </p:txBody>
-      </p:sp>
-      <p:sp>
-        <p:nvSpPr>
-          <p:cNvPr id="15" name="文本框 14">
-            <a:extLst>
-              <a:ext uri="{FF2B5EF4-FFF2-40B4-BE49-F238E27FC236}">
-                <a16:creationId xmlns:a16="http://schemas.microsoft.com/office/drawing/2014/main" id="{48120E4E-0018-C37C-2300-B352DACA0852}"/>
-              </a:ext>
-            </a:extLst>
-          </p:cNvPr>
-          <p:cNvSpPr txBox="1"/>
-          <p:nvPr/>
-        </p:nvSpPr>
-        <p:spPr>
-          <a:xfrm>
-            <a:off x="9315018" y="1215873"/>
-            <a:ext cx="2442728" cy="923330"/>
-          </a:xfrm>
-          <a:prstGeom prst="rect">
-            <a:avLst/>
-          </a:prstGeom>
-          <a:noFill/>
-        </p:spPr>
-        <p:txBody>
-          <a:bodyPr wrap="square">
-            <a:spAutoFit/>
-          </a:bodyPr>
-          <a:lstStyle/>
-          <a:p>
-            <a:r>
-              <a:rPr lang="en-US" altLang="zh-CN" b="0" i="0" dirty="0">
-                <a:solidFill>
-                  <a:srgbClr val="212529"/>
-                </a:solidFill>
-                <a:effectLst/>
-                <a:latin typeface="-apple-system"/>
-              </a:rPr>
-              <a:t>Univariate feature selection Based on Mutual Information</a:t>
-            </a:r>
-            <a:endParaRPr lang="zh-CN" altLang="en-US" dirty="0"/>
-          </a:p>
-        </p:txBody>
-      </p:sp>
-      <p:sp>
-        <p:nvSpPr>
-          <p:cNvPr id="16" name="文本框 15">
-            <a:extLst>
-              <a:ext uri="{FF2B5EF4-FFF2-40B4-BE49-F238E27FC236}">
-                <a16:creationId xmlns:a16="http://schemas.microsoft.com/office/drawing/2014/main" id="{319470C3-9DF5-F7C1-AE45-EE787AF0E131}"/>
-              </a:ext>
-            </a:extLst>
-          </p:cNvPr>
-          <p:cNvSpPr txBox="1"/>
-          <p:nvPr/>
-        </p:nvSpPr>
-        <p:spPr>
-          <a:xfrm>
-            <a:off x="6362701" y="4181978"/>
-            <a:ext cx="2034019" cy="369332"/>
-          </a:xfrm>
-          <a:prstGeom prst="rect">
-            <a:avLst/>
-          </a:prstGeom>
-          <a:noFill/>
-        </p:spPr>
-        <p:txBody>
-          <a:bodyPr wrap="square">
-            <a:spAutoFit/>
-          </a:bodyPr>
-          <a:lstStyle/>
-          <a:p>
-            <a:r>
-              <a:rPr lang="en-US" altLang="zh-CN" dirty="0"/>
-              <a:t>Choose Top K</a:t>
-            </a:r>
-            <a:endParaRPr lang="zh-CN" altLang="en-US" dirty="0"/>
-          </a:p>
-        </p:txBody>
-      </p:sp>
-      <p:sp>
-        <p:nvSpPr>
-          <p:cNvPr id="17" name="文本框 16">
-            <a:extLst>
-              <a:ext uri="{FF2B5EF4-FFF2-40B4-BE49-F238E27FC236}">
-                <a16:creationId xmlns:a16="http://schemas.microsoft.com/office/drawing/2014/main" id="{B11356E0-37B4-61F1-16F9-649769C31654}"/>
-              </a:ext>
-            </a:extLst>
-          </p:cNvPr>
-          <p:cNvSpPr txBox="1"/>
-          <p:nvPr/>
-        </p:nvSpPr>
-        <p:spPr>
-          <a:xfrm>
-            <a:off x="9632374" y="4164799"/>
-            <a:ext cx="2034019" cy="369332"/>
-          </a:xfrm>
-          <a:prstGeom prst="rect">
-            <a:avLst/>
-          </a:prstGeom>
-          <a:noFill/>
-        </p:spPr>
-        <p:txBody>
-          <a:bodyPr wrap="square">
-            <a:spAutoFit/>
-          </a:bodyPr>
-          <a:lstStyle/>
-          <a:p>
-            <a:r>
-              <a:rPr lang="en-US" altLang="zh-CN" dirty="0"/>
-              <a:t>Choose Top K</a:t>
-            </a:r>
-            <a:endParaRPr lang="zh-CN" altLang="en-US" dirty="0"/>
-          </a:p>
-        </p:txBody>
-      </p:sp>
-      <p:sp>
-        <p:nvSpPr>
-          <p:cNvPr id="18" name="文本框 17">
-            <a:extLst>
-              <a:ext uri="{FF2B5EF4-FFF2-40B4-BE49-F238E27FC236}">
-                <a16:creationId xmlns:a16="http://schemas.microsoft.com/office/drawing/2014/main" id="{5E6BE24B-9A03-BFAF-8FEC-42A8F7E7B305}"/>
-              </a:ext>
-            </a:extLst>
-          </p:cNvPr>
-          <p:cNvSpPr txBox="1"/>
-          <p:nvPr/>
-        </p:nvSpPr>
-        <p:spPr>
-          <a:xfrm>
-            <a:off x="8650003" y="5013576"/>
-            <a:ext cx="945571" cy="369332"/>
-          </a:xfrm>
-          <a:prstGeom prst="rect">
-            <a:avLst/>
-          </a:prstGeom>
-          <a:noFill/>
-        </p:spPr>
-        <p:txBody>
-          <a:bodyPr wrap="square">
-            <a:spAutoFit/>
-          </a:bodyPr>
-          <a:lstStyle/>
-          <a:p>
-            <a:r>
-              <a:rPr lang="en-US" altLang="zh-CN" dirty="0"/>
-              <a:t>Union</a:t>
-            </a:r>
-            <a:endParaRPr lang="zh-CN" altLang="en-US" dirty="0"/>
-          </a:p>
-        </p:txBody>
-      </p:sp>
-      <p:sp>
-        <p:nvSpPr>
-          <p:cNvPr id="19" name="文本框 18">
-            <a:extLst>
-              <a:ext uri="{FF2B5EF4-FFF2-40B4-BE49-F238E27FC236}">
-                <a16:creationId xmlns:a16="http://schemas.microsoft.com/office/drawing/2014/main" id="{0CF101B6-5365-9174-6790-E46BB7F7D3FF}"/>
-              </a:ext>
-            </a:extLst>
-          </p:cNvPr>
-          <p:cNvSpPr txBox="1"/>
-          <p:nvPr/>
-        </p:nvSpPr>
-        <p:spPr>
-          <a:xfrm>
-            <a:off x="7467819" y="5841708"/>
-            <a:ext cx="3694397" cy="646331"/>
-          </a:xfrm>
-          <a:prstGeom prst="rect">
-            <a:avLst/>
-          </a:prstGeom>
-          <a:noFill/>
-        </p:spPr>
-        <p:txBody>
-          <a:bodyPr wrap="square">
-            <a:spAutoFit/>
-          </a:bodyPr>
-          <a:lstStyle/>
-          <a:p>
-            <a:r>
-              <a:rPr lang="en-US" altLang="zh-CN" dirty="0"/>
-              <a:t>Selected Features</a:t>
-            </a:r>
-          </a:p>
-          <a:p>
-            <a:r>
-              <a:rPr lang="en-US" altLang="zh-CN" dirty="0"/>
-              <a:t>Number ranges from K to 2K</a:t>
-            </a:r>
-            <a:endParaRPr lang="zh-CN" altLang="en-US" dirty="0"/>
-          </a:p>
-        </p:txBody>
-      </p:sp>
-      <p:sp>
-        <p:nvSpPr>
-          <p:cNvPr id="21" name="文本框 20">
-            <a:extLst>
-              <a:ext uri="{FF2B5EF4-FFF2-40B4-BE49-F238E27FC236}">
-                <a16:creationId xmlns:a16="http://schemas.microsoft.com/office/drawing/2014/main" id="{13E1BE8A-E7E7-B316-3CBD-369F5FD7A8F4}"/>
-              </a:ext>
-            </a:extLst>
-          </p:cNvPr>
-          <p:cNvSpPr txBox="1"/>
-          <p:nvPr/>
-        </p:nvSpPr>
-        <p:spPr>
-          <a:xfrm>
-            <a:off x="820883" y="1539038"/>
-            <a:ext cx="4189268" cy="1200329"/>
-          </a:xfrm>
-          <a:prstGeom prst="rect">
-            <a:avLst/>
-          </a:prstGeom>
-          <a:noFill/>
-        </p:spPr>
-        <p:txBody>
-          <a:bodyPr wrap="square">
-            <a:spAutoFit/>
-          </a:bodyPr>
-          <a:lstStyle/>
-          <a:p>
-            <a:pPr marL="0" marR="0" lvl="0" indent="0" algn="l" defTabSz="914400" rtl="0" eaLnBrk="1" fontAlgn="auto" latinLnBrk="0" hangingPunct="1">
-              <a:lnSpc>
-                <a:spcPct val="100000"/>
-              </a:lnSpc>
-              <a:spcBef>
-                <a:spcPts val="0"/>
-              </a:spcBef>
-              <a:spcAft>
-                <a:spcPts val="0"/>
-              </a:spcAft>
-              <a:buClrTx/>
-              <a:buSzTx/>
-              <a:buFontTx/>
-              <a:buNone/>
-              <a:tabLst/>
-              <a:defRPr/>
-            </a:pPr>
-            <a:r>
-              <a:rPr lang="en-US" altLang="zh-CN" dirty="0"/>
-              <a:t>p-value calculation</a:t>
-            </a:r>
-          </a:p>
-          <a:p>
-            <a:pPr marL="0" marR="0" lvl="0" indent="0" algn="l" defTabSz="914400" rtl="0" eaLnBrk="1" fontAlgn="auto" latinLnBrk="0" hangingPunct="1">
-              <a:lnSpc>
-                <a:spcPct val="100000"/>
-              </a:lnSpc>
-              <a:spcBef>
-                <a:spcPts val="0"/>
-              </a:spcBef>
-              <a:spcAft>
-                <a:spcPts val="0"/>
-              </a:spcAft>
-              <a:buClrTx/>
-              <a:buSzTx/>
-              <a:buFontTx/>
-              <a:buNone/>
-              <a:tabLst/>
-              <a:defRPr/>
-            </a:pPr>
-            <a:endParaRPr lang="en-US" altLang="zh-CN" dirty="0"/>
-          </a:p>
-          <a:p>
-            <a:pPr marL="0" marR="0" lvl="0" indent="0" algn="l" defTabSz="914400" rtl="0" eaLnBrk="1" fontAlgn="auto" latinLnBrk="0" hangingPunct="1">
-              <a:lnSpc>
-                <a:spcPct val="100000"/>
-              </a:lnSpc>
-              <a:spcBef>
-                <a:spcPts val="0"/>
-              </a:spcBef>
-              <a:spcAft>
-                <a:spcPts val="0"/>
-              </a:spcAft>
-              <a:buClrTx/>
-              <a:buSzTx/>
-              <a:buFontTx/>
-              <a:buNone/>
-              <a:tabLst/>
-              <a:defRPr/>
-            </a:pPr>
-            <a:r>
-              <a:rPr lang="en-US" altLang="zh-CN" dirty="0"/>
-              <a:t>Calculate Relevance between </a:t>
-            </a:r>
-            <a:r>
-              <a:rPr lang="en-US" altLang="zh-CN" dirty="0" err="1"/>
-              <a:t>Feature_i</a:t>
-            </a:r>
-            <a:r>
-              <a:rPr lang="en-US" altLang="zh-CN" dirty="0"/>
-              <a:t> and S/D</a:t>
-            </a:r>
-          </a:p>
-        </p:txBody>
-      </p:sp>
-      <p:sp>
-        <p:nvSpPr>
-          <p:cNvPr id="23" name="文本框 22">
-            <a:extLst>
-              <a:ext uri="{FF2B5EF4-FFF2-40B4-BE49-F238E27FC236}">
-                <a16:creationId xmlns:a16="http://schemas.microsoft.com/office/drawing/2014/main" id="{D930AE72-2A02-CBDE-F0D3-196BEC168BB8}"/>
-              </a:ext>
-            </a:extLst>
-          </p:cNvPr>
-          <p:cNvSpPr txBox="1"/>
-          <p:nvPr/>
-        </p:nvSpPr>
-        <p:spPr>
-          <a:xfrm>
-            <a:off x="3294785" y="4588120"/>
-            <a:ext cx="6135832" cy="1477328"/>
-          </a:xfrm>
-          <a:prstGeom prst="rect">
-            <a:avLst/>
-          </a:prstGeom>
-          <a:noFill/>
-        </p:spPr>
-        <p:txBody>
-          <a:bodyPr wrap="square">
-            <a:spAutoFit/>
-          </a:bodyPr>
-          <a:lstStyle/>
-          <a:p>
-            <a:pPr marL="0" marR="0" lvl="0" indent="0" algn="l" defTabSz="914400" rtl="0" eaLnBrk="1" fontAlgn="auto" latinLnBrk="0" hangingPunct="1">
-              <a:lnSpc>
-                <a:spcPct val="100000"/>
-              </a:lnSpc>
-              <a:spcBef>
-                <a:spcPts val="0"/>
-              </a:spcBef>
-              <a:spcAft>
-                <a:spcPts val="0"/>
-              </a:spcAft>
-              <a:buClrTx/>
-              <a:buSzTx/>
-              <a:buFontTx/>
-              <a:buNone/>
-              <a:tabLst/>
-              <a:defRPr/>
-            </a:pPr>
-            <a:r>
-              <a:rPr lang="en-US" altLang="zh-CN" dirty="0"/>
-              <a:t>Best 3</a:t>
-            </a:r>
-          </a:p>
-          <a:p>
-            <a:pPr marL="0" marR="0" lvl="0" indent="0" algn="l" defTabSz="914400" rtl="0" eaLnBrk="1" fontAlgn="auto" latinLnBrk="0" hangingPunct="1">
-              <a:lnSpc>
-                <a:spcPct val="100000"/>
-              </a:lnSpc>
-              <a:spcBef>
-                <a:spcPts val="0"/>
-              </a:spcBef>
-              <a:spcAft>
-                <a:spcPts val="0"/>
-              </a:spcAft>
-              <a:buClrTx/>
-              <a:buSzTx/>
-              <a:buFontTx/>
-              <a:buNone/>
-              <a:tabLst/>
-              <a:defRPr/>
-            </a:pPr>
-            <a:r>
-              <a:rPr lang="en-US" altLang="zh-CN" dirty="0"/>
-              <a:t>S: </a:t>
-            </a:r>
-            <a:r>
-              <a:rPr lang="fr-FR" altLang="zh-CN" b="0" i="0" dirty="0">
-                <a:solidFill>
-                  <a:srgbClr val="ABB2BF"/>
-                </a:solidFill>
-                <a:effectLst/>
-                <a:latin typeface="Consolas" panose="020B0609020204030204" pitchFamily="49" charset="0"/>
-              </a:rPr>
-              <a:t>'Dis22_divide_Dis21', 'Dis21_divide_Dis12', 'Dis22_divide_Dis12’</a:t>
-            </a:r>
-          </a:p>
-          <a:p>
-            <a:pPr marL="0" marR="0" lvl="0" indent="0" algn="l" defTabSz="914400" rtl="0" eaLnBrk="1" fontAlgn="auto" latinLnBrk="0" hangingPunct="1">
-              <a:lnSpc>
-                <a:spcPct val="100000"/>
-              </a:lnSpc>
-              <a:spcBef>
-                <a:spcPts val="0"/>
-              </a:spcBef>
-              <a:spcAft>
-                <a:spcPts val="0"/>
-              </a:spcAft>
-              <a:buClrTx/>
-              <a:buSzTx/>
-              <a:buFontTx/>
-              <a:buNone/>
-              <a:tabLst/>
-              <a:defRPr/>
-            </a:pPr>
-            <a:r>
-              <a:rPr lang="fr-FR" altLang="zh-CN" b="0" i="0" dirty="0">
-                <a:solidFill>
-                  <a:srgbClr val="ABB2BF"/>
-                </a:solidFill>
-                <a:effectLst/>
-                <a:latin typeface="Consolas" panose="020B0609020204030204" pitchFamily="49" charset="0"/>
-              </a:rPr>
-              <a:t>D: </a:t>
-            </a:r>
-            <a:r>
-              <a:rPr lang="en-US" altLang="zh-CN" b="0" i="0" dirty="0">
-                <a:solidFill>
-                  <a:srgbClr val="ABB2BF"/>
-                </a:solidFill>
-                <a:effectLst/>
-                <a:latin typeface="Consolas" panose="020B0609020204030204" pitchFamily="49" charset="0"/>
-              </a:rPr>
-              <a:t>'Dis22_minus_P2', 'P1_multi_P2', 'Dis22_add_P2', 'P2_divide_P1', 'P2’</a:t>
-            </a:r>
-          </a:p>
-        </p:txBody>
-      </p:sp>
     </p:spTree>
     <p:extLst>
       <p:ext uri="{BB962C8B-B14F-4D97-AF65-F5344CB8AC3E}">
@@ -12440,10 +14436,10 @@
       </p:pic>
       <p:sp>
         <p:nvSpPr>
-          <p:cNvPr id="7" name="文本框 6">
-            <a:extLst>
-              <a:ext uri="{FF2B5EF4-FFF2-40B4-BE49-F238E27FC236}">
-                <a16:creationId xmlns:a16="http://schemas.microsoft.com/office/drawing/2014/main" id="{5973182B-D2F1-6745-A759-CFB9687E52F7}"/>
+          <p:cNvPr id="10" name="文本框 9">
+            <a:extLst>
+              <a:ext uri="{FF2B5EF4-FFF2-40B4-BE49-F238E27FC236}">
+                <a16:creationId xmlns:a16="http://schemas.microsoft.com/office/drawing/2014/main" id="{11ED4AE4-AECA-B8E0-15B7-DE6A203877DE}"/>
               </a:ext>
             </a:extLst>
           </p:cNvPr>
@@ -12452,104 +14448,8 @@
         </p:nvSpPr>
         <p:spPr>
           <a:xfrm>
-            <a:off x="1039215" y="1310030"/>
-            <a:ext cx="3048866" cy="369332"/>
-          </a:xfrm>
-          <a:prstGeom prst="rect">
-            <a:avLst/>
-          </a:prstGeom>
-          <a:noFill/>
-        </p:spPr>
-        <p:txBody>
-          <a:bodyPr wrap="square">
-            <a:spAutoFit/>
-          </a:bodyPr>
-          <a:lstStyle/>
-          <a:p>
-            <a:r>
-              <a:rPr lang="en-US" altLang="zh-CN" b="0" i="0" dirty="0">
-                <a:solidFill>
-                  <a:srgbClr val="212529"/>
-                </a:solidFill>
-                <a:effectLst/>
-                <a:latin typeface="-apple-system"/>
-              </a:rPr>
-              <a:t>Recursive Feature </a:t>
-            </a:r>
-            <a:r>
-              <a:rPr lang="en-US" altLang="zh-CN" dirty="0">
-                <a:solidFill>
-                  <a:srgbClr val="212529"/>
-                </a:solidFill>
-                <a:latin typeface="-apple-system"/>
-              </a:rPr>
-              <a:t>E</a:t>
-            </a:r>
-            <a:r>
-              <a:rPr lang="en-US" altLang="zh-CN" b="0" i="0" dirty="0">
-                <a:solidFill>
-                  <a:srgbClr val="212529"/>
-                </a:solidFill>
-                <a:effectLst/>
-                <a:latin typeface="-apple-system"/>
-              </a:rPr>
-              <a:t>limination</a:t>
-            </a:r>
-            <a:endParaRPr lang="zh-CN" altLang="en-US" dirty="0"/>
-          </a:p>
-        </p:txBody>
-      </p:sp>
-      <p:sp>
-        <p:nvSpPr>
-          <p:cNvPr id="8" name="文本框 7">
-            <a:extLst>
-              <a:ext uri="{FF2B5EF4-FFF2-40B4-BE49-F238E27FC236}">
-                <a16:creationId xmlns:a16="http://schemas.microsoft.com/office/drawing/2014/main" id="{61FBF898-E6CE-E36A-A100-EAFC1556C471}"/>
-              </a:ext>
-            </a:extLst>
-          </p:cNvPr>
-          <p:cNvSpPr txBox="1"/>
-          <p:nvPr/>
-        </p:nvSpPr>
-        <p:spPr>
-          <a:xfrm>
-            <a:off x="4807652" y="1310030"/>
-            <a:ext cx="3048866" cy="369332"/>
-          </a:xfrm>
-          <a:prstGeom prst="rect">
-            <a:avLst/>
-          </a:prstGeom>
-          <a:noFill/>
-        </p:spPr>
-        <p:txBody>
-          <a:bodyPr wrap="square">
-            <a:spAutoFit/>
-          </a:bodyPr>
-          <a:lstStyle/>
-          <a:p>
-            <a:r>
-              <a:rPr lang="zh-CN" altLang="en-US" dirty="0"/>
-              <a:t>简单解释怎么做的</a:t>
-            </a:r>
-          </a:p>
-        </p:txBody>
-      </p:sp>
-      <p:sp>
-        <p:nvSpPr>
-          <p:cNvPr id="10" name="文本框 9">
-            <a:extLst>
-              <a:ext uri="{FF2B5EF4-FFF2-40B4-BE49-F238E27FC236}">
-                <a16:creationId xmlns:a16="http://schemas.microsoft.com/office/drawing/2014/main" id="{11ED4AE4-AECA-B8E0-15B7-DE6A203877DE}"/>
-              </a:ext>
-            </a:extLst>
-          </p:cNvPr>
-          <p:cNvSpPr txBox="1"/>
-          <p:nvPr/>
-        </p:nvSpPr>
-        <p:spPr>
-          <a:xfrm>
-            <a:off x="1760518" y="5633992"/>
-            <a:ext cx="3601191" cy="646331"/>
+            <a:off x="1832805" y="5385721"/>
+            <a:ext cx="4263193" cy="646331"/>
           </a:xfrm>
           <a:prstGeom prst="rect">
             <a:avLst/>
@@ -12581,52 +14481,9 @@
             </a:pPr>
             <a:r>
               <a:rPr lang="en-US" altLang="zh-CN" dirty="0"/>
-              <a:t>S</a:t>
-            </a:r>
-            <a:r>
-              <a:rPr lang="zh-CN" altLang="en-US" dirty="0"/>
-              <a:t>的最好选择，是选择出：</a:t>
-            </a:r>
-            <a:r>
-              <a:rPr lang="en-US" altLang="zh-CN" b="1" i="0" dirty="0">
-                <a:solidFill>
-                  <a:srgbClr val="ABB2BF"/>
-                </a:solidFill>
-                <a:effectLst/>
-                <a:latin typeface="Consolas" panose="020B0609020204030204" pitchFamily="49" charset="0"/>
-              </a:rPr>
-              <a:t>Dis21_divide_Dis12</a:t>
-            </a:r>
-          </a:p>
-        </p:txBody>
-      </p:sp>
-      <p:sp>
-        <p:nvSpPr>
-          <p:cNvPr id="12" name="文本框 11">
-            <a:extLst>
-              <a:ext uri="{FF2B5EF4-FFF2-40B4-BE49-F238E27FC236}">
-                <a16:creationId xmlns:a16="http://schemas.microsoft.com/office/drawing/2014/main" id="{B0E83698-CF2F-4AE2-EB95-B74B42EB11D0}"/>
-              </a:ext>
-            </a:extLst>
-          </p:cNvPr>
-          <p:cNvSpPr txBox="1"/>
-          <p:nvPr/>
-        </p:nvSpPr>
-        <p:spPr>
-          <a:xfrm>
-            <a:off x="6332085" y="5356993"/>
-            <a:ext cx="6094268" cy="923330"/>
-          </a:xfrm>
-          <a:prstGeom prst="rect">
-            <a:avLst/>
-          </a:prstGeom>
-          <a:noFill/>
-        </p:spPr>
-        <p:txBody>
-          <a:bodyPr wrap="square">
-            <a:spAutoFit/>
-          </a:bodyPr>
-          <a:lstStyle/>
+              <a:t>Optimal Choice for S Prediction:</a:t>
+            </a:r>
+          </a:p>
           <a:p>
             <a:pPr marL="0" marR="0" lvl="0" indent="0" algn="l" defTabSz="914400" rtl="0" eaLnBrk="1" fontAlgn="auto" latinLnBrk="0" hangingPunct="1">
               <a:lnSpc>
@@ -12646,33 +14503,42 @@
               <a:defRPr/>
             </a:pPr>
             <a:r>
-              <a:rPr lang="en-US" altLang="zh-CN" b="0" i="0" dirty="0">
-                <a:solidFill>
-                  <a:srgbClr val="ABB2BF"/>
-                </a:solidFill>
+              <a:rPr lang="en-US" altLang="zh-CN" b="1" i="0" dirty="0">
                 <a:effectLst/>
                 <a:latin typeface="Consolas" panose="020B0609020204030204" pitchFamily="49" charset="0"/>
               </a:rPr>
-              <a:t>D</a:t>
-            </a:r>
-            <a:r>
-              <a:rPr lang="zh-CN" altLang="en-US" b="0" i="0" dirty="0">
-                <a:solidFill>
-                  <a:srgbClr val="ABB2BF"/>
-                </a:solidFill>
-                <a:effectLst/>
-                <a:latin typeface="Consolas" panose="020B0609020204030204" pitchFamily="49" charset="0"/>
-              </a:rPr>
-              <a:t>的最好选择：</a:t>
-            </a:r>
-            <a:endParaRPr lang="en-US" altLang="zh-CN" b="0" i="0" dirty="0">
-              <a:solidFill>
-                <a:srgbClr val="ABB2BF"/>
-              </a:solidFill>
-              <a:effectLst/>
-              <a:latin typeface="Consolas" panose="020B0609020204030204" pitchFamily="49" charset="0"/>
-            </a:endParaRPr>
-          </a:p>
+              <a:t>‘Dis21_divide_Dis12’</a:t>
+            </a:r>
+          </a:p>
+        </p:txBody>
+      </p:sp>
+      <p:sp>
+        <p:nvSpPr>
+          <p:cNvPr id="12" name="文本框 11">
+            <a:extLst>
+              <a:ext uri="{FF2B5EF4-FFF2-40B4-BE49-F238E27FC236}">
+                <a16:creationId xmlns:a16="http://schemas.microsoft.com/office/drawing/2014/main" id="{B0E83698-CF2F-4AE2-EB95-B74B42EB11D0}"/>
+              </a:ext>
+            </a:extLst>
+          </p:cNvPr>
+          <p:cNvSpPr txBox="1"/>
+          <p:nvPr/>
+        </p:nvSpPr>
+        <p:spPr>
+          <a:xfrm>
+            <a:off x="6830293" y="5385721"/>
+            <a:ext cx="4671855" cy="923330"/>
+          </a:xfrm>
+          <a:prstGeom prst="rect">
+            <a:avLst/>
+          </a:prstGeom>
+          <a:noFill/>
+        </p:spPr>
+        <p:txBody>
+          <a:bodyPr wrap="square">
+            <a:spAutoFit/>
+          </a:bodyPr>
+          <a:lstStyle/>
           <a:p>
             <a:pPr marL="0" marR="0" lvl="0" indent="0" algn="l" defTabSz="914400" rtl="0" eaLnBrk="1" fontAlgn="auto" latinLnBrk="0" hangingPunct="1">
               <a:lnSpc>
@@ -12692,45 +14558,157 @@
               <a:defRPr/>
             </a:pPr>
             <a:r>
-              <a:rPr lang="en-US" altLang="zh-CN" b="0" i="0" dirty="0">
-                <a:solidFill>
-                  <a:srgbClr val="ABB2BF"/>
-                </a:solidFill>
+              <a:rPr lang="en-US" altLang="zh-CN" dirty="0">
+                <a:latin typeface="Consolas" panose="020B0609020204030204" pitchFamily="49" charset="0"/>
+              </a:rPr>
+              <a:t>Optimal Choice for D Prediction</a:t>
+            </a:r>
+            <a:r>
+              <a:rPr lang="zh-CN" altLang="en-US" b="0" i="0" dirty="0">
                 <a:effectLst/>
                 <a:latin typeface="Consolas" panose="020B0609020204030204" pitchFamily="49" charset="0"/>
               </a:rPr>
-              <a:t>'Dis22_minus_P2',</a:t>
-            </a:r>
-            <a:r>
-              <a:rPr lang="fr-FR" altLang="zh-CN" b="0" i="0" dirty="0">
-                <a:solidFill>
-                  <a:srgbClr val="ABB2BF"/>
-                </a:solidFill>
+              <a:t>：</a:t>
+            </a:r>
+            <a:endParaRPr lang="en-US" altLang="zh-CN" b="0" i="0" dirty="0">
+              <a:effectLst/>
+              <a:latin typeface="Consolas" panose="020B0609020204030204" pitchFamily="49" charset="0"/>
+            </a:endParaRPr>
+          </a:p>
+          <a:p>
+            <a:pPr marL="0" marR="0" lvl="0" indent="0" algn="l" defTabSz="914400" rtl="0" eaLnBrk="1" fontAlgn="auto" latinLnBrk="0" hangingPunct="1">
+              <a:lnSpc>
+                <a:spcPct val="100000"/>
+              </a:lnSpc>
+              <a:spcBef>
+                <a:spcPts val="0"/>
+              </a:spcBef>
+              <a:spcAft>
+                <a:spcPts val="0"/>
+              </a:spcAft>
+              <a:buClrTx/>
+              <a:buSzTx/>
+              <a:buFontTx/>
+              <a:buNone/>
+              <a:tabLst/>
+              <a:defRPr/>
+            </a:pPr>
+            <a:r>
+              <a:rPr lang="en-US" altLang="zh-CN" dirty="0">
+                <a:latin typeface="Consolas" panose="020B0609020204030204" pitchFamily="49" charset="0"/>
+              </a:rPr>
+              <a:t>‘</a:t>
+            </a:r>
+            <a:r>
+              <a:rPr lang="en-US" altLang="zh-CN" b="0" i="0" dirty="0">
                 <a:effectLst/>
                 <a:latin typeface="Consolas" panose="020B0609020204030204" pitchFamily="49" charset="0"/>
               </a:rPr>
-              <a:t> 'Dis22_add_P2', </a:t>
-            </a:r>
-            <a:r>
-              <a:rPr lang="fr-FR" altLang="zh-CN" b="1" i="0" dirty="0">
-                <a:solidFill>
-                  <a:srgbClr val="ABB2BF"/>
-                </a:solidFill>
+              <a:t>Dis22_minus_P2’,</a:t>
+            </a:r>
+            <a:r>
+              <a:rPr lang="fr-FR" altLang="zh-CN" b="0" i="0" dirty="0">
                 <a:effectLst/>
                 <a:latin typeface="Consolas" panose="020B0609020204030204" pitchFamily="49" charset="0"/>
               </a:rPr>
-              <a:t>'P2_divide_P1', </a:t>
+              <a:t> </a:t>
+            </a:r>
+            <a:r>
+              <a:rPr lang="fr-FR" altLang="zh-CN" dirty="0">
+                <a:latin typeface="Consolas" panose="020B0609020204030204" pitchFamily="49" charset="0"/>
+              </a:rPr>
+              <a:t>‘</a:t>
             </a:r>
             <a:r>
               <a:rPr lang="fr-FR" altLang="zh-CN" b="0" i="0" dirty="0">
-                <a:solidFill>
-                  <a:srgbClr val="ABB2BF"/>
-                </a:solidFill>
                 <a:effectLst/>
                 <a:latin typeface="Consolas" panose="020B0609020204030204" pitchFamily="49" charset="0"/>
               </a:rPr>
-              <a:t>'P2’</a:t>
-            </a:r>
+              <a:t>Dis22_add_P2’, </a:t>
+            </a:r>
+            <a:r>
+              <a:rPr lang="fr-FR" altLang="zh-CN" b="1" dirty="0">
+                <a:latin typeface="Consolas" panose="020B0609020204030204" pitchFamily="49" charset="0"/>
+              </a:rPr>
+              <a:t>‘</a:t>
+            </a:r>
+            <a:r>
+              <a:rPr lang="fr-FR" altLang="zh-CN" b="1" i="0" dirty="0">
+                <a:effectLst/>
+                <a:latin typeface="Consolas" panose="020B0609020204030204" pitchFamily="49" charset="0"/>
+              </a:rPr>
+              <a:t>P2_divide_P1</a:t>
+            </a:r>
+            <a:r>
+              <a:rPr lang="fr-FR" altLang="zh-CN" b="1" dirty="0">
+                <a:latin typeface="Consolas" panose="020B0609020204030204" pitchFamily="49" charset="0"/>
+              </a:rPr>
+              <a:t>’</a:t>
+            </a:r>
+            <a:r>
+              <a:rPr lang="fr-FR" altLang="zh-CN" b="1" i="0" dirty="0">
+                <a:effectLst/>
+                <a:latin typeface="Consolas" panose="020B0609020204030204" pitchFamily="49" charset="0"/>
+              </a:rPr>
+              <a:t>, </a:t>
+            </a:r>
+            <a:r>
+              <a:rPr lang="fr-FR" altLang="zh-CN" dirty="0">
+                <a:latin typeface="Consolas" panose="020B0609020204030204" pitchFamily="49" charset="0"/>
+              </a:rPr>
+              <a:t>‘</a:t>
+            </a:r>
+            <a:r>
+              <a:rPr lang="fr-FR" altLang="zh-CN" b="0" i="0" dirty="0">
+                <a:effectLst/>
+                <a:latin typeface="Consolas" panose="020B0609020204030204" pitchFamily="49" charset="0"/>
+              </a:rPr>
+              <a:t>P2’</a:t>
+            </a:r>
+          </a:p>
+        </p:txBody>
+      </p:sp>
+      <p:sp>
+        <p:nvSpPr>
+          <p:cNvPr id="3" name="文本框 2">
+            <a:extLst>
+              <a:ext uri="{FF2B5EF4-FFF2-40B4-BE49-F238E27FC236}">
+                <a16:creationId xmlns:a16="http://schemas.microsoft.com/office/drawing/2014/main" id="{D62FC3B0-11A8-0FAB-6898-DE6A1203B53E}"/>
+              </a:ext>
+            </a:extLst>
+          </p:cNvPr>
+          <p:cNvSpPr txBox="1"/>
+          <p:nvPr/>
+        </p:nvSpPr>
+        <p:spPr>
+          <a:xfrm>
+            <a:off x="3485994" y="949263"/>
+            <a:ext cx="5220009" cy="738664"/>
+          </a:xfrm>
+          <a:prstGeom prst="rect">
+            <a:avLst/>
+          </a:prstGeom>
+          <a:noFill/>
+        </p:spPr>
+        <p:txBody>
+          <a:bodyPr wrap="square" rtlCol="0">
+            <a:spAutoFit/>
+          </a:bodyPr>
+          <a:lstStyle/>
+          <a:p>
+            <a:pPr algn="ctr"/>
+            <a:r>
+              <a:rPr lang="en-US" altLang="zh-CN" sz="2400" b="1" dirty="0"/>
+              <a:t>Step 4. </a:t>
+            </a:r>
+          </a:p>
+          <a:p>
+            <a:pPr algn="ctr"/>
+            <a:r>
+              <a:rPr lang="en-US" altLang="zh-CN" sz="1800" b="1" dirty="0"/>
+              <a:t>Recursive Feature Elimination(RFE)</a:t>
+            </a:r>
+            <a:endParaRPr lang="zh-CN" altLang="en-US" sz="1800" b="1" dirty="0"/>
           </a:p>
         </p:txBody>
       </p:sp>
@@ -12841,7 +14819,7 @@
         </p:blipFill>
         <p:spPr>
           <a:xfrm>
-            <a:off x="143742" y="1309482"/>
+            <a:off x="131867" y="1024477"/>
             <a:ext cx="4083627" cy="2722418"/>
           </a:xfrm>
           <a:prstGeom prst="rect">
@@ -12877,7 +14855,7 @@
         </p:blipFill>
         <p:spPr>
           <a:xfrm>
-            <a:off x="4227369" y="1309482"/>
+            <a:off x="4215494" y="1024477"/>
             <a:ext cx="4083627" cy="2722418"/>
           </a:xfrm>
           <a:prstGeom prst="rect">
@@ -12913,7 +14891,7 @@
         </p:blipFill>
         <p:spPr>
           <a:xfrm>
-            <a:off x="8310996" y="1309482"/>
+            <a:off x="8299121" y="1024477"/>
             <a:ext cx="4083627" cy="2722418"/>
           </a:xfrm>
           <a:prstGeom prst="rect">
@@ -12935,8 +14913,8 @@
         </p:nvSpPr>
         <p:spPr>
           <a:xfrm>
-            <a:off x="1216232" y="4271101"/>
-            <a:ext cx="1938646" cy="369332"/>
+            <a:off x="625435" y="3878374"/>
+            <a:ext cx="3450771" cy="338554"/>
           </a:xfrm>
           <a:prstGeom prst="rect">
             <a:avLst/>
@@ -12967,41 +14945,80 @@
               <a:defRPr/>
             </a:pPr>
             <a:r>
-              <a:rPr lang="en-US" altLang="zh-CN" b="1" i="0" dirty="0">
-                <a:solidFill>
-                  <a:srgbClr val="ABB2BF"/>
-                </a:solidFill>
+              <a:rPr lang="en-US" altLang="zh-CN" sz="1600" i="0" dirty="0">
                 <a:effectLst/>
                 <a:latin typeface="Consolas" panose="020B0609020204030204" pitchFamily="49" charset="0"/>
               </a:rPr>
-              <a:t>S</a:t>
-            </a:r>
-            <a:r>
-              <a:rPr lang="zh-CN" altLang="en-US" b="1" i="0" dirty="0">
-                <a:solidFill>
-                  <a:srgbClr val="ABB2BF"/>
-                </a:solidFill>
+              <a:t>Prediction performance for S</a:t>
+            </a:r>
+          </a:p>
+        </p:txBody>
+      </p:sp>
+      <p:sp>
+        <p:nvSpPr>
+          <p:cNvPr id="7" name="文本框 6">
+            <a:extLst>
+              <a:ext uri="{FF2B5EF4-FFF2-40B4-BE49-F238E27FC236}">
+                <a16:creationId xmlns:a16="http://schemas.microsoft.com/office/drawing/2014/main" id="{F64C431C-046E-C866-BEF7-C124D28BC790}"/>
+              </a:ext>
+            </a:extLst>
+          </p:cNvPr>
+          <p:cNvSpPr txBox="1"/>
+          <p:nvPr/>
+        </p:nvSpPr>
+        <p:spPr>
+          <a:xfrm>
+            <a:off x="4310497" y="3878373"/>
+            <a:ext cx="3988624" cy="584775"/>
+          </a:xfrm>
+          <a:prstGeom prst="rect">
+            <a:avLst/>
+          </a:prstGeom>
+          <a:noFill/>
+        </p:spPr>
+        <p:txBody>
+          <a:bodyPr wrap="square">
+            <a:spAutoFit/>
+          </a:bodyPr>
+          <a:lstStyle>
+            <a:defPPr>
+              <a:defRPr lang="zh-CN"/>
+            </a:defPPr>
+            <a:lvl1pPr marR="0" lvl="0" indent="0" fontAlgn="auto">
+              <a:lnSpc>
+                <a:spcPct val="100000"/>
+              </a:lnSpc>
+              <a:spcBef>
+                <a:spcPts val="0"/>
+              </a:spcBef>
+              <a:spcAft>
+                <a:spcPts val="0"/>
+              </a:spcAft>
+              <a:buClrTx/>
+              <a:buSzTx/>
+              <a:buFontTx/>
+              <a:buNone/>
+              <a:tabLst/>
+              <a:defRPr sz="1600" i="0">
                 <a:effectLst/>
                 <a:latin typeface="Consolas" panose="020B0609020204030204" pitchFamily="49" charset="0"/>
-              </a:rPr>
-              <a:t>的预预测效果</a:t>
-            </a:r>
-            <a:endParaRPr lang="en-US" altLang="zh-CN" b="1" i="0" dirty="0">
-              <a:solidFill>
-                <a:srgbClr val="ABB2BF"/>
-              </a:solidFill>
-              <a:effectLst/>
-              <a:latin typeface="Consolas" panose="020B0609020204030204" pitchFamily="49" charset="0"/>
-            </a:endParaRPr>
-          </a:p>
-        </p:txBody>
-      </p:sp>
-      <p:sp>
-        <p:nvSpPr>
-          <p:cNvPr id="7" name="文本框 6">
-            <a:extLst>
-              <a:ext uri="{FF2B5EF4-FFF2-40B4-BE49-F238E27FC236}">
-                <a16:creationId xmlns:a16="http://schemas.microsoft.com/office/drawing/2014/main" id="{F64C431C-046E-C866-BEF7-C124D28BC790}"/>
+              </a:defRPr>
+            </a:lvl1pPr>
+          </a:lstStyle>
+          <a:p>
+            <a:r>
+              <a:rPr lang="en-US" altLang="zh-CN" dirty="0"/>
+              <a:t>Prediction performance for D using the 4 features recommended by RFE</a:t>
+            </a:r>
+          </a:p>
+        </p:txBody>
+      </p:sp>
+      <p:sp>
+        <p:nvSpPr>
+          <p:cNvPr id="8" name="文本框 7">
+            <a:extLst>
+              <a:ext uri="{FF2B5EF4-FFF2-40B4-BE49-F238E27FC236}">
+                <a16:creationId xmlns:a16="http://schemas.microsoft.com/office/drawing/2014/main" id="{138D89BB-1EAF-9E2A-2B5E-5F37A5C7795C}"/>
               </a:ext>
             </a:extLst>
           </p:cNvPr>
@@ -13010,8 +15027,8 @@
         </p:nvSpPr>
         <p:spPr>
           <a:xfrm>
-            <a:off x="5452260" y="4271101"/>
-            <a:ext cx="1938646" cy="923330"/>
+            <a:off x="8645237" y="3878372"/>
+            <a:ext cx="3534888" cy="584775"/>
           </a:xfrm>
           <a:prstGeom prst="rect">
             <a:avLst/>
@@ -13042,63 +15059,12 @@
               <a:defRPr/>
             </a:pPr>
             <a:r>
-              <a:rPr lang="en-US" altLang="zh-CN" b="1" dirty="0">
-                <a:solidFill>
-                  <a:srgbClr val="ABB2BF"/>
-                </a:solidFill>
+              <a:rPr lang="en-US" altLang="zh-CN" sz="1600" dirty="0">
                 <a:latin typeface="Consolas" panose="020B0609020204030204" pitchFamily="49" charset="0"/>
               </a:rPr>
-              <a:t>D</a:t>
-            </a:r>
-            <a:r>
-              <a:rPr lang="zh-CN" altLang="en-US" b="1" dirty="0">
-                <a:solidFill>
-                  <a:srgbClr val="ABB2BF"/>
-                </a:solidFill>
-                <a:latin typeface="Consolas" panose="020B0609020204030204" pitchFamily="49" charset="0"/>
-              </a:rPr>
-              <a:t>的预测效果，使用</a:t>
-            </a:r>
-            <a:r>
-              <a:rPr lang="en-US" altLang="zh-CN" b="1" dirty="0">
-                <a:solidFill>
-                  <a:srgbClr val="ABB2BF"/>
-                </a:solidFill>
-                <a:latin typeface="Consolas" panose="020B0609020204030204" pitchFamily="49" charset="0"/>
-              </a:rPr>
-              <a:t>RFE</a:t>
-            </a:r>
-            <a:r>
-              <a:rPr lang="zh-CN" altLang="en-US" b="1" dirty="0">
-                <a:solidFill>
-                  <a:srgbClr val="ABB2BF"/>
-                </a:solidFill>
-                <a:latin typeface="Consolas" panose="020B0609020204030204" pitchFamily="49" charset="0"/>
-              </a:rPr>
-              <a:t>推荐的</a:t>
-            </a:r>
-            <a:r>
-              <a:rPr lang="en-US" altLang="zh-CN" b="1" dirty="0">
-                <a:solidFill>
-                  <a:srgbClr val="ABB2BF"/>
-                </a:solidFill>
-                <a:latin typeface="Consolas" panose="020B0609020204030204" pitchFamily="49" charset="0"/>
-              </a:rPr>
-              <a:t>4</a:t>
-            </a:r>
-            <a:r>
-              <a:rPr lang="zh-CN" altLang="en-US" b="1" dirty="0">
-                <a:solidFill>
-                  <a:srgbClr val="ABB2BF"/>
-                </a:solidFill>
-                <a:latin typeface="Consolas" panose="020B0609020204030204" pitchFamily="49" charset="0"/>
-              </a:rPr>
-              <a:t>个特征</a:t>
-            </a:r>
-            <a:endParaRPr lang="en-US" altLang="zh-CN" b="1" i="0" dirty="0">
-              <a:solidFill>
-                <a:srgbClr val="ABB2BF"/>
-              </a:solidFill>
+              <a:t>Prediction performance for D using only "P2_divide_P1"</a:t>
+            </a:r>
+            <a:endParaRPr lang="en-US" altLang="zh-CN" sz="1600" i="0" dirty="0">
               <a:effectLst/>
               <a:latin typeface="Consolas" panose="020B0609020204030204" pitchFamily="49" charset="0"/>
             </a:endParaRPr>
@@ -13107,10 +15073,10 @@
       </p:sp>
       <p:sp>
         <p:nvSpPr>
-          <p:cNvPr id="8" name="文本框 7">
-            <a:extLst>
-              <a:ext uri="{FF2B5EF4-FFF2-40B4-BE49-F238E27FC236}">
-                <a16:creationId xmlns:a16="http://schemas.microsoft.com/office/drawing/2014/main" id="{138D89BB-1EAF-9E2A-2B5E-5F37A5C7795C}"/>
+          <p:cNvPr id="10" name="文本框 9">
+            <a:extLst>
+              <a:ext uri="{FF2B5EF4-FFF2-40B4-BE49-F238E27FC236}">
+                <a16:creationId xmlns:a16="http://schemas.microsoft.com/office/drawing/2014/main" id="{C636AFD7-1BEC-B888-45F8-F440E9BBBC4A}"/>
               </a:ext>
             </a:extLst>
           </p:cNvPr>
@@ -13119,8 +15085,8 @@
         </p:nvSpPr>
         <p:spPr>
           <a:xfrm>
-            <a:off x="9383485" y="4178768"/>
-            <a:ext cx="2607623" cy="646331"/>
+            <a:off x="2146960" y="4956722"/>
+            <a:ext cx="8220693" cy="1477328"/>
           </a:xfrm>
           <a:prstGeom prst="rect">
             <a:avLst/>
@@ -13128,211 +15094,28 @@
           <a:noFill/>
         </p:spPr>
         <p:txBody>
-          <a:bodyPr wrap="square">
-            <a:spAutoFit/>
-          </a:bodyPr>
-          <a:lstStyle/>
-          <a:p>
-            <a:pPr marL="0" marR="0" lvl="0" indent="0" algn="l" defTabSz="914400" rtl="0" eaLnBrk="1" fontAlgn="auto" latinLnBrk="0" hangingPunct="1">
-              <a:lnSpc>
-                <a:spcPct val="100000"/>
-              </a:lnSpc>
-              <a:spcBef>
-                <a:spcPts val="0"/>
-              </a:spcBef>
-              <a:spcAft>
-                <a:spcPts val="0"/>
-              </a:spcAft>
-              <a:buClrTx/>
-              <a:buSzTx/>
-              <a:buFontTx/>
-              <a:buNone/>
-              <a:tabLst/>
-              <a:defRPr/>
-            </a:pPr>
-            <a:r>
-              <a:rPr lang="en-US" altLang="zh-CN" b="1" dirty="0">
-                <a:solidFill>
-                  <a:srgbClr val="ABB2BF"/>
-                </a:solidFill>
-                <a:latin typeface="Consolas" panose="020B0609020204030204" pitchFamily="49" charset="0"/>
-              </a:rPr>
-              <a:t>D</a:t>
-            </a:r>
-            <a:r>
-              <a:rPr lang="zh-CN" altLang="en-US" b="1" dirty="0">
-                <a:solidFill>
-                  <a:srgbClr val="ABB2BF"/>
-                </a:solidFill>
-                <a:latin typeface="Consolas" panose="020B0609020204030204" pitchFamily="49" charset="0"/>
-              </a:rPr>
-              <a:t>的预测效果，仅使用</a:t>
-            </a:r>
-            <a:r>
-              <a:rPr lang="fr-FR" altLang="zh-CN" b="1" i="0" dirty="0">
-                <a:solidFill>
-                  <a:srgbClr val="ABB2BF"/>
-                </a:solidFill>
-                <a:effectLst/>
-                <a:latin typeface="Consolas" panose="020B0609020204030204" pitchFamily="49" charset="0"/>
-              </a:rPr>
-              <a:t>P2_divide_P1</a:t>
-            </a:r>
-            <a:endParaRPr lang="en-US" altLang="zh-CN" b="1" i="0" dirty="0">
-              <a:solidFill>
-                <a:srgbClr val="ABB2BF"/>
-              </a:solidFill>
-              <a:effectLst/>
-              <a:latin typeface="Consolas" panose="020B0609020204030204" pitchFamily="49" charset="0"/>
-            </a:endParaRPr>
-          </a:p>
-        </p:txBody>
-      </p:sp>
-      <p:sp>
-        <p:nvSpPr>
-          <p:cNvPr id="10" name="文本框 9">
-            <a:extLst>
-              <a:ext uri="{FF2B5EF4-FFF2-40B4-BE49-F238E27FC236}">
-                <a16:creationId xmlns:a16="http://schemas.microsoft.com/office/drawing/2014/main" id="{C636AFD7-1BEC-B888-45F8-F440E9BBBC4A}"/>
-              </a:ext>
-            </a:extLst>
-          </p:cNvPr>
-          <p:cNvSpPr txBox="1"/>
-          <p:nvPr/>
-        </p:nvSpPr>
-        <p:spPr>
-          <a:xfrm>
-            <a:off x="5756564" y="5527964"/>
-            <a:ext cx="5351318" cy="1200329"/>
-          </a:xfrm>
-          <a:prstGeom prst="rect">
-            <a:avLst/>
-          </a:prstGeom>
-          <a:noFill/>
-        </p:spPr>
-        <p:txBody>
           <a:bodyPr wrap="square" rtlCol="0">
             <a:spAutoFit/>
           </a:bodyPr>
           <a:lstStyle/>
           <a:p>
             <a:r>
-              <a:rPr lang="zh-CN" altLang="en-US" dirty="0"/>
-              <a:t>我认为</a:t>
-            </a:r>
-            <a:r>
               <a:rPr lang="en-US" altLang="zh-CN" dirty="0"/>
-              <a:t>D</a:t>
-            </a:r>
-            <a:r>
-              <a:rPr lang="zh-CN" altLang="en-US" dirty="0"/>
-              <a:t>没有被选出</a:t>
-            </a:r>
+              <a:t>I think</a:t>
+            </a:r>
+          </a:p>
+          <a:p>
             <a:r>
               <a:rPr lang="en-US" altLang="zh-CN" dirty="0"/>
-              <a:t>xx</a:t>
-            </a:r>
-            <a:r>
-              <a:rPr lang="zh-CN" altLang="en-US" dirty="0"/>
-              <a:t>来是因为，没有对</a:t>
-            </a:r>
+              <a:t>the core features for D were not selected because no denoising procedures are applied to signals with a noise level of 0.1. </a:t>
+            </a:r>
+          </a:p>
+          <a:p>
             <a:r>
               <a:rPr lang="en-US" altLang="zh-CN" dirty="0"/>
-              <a:t>0.1</a:t>
-            </a:r>
-            <a:r>
-              <a:rPr lang="zh-CN" altLang="en-US" dirty="0"/>
-              <a:t>噪声级别的信号做任何去噪处理。</a:t>
-            </a:r>
-            <a:endParaRPr lang="en-US" altLang="zh-CN" dirty="0"/>
-          </a:p>
-          <a:p>
-            <a:r>
-              <a:rPr lang="zh-CN" altLang="en-US" dirty="0"/>
-              <a:t>如果只使用</a:t>
-            </a:r>
-            <a:r>
-              <a:rPr lang="en-US" altLang="zh-CN" dirty="0"/>
-              <a:t>P2_divide_P1</a:t>
-            </a:r>
-            <a:r>
-              <a:rPr lang="zh-CN" altLang="en-US" dirty="0"/>
-              <a:t>的效果足够好，那肯定也能被筛选出来</a:t>
-            </a:r>
-          </a:p>
-        </p:txBody>
-      </p:sp>
-      <p:sp>
-        <p:nvSpPr>
-          <p:cNvPr id="11" name="文本框 10">
-            <a:extLst>
-              <a:ext uri="{FF2B5EF4-FFF2-40B4-BE49-F238E27FC236}">
-                <a16:creationId xmlns:a16="http://schemas.microsoft.com/office/drawing/2014/main" id="{A4E7887A-C64D-FFCB-4F5A-08619497A012}"/>
-              </a:ext>
-            </a:extLst>
-          </p:cNvPr>
-          <p:cNvSpPr txBox="1"/>
-          <p:nvPr/>
-        </p:nvSpPr>
-        <p:spPr>
-          <a:xfrm>
-            <a:off x="405246" y="5548518"/>
-            <a:ext cx="5351318" cy="1200329"/>
-          </a:xfrm>
-          <a:prstGeom prst="rect">
-            <a:avLst/>
-          </a:prstGeom>
-          <a:noFill/>
-        </p:spPr>
-        <p:txBody>
-          <a:bodyPr wrap="square" rtlCol="0">
-            <a:spAutoFit/>
-          </a:bodyPr>
-          <a:lstStyle/>
-          <a:p>
-            <a:r>
-              <a:rPr lang="zh-CN" altLang="en-US" dirty="0"/>
-              <a:t>我认为</a:t>
-            </a:r>
-            <a:r>
-              <a:rPr lang="en-US" altLang="zh-CN" dirty="0"/>
-              <a:t>D</a:t>
-            </a:r>
-            <a:r>
-              <a:rPr lang="zh-CN" altLang="en-US" dirty="0"/>
-              <a:t>没有被选出</a:t>
-            </a:r>
-            <a:r>
-              <a:rPr lang="en-US" altLang="zh-CN" dirty="0"/>
-              <a:t>xx</a:t>
-            </a:r>
-            <a:r>
-              <a:rPr lang="zh-CN" altLang="en-US" dirty="0"/>
-              <a:t>来是因为，没有对</a:t>
-            </a:r>
-            <a:r>
-              <a:rPr lang="en-US" altLang="zh-CN" dirty="0"/>
-              <a:t>0.1</a:t>
-            </a:r>
-            <a:r>
-              <a:rPr lang="zh-CN" altLang="en-US" dirty="0"/>
-              <a:t>噪声级别的信号做任何去噪处理。</a:t>
-            </a:r>
-            <a:endParaRPr lang="en-US" altLang="zh-CN" dirty="0"/>
-          </a:p>
-          <a:p>
-            <a:r>
-              <a:rPr lang="zh-CN" altLang="en-US" dirty="0"/>
-              <a:t>如果只使用</a:t>
-            </a:r>
-            <a:r>
-              <a:rPr lang="en-US" altLang="zh-CN" dirty="0"/>
-              <a:t>P2_divide_P1</a:t>
-            </a:r>
-            <a:r>
-              <a:rPr lang="zh-CN" altLang="en-US" dirty="0"/>
-              <a:t>的效果足够好，那肯定也能被筛选出来</a:t>
-            </a:r>
+              <a:t>The prediction performance using only the "P2_divide_P1" feature is not satisfactory.</a:t>
+            </a:r>
+            <a:endParaRPr lang="zh-CN" altLang="en-US" dirty="0"/>
           </a:p>
         </p:txBody>
       </p:sp>
@@ -13429,7 +15212,7 @@
         </p:nvSpPr>
         <p:spPr>
           <a:xfrm>
-            <a:off x="663200" y="1424187"/>
+            <a:off x="2008989" y="1867548"/>
             <a:ext cx="2589993" cy="461317"/>
           </a:xfrm>
           <a:prstGeom prst="rect">
@@ -13494,7 +15277,7 @@
         </p:nvSpPr>
         <p:spPr>
           <a:xfrm>
-            <a:off x="663198" y="2187026"/>
+            <a:off x="2008987" y="2630387"/>
             <a:ext cx="2589997" cy="551038"/>
           </a:xfrm>
           <a:prstGeom prst="rect">
@@ -13539,14 +15322,14 @@
           <a:p>
             <a:pPr algn="ctr"/>
             <a:r>
-              <a:rPr lang="en-US" altLang="zh-CN" dirty="0" err="1">
+              <a:rPr lang="en-US" altLang="zh-CN" dirty="0">
                 <a:solidFill>
                   <a:schemeClr val="tx1"/>
                 </a:solidFill>
                 <a:latin typeface="Consolas" panose="020B0609020204030204" pitchFamily="49" charset="0"/>
                 <a:cs typeface="Times New Roman" panose="02020603050405020304" pitchFamily="18" charset="0"/>
               </a:rPr>
-              <a:t>Denosing</a:t>
+              <a:t>Denoising</a:t>
             </a:r>
             <a:endParaRPr lang="zh-CN" altLang="en-US" dirty="0">
               <a:solidFill>
@@ -13576,7 +15359,7 @@
         </p:nvCxnSpPr>
         <p:spPr>
           <a:xfrm>
-            <a:off x="1958197" y="1885504"/>
+            <a:off x="3303986" y="2328865"/>
             <a:ext cx="0" cy="301522"/>
           </a:xfrm>
           <a:prstGeom prst="straightConnector1">
@@ -13621,7 +15404,7 @@
         </p:nvCxnSpPr>
         <p:spPr>
           <a:xfrm>
-            <a:off x="1958197" y="2738064"/>
+            <a:off x="3303986" y="3181425"/>
             <a:ext cx="0" cy="283611"/>
           </a:xfrm>
           <a:prstGeom prst="straightConnector1">
@@ -13666,7 +15449,7 @@
         </p:nvCxnSpPr>
         <p:spPr>
           <a:xfrm>
-            <a:off x="1958196" y="1148487"/>
+            <a:off x="3303985" y="1591848"/>
             <a:ext cx="1" cy="275700"/>
           </a:xfrm>
           <a:prstGeom prst="straightConnector1">
@@ -13708,7 +15491,7 @@
         </p:nvSpPr>
         <p:spPr>
           <a:xfrm>
-            <a:off x="1742586" y="3049994"/>
+            <a:off x="3088375" y="3493355"/>
             <a:ext cx="431219" cy="438443"/>
           </a:xfrm>
           <a:prstGeom prst="mathMultiply">
@@ -13756,7 +15539,7 @@
         </p:nvSpPr>
         <p:spPr>
           <a:xfrm>
-            <a:off x="3863600" y="1424188"/>
+            <a:off x="6559299" y="1867549"/>
             <a:ext cx="2589993" cy="356664"/>
           </a:xfrm>
           <a:prstGeom prst="rect">
@@ -13821,7 +15604,7 @@
         </p:nvSpPr>
         <p:spPr>
           <a:xfrm>
-            <a:off x="3863596" y="2152924"/>
+            <a:off x="6559293" y="2541327"/>
             <a:ext cx="2589997" cy="425685"/>
           </a:xfrm>
           <a:prstGeom prst="rect">
@@ -13886,7 +15669,7 @@
         </p:nvSpPr>
         <p:spPr>
           <a:xfrm>
-            <a:off x="3863598" y="3021675"/>
+            <a:off x="6559297" y="3284126"/>
             <a:ext cx="2589998" cy="405001"/>
           </a:xfrm>
           <a:prstGeom prst="rect">
@@ -13951,7 +15734,7 @@
         </p:nvSpPr>
         <p:spPr>
           <a:xfrm>
-            <a:off x="3863597" y="3729595"/>
+            <a:off x="6559291" y="4006241"/>
             <a:ext cx="2589999" cy="443066"/>
           </a:xfrm>
           <a:prstGeom prst="rect">
@@ -14016,7 +15799,7 @@
         </p:nvSpPr>
         <p:spPr>
           <a:xfrm>
-            <a:off x="3863596" y="4544734"/>
+            <a:off x="6559289" y="4766421"/>
             <a:ext cx="2590001" cy="427763"/>
           </a:xfrm>
           <a:prstGeom prst="rect">
@@ -14055,17 +15838,7 @@
                 <a:latin typeface="Consolas" panose="020B0609020204030204" pitchFamily="49" charset="0"/>
                 <a:cs typeface="Times New Roman" panose="02020603050405020304" pitchFamily="18" charset="0"/>
               </a:rPr>
-              <a:t>S/D </a:t>
-            </a:r>
-            <a:r>
-              <a:rPr lang="en-US" altLang="zh-CN" dirty="0" err="1">
-                <a:solidFill>
-                  <a:schemeClr val="tx1"/>
-                </a:solidFill>
-                <a:latin typeface="Consolas" panose="020B0609020204030204" pitchFamily="49" charset="0"/>
-                <a:cs typeface="Times New Roman" panose="02020603050405020304" pitchFamily="18" charset="0"/>
-              </a:rPr>
-              <a:t>Prediciton</a:t>
+              <a:t>S/D Prediction</a:t>
             </a:r>
             <a:endParaRPr lang="zh-CN" altLang="en-US" dirty="0">
               <a:solidFill>
@@ -14095,8 +15868,8 @@
         </p:nvCxnSpPr>
         <p:spPr>
           <a:xfrm flipH="1">
-            <a:off x="5158595" y="1780852"/>
-            <a:ext cx="2" cy="372072"/>
+            <a:off x="7854292" y="2224213"/>
+            <a:ext cx="4" cy="317114"/>
           </a:xfrm>
           <a:prstGeom prst="straightConnector1">
             <a:avLst/>
@@ -14141,8 +15914,8 @@
         </p:nvCxnSpPr>
         <p:spPr>
           <a:xfrm>
-            <a:off x="5158595" y="2578609"/>
-            <a:ext cx="2" cy="443066"/>
+            <a:off x="7854292" y="2967012"/>
+            <a:ext cx="4" cy="317114"/>
           </a:xfrm>
           <a:prstGeom prst="straightConnector1">
             <a:avLst/>
@@ -14186,9 +15959,9 @@
           <p:nvPr/>
         </p:nvCxnSpPr>
         <p:spPr>
-          <a:xfrm>
-            <a:off x="5158597" y="4172661"/>
-            <a:ext cx="0" cy="372073"/>
+          <a:xfrm flipH="1">
+            <a:off x="7854290" y="4449307"/>
+            <a:ext cx="1" cy="317114"/>
           </a:xfrm>
           <a:prstGeom prst="straightConnector1">
             <a:avLst/>
@@ -14232,9 +16005,9 @@
           <p:nvPr/>
         </p:nvCxnSpPr>
         <p:spPr>
-          <a:xfrm>
-            <a:off x="5158597" y="4972497"/>
-            <a:ext cx="0" cy="409461"/>
+          <a:xfrm flipH="1">
+            <a:off x="7854289" y="5194184"/>
+            <a:ext cx="1" cy="315036"/>
           </a:xfrm>
           <a:prstGeom prst="straightConnector1">
             <a:avLst/>
@@ -14278,7 +16051,7 @@
         </p:nvCxnSpPr>
         <p:spPr>
           <a:xfrm>
-            <a:off x="5158596" y="1148487"/>
+            <a:off x="7854295" y="1591848"/>
             <a:ext cx="1" cy="275701"/>
           </a:xfrm>
           <a:prstGeom prst="straightConnector1">
@@ -14323,14 +16096,17 @@
           <p:nvPr/>
         </p:nvCxnSpPr>
         <p:spPr>
-          <a:xfrm>
-            <a:off x="5158597" y="3426676"/>
-            <a:ext cx="0" cy="302919"/>
+          <a:xfrm flipH="1">
+            <a:off x="7854291" y="3689127"/>
+            <a:ext cx="5" cy="317114"/>
           </a:xfrm>
           <a:prstGeom prst="straightConnector1">
             <a:avLst/>
           </a:prstGeom>
-          <a:ln>
+          <a:ln w="19050">
+            <a:solidFill>
+              <a:schemeClr val="tx1"/>
+            </a:solidFill>
             <a:tailEnd type="triangle"/>
           </a:ln>
         </p:spPr>
@@ -14363,7 +16139,7 @@
         </p:nvSpPr>
         <p:spPr>
           <a:xfrm>
-            <a:off x="3863596" y="5381958"/>
+            <a:off x="6559288" y="5509220"/>
             <a:ext cx="2590001" cy="427763"/>
           </a:xfrm>
           <a:prstGeom prst="rect">
@@ -14403,6 +16179,138 @@
                 <a:cs typeface="Times New Roman" panose="02020603050405020304" pitchFamily="18" charset="0"/>
               </a:rPr>
               <a:t>Test</a:t>
+            </a:r>
+            <a:endParaRPr lang="zh-CN" altLang="en-US" dirty="0">
+              <a:solidFill>
+                <a:schemeClr val="tx1"/>
+              </a:solidFill>
+              <a:latin typeface="Consolas" panose="020B0609020204030204" pitchFamily="49" charset="0"/>
+              <a:cs typeface="Times New Roman" panose="02020603050405020304" pitchFamily="18" charset="0"/>
+            </a:endParaRPr>
+          </a:p>
+        </p:txBody>
+      </p:sp>
+      <p:sp>
+        <p:nvSpPr>
+          <p:cNvPr id="5" name="文本框 4">
+            <a:extLst>
+              <a:ext uri="{FF2B5EF4-FFF2-40B4-BE49-F238E27FC236}">
+                <a16:creationId xmlns:a16="http://schemas.microsoft.com/office/drawing/2014/main" id="{DF2D137F-DC14-4CD8-1BC9-1135B700C19E}"/>
+              </a:ext>
+            </a:extLst>
+          </p:cNvPr>
+          <p:cNvSpPr txBox="1"/>
+          <p:nvPr/>
+        </p:nvSpPr>
+        <p:spPr>
+          <a:xfrm>
+            <a:off x="2008987" y="1123571"/>
+            <a:ext cx="2589995" cy="369332"/>
+          </a:xfrm>
+          <a:prstGeom prst="rect">
+            <a:avLst/>
+          </a:prstGeom>
+          <a:noFill/>
+        </p:spPr>
+        <p:txBody>
+          <a:bodyPr wrap="square">
+            <a:spAutoFit/>
+          </a:bodyPr>
+          <a:lstStyle/>
+          <a:p>
+            <a:pPr algn="ctr"/>
+            <a:r>
+              <a:rPr lang="en-US" altLang="zh-CN" dirty="0">
+                <a:solidFill>
+                  <a:schemeClr val="tx1"/>
+                </a:solidFill>
+                <a:latin typeface="Consolas" panose="020B0609020204030204" pitchFamily="49" charset="0"/>
+                <a:cs typeface="Times New Roman" panose="02020603050405020304" pitchFamily="18" charset="0"/>
+              </a:rPr>
+              <a:t>Data</a:t>
+            </a:r>
+            <a:r>
+              <a:rPr lang="en-US" altLang="zh-CN" dirty="0">
+                <a:latin typeface="Consolas" panose="020B0609020204030204" pitchFamily="49" charset="0"/>
+                <a:cs typeface="Times New Roman" panose="02020603050405020304" pitchFamily="18" charset="0"/>
+              </a:rPr>
+              <a:t>, </a:t>
+            </a:r>
+            <a:r>
+              <a:rPr lang="en-US" altLang="zh-CN" dirty="0">
+                <a:solidFill>
+                  <a:schemeClr val="tx1"/>
+                </a:solidFill>
+                <a:latin typeface="Consolas" panose="020B0609020204030204" pitchFamily="49" charset="0"/>
+                <a:cs typeface="Times New Roman" panose="02020603050405020304" pitchFamily="18" charset="0"/>
+              </a:rPr>
+              <a:t>Noise: 0.8</a:t>
+            </a:r>
+            <a:endParaRPr lang="zh-CN" altLang="en-US" dirty="0">
+              <a:solidFill>
+                <a:schemeClr val="tx1"/>
+              </a:solidFill>
+              <a:latin typeface="Consolas" panose="020B0609020204030204" pitchFamily="49" charset="0"/>
+              <a:cs typeface="Times New Roman" panose="02020603050405020304" pitchFamily="18" charset="0"/>
+            </a:endParaRPr>
+          </a:p>
+        </p:txBody>
+      </p:sp>
+      <p:sp>
+        <p:nvSpPr>
+          <p:cNvPr id="6" name="文本框 5">
+            <a:extLst>
+              <a:ext uri="{FF2B5EF4-FFF2-40B4-BE49-F238E27FC236}">
+                <a16:creationId xmlns:a16="http://schemas.microsoft.com/office/drawing/2014/main" id="{14D8C973-F9AC-596B-465A-571A30E2C2B3}"/>
+              </a:ext>
+            </a:extLst>
+          </p:cNvPr>
+          <p:cNvSpPr txBox="1"/>
+          <p:nvPr/>
+        </p:nvSpPr>
+        <p:spPr>
+          <a:xfrm>
+            <a:off x="6559295" y="1144015"/>
+            <a:ext cx="2589995" cy="369332"/>
+          </a:xfrm>
+          <a:prstGeom prst="rect">
+            <a:avLst/>
+          </a:prstGeom>
+          <a:noFill/>
+        </p:spPr>
+        <p:txBody>
+          <a:bodyPr wrap="square">
+            <a:spAutoFit/>
+          </a:bodyPr>
+          <a:lstStyle/>
+          <a:p>
+            <a:pPr algn="ctr"/>
+            <a:r>
+              <a:rPr lang="en-US" altLang="zh-CN" dirty="0">
+                <a:solidFill>
+                  <a:schemeClr val="tx1"/>
+                </a:solidFill>
+                <a:latin typeface="Consolas" panose="020B0609020204030204" pitchFamily="49" charset="0"/>
+                <a:cs typeface="Times New Roman" panose="02020603050405020304" pitchFamily="18" charset="0"/>
+              </a:rPr>
+              <a:t>Data</a:t>
+            </a:r>
+            <a:r>
+              <a:rPr lang="en-US" altLang="zh-CN" dirty="0">
+                <a:latin typeface="Consolas" panose="020B0609020204030204" pitchFamily="49" charset="0"/>
+                <a:cs typeface="Times New Roman" panose="02020603050405020304" pitchFamily="18" charset="0"/>
+              </a:rPr>
+              <a:t>, </a:t>
+            </a:r>
+            <a:r>
+              <a:rPr lang="en-US" altLang="zh-CN" dirty="0">
+                <a:solidFill>
+                  <a:schemeClr val="tx1"/>
+                </a:solidFill>
+                <a:latin typeface="Consolas" panose="020B0609020204030204" pitchFamily="49" charset="0"/>
+                <a:cs typeface="Times New Roman" panose="02020603050405020304" pitchFamily="18" charset="0"/>
+              </a:rPr>
+              <a:t>Noise: 0.8</a:t>
             </a:r>
             <a:endParaRPr lang="zh-CN" altLang="en-US" dirty="0">
               <a:solidFill>

--- a/Presentation_821_JiayuChen.pptx
+++ b/Presentation_821_JiayuChen.pptx
@@ -224,7 +224,7 @@
           <a:p>
             <a:fld id="{F724740E-8F52-4821-8A8D-03DDEC038A3B}" type="datetimeFigureOut">
               <a:rPr lang="zh-CN" altLang="en-US" smtClean="0"/>
-              <a:t>2023-08-20</a:t>
+              <a:t>2023-08-21</a:t>
             </a:fld>
             <a:endParaRPr lang="zh-CN" altLang="en-US"/>
           </a:p>
@@ -1423,6 +1423,49 @@
             <a:endParaRPr lang="en-US" altLang="zh-CN" dirty="0"/>
           </a:p>
           <a:p>
+            <a:pPr marL="228600" marR="0" lvl="0" indent="-228600" algn="l" defTabSz="914400" rtl="0" eaLnBrk="1" fontAlgn="auto" latinLnBrk="0" hangingPunct="1">
+              <a:lnSpc>
+                <a:spcPct val="100000"/>
+              </a:lnSpc>
+              <a:spcBef>
+                <a:spcPts val="0"/>
+              </a:spcBef>
+              <a:spcAft>
+                <a:spcPts val="0"/>
+              </a:spcAft>
+              <a:buClrTx/>
+              <a:buSzTx/>
+              <a:buFontTx/>
+              <a:buAutoNum type="arabicPeriod"/>
+              <a:tabLst/>
+              <a:defRPr/>
+            </a:pPr>
+            <a:r>
+              <a:rPr lang="en-US" altLang="zh-CN" dirty="0"/>
+              <a:t>Simplified Feature Construction: By exclusively focusing on straightforward features, there's no need to manually engineer complex features</a:t>
+            </a:r>
+          </a:p>
+          <a:p>
+            <a:pPr marL="228600" marR="0" lvl="0" indent="-228600" algn="l" defTabSz="914400" rtl="0" eaLnBrk="1" fontAlgn="auto" latinLnBrk="0" hangingPunct="1">
+              <a:lnSpc>
+                <a:spcPct val="100000"/>
+              </a:lnSpc>
+              <a:spcBef>
+                <a:spcPts val="0"/>
+              </a:spcBef>
+              <a:spcAft>
+                <a:spcPts val="0"/>
+              </a:spcAft>
+              <a:buClrTx/>
+              <a:buSzTx/>
+              <a:buFontTx/>
+              <a:buAutoNum type="arabicPeriod"/>
+              <a:tabLst/>
+              <a:defRPr/>
+            </a:pPr>
+            <a:endParaRPr lang="en-US" altLang="zh-CN" dirty="0"/>
+          </a:p>
+          <a:p>
             <a:pPr marL="0" marR="0" lvl="0" indent="0" algn="l" defTabSz="914400" rtl="0" eaLnBrk="1" fontAlgn="auto" latinLnBrk="0" hangingPunct="1">
               <a:lnSpc>
                 <a:spcPct val="100000"/>
@@ -1442,7 +1485,7 @@
             </a:pPr>
             <a:r>
               <a:rPr lang="en-US" altLang="zh-CN" dirty="0"/>
-              <a:t>1. **Simplified Feature Construction**: By exclusively focusing on straightforward features like Dis12 and Dis21, there's no need to manually engineer complex features like "Dis21/Dis21", saving time and effort.</a:t>
+              <a:t>2. Minimal Parameter Adjustment: The entire process hinges on a single parameter that has a negligible impact on the final results. This simplifies the tuning process and reduces the likelihood of overfitting.</a:t>
             </a:r>
           </a:p>
           <a:p>
@@ -1485,50 +1528,7 @@
             </a:pPr>
             <a:r>
               <a:rPr lang="en-US" altLang="zh-CN" dirty="0"/>
-              <a:t>2. **Minimal Parameter Adjustment**: The entire process hinges on a single parameter that has a negligible impact on the final results. This simplifies the tuning process and reduces the likelihood of overfitting.</a:t>
-            </a:r>
-          </a:p>
-          <a:p>
-            <a:pPr marL="0" marR="0" lvl="0" indent="0" algn="l" defTabSz="914400" rtl="0" eaLnBrk="1" fontAlgn="auto" latinLnBrk="0" hangingPunct="1">
-              <a:lnSpc>
-                <a:spcPct val="100000"/>
-              </a:lnSpc>
-              <a:spcBef>
-                <a:spcPts val="0"/>
-              </a:spcBef>
-              <a:spcAft>
-                <a:spcPts val="0"/>
-              </a:spcAft>
-              <a:buClrTx/>
-              <a:buSzTx/>
-              <a:buFontTx/>
-              <a:buNone/>
-              <a:tabLst/>
-              <a:defRPr/>
-            </a:pPr>
-            <a:endParaRPr lang="en-US" altLang="zh-CN" dirty="0"/>
-          </a:p>
-          <a:p>
-            <a:pPr marL="0" marR="0" lvl="0" indent="0" algn="l" defTabSz="914400" rtl="0" eaLnBrk="1" fontAlgn="auto" latinLnBrk="0" hangingPunct="1">
-              <a:lnSpc>
-                <a:spcPct val="100000"/>
-              </a:lnSpc>
-              <a:spcBef>
-                <a:spcPts val="0"/>
-              </a:spcBef>
-              <a:spcAft>
-                <a:spcPts val="0"/>
-              </a:spcAft>
-              <a:buClrTx/>
-              <a:buSzTx/>
-              <a:buFontTx/>
-              <a:buNone/>
-              <a:tabLst/>
-              <a:defRPr/>
-            </a:pPr>
-            <a:r>
-              <a:rPr lang="en-US" altLang="zh-CN" dirty="0"/>
-              <a:t>3. **Reduced Randomness**: The method exhibits low levels of randomness, leading to more consistent and reproducible results across different runs.</a:t>
+              <a:t>3. Reduced Randomness: The method exhibits low levels of randomness, leading to more consistent and reproducible results across different runs.</a:t>
             </a:r>
           </a:p>
           <a:p>
@@ -4061,7 +4061,7 @@
           <a:p>
             <a:fld id="{5647DC1B-4743-47FE-A400-A2B750CAD470}" type="datetimeFigureOut">
               <a:rPr lang="zh-CN" altLang="en-US" smtClean="0"/>
-              <a:t>2023-08-20</a:t>
+              <a:t>2023-08-21</a:t>
             </a:fld>
             <a:endParaRPr lang="zh-CN" altLang="en-US"/>
           </a:p>
@@ -4259,7 +4259,7 @@
           <a:p>
             <a:fld id="{5647DC1B-4743-47FE-A400-A2B750CAD470}" type="datetimeFigureOut">
               <a:rPr lang="zh-CN" altLang="en-US" smtClean="0"/>
-              <a:t>2023-08-20</a:t>
+              <a:t>2023-08-21</a:t>
             </a:fld>
             <a:endParaRPr lang="zh-CN" altLang="en-US"/>
           </a:p>
@@ -4467,7 +4467,7 @@
           <a:p>
             <a:fld id="{5647DC1B-4743-47FE-A400-A2B750CAD470}" type="datetimeFigureOut">
               <a:rPr lang="zh-CN" altLang="en-US" smtClean="0"/>
-              <a:t>2023-08-20</a:t>
+              <a:t>2023-08-21</a:t>
             </a:fld>
             <a:endParaRPr lang="zh-CN" altLang="en-US"/>
           </a:p>
@@ -4665,7 +4665,7 @@
           <a:p>
             <a:fld id="{5647DC1B-4743-47FE-A400-A2B750CAD470}" type="datetimeFigureOut">
               <a:rPr lang="zh-CN" altLang="en-US" smtClean="0"/>
-              <a:t>2023-08-20</a:t>
+              <a:t>2023-08-21</a:t>
             </a:fld>
             <a:endParaRPr lang="zh-CN" altLang="en-US"/>
           </a:p>
@@ -4940,7 +4940,7 @@
           <a:p>
             <a:fld id="{5647DC1B-4743-47FE-A400-A2B750CAD470}" type="datetimeFigureOut">
               <a:rPr lang="zh-CN" altLang="en-US" smtClean="0"/>
-              <a:t>2023-08-20</a:t>
+              <a:t>2023-08-21</a:t>
             </a:fld>
             <a:endParaRPr lang="zh-CN" altLang="en-US"/>
           </a:p>
@@ -5205,7 +5205,7 @@
           <a:p>
             <a:fld id="{5647DC1B-4743-47FE-A400-A2B750CAD470}" type="datetimeFigureOut">
               <a:rPr lang="zh-CN" altLang="en-US" smtClean="0"/>
-              <a:t>2023-08-20</a:t>
+              <a:t>2023-08-21</a:t>
             </a:fld>
             <a:endParaRPr lang="zh-CN" altLang="en-US"/>
           </a:p>
@@ -5617,7 +5617,7 @@
           <a:p>
             <a:fld id="{5647DC1B-4743-47FE-A400-A2B750CAD470}" type="datetimeFigureOut">
               <a:rPr lang="zh-CN" altLang="en-US" smtClean="0"/>
-              <a:t>2023-08-20</a:t>
+              <a:t>2023-08-21</a:t>
             </a:fld>
             <a:endParaRPr lang="zh-CN" altLang="en-US"/>
           </a:p>
@@ -5758,7 +5758,7 @@
           <a:p>
             <a:fld id="{5647DC1B-4743-47FE-A400-A2B750CAD470}" type="datetimeFigureOut">
               <a:rPr lang="zh-CN" altLang="en-US" smtClean="0"/>
-              <a:t>2023-08-20</a:t>
+              <a:t>2023-08-21</a:t>
             </a:fld>
             <a:endParaRPr lang="zh-CN" altLang="en-US"/>
           </a:p>
@@ -5871,7 +5871,7 @@
           <a:p>
             <a:fld id="{5647DC1B-4743-47FE-A400-A2B750CAD470}" type="datetimeFigureOut">
               <a:rPr lang="zh-CN" altLang="en-US" smtClean="0"/>
-              <a:t>2023-08-20</a:t>
+              <a:t>2023-08-21</a:t>
             </a:fld>
             <a:endParaRPr lang="zh-CN" altLang="en-US"/>
           </a:p>
@@ -6182,7 +6182,7 @@
           <a:p>
             <a:fld id="{5647DC1B-4743-47FE-A400-A2B750CAD470}" type="datetimeFigureOut">
               <a:rPr lang="zh-CN" altLang="en-US" smtClean="0"/>
-              <a:t>2023-08-20</a:t>
+              <a:t>2023-08-21</a:t>
             </a:fld>
             <a:endParaRPr lang="zh-CN" altLang="en-US"/>
           </a:p>
@@ -6470,7 +6470,7 @@
           <a:p>
             <a:fld id="{5647DC1B-4743-47FE-A400-A2B750CAD470}" type="datetimeFigureOut">
               <a:rPr lang="zh-CN" altLang="en-US" smtClean="0"/>
-              <a:t>2023-08-20</a:t>
+              <a:t>2023-08-21</a:t>
             </a:fld>
             <a:endParaRPr lang="zh-CN" altLang="en-US"/>
           </a:p>
@@ -6711,7 +6711,7 @@
           <a:p>
             <a:fld id="{5647DC1B-4743-47FE-A400-A2B750CAD470}" type="datetimeFigureOut">
               <a:rPr lang="zh-CN" altLang="en-US" smtClean="0"/>
-              <a:t>2023-08-20</a:t>
+              <a:t>2023-08-21</a:t>
             </a:fld>
             <a:endParaRPr lang="zh-CN" altLang="en-US"/>
           </a:p>
@@ -7463,7 +7463,7 @@
         </p:nvCxnSpPr>
         <p:spPr>
           <a:xfrm flipH="1">
-            <a:off x="5764031" y="4276145"/>
+            <a:off x="5764031" y="4184296"/>
             <a:ext cx="1061925" cy="1282370"/>
           </a:xfrm>
           <a:prstGeom prst="straightConnector1">
@@ -7505,7 +7505,7 @@
         </p:nvCxnSpPr>
         <p:spPr>
           <a:xfrm flipH="1">
-            <a:off x="5764031" y="4751449"/>
+            <a:off x="5764031" y="4659600"/>
             <a:ext cx="1061925" cy="807066"/>
           </a:xfrm>
           <a:prstGeom prst="straightConnector1">
@@ -7794,7 +7794,7 @@
         </p:nvSpPr>
         <p:spPr>
           <a:xfrm>
-            <a:off x="0" y="4819851"/>
+            <a:off x="0" y="4728002"/>
             <a:ext cx="5764031" cy="1477328"/>
           </a:xfrm>
           <a:prstGeom prst="rect">
@@ -9252,7 +9252,19 @@
               <a:rPr lang="en-US" altLang="zh-CN" dirty="0">
                 <a:latin typeface="+mj-lt"/>
               </a:rPr>
-              <a:t>Part 7 (Probability of or)</a:t>
+              <a:t>Part 7 (Probability of </a:t>
+            </a:r>
+            <a:r>
+              <a:rPr lang="en-US" altLang="zh-CN" b="1" dirty="0">
+                <a:latin typeface="+mj-lt"/>
+              </a:rPr>
+              <a:t>or</a:t>
+            </a:r>
+            <a:r>
+              <a:rPr lang="en-US" altLang="zh-CN" dirty="0">
+                <a:latin typeface="+mj-lt"/>
+              </a:rPr>
+              <a:t>)</a:t>
             </a:r>
           </a:p>
           <a:p>
@@ -10287,7 +10299,7 @@
                 <a:latin typeface="Consolas" panose="020B0609020204030204" pitchFamily="49" charset="0"/>
                 <a:cs typeface="Times New Roman" panose="02020603050405020304" pitchFamily="18" charset="0"/>
               </a:rPr>
-              <a:t>Feature Intersection</a:t>
+              <a:t>Feature Cross</a:t>
             </a:r>
             <a:endParaRPr lang="zh-CN" altLang="en-US" dirty="0">
               <a:solidFill>
@@ -12597,8 +12609,8 @@
           </a:p>
         </p:txBody>
       </p:sp>
-      <mc:AlternateContent xmlns:mc="http://schemas.openxmlformats.org/markup-compatibility/2006">
-        <mc:Choice xmlns:a14="http://schemas.microsoft.com/office/drawing/2010/main" Requires="a14">
+      <mc:AlternateContent xmlns:mc="http://schemas.openxmlformats.org/markup-compatibility/2006" xmlns:a14="http://schemas.microsoft.com/office/drawing/2010/main">
+        <mc:Choice Requires="a14">
           <p:sp>
             <p:nvSpPr>
               <p:cNvPr id="9" name="文本框 8">
@@ -12696,7 +12708,7 @@
             </p:txBody>
           </p:sp>
         </mc:Choice>
-        <mc:Fallback>
+        <mc:Fallback xmlns="">
           <p:sp>
             <p:nvSpPr>
               <p:cNvPr id="9" name="文本框 8">
@@ -12992,7 +13004,7 @@
             <a:pPr algn="ctr"/>
             <a:r>
               <a:rPr lang="en-US" altLang="zh-CN" dirty="0"/>
-              <a:t>Add 4 new intersected </a:t>
+              <a:t>Add 4 new crossed </a:t>
             </a:r>
             <a:r>
               <a:rPr lang="en-US" altLang="zh-CN" dirty="0" err="1"/>
@@ -13040,7 +13052,7 @@
             <a:pPr algn="ctr"/>
             <a:r>
               <a:rPr lang="en-US" altLang="zh-CN" b="1" dirty="0"/>
-              <a:t>Get Basic Features and Do Feature Intersection</a:t>
+              <a:t>Get Basic Features and Do Feature Cross</a:t>
             </a:r>
             <a:endParaRPr lang="zh-CN" altLang="en-US" b="1" dirty="0"/>
           </a:p>
@@ -13218,7 +13230,7 @@
             <a:pPr algn="ctr"/>
             <a:r>
               <a:rPr lang="en-US" altLang="zh-CN" b="1" dirty="0"/>
-              <a:t>Feature Intersection</a:t>
+              <a:t>Feature Cross</a:t>
             </a:r>
             <a:endParaRPr lang="zh-CN" altLang="en-US" dirty="0"/>
           </a:p>
@@ -15107,7 +15119,7 @@
           <a:p>
             <a:r>
               <a:rPr lang="en-US" altLang="zh-CN" dirty="0"/>
-              <a:t>the core features for D were not selected because no denoising procedures are applied to signals with a noise level of 0.1. </a:t>
+              <a:t>the core feature for D is not selected because no denoising procedures are applied to signals with a noise level of 0.1. </a:t>
             </a:r>
           </a:p>
           <a:p>

--- a/Presentation_821_JiayuChen.pptx
+++ b/Presentation_821_JiayuChen.pptx
@@ -625,20 +625,31 @@
           <a:p>
             <a:r>
               <a:rPr lang="en-US" altLang="zh-CN" dirty="0"/>
-              <a:t>IMF1</a:t>
-            </a:r>
-            <a:r>
-              <a:rPr lang="zh-CN" altLang="en-US" dirty="0"/>
-              <a:t>和</a:t>
-            </a:r>
+              <a:t>When the noise level reaches 0.8, it becomes almost impossible to discern the original signal.</a:t>
+            </a:r>
+          </a:p>
+          <a:p>
+            <a:endParaRPr lang="en-US" altLang="zh-CN" dirty="0"/>
+          </a:p>
+          <a:p>
             <a:r>
               <a:rPr lang="en-US" altLang="zh-CN" dirty="0"/>
-              <a:t>xx</a:t>
-            </a:r>
-            <a:r>
-              <a:rPr lang="zh-CN" altLang="en-US" dirty="0"/>
-              <a:t>的原始信号的相似性</a:t>
-            </a:r>
+              <a:t>I've noticed that IMF1 closely resembles the original clean signal. The differences in peak heights are significant, while the intervals remain relatively consistent.</a:t>
+            </a:r>
+          </a:p>
+          <a:p>
+            <a:endParaRPr lang="en-US" altLang="zh-CN" dirty="0"/>
+          </a:p>
+          <a:p>
+            <a:r>
+              <a:rPr lang="en-US" altLang="zh-CN" dirty="0"/>
+              <a:t>It could be feasible to utilize IMF1 for predicting S.</a:t>
+            </a:r>
+          </a:p>
+          <a:p>
+            <a:endParaRPr lang="en-US" altLang="zh-CN" dirty="0"/>
+          </a:p>
+          <a:p>
             <a:endParaRPr lang="en-US" altLang="zh-CN" dirty="0"/>
           </a:p>
         </p:txBody>
@@ -723,19 +734,70 @@
           <a:bodyPr/>
           <a:lstStyle/>
           <a:p>
-            <a:r>
-              <a:rPr lang="zh-CN" altLang="en-US" dirty="0"/>
-              <a:t>问题阐释，边变粗了。同时毛毛的。不知道如何去进行降噪。使用了一个</a:t>
-            </a:r>
+            <a:pPr marL="0" marR="0" lvl="0" indent="0" algn="l" defTabSz="914400" rtl="0" eaLnBrk="1" fontAlgn="auto" latinLnBrk="0" hangingPunct="1">
+              <a:lnSpc>
+                <a:spcPct val="100000"/>
+              </a:lnSpc>
+              <a:spcBef>
+                <a:spcPts val="0"/>
+              </a:spcBef>
+              <a:spcAft>
+                <a:spcPts val="0"/>
+              </a:spcAft>
+              <a:buClrTx/>
+              <a:buSzTx/>
+              <a:buFontTx/>
+              <a:buNone/>
+              <a:tabLst/>
+              <a:defRPr/>
+            </a:pPr>
             <a:r>
               <a:rPr lang="en-US" altLang="zh-CN" dirty="0"/>
-              <a:t>trick</a:t>
-            </a:r>
-            <a:r>
-              <a:rPr lang="zh-CN" altLang="en-US" dirty="0"/>
-              <a:t>。效果一般。</a:t>
-            </a:r>
+              <a:t>Signals between peaks are quite noisy and unclear, which is affecting the accuracy of peak detection.</a:t>
+            </a:r>
+          </a:p>
+          <a:p>
+            <a:pPr marL="0" marR="0" lvl="0" indent="0" algn="l" defTabSz="914400" rtl="0" eaLnBrk="1" fontAlgn="auto" latinLnBrk="0" hangingPunct="1">
+              <a:lnSpc>
+                <a:spcPct val="100000"/>
+              </a:lnSpc>
+              <a:spcBef>
+                <a:spcPts val="0"/>
+              </a:spcBef>
+              <a:spcAft>
+                <a:spcPts val="0"/>
+              </a:spcAft>
+              <a:buClrTx/>
+              <a:buSzTx/>
+              <a:buFontTx/>
+              <a:buNone/>
+              <a:tabLst/>
+              <a:defRPr/>
+            </a:pPr>
             <a:endParaRPr lang="en-US" altLang="zh-CN" dirty="0"/>
+          </a:p>
+          <a:p>
+            <a:pPr marL="0" marR="0" lvl="0" indent="0" algn="l" defTabSz="914400" rtl="0" eaLnBrk="1" fontAlgn="auto" latinLnBrk="0" hangingPunct="1">
+              <a:lnSpc>
+                <a:spcPct val="100000"/>
+              </a:lnSpc>
+              <a:spcBef>
+                <a:spcPts val="0"/>
+              </a:spcBef>
+              <a:spcAft>
+                <a:spcPts val="0"/>
+              </a:spcAft>
+              <a:buClrTx/>
+              <a:buSzTx/>
+              <a:buFontTx/>
+              <a:buNone/>
+              <a:tabLst/>
+              <a:defRPr/>
+            </a:pPr>
+            <a:r>
+              <a:rPr lang="en-US" altLang="zh-CN" dirty="0"/>
+              <a:t>I attempt to make it smoother. In the end, the peaks detection have good results.</a:t>
+            </a:r>
           </a:p>
         </p:txBody>
       </p:sp>
@@ -819,6 +881,75 @@
           <a:bodyPr/>
           <a:lstStyle/>
           <a:p>
+            <a:pPr marL="0" marR="0" lvl="0" indent="0" algn="l" defTabSz="914400" rtl="0" eaLnBrk="1" fontAlgn="auto" latinLnBrk="0" hangingPunct="1">
+              <a:lnSpc>
+                <a:spcPct val="100000"/>
+              </a:lnSpc>
+              <a:spcBef>
+                <a:spcPts val="0"/>
+              </a:spcBef>
+              <a:spcAft>
+                <a:spcPts val="0"/>
+              </a:spcAft>
+              <a:buClrTx/>
+              <a:buSzTx/>
+              <a:buFontTx/>
+              <a:buNone/>
+              <a:tabLst/>
+              <a:defRPr/>
+            </a:pPr>
+            <a:r>
+              <a:rPr lang="en-US" altLang="zh-CN" dirty="0"/>
+              <a:t>EEMD is extremely slow, which is why I use a training set of 500 signals and a test set of 300 signals.</a:t>
+            </a:r>
+          </a:p>
+          <a:p>
+            <a:pPr marL="0" marR="0" lvl="0" indent="0" algn="l" defTabSz="914400" rtl="0" eaLnBrk="1" fontAlgn="auto" latinLnBrk="0" hangingPunct="1">
+              <a:lnSpc>
+                <a:spcPct val="100000"/>
+              </a:lnSpc>
+              <a:spcBef>
+                <a:spcPts val="0"/>
+              </a:spcBef>
+              <a:spcAft>
+                <a:spcPts val="0"/>
+              </a:spcAft>
+              <a:buClrTx/>
+              <a:buSzTx/>
+              <a:buFontTx/>
+              <a:buNone/>
+              <a:tabLst/>
+              <a:defRPr/>
+            </a:pPr>
+            <a:endParaRPr lang="en-US" altLang="zh-CN" dirty="0"/>
+          </a:p>
+          <a:p>
+            <a:pPr marL="0" marR="0" lvl="0" indent="0" algn="l" defTabSz="914400" rtl="0" eaLnBrk="1" fontAlgn="auto" latinLnBrk="0" hangingPunct="1">
+              <a:lnSpc>
+                <a:spcPct val="100000"/>
+              </a:lnSpc>
+              <a:spcBef>
+                <a:spcPts val="0"/>
+              </a:spcBef>
+              <a:spcAft>
+                <a:spcPts val="0"/>
+              </a:spcAft>
+              <a:buClrTx/>
+              <a:buSzTx/>
+              <a:buFontTx/>
+              <a:buNone/>
+              <a:tabLst/>
+              <a:defRPr/>
+            </a:pPr>
+            <a:r>
+              <a:rPr lang="en-US" altLang="zh-CN" dirty="0"/>
+              <a:t>I'm not certain whether this approach holds value for further exploration.</a:t>
+            </a:r>
+          </a:p>
+          <a:p>
+            <a:endParaRPr lang="en-US" altLang="zh-CN" dirty="0"/>
+          </a:p>
+          <a:p>
             <a:endParaRPr lang="en-US" altLang="zh-CN" dirty="0"/>
           </a:p>
         </p:txBody>
@@ -1182,7 +1313,7 @@
           <a:p>
             <a:r>
               <a:rPr lang="en-US" altLang="zh-CN" dirty="0"/>
-              <a:t>In Work_1, I automate feature selection from a pool of 480 features. This automated selection demonstrates excellent performance.</a:t>
+              <a:t>In Work_1, I automate feature selection from 480 features. This automated selection demonstrates good performance.</a:t>
             </a:r>
           </a:p>
           <a:p>
@@ -1191,7 +1322,7 @@
           <a:p>
             <a:r>
               <a:rPr lang="en-US" altLang="zh-CN" dirty="0"/>
-              <a:t>Work_2 involves predicting variables S and D using signals with a 0.8 noise level. </a:t>
+              <a:t>Work_2 involves predicting S and D using signals with a 0.8 noise level. </a:t>
             </a:r>
           </a:p>
           <a:p>
@@ -1200,7 +1331,7 @@
           <a:p>
             <a:r>
               <a:rPr lang="en-US" altLang="zh-CN" dirty="0"/>
-              <a:t>Additionally, Work_3 is tutorial writing.</a:t>
+              <a:t>Work_3 is tutorial writing.</a:t>
             </a:r>
           </a:p>
           <a:p>
@@ -1209,7 +1340,7 @@
           <a:p>
             <a:r>
               <a:rPr lang="en-US" altLang="zh-CN" dirty="0"/>
-              <a:t>while Work_4 focuses on enhancing theoretical knowledge learning.</a:t>
+              <a:t>Work_4 focuses on theoretical knowledge learning.</a:t>
             </a:r>
           </a:p>
         </p:txBody>
@@ -1632,348 +1763,6 @@
               <a:tabLst/>
               <a:defRPr/>
             </a:pPr>
-            <a:r>
-              <a:rPr lang="zh-CN" altLang="en-US" dirty="0"/>
-              <a:t>大概介绍一下，它的效果：</a:t>
-            </a:r>
-            <a:r>
-              <a:rPr lang="en-US" altLang="zh-CN" dirty="0"/>
-              <a:t>480</a:t>
-            </a:r>
-            <a:r>
-              <a:rPr lang="zh-CN" altLang="en-US" dirty="0"/>
-              <a:t>个特征中进行筛选，</a:t>
-            </a:r>
-            <a:endParaRPr lang="en-US" altLang="zh-CN" dirty="0"/>
-          </a:p>
-          <a:p>
-            <a:pPr marL="0" marR="0" lvl="0" indent="0" algn="l" defTabSz="914400" rtl="0" eaLnBrk="1" fontAlgn="auto" latinLnBrk="0" hangingPunct="1">
-              <a:lnSpc>
-                <a:spcPct val="100000"/>
-              </a:lnSpc>
-              <a:spcBef>
-                <a:spcPts val="0"/>
-              </a:spcBef>
-              <a:spcAft>
-                <a:spcPts val="0"/>
-              </a:spcAft>
-              <a:buClrTx/>
-              <a:buSzTx/>
-              <a:buFontTx/>
-              <a:buNone/>
-              <a:tabLst/>
-              <a:defRPr/>
-            </a:pPr>
-            <a:endParaRPr lang="en-US" altLang="zh-CN" dirty="0"/>
-          </a:p>
-          <a:p>
-            <a:pPr marL="0" marR="0" lvl="0" indent="0" algn="l" defTabSz="914400" rtl="0" eaLnBrk="1" fontAlgn="auto" latinLnBrk="0" hangingPunct="1">
-              <a:lnSpc>
-                <a:spcPct val="100000"/>
-              </a:lnSpc>
-              <a:spcBef>
-                <a:spcPts val="0"/>
-              </a:spcBef>
-              <a:spcAft>
-                <a:spcPts val="0"/>
-              </a:spcAft>
-              <a:buClrTx/>
-              <a:buSzTx/>
-              <a:buFontTx/>
-              <a:buNone/>
-              <a:tabLst/>
-              <a:defRPr/>
-            </a:pPr>
-            <a:r>
-              <a:rPr lang="zh-CN" altLang="en-US" b="0" i="0" dirty="0">
-                <a:solidFill>
-                  <a:srgbClr val="ECECF1"/>
-                </a:solidFill>
-                <a:effectLst/>
-                <a:latin typeface="Söhne"/>
-              </a:rPr>
-              <a:t>对于</a:t>
-            </a:r>
-            <a:r>
-              <a:rPr lang="en-US" altLang="zh-CN" b="0" i="0" dirty="0">
-                <a:solidFill>
-                  <a:srgbClr val="ECECF1"/>
-                </a:solidFill>
-                <a:effectLst/>
-                <a:latin typeface="Söhne"/>
-              </a:rPr>
-              <a:t>S</a:t>
-            </a:r>
-            <a:r>
-              <a:rPr lang="zh-CN" altLang="en-US" b="0" i="0" dirty="0">
-                <a:solidFill>
-                  <a:srgbClr val="ECECF1"/>
-                </a:solidFill>
-                <a:effectLst/>
-                <a:latin typeface="Söhne"/>
-              </a:rPr>
-              <a:t>的预测，选出“</a:t>
-            </a:r>
-            <a:r>
-              <a:rPr lang="en-US" altLang="zh-CN" b="0" i="0" dirty="0">
-                <a:solidFill>
-                  <a:srgbClr val="ECECF1"/>
-                </a:solidFill>
-                <a:effectLst/>
-                <a:latin typeface="Söhne"/>
-              </a:rPr>
-              <a:t>Dis21/Dis12</a:t>
-            </a:r>
-            <a:r>
-              <a:rPr lang="zh-CN" altLang="en-US" b="0" i="0" dirty="0">
-                <a:solidFill>
-                  <a:srgbClr val="ECECF1"/>
-                </a:solidFill>
-                <a:effectLst/>
-                <a:latin typeface="Söhne"/>
-              </a:rPr>
-              <a:t>”这个唯一特征。对于</a:t>
-            </a:r>
-            <a:r>
-              <a:rPr lang="en-US" altLang="zh-CN" b="0" i="0" dirty="0">
-                <a:solidFill>
-                  <a:srgbClr val="ECECF1"/>
-                </a:solidFill>
-                <a:effectLst/>
-                <a:latin typeface="Söhne"/>
-              </a:rPr>
-              <a:t>D</a:t>
-            </a:r>
-            <a:r>
-              <a:rPr lang="zh-CN" altLang="en-US" b="0" i="0" dirty="0">
-                <a:solidFill>
-                  <a:srgbClr val="ECECF1"/>
-                </a:solidFill>
-                <a:effectLst/>
-                <a:latin typeface="Söhne"/>
-              </a:rPr>
-              <a:t>的预测，最后筛选出包含“</a:t>
-            </a:r>
-            <a:r>
-              <a:rPr lang="en-US" altLang="zh-CN" b="0" i="0" dirty="0">
-                <a:solidFill>
-                  <a:srgbClr val="ECECF1"/>
-                </a:solidFill>
-                <a:effectLst/>
-                <a:latin typeface="Söhne"/>
-              </a:rPr>
-              <a:t>Amplitude1/Amplitude2</a:t>
-            </a:r>
-            <a:r>
-              <a:rPr lang="zh-CN" altLang="en-US" b="0" i="0" dirty="0">
-                <a:solidFill>
-                  <a:srgbClr val="ECECF1"/>
-                </a:solidFill>
-                <a:effectLst/>
-                <a:latin typeface="Söhne"/>
-              </a:rPr>
-              <a:t>”在内的</a:t>
-            </a:r>
-            <a:r>
-              <a:rPr lang="en-US" altLang="zh-CN" b="0" i="0" dirty="0">
-                <a:solidFill>
-                  <a:srgbClr val="ECECF1"/>
-                </a:solidFill>
-                <a:effectLst/>
-                <a:latin typeface="Söhne"/>
-              </a:rPr>
-              <a:t>4</a:t>
-            </a:r>
-            <a:r>
-              <a:rPr lang="zh-CN" altLang="en-US" b="0" i="0" dirty="0">
-                <a:solidFill>
-                  <a:srgbClr val="ECECF1"/>
-                </a:solidFill>
-                <a:effectLst/>
-                <a:latin typeface="Söhne"/>
-              </a:rPr>
-              <a:t>个特征</a:t>
-            </a:r>
-            <a:endParaRPr lang="en-US" altLang="zh-CN" dirty="0"/>
-          </a:p>
-          <a:p>
-            <a:pPr marL="0" marR="0" lvl="0" indent="0" algn="l" defTabSz="914400" rtl="0" eaLnBrk="1" fontAlgn="auto" latinLnBrk="0" hangingPunct="1">
-              <a:lnSpc>
-                <a:spcPct val="100000"/>
-              </a:lnSpc>
-              <a:spcBef>
-                <a:spcPts val="0"/>
-              </a:spcBef>
-              <a:spcAft>
-                <a:spcPts val="0"/>
-              </a:spcAft>
-              <a:buClrTx/>
-              <a:buSzTx/>
-              <a:buFontTx/>
-              <a:buNone/>
-              <a:tabLst/>
-              <a:defRPr/>
-            </a:pPr>
-            <a:endParaRPr lang="en-US" altLang="zh-CN" dirty="0"/>
-          </a:p>
-          <a:p>
-            <a:pPr marL="0" marR="0" lvl="0" indent="0" algn="l" defTabSz="914400" rtl="0" eaLnBrk="1" fontAlgn="auto" latinLnBrk="0" hangingPunct="1">
-              <a:lnSpc>
-                <a:spcPct val="100000"/>
-              </a:lnSpc>
-              <a:spcBef>
-                <a:spcPts val="0"/>
-              </a:spcBef>
-              <a:spcAft>
-                <a:spcPts val="0"/>
-              </a:spcAft>
-              <a:buClrTx/>
-              <a:buSzTx/>
-              <a:buFontTx/>
-              <a:buNone/>
-              <a:tabLst/>
-              <a:defRPr/>
-            </a:pPr>
-            <a:r>
-              <a:rPr lang="zh-CN" altLang="en-US" dirty="0"/>
-              <a:t>优点：</a:t>
-            </a:r>
-            <a:endParaRPr lang="en-US" altLang="zh-CN" dirty="0"/>
-          </a:p>
-          <a:p>
-            <a:pPr marL="228600" marR="0" lvl="0" indent="-228600" algn="l" defTabSz="914400" rtl="0" eaLnBrk="1" fontAlgn="auto" latinLnBrk="0" hangingPunct="1">
-              <a:lnSpc>
-                <a:spcPct val="100000"/>
-              </a:lnSpc>
-              <a:spcBef>
-                <a:spcPts val="0"/>
-              </a:spcBef>
-              <a:spcAft>
-                <a:spcPts val="0"/>
-              </a:spcAft>
-              <a:buClrTx/>
-              <a:buSzTx/>
-              <a:buFontTx/>
-              <a:buAutoNum type="arabicPeriod"/>
-              <a:tabLst/>
-              <a:defRPr/>
-            </a:pPr>
-            <a:endParaRPr lang="en-US" altLang="zh-CN" dirty="0"/>
-          </a:p>
-          <a:p>
-            <a:pPr marL="228600" marR="0" lvl="0" indent="-228600" algn="l" defTabSz="914400" rtl="0" eaLnBrk="1" fontAlgn="auto" latinLnBrk="0" hangingPunct="1">
-              <a:lnSpc>
-                <a:spcPct val="100000"/>
-              </a:lnSpc>
-              <a:spcBef>
-                <a:spcPts val="0"/>
-              </a:spcBef>
-              <a:spcAft>
-                <a:spcPts val="0"/>
-              </a:spcAft>
-              <a:buClrTx/>
-              <a:buSzTx/>
-              <a:buFontTx/>
-              <a:buAutoNum type="arabicPeriod"/>
-              <a:tabLst/>
-              <a:defRPr/>
-            </a:pPr>
-            <a:r>
-              <a:rPr lang="zh-CN" altLang="en-US" dirty="0"/>
-              <a:t>我们只需要构造</a:t>
-            </a:r>
-            <a:r>
-              <a:rPr lang="en-US" altLang="zh-CN" dirty="0"/>
-              <a:t>Dis12</a:t>
-            </a:r>
-            <a:r>
-              <a:rPr lang="zh-CN" altLang="en-US" dirty="0"/>
-              <a:t>， </a:t>
-            </a:r>
-            <a:r>
-              <a:rPr lang="en-US" altLang="zh-CN" dirty="0"/>
-              <a:t>Dis21</a:t>
-            </a:r>
-            <a:r>
-              <a:rPr lang="zh-CN" altLang="en-US" dirty="0"/>
-              <a:t>这种简单特征，不需要手动构造</a:t>
-            </a:r>
-            <a:r>
-              <a:rPr lang="en-US" altLang="zh-CN" dirty="0"/>
-              <a:t>”Dis21/Dis21”</a:t>
-            </a:r>
-            <a:r>
-              <a:rPr lang="zh-CN" altLang="en-US" dirty="0"/>
-              <a:t>这种非基础的特征</a:t>
-            </a:r>
-            <a:endParaRPr lang="en-US" altLang="zh-CN" dirty="0"/>
-          </a:p>
-          <a:p>
-            <a:pPr marL="228600" marR="0" lvl="0" indent="-228600" algn="l" defTabSz="914400" rtl="0" eaLnBrk="1" fontAlgn="auto" latinLnBrk="0" hangingPunct="1">
-              <a:lnSpc>
-                <a:spcPct val="100000"/>
-              </a:lnSpc>
-              <a:spcBef>
-                <a:spcPts val="0"/>
-              </a:spcBef>
-              <a:spcAft>
-                <a:spcPts val="0"/>
-              </a:spcAft>
-              <a:buClrTx/>
-              <a:buSzTx/>
-              <a:buFontTx/>
-              <a:buAutoNum type="arabicPeriod"/>
-              <a:tabLst/>
-              <a:defRPr/>
-            </a:pPr>
-            <a:r>
-              <a:rPr lang="zh-CN" altLang="en-US" dirty="0"/>
-              <a:t>全程只有一个参数可以调节，并且这个参数对最终结果影响不大</a:t>
-            </a:r>
-            <a:endParaRPr lang="en-US" altLang="zh-CN" dirty="0"/>
-          </a:p>
-          <a:p>
-            <a:pPr marL="228600" marR="0" lvl="0" indent="-228600" algn="l" defTabSz="914400" rtl="0" eaLnBrk="1" fontAlgn="auto" latinLnBrk="0" hangingPunct="1">
-              <a:lnSpc>
-                <a:spcPct val="100000"/>
-              </a:lnSpc>
-              <a:spcBef>
-                <a:spcPts val="0"/>
-              </a:spcBef>
-              <a:spcAft>
-                <a:spcPts val="0"/>
-              </a:spcAft>
-              <a:buClrTx/>
-              <a:buSzTx/>
-              <a:buFontTx/>
-              <a:buAutoNum type="arabicPeriod"/>
-              <a:tabLst/>
-              <a:defRPr/>
-            </a:pPr>
-            <a:r>
-              <a:rPr lang="zh-CN" altLang="en-US" dirty="0"/>
-              <a:t>几乎没有随机性</a:t>
-            </a:r>
-            <a:endParaRPr lang="en-US" altLang="zh-CN" dirty="0"/>
-          </a:p>
-          <a:p>
-            <a:pPr marL="228600" marR="0" lvl="0" indent="-228600" algn="l" defTabSz="914400" rtl="0" eaLnBrk="1" fontAlgn="auto" latinLnBrk="0" hangingPunct="1">
-              <a:lnSpc>
-                <a:spcPct val="100000"/>
-              </a:lnSpc>
-              <a:spcBef>
-                <a:spcPts val="0"/>
-              </a:spcBef>
-              <a:spcAft>
-                <a:spcPts val="0"/>
-              </a:spcAft>
-              <a:buClrTx/>
-              <a:buSzTx/>
-              <a:buFontTx/>
-              <a:buAutoNum type="arabicPeriod"/>
-              <a:tabLst/>
-              <a:defRPr/>
-            </a:pPr>
             <a:endParaRPr lang="en-US" altLang="zh-CN" dirty="0"/>
           </a:p>
           <a:p>
@@ -2096,26 +1885,9 @@
               <a:defRPr/>
             </a:pPr>
             <a:r>
-              <a:rPr lang="zh-CN" altLang="en-US" dirty="0"/>
-              <a:t>总体概览图，每一步，</a:t>
-            </a:r>
-            <a:r>
               <a:rPr lang="en-US" altLang="zh-CN" dirty="0"/>
-              <a:t>S</a:t>
-            </a:r>
-            <a:r>
-              <a:rPr lang="zh-CN" altLang="en-US" dirty="0"/>
-              <a:t>和</a:t>
-            </a:r>
-            <a:r>
-              <a:rPr lang="en-US" altLang="zh-CN" dirty="0" err="1"/>
-              <a:t>Dprediction</a:t>
-            </a:r>
-            <a:r>
-              <a:rPr lang="zh-CN" altLang="en-US" dirty="0"/>
-              <a:t>对应的特征数量的变化</a:t>
-            </a:r>
-            <a:endParaRPr lang="en-US" altLang="zh-CN" dirty="0"/>
+              <a:t>This is a flowchart showing  the process:</a:t>
+            </a:r>
           </a:p>
           <a:p>
             <a:pPr marL="0" marR="0" lvl="0" indent="0" algn="l" defTabSz="914400" rtl="0" eaLnBrk="1" fontAlgn="auto" latinLnBrk="0" hangingPunct="1">
@@ -2155,7 +1927,19 @@
               <a:tabLst/>
               <a:defRPr/>
             </a:pPr>
-            <a:endParaRPr lang="en-US" altLang="zh-CN" dirty="0"/>
+            <a:r>
+              <a:rPr lang="en-US" altLang="zh-CN" dirty="0"/>
+              <a:t>1. Extract Basic Features</a:t>
+            </a:r>
+            <a:r>
+              <a:rPr lang="zh-CN" altLang="en-US" dirty="0"/>
+              <a:t>， </a:t>
+            </a:r>
+            <a:r>
+              <a:rPr lang="en-US" altLang="zh-CN" dirty="0"/>
+              <a:t>I choose 20 commonly used fundamental features.</a:t>
+            </a:r>
+            <a:endParaRPr lang="zh-CN" altLang="en-US" dirty="0"/>
           </a:p>
           <a:p>
             <a:pPr marL="0" marR="0" lvl="0" indent="0" algn="l" defTabSz="914400" rtl="0" eaLnBrk="1" fontAlgn="auto" latinLnBrk="0" hangingPunct="1">
@@ -2196,10 +1980,9 @@
               <a:defRPr/>
             </a:pPr>
             <a:r>
-              <a:rPr lang="zh-CN" altLang="en-US" dirty="0"/>
-              <a:t>一个流程图</a:t>
-            </a:r>
-            <a:endParaRPr lang="en-US" altLang="zh-CN" dirty="0"/>
+              <a:rPr lang="en-US" altLang="zh-CN" dirty="0"/>
+              <a:t>2. Perform Feature Cross and The 20 features are expanded into 480 features</a:t>
+            </a:r>
           </a:p>
           <a:p>
             <a:pPr marL="0" marR="0" lvl="0" indent="0" algn="l" defTabSz="914400" rtl="0" eaLnBrk="1" fontAlgn="auto" latinLnBrk="0" hangingPunct="1">
@@ -2241,8 +2024,29 @@
             </a:pPr>
             <a:r>
               <a:rPr lang="en-US" altLang="zh-CN" dirty="0"/>
-              <a:t>Step1. </a:t>
-            </a:r>
+              <a:t>3. Calculate Correlation between Features and Predicted Values</a:t>
+            </a:r>
+            <a:r>
+              <a:rPr lang="en-US" altLang="zh-CN" sz="1400" dirty="0"/>
+              <a:t>.</a:t>
+            </a:r>
+            <a:r>
+              <a:rPr lang="zh-CN" altLang="en-US" dirty="0"/>
+              <a:t> </a:t>
+            </a:r>
+            <a:r>
+              <a:rPr lang="en-US" altLang="zh-CN" dirty="0"/>
+              <a:t>To S Prediction</a:t>
+            </a:r>
+            <a:r>
+              <a:rPr lang="zh-CN" altLang="en-US" dirty="0"/>
+              <a:t>，</a:t>
+            </a:r>
+            <a:r>
+              <a:rPr lang="en-US" altLang="zh-CN" dirty="0"/>
+              <a:t>480 are turned into 428. To the D Prediction, 480 are turned into 370</a:t>
+            </a:r>
+            <a:endParaRPr lang="zh-CN" altLang="en-US" dirty="0"/>
           </a:p>
           <a:p>
             <a:pPr marL="0" marR="0" lvl="0" indent="0" algn="l" defTabSz="914400" rtl="0" eaLnBrk="1" fontAlgn="auto" latinLnBrk="0" hangingPunct="1">
@@ -2262,14 +2066,6 @@
               <a:tabLst/>
               <a:defRPr/>
             </a:pPr>
-            <a:r>
-              <a:rPr lang="en-US" altLang="zh-CN" dirty="0"/>
-              <a:t>Relevance table</a:t>
-            </a:r>
-            <a:r>
-              <a:rPr lang="zh-CN" altLang="en-US" dirty="0"/>
-              <a:t>： </a:t>
-            </a:r>
             <a:endParaRPr lang="en-US" altLang="zh-CN" dirty="0"/>
           </a:p>
           <a:p>
@@ -2290,18 +2086,7 @@
               <a:tabLst/>
               <a:defRPr/>
             </a:pPr>
-            <a:r>
-              <a:rPr lang="en-US" altLang="zh-CN" dirty="0"/>
-              <a:t>S:</a:t>
-            </a:r>
-            <a:r>
-              <a:rPr lang="zh-CN" altLang="en-US" dirty="0"/>
-              <a:t> </a:t>
-            </a:r>
-            <a:r>
-              <a:rPr lang="en-US" altLang="zh-CN" dirty="0"/>
-              <a:t>480 -&gt; 428</a:t>
-            </a:r>
+            <a:endParaRPr lang="en-US" altLang="zh-CN" dirty="0"/>
           </a:p>
           <a:p>
             <a:pPr marL="0" marR="0" lvl="0" indent="0" algn="l" defTabSz="914400" rtl="0" eaLnBrk="1" fontAlgn="auto" latinLnBrk="0" hangingPunct="1">
@@ -2323,7 +2108,7 @@
             </a:pPr>
             <a:r>
               <a:rPr lang="en-US" altLang="zh-CN" dirty="0"/>
-              <a:t>D: 480 -&gt;370</a:t>
+              <a:t>4. Apply Univariate Feature Selection and Choose Best K. The number of features is significantly reduced.</a:t>
             </a:r>
           </a:p>
           <a:p>
@@ -2366,7 +2151,19 @@
             </a:pPr>
             <a:r>
               <a:rPr lang="en-US" altLang="zh-CN" dirty="0"/>
-              <a:t>Step2.</a:t>
+              <a:t>5. Proceed with Recursive Feature Elimination (RFE) for Final Feature Selection</a:t>
+            </a:r>
+            <a:r>
+              <a:rPr lang="en-US" altLang="zh-CN" sz="1400" dirty="0"/>
+              <a:t>. For S Prediction</a:t>
+            </a:r>
+            <a:r>
+              <a:rPr lang="zh-CN" altLang="en-US" sz="1400" dirty="0"/>
+              <a:t>，</a:t>
+            </a:r>
+            <a:r>
+              <a:rPr lang="en-US" altLang="zh-CN" sz="1400" dirty="0"/>
+              <a:t>core feature is selected. For D prediction, core feature is included in the final features selection.</a:t>
             </a:r>
           </a:p>
           <a:p>
@@ -2387,18 +2184,7 @@
               <a:tabLst/>
               <a:defRPr/>
             </a:pPr>
-            <a:r>
-              <a:rPr lang="en-US" altLang="zh-CN" dirty="0"/>
-              <a:t>Selected Best K based on f  &amp; </a:t>
-            </a:r>
-            <a:r>
-              <a:rPr lang="en-US" altLang="zh-CN" dirty="0" err="1"/>
-              <a:t>mutual_info</a:t>
-            </a:r>
-            <a:r>
-              <a:rPr lang="en-US" altLang="zh-CN" dirty="0"/>
-              <a:t> -&gt; 3 / 4 / 5 ….</a:t>
-            </a:r>
+            <a:endParaRPr lang="en-US" altLang="zh-CN" dirty="0"/>
           </a:p>
           <a:p>
             <a:pPr marL="0" marR="0" lvl="0" indent="0" algn="l" defTabSz="914400" rtl="0" eaLnBrk="1" fontAlgn="auto" latinLnBrk="0" hangingPunct="1">
@@ -2418,452 +2204,10 @@
               <a:tabLst/>
               <a:defRPr/>
             </a:pPr>
-            <a:endParaRPr lang="en-US" altLang="zh-CN" dirty="0"/>
-          </a:p>
-          <a:p>
-            <a:pPr marL="0" marR="0" lvl="0" indent="0" algn="l" defTabSz="914400" rtl="0" eaLnBrk="1" fontAlgn="auto" latinLnBrk="0" hangingPunct="1">
-              <a:lnSpc>
-                <a:spcPct val="100000"/>
-              </a:lnSpc>
-              <a:spcBef>
-                <a:spcPts val="0"/>
-              </a:spcBef>
-              <a:spcAft>
-                <a:spcPts val="0"/>
-              </a:spcAft>
-              <a:buClrTx/>
-              <a:buSzTx/>
-              <a:buFontTx/>
-              <a:buNone/>
-              <a:tabLst/>
-              <a:defRPr/>
-            </a:pPr>
             <a:r>
               <a:rPr lang="en-US" altLang="zh-CN" dirty="0"/>
-              <a:t>Best 3</a:t>
-            </a:r>
-          </a:p>
-          <a:p>
-            <a:pPr marL="0" marR="0" lvl="0" indent="0" algn="l" defTabSz="914400" rtl="0" eaLnBrk="1" fontAlgn="auto" latinLnBrk="0" hangingPunct="1">
-              <a:lnSpc>
-                <a:spcPct val="100000"/>
-              </a:lnSpc>
-              <a:spcBef>
-                <a:spcPts val="0"/>
-              </a:spcBef>
-              <a:spcAft>
-                <a:spcPts val="0"/>
-              </a:spcAft>
-              <a:buClrTx/>
-              <a:buSzTx/>
-              <a:buFontTx/>
-              <a:buNone/>
-              <a:tabLst/>
-              <a:defRPr/>
-            </a:pPr>
-            <a:r>
-              <a:rPr lang="en-US" altLang="zh-CN" dirty="0"/>
-              <a:t>S: </a:t>
-            </a:r>
-            <a:r>
-              <a:rPr lang="fr-FR" altLang="zh-CN" b="0" i="0" dirty="0">
-                <a:solidFill>
-                  <a:srgbClr val="ABB2BF"/>
-                </a:solidFill>
-                <a:effectLst/>
-                <a:latin typeface="Consolas" panose="020B0609020204030204" pitchFamily="49" charset="0"/>
-              </a:rPr>
-              <a:t>'Dis22_divide_Dis21', 'Dis21_divide_Dis12', 'Dis22_divide_Dis12’</a:t>
-            </a:r>
-          </a:p>
-          <a:p>
-            <a:pPr marL="0" marR="0" lvl="0" indent="0" algn="l" defTabSz="914400" rtl="0" eaLnBrk="1" fontAlgn="auto" latinLnBrk="0" hangingPunct="1">
-              <a:lnSpc>
-                <a:spcPct val="100000"/>
-              </a:lnSpc>
-              <a:spcBef>
-                <a:spcPts val="0"/>
-              </a:spcBef>
-              <a:spcAft>
-                <a:spcPts val="0"/>
-              </a:spcAft>
-              <a:buClrTx/>
-              <a:buSzTx/>
-              <a:buFontTx/>
-              <a:buNone/>
-              <a:tabLst/>
-              <a:defRPr/>
-            </a:pPr>
-            <a:r>
-              <a:rPr lang="fr-FR" altLang="zh-CN" b="0" i="0" dirty="0">
-                <a:solidFill>
-                  <a:srgbClr val="ABB2BF"/>
-                </a:solidFill>
-                <a:effectLst/>
-                <a:latin typeface="Consolas" panose="020B0609020204030204" pitchFamily="49" charset="0"/>
-              </a:rPr>
-              <a:t>D: </a:t>
-            </a:r>
-            <a:r>
-              <a:rPr lang="en-US" altLang="zh-CN" b="0" i="0" dirty="0">
-                <a:solidFill>
-                  <a:srgbClr val="ABB2BF"/>
-                </a:solidFill>
-                <a:effectLst/>
-                <a:latin typeface="Consolas" panose="020B0609020204030204" pitchFamily="49" charset="0"/>
-              </a:rPr>
-              <a:t>'Dis22_minus_P2', 'P1_multi_P2', 'Dis22_add_P2', 'P2_divide_P1', 'P2’</a:t>
-            </a:r>
-          </a:p>
-          <a:p>
-            <a:pPr marL="0" marR="0" lvl="0" indent="0" algn="l" defTabSz="914400" rtl="0" eaLnBrk="1" fontAlgn="auto" latinLnBrk="0" hangingPunct="1">
-              <a:lnSpc>
-                <a:spcPct val="100000"/>
-              </a:lnSpc>
-              <a:spcBef>
-                <a:spcPts val="0"/>
-              </a:spcBef>
-              <a:spcAft>
-                <a:spcPts val="0"/>
-              </a:spcAft>
-              <a:buClrTx/>
-              <a:buSzTx/>
-              <a:buFontTx/>
-              <a:buNone/>
-              <a:tabLst/>
-              <a:defRPr/>
-            </a:pPr>
-            <a:endParaRPr lang="en-US" altLang="zh-CN" b="0" i="0" dirty="0">
-              <a:solidFill>
-                <a:srgbClr val="ABB2BF"/>
-              </a:solidFill>
-              <a:effectLst/>
-              <a:latin typeface="Consolas" panose="020B0609020204030204" pitchFamily="49" charset="0"/>
-            </a:endParaRPr>
-          </a:p>
-          <a:p>
-            <a:pPr marL="0" marR="0" lvl="0" indent="0" algn="l" defTabSz="914400" rtl="0" eaLnBrk="1" fontAlgn="auto" latinLnBrk="0" hangingPunct="1">
-              <a:lnSpc>
-                <a:spcPct val="100000"/>
-              </a:lnSpc>
-              <a:spcBef>
-                <a:spcPts val="0"/>
-              </a:spcBef>
-              <a:spcAft>
-                <a:spcPts val="0"/>
-              </a:spcAft>
-              <a:buClrTx/>
-              <a:buSzTx/>
-              <a:buFontTx/>
-              <a:buNone/>
-              <a:tabLst/>
-              <a:defRPr/>
-            </a:pPr>
-            <a:r>
-              <a:rPr lang="en-US" altLang="zh-CN" b="0" i="0" dirty="0">
-                <a:solidFill>
-                  <a:srgbClr val="ABB2BF"/>
-                </a:solidFill>
-                <a:effectLst/>
-                <a:latin typeface="Consolas" panose="020B0609020204030204" pitchFamily="49" charset="0"/>
-              </a:rPr>
-              <a:t>Step3. </a:t>
-            </a:r>
-          </a:p>
-          <a:p>
-            <a:pPr marL="0" marR="0" lvl="0" indent="0" algn="l" defTabSz="914400" rtl="0" eaLnBrk="1" fontAlgn="auto" latinLnBrk="0" hangingPunct="1">
-              <a:lnSpc>
-                <a:spcPct val="100000"/>
-              </a:lnSpc>
-              <a:spcBef>
-                <a:spcPts val="0"/>
-              </a:spcBef>
-              <a:spcAft>
-                <a:spcPts val="0"/>
-              </a:spcAft>
-              <a:buClrTx/>
-              <a:buSzTx/>
-              <a:buFontTx/>
-              <a:buNone/>
-              <a:tabLst/>
-              <a:defRPr/>
-            </a:pPr>
-            <a:r>
-              <a:rPr lang="zh-CN" altLang="en-US" dirty="0"/>
-              <a:t>对训练集做</a:t>
-            </a:r>
-            <a:r>
-              <a:rPr lang="en-US" altLang="zh-CN" dirty="0" err="1"/>
-              <a:t>Rfecv</a:t>
-            </a:r>
-            <a:r>
-              <a:rPr lang="en-US" altLang="zh-CN" b="0" i="0" dirty="0">
-                <a:solidFill>
-                  <a:srgbClr val="ABB2BF"/>
-                </a:solidFill>
-                <a:effectLst/>
-                <a:latin typeface="Consolas" panose="020B0609020204030204" pitchFamily="49" charset="0"/>
-              </a:rPr>
-              <a:t>, </a:t>
-            </a:r>
-            <a:r>
-              <a:rPr lang="zh-CN" altLang="en-US" b="0" i="0" dirty="0">
-                <a:solidFill>
-                  <a:srgbClr val="ABB2BF"/>
-                </a:solidFill>
-                <a:effectLst/>
-                <a:latin typeface="Consolas" panose="020B0609020204030204" pitchFamily="49" charset="0"/>
-              </a:rPr>
-              <a:t>并进行</a:t>
-            </a:r>
-            <a:r>
-              <a:rPr lang="en-US" altLang="zh-CN" b="0" i="0" dirty="0">
-                <a:solidFill>
-                  <a:srgbClr val="ABB2BF"/>
-                </a:solidFill>
-                <a:effectLst/>
-                <a:latin typeface="Consolas" panose="020B0609020204030204" pitchFamily="49" charset="0"/>
-              </a:rPr>
-              <a:t>4</a:t>
-            </a:r>
-            <a:r>
-              <a:rPr lang="zh-CN" altLang="en-US" b="0" i="0" dirty="0">
-                <a:solidFill>
-                  <a:srgbClr val="ABB2BF"/>
-                </a:solidFill>
-                <a:effectLst/>
-                <a:latin typeface="Consolas" panose="020B0609020204030204" pitchFamily="49" charset="0"/>
-              </a:rPr>
-              <a:t>折交叉检验。</a:t>
-            </a:r>
-            <a:endParaRPr lang="en-US" altLang="zh-CN" b="0" i="0" dirty="0">
-              <a:solidFill>
-                <a:srgbClr val="ABB2BF"/>
-              </a:solidFill>
-              <a:effectLst/>
-              <a:latin typeface="Consolas" panose="020B0609020204030204" pitchFamily="49" charset="0"/>
-            </a:endParaRPr>
-          </a:p>
-          <a:p>
-            <a:pPr marL="0" marR="0" lvl="0" indent="0" algn="l" defTabSz="914400" rtl="0" eaLnBrk="1" fontAlgn="auto" latinLnBrk="0" hangingPunct="1">
-              <a:lnSpc>
-                <a:spcPct val="100000"/>
-              </a:lnSpc>
-              <a:spcBef>
-                <a:spcPts val="0"/>
-              </a:spcBef>
-              <a:spcAft>
-                <a:spcPts val="0"/>
-              </a:spcAft>
-              <a:buClrTx/>
-              <a:buSzTx/>
-              <a:buFontTx/>
-              <a:buNone/>
-              <a:tabLst/>
-              <a:defRPr/>
-            </a:pPr>
-            <a:endParaRPr lang="en-US" altLang="zh-CN" dirty="0"/>
-          </a:p>
-          <a:p>
-            <a:pPr marL="0" marR="0" lvl="0" indent="0" algn="l" defTabSz="914400" rtl="0" eaLnBrk="1" fontAlgn="auto" latinLnBrk="0" hangingPunct="1">
-              <a:lnSpc>
-                <a:spcPct val="100000"/>
-              </a:lnSpc>
-              <a:spcBef>
-                <a:spcPts val="0"/>
-              </a:spcBef>
-              <a:spcAft>
-                <a:spcPts val="0"/>
-              </a:spcAft>
-              <a:buClrTx/>
-              <a:buSzTx/>
-              <a:buFontTx/>
-              <a:buNone/>
-              <a:tabLst/>
-              <a:defRPr/>
-            </a:pPr>
-            <a:r>
-              <a:rPr lang="en-US" altLang="zh-CN" dirty="0"/>
-              <a:t>S</a:t>
-            </a:r>
-            <a:r>
-              <a:rPr lang="zh-CN" altLang="en-US" dirty="0"/>
-              <a:t>的最好选择，是选择出：</a:t>
-            </a:r>
-            <a:r>
-              <a:rPr lang="en-US" altLang="zh-CN" b="0" i="0" dirty="0">
-                <a:solidFill>
-                  <a:srgbClr val="ABB2BF"/>
-                </a:solidFill>
-                <a:effectLst/>
-                <a:latin typeface="Consolas" panose="020B0609020204030204" pitchFamily="49" charset="0"/>
-              </a:rPr>
-              <a:t>Dis21_divide_Dis12</a:t>
-            </a:r>
-          </a:p>
-          <a:p>
-            <a:pPr marL="0" marR="0" lvl="0" indent="0" algn="l" defTabSz="914400" rtl="0" eaLnBrk="1" fontAlgn="auto" latinLnBrk="0" hangingPunct="1">
-              <a:lnSpc>
-                <a:spcPct val="100000"/>
-              </a:lnSpc>
-              <a:spcBef>
-                <a:spcPts val="0"/>
-              </a:spcBef>
-              <a:spcAft>
-                <a:spcPts val="0"/>
-              </a:spcAft>
-              <a:buClrTx/>
-              <a:buSzTx/>
-              <a:buFontTx/>
-              <a:buNone/>
-              <a:tabLst/>
-              <a:defRPr/>
-            </a:pPr>
-            <a:r>
-              <a:rPr lang="en-US" altLang="zh-CN" b="0" i="0" dirty="0">
-                <a:solidFill>
-                  <a:srgbClr val="ABB2BF"/>
-                </a:solidFill>
-                <a:effectLst/>
-                <a:latin typeface="Consolas" panose="020B0609020204030204" pitchFamily="49" charset="0"/>
-              </a:rPr>
-              <a:t>D</a:t>
-            </a:r>
-            <a:r>
-              <a:rPr lang="zh-CN" altLang="en-US" b="0" i="0" dirty="0">
-                <a:solidFill>
-                  <a:srgbClr val="ABB2BF"/>
-                </a:solidFill>
-                <a:effectLst/>
-                <a:latin typeface="Consolas" panose="020B0609020204030204" pitchFamily="49" charset="0"/>
-              </a:rPr>
-              <a:t>的最好选择：</a:t>
-            </a:r>
-            <a:r>
-              <a:rPr lang="en-US" altLang="zh-CN" b="0" i="0" dirty="0">
-                <a:solidFill>
-                  <a:srgbClr val="ABB2BF"/>
-                </a:solidFill>
-                <a:effectLst/>
-                <a:latin typeface="Consolas" panose="020B0609020204030204" pitchFamily="49" charset="0"/>
-              </a:rPr>
-              <a:t>'Dis22_minus_P2',</a:t>
-            </a:r>
-            <a:r>
-              <a:rPr lang="fr-FR" altLang="zh-CN" b="0" i="0" dirty="0">
-                <a:solidFill>
-                  <a:srgbClr val="ABB2BF"/>
-                </a:solidFill>
-                <a:effectLst/>
-                <a:latin typeface="Consolas" panose="020B0609020204030204" pitchFamily="49" charset="0"/>
-              </a:rPr>
-              <a:t> 'Dis22_add_P2', 'P2_divide_P1', 'P2’</a:t>
-            </a:r>
-          </a:p>
-          <a:p>
-            <a:pPr marL="0" marR="0" lvl="0" indent="0" algn="l" defTabSz="914400" rtl="0" eaLnBrk="1" fontAlgn="auto" latinLnBrk="0" hangingPunct="1">
-              <a:lnSpc>
-                <a:spcPct val="100000"/>
-              </a:lnSpc>
-              <a:spcBef>
-                <a:spcPts val="0"/>
-              </a:spcBef>
-              <a:spcAft>
-                <a:spcPts val="0"/>
-              </a:spcAft>
-              <a:buClrTx/>
-              <a:buSzTx/>
-              <a:buFontTx/>
-              <a:buNone/>
-              <a:tabLst/>
-              <a:defRPr/>
-            </a:pPr>
-            <a:endParaRPr lang="fr-FR" altLang="zh-CN" b="0" i="0" dirty="0">
-              <a:solidFill>
-                <a:srgbClr val="ABB2BF"/>
-              </a:solidFill>
-              <a:effectLst/>
-              <a:latin typeface="Consolas" panose="020B0609020204030204" pitchFamily="49" charset="0"/>
-            </a:endParaRPr>
-          </a:p>
-          <a:p>
-            <a:pPr marL="0" marR="0" lvl="0" indent="0" algn="l" defTabSz="914400" rtl="0" eaLnBrk="1" fontAlgn="auto" latinLnBrk="0" hangingPunct="1">
-              <a:lnSpc>
-                <a:spcPct val="100000"/>
-              </a:lnSpc>
-              <a:spcBef>
-                <a:spcPts val="0"/>
-              </a:spcBef>
-              <a:spcAft>
-                <a:spcPts val="0"/>
-              </a:spcAft>
-              <a:buClrTx/>
-              <a:buSzTx/>
-              <a:buFontTx/>
-              <a:buNone/>
-              <a:tabLst/>
-              <a:defRPr/>
-            </a:pPr>
-            <a:r>
-              <a:rPr lang="fr-FR" altLang="zh-CN" b="0" i="0" dirty="0">
-                <a:solidFill>
-                  <a:srgbClr val="ABB2BF"/>
-                </a:solidFill>
-                <a:effectLst/>
-                <a:latin typeface="Consolas" panose="020B0609020204030204" pitchFamily="49" charset="0"/>
-              </a:rPr>
-              <a:t>lgS, lgD1, lgD4</a:t>
-            </a:r>
-          </a:p>
-          <a:p>
-            <a:pPr marL="0" marR="0" lvl="0" indent="0" algn="l" defTabSz="914400" rtl="0" eaLnBrk="1" fontAlgn="auto" latinLnBrk="0" hangingPunct="1">
-              <a:lnSpc>
-                <a:spcPct val="100000"/>
-              </a:lnSpc>
-              <a:spcBef>
-                <a:spcPts val="0"/>
-              </a:spcBef>
-              <a:spcAft>
-                <a:spcPts val="0"/>
-              </a:spcAft>
-              <a:buClrTx/>
-              <a:buSzTx/>
-              <a:buFontTx/>
-              <a:buNone/>
-              <a:tabLst/>
-              <a:defRPr/>
-            </a:pPr>
-            <a:r>
-              <a:rPr lang="en-US" altLang="zh-CN" b="0" i="0" dirty="0">
-                <a:solidFill>
-                  <a:srgbClr val="ABB2BF"/>
-                </a:solidFill>
-                <a:effectLst/>
-                <a:latin typeface="Consolas" panose="020B0609020204030204" pitchFamily="49" charset="0"/>
-              </a:rPr>
-              <a:t>(1.7609358464300493, 4.092013970064015, 4.474617680279943)</a:t>
-            </a:r>
-            <a:endParaRPr lang="en-US" altLang="zh-CN" dirty="0"/>
-          </a:p>
-          <a:p>
-            <a:pPr marL="0" marR="0" lvl="0" indent="0" algn="l" defTabSz="914400" rtl="0" eaLnBrk="1" fontAlgn="auto" latinLnBrk="0" hangingPunct="1">
-              <a:lnSpc>
-                <a:spcPct val="100000"/>
-              </a:lnSpc>
-              <a:spcBef>
-                <a:spcPts val="0"/>
-              </a:spcBef>
-              <a:spcAft>
-                <a:spcPts val="0"/>
-              </a:spcAft>
-              <a:buClrTx/>
-              <a:buSzTx/>
-              <a:buFontTx/>
-              <a:buNone/>
-              <a:tabLst/>
-              <a:defRPr/>
-            </a:pPr>
-            <a:endParaRPr lang="en-US" altLang="zh-CN" dirty="0"/>
+              <a:t>6. Conclude with Testing Using the Test Set.</a:t>
+            </a:r>
           </a:p>
           <a:p>
             <a:pPr marL="0" marR="0" lvl="0" indent="0" algn="l" defTabSz="914400" rtl="0" eaLnBrk="1" fontAlgn="auto" latinLnBrk="0" hangingPunct="1">
@@ -2985,50 +2329,14 @@
               <a:defRPr/>
             </a:pPr>
             <a:r>
-              <a:rPr lang="zh-CN" altLang="en-US" dirty="0"/>
-              <a:t>选择了</a:t>
-            </a:r>
-            <a:r>
               <a:rPr lang="en-US" altLang="zh-CN" dirty="0"/>
-              <a:t>20</a:t>
-            </a:r>
-            <a:r>
-              <a:rPr lang="zh-CN" altLang="en-US" dirty="0"/>
-              <a:t>个常见的</a:t>
-            </a:r>
-            <a:r>
-              <a:rPr lang="en-US" altLang="zh-CN" dirty="0"/>
-              <a:t>basic Feature</a:t>
-            </a:r>
-            <a:r>
-              <a:rPr lang="zh-CN" altLang="en-US" dirty="0"/>
-              <a:t>。其中，</a:t>
-            </a:r>
-            <a:r>
-              <a:rPr lang="en-US" altLang="zh-CN" dirty="0"/>
-              <a:t>S</a:t>
-            </a:r>
-            <a:r>
-              <a:rPr lang="zh-CN" altLang="en-US" dirty="0"/>
-              <a:t>的关键指标</a:t>
-            </a:r>
-            <a:r>
-              <a:rPr lang="en-US" altLang="zh-CN" dirty="0"/>
-              <a:t>xxx</a:t>
-            </a:r>
-            <a:r>
-              <a:rPr lang="zh-CN" altLang="en-US" dirty="0"/>
-              <a:t>和</a:t>
-            </a:r>
-            <a:r>
-              <a:rPr lang="en-US" altLang="zh-CN" dirty="0"/>
-              <a:t>D</a:t>
-            </a:r>
-            <a:r>
-              <a:rPr lang="zh-CN" altLang="en-US" dirty="0"/>
-              <a:t>的关键指标，</a:t>
-            </a:r>
-            <a:endParaRPr lang="en-US" altLang="zh-CN" dirty="0"/>
+              <a:t>Step 1 is </a:t>
+            </a:r>
+            <a:r>
+              <a:rPr lang="en-US" altLang="zh-CN" b="1" dirty="0"/>
+              <a:t>Get Basic Features and Do Feature Cross</a:t>
+            </a:r>
+            <a:endParaRPr lang="zh-CN" altLang="en-US" b="1" dirty="0"/>
           </a:p>
           <a:p>
             <a:pPr marL="0" marR="0" lvl="0" indent="0" algn="l" defTabSz="914400" rtl="0" eaLnBrk="1" fontAlgn="auto" latinLnBrk="0" hangingPunct="1">
@@ -3048,10 +2356,6 @@
               <a:tabLst/>
               <a:defRPr/>
             </a:pPr>
-            <a:r>
-              <a:rPr lang="zh-CN" altLang="en-US" dirty="0"/>
-              <a:t>不是直接能求得的，而是需要经过我们观察的复杂指标。</a:t>
-            </a:r>
             <a:endParaRPr lang="en-US" altLang="zh-CN" dirty="0"/>
           </a:p>
           <a:p>
@@ -3093,26 +2397,9 @@
               <a:defRPr/>
             </a:pPr>
             <a:r>
-              <a:rPr lang="zh-CN" altLang="en-US" dirty="0"/>
-              <a:t>我们从</a:t>
-            </a:r>
-            <a:r>
               <a:rPr lang="en-US" altLang="zh-CN" dirty="0"/>
-              <a:t>20</a:t>
-            </a:r>
-            <a:r>
-              <a:rPr lang="zh-CN" altLang="en-US" dirty="0"/>
-              <a:t>个</a:t>
-            </a:r>
-            <a:r>
-              <a:rPr lang="en-US" altLang="zh-CN" dirty="0"/>
-              <a:t>feature</a:t>
-            </a:r>
-            <a:r>
-              <a:rPr lang="zh-CN" altLang="en-US" dirty="0"/>
-              <a:t>中。</a:t>
-            </a:r>
-            <a:endParaRPr lang="en-US" altLang="zh-CN" dirty="0"/>
+              <a:t>I choose 20 common basic features. Among them, the core feature for S and D are not basic features and are not included in this table.</a:t>
+            </a:r>
           </a:p>
           <a:p>
             <a:pPr marL="0" marR="0" lvl="0" indent="0" algn="l" defTabSz="914400" rtl="0" eaLnBrk="1" fontAlgn="auto" latinLnBrk="0" hangingPunct="1">
@@ -3132,14 +2419,6 @@
               <a:tabLst/>
               <a:defRPr/>
             </a:pPr>
-            <a:r>
-              <a:rPr lang="en-US" altLang="zh-CN" dirty="0"/>
-              <a:t>Feature</a:t>
-            </a:r>
-            <a:r>
-              <a:rPr lang="zh-CN" altLang="en-US" dirty="0"/>
-              <a:t>随机选取两个。</a:t>
-            </a:r>
             <a:endParaRPr lang="en-US" altLang="zh-CN" dirty="0"/>
           </a:p>
           <a:p>
@@ -3181,14 +2460,9 @@
               <a:defRPr/>
             </a:pPr>
             <a:r>
-              <a:rPr lang="zh-CN" altLang="en-US" dirty="0"/>
-              <a:t>然后对这两个特征</a:t>
-            </a:r>
-            <a:r>
-              <a:rPr lang="zh-CN" altLang="en-US" baseline="0" dirty="0"/>
-              <a:t>，以加减乘除的方式进行，特征交叉。</a:t>
-            </a:r>
-            <a:endParaRPr lang="en-US" altLang="zh-CN" baseline="0" dirty="0"/>
+              <a:rPr lang="en-US" altLang="zh-CN" dirty="0"/>
+              <a:t>From 20 features, I select two features.</a:t>
+            </a:r>
           </a:p>
           <a:p>
             <a:pPr marL="0" marR="0" lvl="0" indent="0" algn="l" defTabSz="914400" rtl="0" eaLnBrk="1" fontAlgn="auto" latinLnBrk="0" hangingPunct="1">
@@ -3208,7 +2482,7 @@
               <a:tabLst/>
               <a:defRPr/>
             </a:pPr>
-            <a:endParaRPr lang="en-US" altLang="zh-CN" baseline="0" dirty="0"/>
+            <a:endParaRPr lang="en-US" altLang="zh-CN" dirty="0"/>
           </a:p>
           <a:p>
             <a:pPr marL="0" marR="0" lvl="0" indent="0" algn="l" defTabSz="914400" rtl="0" eaLnBrk="1" fontAlgn="auto" latinLnBrk="0" hangingPunct="1">
@@ -3229,26 +2503,9 @@
               <a:defRPr/>
             </a:pPr>
             <a:r>
-              <a:rPr lang="zh-CN" altLang="en-US" baseline="0" dirty="0"/>
-              <a:t>以这种方法进行特征交叉，</a:t>
-            </a:r>
-            <a:r>
-              <a:rPr lang="en-US" altLang="zh-CN" baseline="0" dirty="0"/>
-              <a:t>n</a:t>
-            </a:r>
-            <a:r>
-              <a:rPr lang="zh-CN" altLang="en-US" baseline="0" dirty="0"/>
-              <a:t>个特征。可以获得</a:t>
-            </a:r>
-            <a:r>
-              <a:rPr lang="en-US" altLang="zh-CN" baseline="0" dirty="0"/>
-              <a:t>4 * Cn2</a:t>
-            </a:r>
-            <a:r>
-              <a:rPr lang="zh-CN" altLang="en-US" baseline="0" dirty="0"/>
-              <a:t>个特征。</a:t>
-            </a:r>
-            <a:endParaRPr lang="en-US" altLang="zh-CN" baseline="0" dirty="0"/>
+              <a:rPr lang="en-US" altLang="zh-CN" dirty="0"/>
+              <a:t>Then, I perform feature cross by applying addition, subtraction, multiplication, and division operations to these two selected features.</a:t>
+            </a:r>
           </a:p>
           <a:p>
             <a:pPr marL="0" marR="0" lvl="0" indent="0" algn="l" defTabSz="914400" rtl="0" eaLnBrk="1" fontAlgn="auto" latinLnBrk="0" hangingPunct="1">
@@ -3268,7 +2525,7 @@
               <a:tabLst/>
               <a:defRPr/>
             </a:pPr>
-            <a:endParaRPr lang="en-US" altLang="zh-CN" baseline="0" dirty="0"/>
+            <a:endParaRPr lang="en-US" altLang="zh-CN" dirty="0"/>
           </a:p>
           <a:p>
             <a:pPr marL="0" marR="0" lvl="0" indent="0" algn="l" defTabSz="914400" rtl="0" eaLnBrk="1" fontAlgn="auto" latinLnBrk="0" hangingPunct="1">
@@ -3289,24 +2546,8 @@
               <a:defRPr/>
             </a:pPr>
             <a:r>
-              <a:rPr lang="zh-CN" altLang="en-US" baseline="0" dirty="0"/>
-              <a:t>所以</a:t>
-            </a:r>
-            <a:r>
-              <a:rPr lang="en-US" altLang="zh-CN" baseline="0" dirty="0"/>
-              <a:t>20</a:t>
-            </a:r>
-            <a:r>
-              <a:rPr lang="zh-CN" altLang="en-US" baseline="0" dirty="0"/>
-              <a:t>个特征一共可以获得</a:t>
-            </a:r>
-            <a:r>
-              <a:rPr lang="en-US" altLang="zh-CN" baseline="0" dirty="0"/>
-              <a:t>480</a:t>
-            </a:r>
-            <a:r>
-              <a:rPr lang="zh-CN" altLang="en-US" baseline="0" dirty="0"/>
-              <a:t>个特征。</a:t>
+              <a:rPr lang="en-US" altLang="zh-CN" dirty="0"/>
+              <a:t>Using this approach for feature cross on 20 features, I can obtain a total of 480 features.</a:t>
             </a:r>
             <a:endParaRPr lang="en-US" altLang="zh-CN" baseline="0" dirty="0"/>
           </a:p>
@@ -3410,10 +2651,9 @@
               <a:defRPr/>
             </a:pPr>
             <a:r>
-              <a:rPr lang="zh-CN" altLang="en-US" dirty="0"/>
-              <a:t>相关性表格</a:t>
-            </a:r>
-            <a:endParaRPr lang="en-US" altLang="zh-CN" dirty="0"/>
+              <a:rPr lang="en-US" altLang="zh-CN" dirty="0"/>
+              <a:t>Step2 is Relevance Calculation</a:t>
+            </a:r>
           </a:p>
           <a:p>
             <a:pPr marL="0" marR="0" lvl="0" indent="0" algn="l" defTabSz="914400" rtl="0" eaLnBrk="1" fontAlgn="auto" latinLnBrk="0" hangingPunct="1">
@@ -3453,10 +2693,7 @@
               <a:tabLst/>
               <a:defRPr/>
             </a:pPr>
-            <a:r>
-              <a:rPr lang="en-US" altLang="zh-CN" dirty="0"/>
-              <a:t>p-value calculation</a:t>
-            </a:r>
+            <a:endParaRPr lang="en-US" altLang="zh-CN" dirty="0"/>
           </a:p>
           <a:p>
             <a:pPr marL="0" marR="0" lvl="0" indent="0" algn="l" defTabSz="914400" rtl="0" eaLnBrk="1" fontAlgn="auto" latinLnBrk="0" hangingPunct="1">
@@ -3476,7 +2713,330 @@
               <a:tabLst/>
               <a:defRPr/>
             </a:pPr>
+            <a:r>
+              <a:rPr lang="en-US" altLang="zh-CN" dirty="0"/>
+              <a:t>Calculate relevance between </a:t>
+            </a:r>
+            <a:r>
+              <a:rPr lang="en-US" altLang="zh-CN" dirty="0" err="1"/>
+              <a:t>Feature_i</a:t>
+            </a:r>
+            <a:r>
+              <a:rPr lang="en-US" altLang="zh-CN" dirty="0"/>
+              <a:t> and S/D, and then get p-value. If p-value &lt; 0.05, filter it out.</a:t>
+            </a:r>
+          </a:p>
+          <a:p>
+            <a:pPr marL="0" marR="0" lvl="0" indent="0" algn="l" defTabSz="914400" rtl="0" eaLnBrk="1" fontAlgn="auto" latinLnBrk="0" hangingPunct="1">
+              <a:lnSpc>
+                <a:spcPct val="100000"/>
+              </a:lnSpc>
+              <a:spcBef>
+                <a:spcPts val="0"/>
+              </a:spcBef>
+              <a:spcAft>
+                <a:spcPts val="0"/>
+              </a:spcAft>
+              <a:buClrTx/>
+              <a:buSzTx/>
+              <a:buFontTx/>
+              <a:buNone/>
+              <a:tabLst/>
+              <a:defRPr/>
+            </a:pPr>
             <a:endParaRPr lang="en-US" altLang="zh-CN" dirty="0"/>
+          </a:p>
+          <a:p>
+            <a:pPr marL="0" marR="0" lvl="0" indent="0" algn="l" defTabSz="914400" rtl="0" eaLnBrk="1" fontAlgn="auto" latinLnBrk="0" hangingPunct="1">
+              <a:lnSpc>
+                <a:spcPct val="100000"/>
+              </a:lnSpc>
+              <a:spcBef>
+                <a:spcPts val="0"/>
+              </a:spcBef>
+              <a:spcAft>
+                <a:spcPts val="0"/>
+              </a:spcAft>
+              <a:buClrTx/>
+              <a:buSzTx/>
+              <a:buFontTx/>
+              <a:buNone/>
+              <a:tabLst/>
+              <a:defRPr/>
+            </a:pPr>
+            <a:endParaRPr lang="en-US" altLang="zh-CN" dirty="0"/>
+          </a:p>
+          <a:p>
+            <a:pPr marL="0" marR="0" lvl="0" indent="0" algn="l" defTabSz="914400" rtl="0" eaLnBrk="1" fontAlgn="auto" latinLnBrk="0" hangingPunct="1">
+              <a:lnSpc>
+                <a:spcPct val="100000"/>
+              </a:lnSpc>
+              <a:spcBef>
+                <a:spcPts val="0"/>
+              </a:spcBef>
+              <a:spcAft>
+                <a:spcPts val="0"/>
+              </a:spcAft>
+              <a:buClrTx/>
+              <a:buSzTx/>
+              <a:buFontTx/>
+              <a:buNone/>
+              <a:tabLst/>
+              <a:defRPr/>
+            </a:pPr>
+            <a:r>
+              <a:rPr lang="en-US" altLang="zh-CN" dirty="0"/>
+              <a:t>And Step 3 is </a:t>
+            </a:r>
+            <a:r>
+              <a:rPr lang="en-US" altLang="zh-CN" b="1" dirty="0"/>
+              <a:t>Univariate Feature Selection</a:t>
+            </a:r>
+          </a:p>
+          <a:p>
+            <a:pPr marL="0" marR="0" lvl="0" indent="0" algn="l" defTabSz="914400" rtl="0" eaLnBrk="1" fontAlgn="auto" latinLnBrk="0" hangingPunct="1">
+              <a:lnSpc>
+                <a:spcPct val="100000"/>
+              </a:lnSpc>
+              <a:spcBef>
+                <a:spcPts val="0"/>
+              </a:spcBef>
+              <a:spcAft>
+                <a:spcPts val="0"/>
+              </a:spcAft>
+              <a:buClrTx/>
+              <a:buSzTx/>
+              <a:buFontTx/>
+              <a:buNone/>
+              <a:tabLst/>
+              <a:defRPr/>
+            </a:pPr>
+            <a:endParaRPr lang="en-US" altLang="zh-CN" dirty="0"/>
+          </a:p>
+          <a:p>
+            <a:pPr marL="0" marR="0" lvl="0" indent="0" algn="l" defTabSz="914400" rtl="0" eaLnBrk="1" fontAlgn="auto" latinLnBrk="0" hangingPunct="1">
+              <a:lnSpc>
+                <a:spcPct val="100000"/>
+              </a:lnSpc>
+              <a:spcBef>
+                <a:spcPts val="0"/>
+              </a:spcBef>
+              <a:spcAft>
+                <a:spcPts val="0"/>
+              </a:spcAft>
+              <a:buClrTx/>
+              <a:buSzTx/>
+              <a:buFontTx/>
+              <a:buNone/>
+              <a:tabLst/>
+              <a:defRPr/>
+            </a:pPr>
+            <a:r>
+              <a:rPr lang="en-US" altLang="zh-CN" b="0" i="0" dirty="0">
+                <a:solidFill>
+                  <a:srgbClr val="212529"/>
+                </a:solidFill>
+                <a:effectLst/>
+                <a:latin typeface="-apple-system"/>
+              </a:rPr>
+              <a:t>I do Univariate feature selection based on </a:t>
+            </a:r>
+            <a:r>
+              <a:rPr lang="en-US" altLang="zh-CN" b="1" i="0" dirty="0">
+                <a:solidFill>
+                  <a:srgbClr val="212529"/>
+                </a:solidFill>
+                <a:effectLst/>
+                <a:latin typeface="-apple-system"/>
+              </a:rPr>
+              <a:t>F-Test and Mutual Information at the same time</a:t>
+            </a:r>
+          </a:p>
+          <a:p>
+            <a:pPr marL="0" marR="0" lvl="0" indent="0" algn="l" defTabSz="914400" rtl="0" eaLnBrk="1" fontAlgn="auto" latinLnBrk="0" hangingPunct="1">
+              <a:lnSpc>
+                <a:spcPct val="100000"/>
+              </a:lnSpc>
+              <a:spcBef>
+                <a:spcPts val="0"/>
+              </a:spcBef>
+              <a:spcAft>
+                <a:spcPts val="0"/>
+              </a:spcAft>
+              <a:buClrTx/>
+              <a:buSzTx/>
+              <a:buFontTx/>
+              <a:buNone/>
+              <a:tabLst/>
+              <a:defRPr/>
+            </a:pPr>
+            <a:endParaRPr lang="en-US" altLang="zh-CN" b="1" i="0" dirty="0">
+              <a:solidFill>
+                <a:srgbClr val="212529"/>
+              </a:solidFill>
+              <a:effectLst/>
+              <a:latin typeface="-apple-system"/>
+            </a:endParaRPr>
+          </a:p>
+          <a:p>
+            <a:pPr marL="0" marR="0" lvl="0" indent="0" algn="l" defTabSz="914400" rtl="0" eaLnBrk="1" fontAlgn="auto" latinLnBrk="0" hangingPunct="1">
+              <a:lnSpc>
+                <a:spcPct val="100000"/>
+              </a:lnSpc>
+              <a:spcBef>
+                <a:spcPts val="0"/>
+              </a:spcBef>
+              <a:spcAft>
+                <a:spcPts val="0"/>
+              </a:spcAft>
+              <a:buClrTx/>
+              <a:buSzTx/>
+              <a:buFontTx/>
+              <a:buNone/>
+              <a:tabLst/>
+              <a:defRPr/>
+            </a:pPr>
+            <a:r>
+              <a:rPr lang="en-US" altLang="zh-CN" b="0" i="0" dirty="0">
+                <a:solidFill>
+                  <a:srgbClr val="212529"/>
+                </a:solidFill>
+                <a:effectLst/>
+                <a:latin typeface="-apple-system"/>
+              </a:rPr>
+              <a:t>F-test captures </a:t>
+            </a:r>
+            <a:r>
+              <a:rPr lang="en-US" altLang="zh-CN" b="1" i="0" dirty="0">
+                <a:solidFill>
+                  <a:srgbClr val="212529"/>
+                </a:solidFill>
+                <a:effectLst/>
+                <a:latin typeface="-apple-system"/>
+              </a:rPr>
+              <a:t>linear dependency and </a:t>
+            </a:r>
+            <a:r>
+              <a:rPr lang="en-US" altLang="zh-CN" b="0" i="0" dirty="0">
+                <a:solidFill>
+                  <a:srgbClr val="212529"/>
+                </a:solidFill>
+                <a:effectLst/>
+                <a:latin typeface="-apple-system"/>
+              </a:rPr>
+              <a:t>mutual information captures </a:t>
+            </a:r>
+            <a:r>
+              <a:rPr lang="en-US" altLang="zh-CN" b="1" i="0" dirty="0">
+                <a:solidFill>
+                  <a:srgbClr val="212529"/>
+                </a:solidFill>
+                <a:effectLst/>
+                <a:latin typeface="-apple-system"/>
+              </a:rPr>
+              <a:t>any kind of dependency</a:t>
+            </a:r>
+            <a:endParaRPr lang="zh-CN" altLang="en-US" b="1" dirty="0"/>
+          </a:p>
+          <a:p>
+            <a:endParaRPr lang="zh-CN" altLang="en-US" b="1" dirty="0"/>
+          </a:p>
+          <a:p>
+            <a:pPr marL="0" marR="0" lvl="0" indent="0" algn="l" defTabSz="914400" rtl="0" eaLnBrk="1" fontAlgn="auto" latinLnBrk="0" hangingPunct="1">
+              <a:lnSpc>
+                <a:spcPct val="100000"/>
+              </a:lnSpc>
+              <a:spcBef>
+                <a:spcPts val="0"/>
+              </a:spcBef>
+              <a:spcAft>
+                <a:spcPts val="0"/>
+              </a:spcAft>
+              <a:buClrTx/>
+              <a:buSzTx/>
+              <a:buFontTx/>
+              <a:buNone/>
+              <a:tabLst/>
+              <a:defRPr/>
+            </a:pPr>
+            <a:r>
+              <a:rPr lang="en-US" altLang="zh-CN" dirty="0"/>
+              <a:t>We choose top K features and Perform a logical AND operation on the selected K features.</a:t>
+            </a:r>
+          </a:p>
+          <a:p>
+            <a:pPr marL="0" marR="0" lvl="0" indent="0" algn="l" defTabSz="914400" rtl="0" eaLnBrk="1" fontAlgn="auto" latinLnBrk="0" hangingPunct="1">
+              <a:lnSpc>
+                <a:spcPct val="100000"/>
+              </a:lnSpc>
+              <a:spcBef>
+                <a:spcPts val="0"/>
+              </a:spcBef>
+              <a:spcAft>
+                <a:spcPts val="0"/>
+              </a:spcAft>
+              <a:buClrTx/>
+              <a:buSzTx/>
+              <a:buFontTx/>
+              <a:buNone/>
+              <a:tabLst/>
+              <a:defRPr/>
+            </a:pPr>
+            <a:endParaRPr lang="en-US" altLang="zh-CN" dirty="0"/>
+          </a:p>
+          <a:p>
+            <a:pPr marL="0" marR="0" lvl="0" indent="0" algn="l" defTabSz="914400" rtl="0" eaLnBrk="1" fontAlgn="auto" latinLnBrk="0" hangingPunct="1">
+              <a:lnSpc>
+                <a:spcPct val="100000"/>
+              </a:lnSpc>
+              <a:spcBef>
+                <a:spcPts val="0"/>
+              </a:spcBef>
+              <a:spcAft>
+                <a:spcPts val="0"/>
+              </a:spcAft>
+              <a:buClrTx/>
+              <a:buSzTx/>
+              <a:buFontTx/>
+              <a:buNone/>
+              <a:tabLst/>
+              <a:defRPr/>
+            </a:pPr>
+            <a:r>
+              <a:rPr lang="en-US" altLang="zh-CN" dirty="0"/>
+              <a:t>For S  prediction,</a:t>
+            </a:r>
+            <a:r>
+              <a:rPr lang="zh-CN" altLang="en-US" dirty="0"/>
+              <a:t> </a:t>
+            </a:r>
+            <a:r>
+              <a:rPr lang="en-US" altLang="zh-CN" dirty="0"/>
+              <a:t>I get 3 features.</a:t>
+            </a:r>
+          </a:p>
+          <a:p>
+            <a:pPr marL="0" marR="0" lvl="0" indent="0" algn="l" defTabSz="914400" rtl="0" eaLnBrk="1" fontAlgn="auto" latinLnBrk="0" hangingPunct="1">
+              <a:lnSpc>
+                <a:spcPct val="100000"/>
+              </a:lnSpc>
+              <a:spcBef>
+                <a:spcPts val="0"/>
+              </a:spcBef>
+              <a:spcAft>
+                <a:spcPts val="0"/>
+              </a:spcAft>
+              <a:buClrTx/>
+              <a:buSzTx/>
+              <a:buFontTx/>
+              <a:buNone/>
+              <a:tabLst/>
+              <a:defRPr/>
+            </a:pPr>
+            <a:r>
+              <a:rPr lang="en-US" altLang="zh-CN" dirty="0"/>
+              <a:t>For D prediction, I get 5 features.</a:t>
+            </a:r>
           </a:p>
           <a:p>
             <a:pPr marL="0" marR="0" lvl="0" indent="0" algn="l" defTabSz="914400" rtl="0" eaLnBrk="1" fontAlgn="auto" latinLnBrk="0" hangingPunct="1">
@@ -3598,9 +3158,147 @@
               <a:defRPr/>
             </a:pPr>
             <a:r>
-              <a:rPr lang="zh-CN" altLang="en-US" dirty="0"/>
-              <a:t>自动回归的折线图</a:t>
-            </a:r>
+              <a:rPr lang="en-US" altLang="zh-CN" dirty="0"/>
+              <a:t>Next step is to do </a:t>
+            </a:r>
+            <a:r>
+              <a:rPr lang="en-US" altLang="zh-CN" sz="1200" b="1" dirty="0"/>
+              <a:t>Recursive Feature Elimination(RFE)</a:t>
+            </a:r>
+            <a:endParaRPr lang="zh-CN" altLang="en-US" sz="1200" b="1" dirty="0"/>
+          </a:p>
+          <a:p>
+            <a:pPr marL="0" marR="0" lvl="0" indent="0" algn="l" defTabSz="914400" rtl="0" eaLnBrk="1" fontAlgn="auto" latinLnBrk="0" hangingPunct="1">
+              <a:lnSpc>
+                <a:spcPct val="100000"/>
+              </a:lnSpc>
+              <a:spcBef>
+                <a:spcPts val="0"/>
+              </a:spcBef>
+              <a:spcAft>
+                <a:spcPts val="0"/>
+              </a:spcAft>
+              <a:buClrTx/>
+              <a:buSzTx/>
+              <a:buFontTx/>
+              <a:buNone/>
+              <a:tabLst/>
+              <a:defRPr/>
+            </a:pPr>
+            <a:endParaRPr lang="en-US" altLang="zh-CN" dirty="0"/>
+          </a:p>
+          <a:p>
+            <a:pPr marL="0" marR="0" lvl="0" indent="0" algn="l" defTabSz="914400" rtl="0" eaLnBrk="1" fontAlgn="auto" latinLnBrk="0" hangingPunct="1">
+              <a:lnSpc>
+                <a:spcPct val="100000"/>
+              </a:lnSpc>
+              <a:spcBef>
+                <a:spcPts val="0"/>
+              </a:spcBef>
+              <a:spcAft>
+                <a:spcPts val="0"/>
+              </a:spcAft>
+              <a:buClrTx/>
+              <a:buSzTx/>
+              <a:buFontTx/>
+              <a:buNone/>
+              <a:tabLst/>
+              <a:defRPr/>
+            </a:pPr>
+            <a:r>
+              <a:rPr lang="en-US" altLang="zh-CN" sz="1200" dirty="0"/>
+              <a:t>For S </a:t>
+            </a:r>
+            <a:r>
+              <a:rPr lang="zh-CN" altLang="en-US" sz="1200" dirty="0"/>
+              <a:t>，</a:t>
+            </a:r>
+            <a:r>
+              <a:rPr lang="en-US" altLang="zh-CN" sz="1200" dirty="0"/>
+              <a:t>core feature is selected. For D, core feature is included in the final features selection.</a:t>
+            </a:r>
+          </a:p>
+          <a:p>
+            <a:pPr marL="0" marR="0" lvl="0" indent="0" algn="l" defTabSz="914400" rtl="0" eaLnBrk="1" fontAlgn="auto" latinLnBrk="0" hangingPunct="1">
+              <a:lnSpc>
+                <a:spcPct val="100000"/>
+              </a:lnSpc>
+              <a:spcBef>
+                <a:spcPts val="0"/>
+              </a:spcBef>
+              <a:spcAft>
+                <a:spcPts val="0"/>
+              </a:spcAft>
+              <a:buClrTx/>
+              <a:buSzTx/>
+              <a:buFontTx/>
+              <a:buNone/>
+              <a:tabLst/>
+              <a:defRPr/>
+            </a:pPr>
+            <a:endParaRPr lang="en-US" altLang="zh-CN" sz="1200" dirty="0"/>
+          </a:p>
+          <a:p>
+            <a:pPr marL="0" marR="0" lvl="0" indent="0" algn="l" defTabSz="914400" rtl="0" eaLnBrk="1" fontAlgn="auto" latinLnBrk="0" hangingPunct="1">
+              <a:lnSpc>
+                <a:spcPct val="100000"/>
+              </a:lnSpc>
+              <a:spcBef>
+                <a:spcPts val="0"/>
+              </a:spcBef>
+              <a:spcAft>
+                <a:spcPts val="0"/>
+              </a:spcAft>
+              <a:buClrTx/>
+              <a:buSzTx/>
+              <a:buFontTx/>
+              <a:buNone/>
+              <a:tabLst/>
+              <a:defRPr/>
+            </a:pPr>
+            <a:r>
+              <a:rPr lang="en-US" altLang="zh-CN" sz="1200" dirty="0"/>
+              <a:t>It is not bad.</a:t>
+            </a:r>
+          </a:p>
+          <a:p>
+            <a:pPr marL="0" marR="0" lvl="0" indent="0" algn="l" defTabSz="914400" rtl="0" eaLnBrk="1" fontAlgn="auto" latinLnBrk="0" hangingPunct="1">
+              <a:lnSpc>
+                <a:spcPct val="100000"/>
+              </a:lnSpc>
+              <a:spcBef>
+                <a:spcPts val="0"/>
+              </a:spcBef>
+              <a:spcAft>
+                <a:spcPts val="0"/>
+              </a:spcAft>
+              <a:buClrTx/>
+              <a:buSzTx/>
+              <a:buFontTx/>
+              <a:buNone/>
+              <a:tabLst/>
+              <a:defRPr/>
+            </a:pPr>
+            <a:endParaRPr lang="en-US" altLang="zh-CN" dirty="0"/>
+          </a:p>
+          <a:p>
+            <a:pPr marL="0" marR="0" lvl="0" indent="0" algn="l" defTabSz="914400" rtl="0" eaLnBrk="1" fontAlgn="auto" latinLnBrk="0" hangingPunct="1">
+              <a:lnSpc>
+                <a:spcPct val="100000"/>
+              </a:lnSpc>
+              <a:spcBef>
+                <a:spcPts val="0"/>
+              </a:spcBef>
+              <a:spcAft>
+                <a:spcPts val="0"/>
+              </a:spcAft>
+              <a:buClrTx/>
+              <a:buSzTx/>
+              <a:buFontTx/>
+              <a:buNone/>
+              <a:tabLst/>
+              <a:defRPr/>
+            </a:pPr>
             <a:endParaRPr lang="en-US" altLang="zh-CN" dirty="0"/>
           </a:p>
         </p:txBody>
@@ -3703,26 +3401,9 @@
               <a:defRPr/>
             </a:pPr>
             <a:r>
-              <a:rPr lang="zh-CN" altLang="en-US" dirty="0"/>
-              <a:t>结果展示</a:t>
-            </a:r>
-            <a:r>
               <a:rPr lang="en-US" altLang="zh-CN" dirty="0"/>
-              <a:t>S</a:t>
-            </a:r>
-            <a:r>
-              <a:rPr lang="zh-CN" altLang="en-US" dirty="0"/>
-              <a:t>和</a:t>
-            </a:r>
-            <a:r>
-              <a:rPr lang="en-US" altLang="zh-CN" dirty="0"/>
-              <a:t>D</a:t>
-            </a:r>
-            <a:r>
-              <a:rPr lang="zh-CN" altLang="en-US" dirty="0"/>
-              <a:t>的拟合效果</a:t>
-            </a:r>
-            <a:endParaRPr lang="en-US" altLang="zh-CN" dirty="0"/>
+              <a:t>Here is the result of Prediction.</a:t>
+            </a:r>
           </a:p>
           <a:p>
             <a:pPr marL="0" marR="0" lvl="0" indent="0" algn="l" defTabSz="914400" rtl="0" eaLnBrk="1" fontAlgn="auto" latinLnBrk="0" hangingPunct="1">
@@ -3745,6 +3426,25 @@
             <a:endParaRPr lang="en-US" altLang="zh-CN" dirty="0"/>
           </a:p>
           <a:p>
+            <a:r>
+              <a:rPr lang="en-US" altLang="zh-CN" dirty="0"/>
+              <a:t>I think</a:t>
+            </a:r>
+          </a:p>
+          <a:p>
+            <a:r>
+              <a:rPr lang="en-US" altLang="zh-CN" dirty="0"/>
+              <a:t>the core feature for D is not selected because no denoising procedures are applied to signals with a noise level of 0.1. </a:t>
+            </a:r>
+          </a:p>
+          <a:p>
+            <a:r>
+              <a:rPr lang="en-US" altLang="zh-CN" dirty="0"/>
+              <a:t>The prediction performance using only the "P2_divide_P1" feature is not satisfactory.</a:t>
+            </a:r>
+            <a:endParaRPr lang="zh-CN" altLang="en-US" dirty="0"/>
+          </a:p>
+          <a:p>
             <a:pPr marL="0" marR="0" lvl="0" indent="0" algn="l" defTabSz="914400" rtl="0" eaLnBrk="1" fontAlgn="auto" latinLnBrk="0" hangingPunct="1">
               <a:lnSpc>
                 <a:spcPct val="100000"/>
@@ -3762,30 +3462,6 @@
               <a:tabLst/>
               <a:defRPr/>
             </a:pPr>
-            <a:endParaRPr lang="en-US" altLang="zh-CN" dirty="0"/>
-          </a:p>
-          <a:p>
-            <a:pPr marL="0" marR="0" lvl="0" indent="0" algn="l" defTabSz="914400" rtl="0" eaLnBrk="1" fontAlgn="auto" latinLnBrk="0" hangingPunct="1">
-              <a:lnSpc>
-                <a:spcPct val="100000"/>
-              </a:lnSpc>
-              <a:spcBef>
-                <a:spcPts val="0"/>
-              </a:spcBef>
-              <a:spcAft>
-                <a:spcPts val="0"/>
-              </a:spcAft>
-              <a:buClrTx/>
-              <a:buSzTx/>
-              <a:buFontTx/>
-              <a:buNone/>
-              <a:tabLst/>
-              <a:defRPr/>
-            </a:pPr>
-            <a:r>
-              <a:rPr lang="zh-CN" altLang="en-US" dirty="0"/>
-              <a:t>和原因分析</a:t>
-            </a:r>
             <a:endParaRPr lang="en-US" altLang="zh-CN" dirty="0"/>
           </a:p>
         </p:txBody>
@@ -3870,11 +3546,95 @@
           <a:bodyPr/>
           <a:lstStyle/>
           <a:p>
-            <a:r>
-              <a:rPr lang="zh-CN" altLang="en-US" dirty="0"/>
-              <a:t>大概阐释方法。</a:t>
-            </a:r>
-            <a:endParaRPr lang="en-US" altLang="zh-CN" dirty="0"/>
+            <a:pPr marL="0" marR="0" lvl="0" indent="0" algn="l" defTabSz="914400" rtl="0" eaLnBrk="1" fontAlgn="auto" latinLnBrk="0" hangingPunct="1">
+              <a:lnSpc>
+                <a:spcPct val="100000"/>
+              </a:lnSpc>
+              <a:spcBef>
+                <a:spcPts val="0"/>
+              </a:spcBef>
+              <a:spcAft>
+                <a:spcPts val="0"/>
+              </a:spcAft>
+              <a:buClrTx/>
+              <a:buSzTx/>
+              <a:buFontTx/>
+              <a:buNone/>
+              <a:tabLst/>
+              <a:defRPr/>
+            </a:pPr>
+            <a:r>
+              <a:rPr lang="en-US" altLang="zh-CN" dirty="0">
+                <a:solidFill>
+                  <a:schemeClr val="tx1"/>
+                </a:solidFill>
+                <a:latin typeface="Consolas" panose="020B0609020204030204" pitchFamily="49" charset="0"/>
+                <a:cs typeface="Times New Roman" panose="02020603050405020304" pitchFamily="18" charset="0"/>
+              </a:rPr>
+              <a:t>When dealing with data having a noise level of 0.8, I first apply a combination of Bandpass filtering and FFT/Wavelet Denoising. However, the results are not very promising.</a:t>
+            </a:r>
+          </a:p>
+          <a:p>
+            <a:pPr marL="0" marR="0" lvl="0" indent="0" algn="l" defTabSz="914400" rtl="0" eaLnBrk="1" fontAlgn="auto" latinLnBrk="0" hangingPunct="1">
+              <a:lnSpc>
+                <a:spcPct val="100000"/>
+              </a:lnSpc>
+              <a:spcBef>
+                <a:spcPts val="0"/>
+              </a:spcBef>
+              <a:spcAft>
+                <a:spcPts val="0"/>
+              </a:spcAft>
+              <a:buClrTx/>
+              <a:buSzTx/>
+              <a:buFontTx/>
+              <a:buNone/>
+              <a:tabLst/>
+              <a:defRPr/>
+            </a:pPr>
+            <a:endParaRPr lang="en-US" altLang="zh-CN" dirty="0">
+              <a:solidFill>
+                <a:schemeClr val="tx1"/>
+              </a:solidFill>
+              <a:latin typeface="Consolas" panose="020B0609020204030204" pitchFamily="49" charset="0"/>
+              <a:cs typeface="Times New Roman" panose="02020603050405020304" pitchFamily="18" charset="0"/>
+            </a:endParaRPr>
+          </a:p>
+          <a:p>
+            <a:pPr marL="0" marR="0" lvl="0" indent="0" algn="l" defTabSz="914400" rtl="0" eaLnBrk="1" fontAlgn="auto" latinLnBrk="0" hangingPunct="1">
+              <a:lnSpc>
+                <a:spcPct val="100000"/>
+              </a:lnSpc>
+              <a:spcBef>
+                <a:spcPts val="0"/>
+              </a:spcBef>
+              <a:spcAft>
+                <a:spcPts val="0"/>
+              </a:spcAft>
+              <a:buClrTx/>
+              <a:buSzTx/>
+              <a:buFontTx/>
+              <a:buNone/>
+              <a:tabLst/>
+              <a:defRPr/>
+            </a:pPr>
+            <a:r>
+              <a:rPr lang="en-US" altLang="zh-CN" dirty="0">
+                <a:solidFill>
+                  <a:schemeClr val="tx1"/>
+                </a:solidFill>
+                <a:latin typeface="Consolas" panose="020B0609020204030204" pitchFamily="49" charset="0"/>
+                <a:cs typeface="Times New Roman" panose="02020603050405020304" pitchFamily="18" charset="0"/>
+              </a:rPr>
+              <a:t>Then, I try out EEMD and notice that IMF1 closely resembles the original clean signal. As a result, I experiment with using IMF1 for prediction.</a:t>
+            </a:r>
+            <a:endParaRPr lang="zh-CN" altLang="en-US" dirty="0">
+              <a:solidFill>
+                <a:schemeClr val="tx1"/>
+              </a:solidFill>
+              <a:latin typeface="Consolas" panose="020B0609020204030204" pitchFamily="49" charset="0"/>
+              <a:cs typeface="Times New Roman" panose="02020603050405020304" pitchFamily="18" charset="0"/>
+            </a:endParaRPr>
           </a:p>
         </p:txBody>
       </p:sp>
@@ -7870,7 +7630,7 @@
             </a:pPr>
             <a:r>
               <a:rPr lang="en-US" altLang="zh-CN" dirty="0"/>
-              <a:t>It might be possible to employ IMF_1 for predicting S.</a:t>
+              <a:t>It might be possible to employ IMF_1 for predicting S, rather than D. </a:t>
             </a:r>
           </a:p>
         </p:txBody>
@@ -8398,7 +8158,7 @@
         </p:blipFill>
         <p:spPr>
           <a:xfrm>
-            <a:off x="1957297" y="2036409"/>
+            <a:off x="1957297" y="1895080"/>
             <a:ext cx="4138703" cy="2759136"/>
           </a:xfrm>
           <a:prstGeom prst="rect">
@@ -8434,7 +8194,7 @@
         </p:blipFill>
         <p:spPr>
           <a:xfrm>
-            <a:off x="6096000" y="2036409"/>
+            <a:off x="6096000" y="1895080"/>
             <a:ext cx="4199121" cy="2799415"/>
           </a:xfrm>
           <a:prstGeom prst="rect">
@@ -8456,7 +8216,7 @@
         </p:nvSpPr>
         <p:spPr>
           <a:xfrm>
-            <a:off x="2557523" y="1390078"/>
+            <a:off x="2557523" y="1173043"/>
             <a:ext cx="7076953" cy="646331"/>
           </a:xfrm>
           <a:prstGeom prst="rect">
@@ -8508,7 +8268,7 @@
         </p:nvSpPr>
         <p:spPr>
           <a:xfrm>
-            <a:off x="2067119" y="4871251"/>
+            <a:off x="2245249" y="4729922"/>
             <a:ext cx="4028881" cy="1200329"/>
           </a:xfrm>
           <a:prstGeom prst="rect">
@@ -8560,7 +8320,7 @@
         </p:nvSpPr>
         <p:spPr>
           <a:xfrm>
-            <a:off x="6391869" y="4871251"/>
+            <a:off x="6379994" y="4729922"/>
             <a:ext cx="4189268" cy="1477328"/>
           </a:xfrm>
           <a:prstGeom prst="rect">
@@ -8617,6 +8377,58 @@
             <a:r>
               <a:rPr lang="en-US" altLang="zh-CN" dirty="0"/>
               <a:t>The performance is not meeting the desired standard.</a:t>
+            </a:r>
+          </a:p>
+        </p:txBody>
+      </p:sp>
+      <p:sp>
+        <p:nvSpPr>
+          <p:cNvPr id="5" name="文本框 4">
+            <a:extLst>
+              <a:ext uri="{FF2B5EF4-FFF2-40B4-BE49-F238E27FC236}">
+                <a16:creationId xmlns:a16="http://schemas.microsoft.com/office/drawing/2014/main" id="{8334018E-B0FC-C389-F6EA-2D43149D5A47}"/>
+              </a:ext>
+            </a:extLst>
+          </p:cNvPr>
+          <p:cNvSpPr txBox="1"/>
+          <p:nvPr/>
+        </p:nvSpPr>
+        <p:spPr>
+          <a:xfrm>
+            <a:off x="2245249" y="6434050"/>
+            <a:ext cx="9253847" cy="369332"/>
+          </a:xfrm>
+          <a:prstGeom prst="rect">
+            <a:avLst/>
+          </a:prstGeom>
+          <a:noFill/>
+        </p:spPr>
+        <p:txBody>
+          <a:bodyPr wrap="square">
+            <a:spAutoFit/>
+          </a:bodyPr>
+          <a:lstStyle/>
+          <a:p>
+            <a:pPr marL="0" marR="0" lvl="0" indent="0" algn="l" defTabSz="914400" rtl="0" eaLnBrk="1" fontAlgn="auto" latinLnBrk="0" hangingPunct="1">
+              <a:lnSpc>
+                <a:spcPct val="100000"/>
+              </a:lnSpc>
+              <a:spcBef>
+                <a:spcPts val="0"/>
+              </a:spcBef>
+              <a:spcAft>
+                <a:spcPts val="0"/>
+              </a:spcAft>
+              <a:buClrTx/>
+              <a:buSzTx/>
+              <a:buFontTx/>
+              <a:buNone/>
+              <a:tabLst/>
+              <a:defRPr/>
+            </a:pPr>
+            <a:r>
+              <a:rPr lang="en-US" altLang="zh-CN" dirty="0"/>
+              <a:t>I'm not sure whether this approach holds value for further exploration.</a:t>
             </a:r>
           </a:p>
         </p:txBody>
@@ -13627,6 +13439,15 @@
           </a:p>
           <a:p>
             <a:r>
+              <a:rPr lang="en-US" altLang="zh-CN" dirty="0">
+                <a:solidFill>
+                  <a:srgbClr val="212529"/>
+                </a:solidFill>
+                <a:latin typeface="-apple-system"/>
+              </a:rPr>
+              <a:t>M</a:t>
+            </a:r>
+            <a:r>
               <a:rPr lang="en-US" altLang="zh-CN" b="0" i="0" dirty="0">
                 <a:solidFill>
                   <a:srgbClr val="212529"/>
@@ -13634,7 +13455,7 @@
                 <a:effectLst/>
                 <a:latin typeface="-apple-system"/>
               </a:rPr>
-              <a:t>mutual information captures </a:t>
+              <a:t>utual information captures </a:t>
             </a:r>
             <a:r>
               <a:rPr lang="en-US" altLang="zh-CN" b="1" i="0" dirty="0">
@@ -13674,8 +13495,8 @@
         </p:nvSpPr>
         <p:spPr>
           <a:xfrm>
-            <a:off x="8355840" y="4232238"/>
-            <a:ext cx="1154564" cy="461665"/>
+            <a:off x="6494506" y="4334704"/>
+            <a:ext cx="5220009" cy="461665"/>
           </a:xfrm>
           <a:prstGeom prst="rect">
             <a:avLst/>
@@ -13688,9 +13509,10 @@
           </a:bodyPr>
           <a:lstStyle/>
           <a:p>
+            <a:pPr algn="ctr"/>
             <a:r>
               <a:rPr lang="en-US" altLang="zh-CN" sz="2400" dirty="0"/>
-              <a:t>Union</a:t>
+              <a:t>Logical AND Operation</a:t>
             </a:r>
             <a:endParaRPr lang="zh-CN" altLang="en-US" sz="2400" dirty="0"/>
           </a:p>
@@ -13711,7 +13533,7 @@
         <p:spPr>
           <a:xfrm>
             <a:off x="1318639" y="2765044"/>
-            <a:ext cx="3968244" cy="2031325"/>
+            <a:ext cx="3968244" cy="2308324"/>
           </a:xfrm>
           <a:prstGeom prst="rect">
             <a:avLst/>
@@ -13775,15 +13597,6 @@
             <a:endParaRPr lang="en-US" altLang="zh-CN" dirty="0"/>
           </a:p>
           <a:p>
-            <a:pPr>
-              <a:defRPr/>
-            </a:pPr>
-            <a:r>
-              <a:rPr lang="en-US" altLang="zh-CN" dirty="0"/>
-              <a:t>If p-value &lt; 0.05, filter it out.</a:t>
-            </a:r>
-          </a:p>
-          <a:p>
             <a:pPr marL="0" marR="0" lvl="0" indent="0" algn="l" defTabSz="914400" rtl="0" eaLnBrk="1" fontAlgn="auto" latinLnBrk="0" hangingPunct="1">
               <a:lnSpc>
                 <a:spcPct val="100000"/>
@@ -13803,35 +13616,15 @@
             </a:pPr>
             <a:endParaRPr lang="en-US" altLang="zh-CN" dirty="0"/>
           </a:p>
-        </p:txBody>
-      </p:sp>
-      <p:sp>
-        <p:nvSpPr>
-          <p:cNvPr id="23" name="文本框 22">
-            <a:extLst>
-              <a:ext uri="{FF2B5EF4-FFF2-40B4-BE49-F238E27FC236}">
-                <a16:creationId xmlns:a16="http://schemas.microsoft.com/office/drawing/2014/main" id="{D930AE72-2A02-CBDE-F0D3-196BEC168BB8}"/>
-              </a:ext>
-            </a:extLst>
-          </p:cNvPr>
-          <p:cNvSpPr txBox="1"/>
-          <p:nvPr/>
-        </p:nvSpPr>
-        <p:spPr>
-          <a:xfrm>
-            <a:off x="6194957" y="4796369"/>
-            <a:ext cx="6152902" cy="2031325"/>
-          </a:xfrm>
-          <a:prstGeom prst="rect">
-            <a:avLst/>
-          </a:prstGeom>
-          <a:noFill/>
-        </p:spPr>
-        <p:txBody>
-          <a:bodyPr wrap="square">
-            <a:spAutoFit/>
-          </a:bodyPr>
-          <a:lstStyle/>
+          <a:p>
+            <a:pPr>
+              <a:defRPr/>
+            </a:pPr>
+            <a:r>
+              <a:rPr lang="en-US" altLang="zh-CN" dirty="0"/>
+              <a:t>If p-value &lt; 0.05, filter it out.</a:t>
+            </a:r>
+          </a:p>
           <a:p>
             <a:pPr marL="0" marR="0" lvl="0" indent="0" algn="l" defTabSz="914400" rtl="0" eaLnBrk="1" fontAlgn="auto" latinLnBrk="0" hangingPunct="1">
               <a:lnSpc>
@@ -13850,9 +13643,58 @@
               <a:tabLst/>
               <a:defRPr/>
             </a:pPr>
+            <a:endParaRPr lang="en-US" altLang="zh-CN" dirty="0"/>
+          </a:p>
+        </p:txBody>
+      </p:sp>
+      <p:sp>
+        <p:nvSpPr>
+          <p:cNvPr id="23" name="文本框 22">
+            <a:extLst>
+              <a:ext uri="{FF2B5EF4-FFF2-40B4-BE49-F238E27FC236}">
+                <a16:creationId xmlns:a16="http://schemas.microsoft.com/office/drawing/2014/main" id="{D930AE72-2A02-CBDE-F0D3-196BEC168BB8}"/>
+              </a:ext>
+            </a:extLst>
+          </p:cNvPr>
+          <p:cNvSpPr txBox="1"/>
+          <p:nvPr/>
+        </p:nvSpPr>
+        <p:spPr>
+          <a:xfrm>
+            <a:off x="6095999" y="4826675"/>
+            <a:ext cx="6095997" cy="2031325"/>
+          </a:xfrm>
+          <a:prstGeom prst="rect">
+            <a:avLst/>
+          </a:prstGeom>
+          <a:noFill/>
+        </p:spPr>
+        <p:txBody>
+          <a:bodyPr wrap="square">
+            <a:spAutoFit/>
+          </a:bodyPr>
+          <a:lstStyle/>
+          <a:p>
+            <a:pPr marL="0" marR="0" lvl="0" indent="0" algn="l" defTabSz="914400" rtl="0" eaLnBrk="1" fontAlgn="auto" latinLnBrk="0" hangingPunct="1">
+              <a:lnSpc>
+                <a:spcPct val="100000"/>
+              </a:lnSpc>
+              <a:spcBef>
+                <a:spcPts val="0"/>
+              </a:spcBef>
+              <a:spcAft>
+                <a:spcPts val="0"/>
+              </a:spcAft>
+              <a:buClrTx/>
+              <a:buSzTx/>
+              <a:buFontTx/>
+              <a:buNone/>
+              <a:tabLst/>
+              <a:defRPr/>
+            </a:pPr>
             <a:r>
               <a:rPr lang="en-US" altLang="zh-CN" dirty="0"/>
-              <a:t>K = 3</a:t>
+              <a:t>When K = 3</a:t>
             </a:r>
           </a:p>
           <a:p>
@@ -14132,7 +13974,7 @@
         </p:nvSpPr>
         <p:spPr>
           <a:xfrm>
-            <a:off x="883103" y="5134924"/>
+            <a:off x="893846" y="5398770"/>
             <a:ext cx="2419658" cy="677108"/>
           </a:xfrm>
           <a:prstGeom prst="rect">
@@ -14176,7 +14018,7 @@
         </p:nvSpPr>
         <p:spPr>
           <a:xfrm>
-            <a:off x="2912191" y="5134924"/>
+            <a:off x="2922934" y="5398770"/>
             <a:ext cx="2419658" cy="677108"/>
           </a:xfrm>
           <a:prstGeom prst="rect">
@@ -14278,6 +14120,140 @@
               </a:schemeClr>
             </a:solidFill>
             <a:prstDash val="dash"/>
+          </a:ln>
+        </p:spPr>
+        <p:style>
+          <a:lnRef idx="1">
+            <a:schemeClr val="accent1"/>
+          </a:lnRef>
+          <a:fillRef idx="0">
+            <a:schemeClr val="accent1"/>
+          </a:fillRef>
+          <a:effectRef idx="0">
+            <a:schemeClr val="accent1"/>
+          </a:effectRef>
+          <a:fontRef idx="minor">
+            <a:schemeClr val="tx1"/>
+          </a:fontRef>
+        </p:style>
+      </p:cxnSp>
+      <p:cxnSp>
+        <p:nvCxnSpPr>
+          <p:cNvPr id="5" name="直接箭头连接符 4">
+            <a:extLst>
+              <a:ext uri="{FF2B5EF4-FFF2-40B4-BE49-F238E27FC236}">
+                <a16:creationId xmlns:a16="http://schemas.microsoft.com/office/drawing/2014/main" id="{5A86C932-70F3-CC1C-2C38-EABF0413FBC9}"/>
+              </a:ext>
+            </a:extLst>
+          </p:cNvPr>
+          <p:cNvCxnSpPr>
+            <a:cxnSpLocks/>
+          </p:cNvCxnSpPr>
+          <p:nvPr/>
+        </p:nvCxnSpPr>
+        <p:spPr>
+          <a:xfrm>
+            <a:off x="3123210" y="3429000"/>
+            <a:ext cx="0" cy="649195"/>
+          </a:xfrm>
+          <a:prstGeom prst="straightConnector1">
+            <a:avLst/>
+          </a:prstGeom>
+          <a:ln>
+            <a:solidFill>
+              <a:schemeClr val="tx1"/>
+            </a:solidFill>
+            <a:tailEnd type="triangle"/>
+          </a:ln>
+        </p:spPr>
+        <p:style>
+          <a:lnRef idx="1">
+            <a:schemeClr val="accent1"/>
+          </a:lnRef>
+          <a:fillRef idx="0">
+            <a:schemeClr val="accent1"/>
+          </a:fillRef>
+          <a:effectRef idx="0">
+            <a:schemeClr val="accent1"/>
+          </a:effectRef>
+          <a:fontRef idx="minor">
+            <a:schemeClr val="tx1"/>
+          </a:fontRef>
+        </p:style>
+      </p:cxnSp>
+      <p:cxnSp>
+        <p:nvCxnSpPr>
+          <p:cNvPr id="12" name="直接箭头连接符 11">
+            <a:extLst>
+              <a:ext uri="{FF2B5EF4-FFF2-40B4-BE49-F238E27FC236}">
+                <a16:creationId xmlns:a16="http://schemas.microsoft.com/office/drawing/2014/main" id="{191AA755-9193-11AA-F41C-D5787F0CEB1A}"/>
+              </a:ext>
+            </a:extLst>
+          </p:cNvPr>
+          <p:cNvCxnSpPr>
+            <a:cxnSpLocks/>
+            <a:endCxn id="8" idx="0"/>
+          </p:cNvCxnSpPr>
+          <p:nvPr/>
+        </p:nvCxnSpPr>
+        <p:spPr>
+          <a:xfrm>
+            <a:off x="2103675" y="4920252"/>
+            <a:ext cx="0" cy="478518"/>
+          </a:xfrm>
+          <a:prstGeom prst="straightConnector1">
+            <a:avLst/>
+          </a:prstGeom>
+          <a:ln>
+            <a:solidFill>
+              <a:schemeClr val="tx1"/>
+            </a:solidFill>
+            <a:tailEnd type="triangle"/>
+          </a:ln>
+        </p:spPr>
+        <p:style>
+          <a:lnRef idx="1">
+            <a:schemeClr val="accent1"/>
+          </a:lnRef>
+          <a:fillRef idx="0">
+            <a:schemeClr val="accent1"/>
+          </a:fillRef>
+          <a:effectRef idx="0">
+            <a:schemeClr val="accent1"/>
+          </a:effectRef>
+          <a:fontRef idx="minor">
+            <a:schemeClr val="tx1"/>
+          </a:fontRef>
+        </p:style>
+      </p:cxnSp>
+      <p:cxnSp>
+        <p:nvCxnSpPr>
+          <p:cNvPr id="16" name="直接箭头连接符 15">
+            <a:extLst>
+              <a:ext uri="{FF2B5EF4-FFF2-40B4-BE49-F238E27FC236}">
+                <a16:creationId xmlns:a16="http://schemas.microsoft.com/office/drawing/2014/main" id="{3B35F6CD-0A60-0816-92D4-22BA8ED2B738}"/>
+              </a:ext>
+            </a:extLst>
+          </p:cNvPr>
+          <p:cNvCxnSpPr>
+            <a:cxnSpLocks/>
+            <a:endCxn id="10" idx="0"/>
+          </p:cNvCxnSpPr>
+          <p:nvPr/>
+        </p:nvCxnSpPr>
+        <p:spPr>
+          <a:xfrm>
+            <a:off x="4132762" y="4920252"/>
+            <a:ext cx="1" cy="478518"/>
+          </a:xfrm>
+          <a:prstGeom prst="straightConnector1">
+            <a:avLst/>
+          </a:prstGeom>
+          <a:ln>
+            <a:solidFill>
+              <a:schemeClr val="tx1"/>
+            </a:solidFill>
+            <a:tailEnd type="triangle"/>
           </a:ln>
         </p:spPr>
         <p:style>
@@ -14721,6 +14697,100 @@
               <a:t>Recursive Feature Elimination(RFE)</a:t>
             </a:r>
             <a:endParaRPr lang="zh-CN" altLang="en-US" sz="1800" b="1" dirty="0"/>
+          </a:p>
+        </p:txBody>
+      </p:sp>
+      <p:sp>
+        <p:nvSpPr>
+          <p:cNvPr id="4" name="椭圆 3">
+            <a:extLst>
+              <a:ext uri="{FF2B5EF4-FFF2-40B4-BE49-F238E27FC236}">
+                <a16:creationId xmlns:a16="http://schemas.microsoft.com/office/drawing/2014/main" id="{F4049F13-33DA-3443-134F-D638A5BC0BE5}"/>
+              </a:ext>
+            </a:extLst>
+          </p:cNvPr>
+          <p:cNvSpPr/>
+          <p:nvPr/>
+        </p:nvSpPr>
+        <p:spPr>
+          <a:xfrm>
+            <a:off x="1995054" y="4518761"/>
+            <a:ext cx="380010" cy="380010"/>
+          </a:xfrm>
+          <a:prstGeom prst="ellipse">
+            <a:avLst/>
+          </a:prstGeom>
+          <a:noFill/>
+        </p:spPr>
+        <p:style>
+          <a:lnRef idx="2">
+            <a:schemeClr val="accent1">
+              <a:shade val="15000"/>
+            </a:schemeClr>
+          </a:lnRef>
+          <a:fillRef idx="1">
+            <a:schemeClr val="accent1"/>
+          </a:fillRef>
+          <a:effectRef idx="0">
+            <a:schemeClr val="accent1"/>
+          </a:effectRef>
+          <a:fontRef idx="minor">
+            <a:schemeClr val="lt1"/>
+          </a:fontRef>
+        </p:style>
+        <p:txBody>
+          <a:bodyPr rtlCol="0" anchor="ctr"/>
+          <a:lstStyle/>
+          <a:p>
+            <a:pPr algn="ctr"/>
+            <a:endParaRPr lang="zh-CN" altLang="en-US"/>
+          </a:p>
+        </p:txBody>
+      </p:sp>
+      <p:sp>
+        <p:nvSpPr>
+          <p:cNvPr id="7" name="椭圆 6">
+            <a:extLst>
+              <a:ext uri="{FF2B5EF4-FFF2-40B4-BE49-F238E27FC236}">
+                <a16:creationId xmlns:a16="http://schemas.microsoft.com/office/drawing/2014/main" id="{A415DD13-CD59-8275-4C9C-E236DF48C693}"/>
+              </a:ext>
+            </a:extLst>
+          </p:cNvPr>
+          <p:cNvSpPr/>
+          <p:nvPr/>
+        </p:nvSpPr>
+        <p:spPr>
+          <a:xfrm>
+            <a:off x="9118717" y="4539642"/>
+            <a:ext cx="380010" cy="380010"/>
+          </a:xfrm>
+          <a:prstGeom prst="ellipse">
+            <a:avLst/>
+          </a:prstGeom>
+          <a:noFill/>
+        </p:spPr>
+        <p:style>
+          <a:lnRef idx="2">
+            <a:schemeClr val="accent1">
+              <a:shade val="15000"/>
+            </a:schemeClr>
+          </a:lnRef>
+          <a:fillRef idx="1">
+            <a:schemeClr val="accent1"/>
+          </a:fillRef>
+          <a:effectRef idx="0">
+            <a:schemeClr val="accent1"/>
+          </a:effectRef>
+          <a:fontRef idx="minor">
+            <a:schemeClr val="lt1"/>
+          </a:fontRef>
+        </p:style>
+        <p:txBody>
+          <a:bodyPr rtlCol="0" anchor="ctr"/>
+          <a:lstStyle/>
+          <a:p>
+            <a:pPr algn="ctr"/>
+            <a:endParaRPr lang="zh-CN" altLang="en-US"/>
           </a:p>
         </p:txBody>
       </p:sp>

--- a/Presentation_821_JiayuChen.pptx
+++ b/Presentation_821_JiayuChen.pptx
@@ -537,7 +537,7 @@
           <a:p>
             <a:r>
               <a:rPr lang="en-US" altLang="zh-CN" dirty="0"/>
-              <a:t>Ok, I will begin my weekly Presentations</a:t>
+              <a:t>Ok, I will begin my weekly Presentation</a:t>
             </a:r>
             <a:endParaRPr lang="zh-CN" altLang="en-US" dirty="0"/>
           </a:p>
@@ -1034,10 +1034,7 @@
           <a:bodyPr/>
           <a:lstStyle/>
           <a:p>
-            <a:r>
-              <a:rPr lang="zh-CN" altLang="en-US" dirty="0"/>
-              <a:t>展示一下进度。</a:t>
-            </a:r>
+            <a:endParaRPr lang="zh-CN" altLang="en-US" dirty="0"/>
           </a:p>
         </p:txBody>
       </p:sp>
@@ -1132,7 +1129,7 @@
           <a:p>
             <a:r>
               <a:rPr lang="en-US" altLang="zh-CN" dirty="0"/>
-              <a:t>I need to allocate some time to study probability theory in order to better understand the concepts.</a:t>
+              <a:t>I need to allocate some time to learning probability in order to better understand the concepts.</a:t>
             </a:r>
             <a:endParaRPr lang="zh-CN" altLang="en-US" dirty="0"/>
           </a:p>
@@ -1304,7 +1301,7 @@
           <a:p>
             <a:r>
               <a:rPr lang="en-US" altLang="zh-CN" dirty="0"/>
-              <a:t>Here is brief work description </a:t>
+              <a:t>Here is a brief work description </a:t>
             </a:r>
           </a:p>
           <a:p>
@@ -1313,7 +1310,7 @@
           <a:p>
             <a:r>
               <a:rPr lang="en-US" altLang="zh-CN" dirty="0"/>
-              <a:t>In Work_1, I automate feature selection from 480 features. This automated selection demonstrates good performance.</a:t>
+              <a:t>In Work_1, I automate feature selection from 480 features. This automated feature selection demonstrates good performance.</a:t>
             </a:r>
           </a:p>
           <a:p>
@@ -1322,7 +1319,7 @@
           <a:p>
             <a:r>
               <a:rPr lang="en-US" altLang="zh-CN" dirty="0"/>
-              <a:t>Work_2 involves predicting S and D using signals with a 0.8 noise level. </a:t>
+              <a:t>Work_2 involves predicting S and D using signals with a noise level of 0.8. </a:t>
             </a:r>
           </a:p>
           <a:p>
@@ -1340,7 +1337,7 @@
           <a:p>
             <a:r>
               <a:rPr lang="en-US" altLang="zh-CN" dirty="0"/>
-              <a:t>Work_4 focuses on theoretical knowledge learning.</a:t>
+              <a:t>Work_4 is about theoretical knowledge learning.</a:t>
             </a:r>
           </a:p>
         </p:txBody>
@@ -1444,7 +1441,7 @@
             </a:pPr>
             <a:r>
               <a:rPr lang="en-US" altLang="zh-CN" dirty="0"/>
-              <a:t>The automated feature selection process among the 480 features yields remarkable outcomes:</a:t>
+              <a:t>The automated feature selection process among 480 features yields good outcomes:</a:t>
             </a:r>
           </a:p>
           <a:p>
@@ -1487,7 +1484,7 @@
             </a:pPr>
             <a:r>
               <a:rPr lang="en-US" altLang="zh-CN" dirty="0"/>
-              <a:t>For the prediction of variable S, the algorithm identifies the sole feature "Dis21/Dis12" as the most influential. Similarly, in predicting variable D, the final selection involves four features, including "Amplitude1" and "Amplitude2".</a:t>
+              <a:t>For the prediction of S, the algorithm identifies the sole feature “Dis21 slash Dis12” as the most influential. Similarly, in predicting D, the final selection involves four features, including “P1 slash P2".</a:t>
             </a:r>
           </a:p>
           <a:p>
@@ -1530,7 +1527,7 @@
             </a:pPr>
             <a:r>
               <a:rPr lang="en-US" altLang="zh-CN" dirty="0"/>
-              <a:t>This approach presents several distinct advantages:</a:t>
+              <a:t>This approach presents several advantages:</a:t>
             </a:r>
           </a:p>
           <a:p>
@@ -1573,7 +1570,7 @@
             </a:pPr>
             <a:r>
               <a:rPr lang="en-US" altLang="zh-CN" dirty="0"/>
-              <a:t>Simplified Feature Construction: By exclusively focusing on straightforward features, there's no need to manually engineer complex features</a:t>
+              <a:t>Simplified Feature Construction: Focusing on straightforward features , we don’t need to manually engineer complex features.</a:t>
             </a:r>
           </a:p>
           <a:p>
@@ -1616,7 +1613,7 @@
             </a:pPr>
             <a:r>
               <a:rPr lang="en-US" altLang="zh-CN" dirty="0"/>
-              <a:t>2. Minimal Parameter Adjustment: The entire process hinges on a single parameter that has a negligible impact on the final results. This simplifies the tuning process and reduces the likelihood of overfitting.</a:t>
+              <a:t>2. Minimal Parameter Adjustment: The entire process hinges on a single parameter that has a negligible impact on the final results. </a:t>
             </a:r>
           </a:p>
           <a:p>
@@ -1659,71 +1656,8 @@
             </a:pPr>
             <a:r>
               <a:rPr lang="en-US" altLang="zh-CN" dirty="0"/>
-              <a:t>3. Reduced Randomness: The method exhibits low levels of randomness, leading to more consistent and reproducible results across different runs.</a:t>
-            </a:r>
-          </a:p>
-          <a:p>
-            <a:pPr marL="0" marR="0" lvl="0" indent="0" algn="l" defTabSz="914400" rtl="0" eaLnBrk="1" fontAlgn="auto" latinLnBrk="0" hangingPunct="1">
-              <a:lnSpc>
-                <a:spcPct val="100000"/>
-              </a:lnSpc>
-              <a:spcBef>
-                <a:spcPts val="0"/>
-              </a:spcBef>
-              <a:spcAft>
-                <a:spcPts val="0"/>
-              </a:spcAft>
-              <a:buClrTx/>
-              <a:buSzTx/>
-              <a:buFontTx/>
-              <a:buNone/>
-              <a:tabLst/>
-              <a:defRPr/>
-            </a:pPr>
-            <a:endParaRPr lang="en-US" altLang="zh-CN" dirty="0"/>
-          </a:p>
-          <a:p>
-            <a:pPr marL="0" marR="0" lvl="0" indent="0" algn="l" defTabSz="914400" rtl="0" eaLnBrk="1" fontAlgn="auto" latinLnBrk="0" hangingPunct="1">
-              <a:lnSpc>
-                <a:spcPct val="100000"/>
-              </a:lnSpc>
-              <a:spcBef>
-                <a:spcPts val="0"/>
-              </a:spcBef>
-              <a:spcAft>
-                <a:spcPts val="0"/>
-              </a:spcAft>
-              <a:buClrTx/>
-              <a:buSzTx/>
-              <a:buFontTx/>
-              <a:buNone/>
-              <a:tabLst/>
-              <a:defRPr/>
-            </a:pPr>
-            <a:r>
-              <a:rPr lang="en-US" altLang="zh-CN" dirty="0"/>
-              <a:t>Overall, this feature selection technique effectively narrows down the feature set, leverages fundamental features for accurate predictions, and streamlines the process by minimizing the reliance on intricate features and parameter adjustments.</a:t>
-            </a:r>
-          </a:p>
-          <a:p>
-            <a:pPr marL="0" marR="0" lvl="0" indent="0" algn="l" defTabSz="914400" rtl="0" eaLnBrk="1" fontAlgn="auto" latinLnBrk="0" hangingPunct="1">
-              <a:lnSpc>
-                <a:spcPct val="100000"/>
-              </a:lnSpc>
-              <a:spcBef>
-                <a:spcPts val="0"/>
-              </a:spcBef>
-              <a:spcAft>
-                <a:spcPts val="0"/>
-              </a:spcAft>
-              <a:buClrTx/>
-              <a:buSzTx/>
-              <a:buFontTx/>
-              <a:buNone/>
-              <a:tabLst/>
-              <a:defRPr/>
-            </a:pPr>
-            <a:endParaRPr lang="en-US" altLang="zh-CN" dirty="0"/>
+              <a:t>3. Reduced Randomness: The method shows low levels of randomness. It is reproducible.</a:t>
+            </a:r>
           </a:p>
           <a:p>
             <a:pPr marL="0" marR="0" lvl="0" indent="0" algn="l" defTabSz="914400" rtl="0" eaLnBrk="1" fontAlgn="auto" latinLnBrk="0" hangingPunct="1">
@@ -1886,7 +1820,7 @@
             </a:pPr>
             <a:r>
               <a:rPr lang="en-US" altLang="zh-CN" dirty="0"/>
-              <a:t>This is a flowchart showing  the process:</a:t>
+              <a:t>Here is the process.</a:t>
             </a:r>
           </a:p>
           <a:p>
@@ -2024,7 +1958,7 @@
             </a:pPr>
             <a:r>
               <a:rPr lang="en-US" altLang="zh-CN" dirty="0"/>
-              <a:t>3. Calculate Correlation between Features and Predicted Values</a:t>
+              <a:t>3. Calculate relevance between Features and Predicted Values</a:t>
             </a:r>
             <a:r>
               <a:rPr lang="en-US" altLang="zh-CN" sz="1400" dirty="0"/>
@@ -2044,9 +1978,8 @@
             </a:r>
             <a:r>
               <a:rPr lang="en-US" altLang="zh-CN" dirty="0"/>
-              <a:t>480 are turned into 428. To the D Prediction, 480 are turned into 370</a:t>
-            </a:r>
-            <a:endParaRPr lang="zh-CN" altLang="en-US" dirty="0"/>
+              <a:t>480 are reduced to 428. To D Prediction, 480 are reduced to 370</a:t>
+            </a:r>
           </a:p>
           <a:p>
             <a:pPr marL="0" marR="0" lvl="0" indent="0" algn="l" defTabSz="914400" rtl="0" eaLnBrk="1" fontAlgn="auto" latinLnBrk="0" hangingPunct="1">
@@ -2086,7 +2019,10 @@
               <a:tabLst/>
               <a:defRPr/>
             </a:pPr>
-            <a:endParaRPr lang="en-US" altLang="zh-CN" dirty="0"/>
+            <a:r>
+              <a:rPr lang="en-US" altLang="zh-CN" dirty="0"/>
+              <a:t>4. Apply Univariate Feature Selection and Choose Best K. The number of features is significantly reduced.</a:t>
+            </a:r>
           </a:p>
           <a:p>
             <a:pPr marL="0" marR="0" lvl="0" indent="0" algn="l" defTabSz="914400" rtl="0" eaLnBrk="1" fontAlgn="auto" latinLnBrk="0" hangingPunct="1">
@@ -2106,10 +2042,7 @@
               <a:tabLst/>
               <a:defRPr/>
             </a:pPr>
-            <a:r>
-              <a:rPr lang="en-US" altLang="zh-CN" dirty="0"/>
-              <a:t>4. Apply Univariate Feature Selection and Choose Best K. The number of features is significantly reduced.</a:t>
-            </a:r>
+            <a:endParaRPr lang="en-US" altLang="zh-CN" dirty="0"/>
           </a:p>
           <a:p>
             <a:pPr marL="0" marR="0" lvl="0" indent="0" algn="l" defTabSz="914400" rtl="0" eaLnBrk="1" fontAlgn="auto" latinLnBrk="0" hangingPunct="1">
@@ -2129,29 +2062,9 @@
               <a:tabLst/>
               <a:defRPr/>
             </a:pPr>
-            <a:endParaRPr lang="en-US" altLang="zh-CN" dirty="0"/>
-          </a:p>
-          <a:p>
-            <a:pPr marL="0" marR="0" lvl="0" indent="0" algn="l" defTabSz="914400" rtl="0" eaLnBrk="1" fontAlgn="auto" latinLnBrk="0" hangingPunct="1">
-              <a:lnSpc>
-                <a:spcPct val="100000"/>
-              </a:lnSpc>
-              <a:spcBef>
-                <a:spcPts val="0"/>
-              </a:spcBef>
-              <a:spcAft>
-                <a:spcPts val="0"/>
-              </a:spcAft>
-              <a:buClrTx/>
-              <a:buSzTx/>
-              <a:buFontTx/>
-              <a:buNone/>
-              <a:tabLst/>
-              <a:defRPr/>
-            </a:pPr>
             <a:r>
               <a:rPr lang="en-US" altLang="zh-CN" dirty="0"/>
-              <a:t>5. Proceed with Recursive Feature Elimination (RFE) for Final Feature Selection</a:t>
+              <a:t>5. Perform Recursive Feature Elimination (RFE) for Final Feature Selection</a:t>
             </a:r>
             <a:r>
               <a:rPr lang="en-US" altLang="zh-CN" sz="1400" dirty="0"/>
@@ -2163,7 +2076,7 @@
             </a:r>
             <a:r>
               <a:rPr lang="en-US" altLang="zh-CN" sz="1400" dirty="0"/>
-              <a:t>core feature is selected. For D prediction, core feature is included in the final features selection.</a:t>
+              <a:t>core feature is selected. For D prediction, core feature is included in the final feature selection.</a:t>
             </a:r>
           </a:p>
           <a:p>
@@ -2330,13 +2243,13 @@
             </a:pPr>
             <a:r>
               <a:rPr lang="en-US" altLang="zh-CN" dirty="0"/>
-              <a:t>Step 1 is </a:t>
+              <a:t>Step 1 </a:t>
             </a:r>
             <a:r>
               <a:rPr lang="en-US" altLang="zh-CN" b="1" dirty="0"/>
               <a:t>Get Basic Features and Do Feature Cross</a:t>
             </a:r>
-            <a:endParaRPr lang="zh-CN" altLang="en-US" b="1" dirty="0"/>
+            <a:endParaRPr lang="en-US" altLang="zh-CN" dirty="0"/>
           </a:p>
           <a:p>
             <a:pPr marL="0" marR="0" lvl="0" indent="0" algn="l" defTabSz="914400" rtl="0" eaLnBrk="1" fontAlgn="auto" latinLnBrk="0" hangingPunct="1">
@@ -2376,7 +2289,10 @@
               <a:tabLst/>
               <a:defRPr/>
             </a:pPr>
-            <a:endParaRPr lang="en-US" altLang="zh-CN" dirty="0"/>
+            <a:r>
+              <a:rPr lang="en-US" altLang="zh-CN" dirty="0"/>
+              <a:t>I choose 20 common basic features, as shown in this table. the core feature for S and D are not basic features and are not included in this table.</a:t>
+            </a:r>
           </a:p>
           <a:p>
             <a:pPr marL="0" marR="0" lvl="0" indent="0" algn="l" defTabSz="914400" rtl="0" eaLnBrk="1" fontAlgn="auto" latinLnBrk="0" hangingPunct="1">
@@ -2396,10 +2312,7 @@
               <a:tabLst/>
               <a:defRPr/>
             </a:pPr>
-            <a:r>
-              <a:rPr lang="en-US" altLang="zh-CN" dirty="0"/>
-              <a:t>I choose 20 common basic features. Among them, the core feature for S and D are not basic features and are not included in this table.</a:t>
-            </a:r>
+            <a:endParaRPr lang="en-US" altLang="zh-CN" dirty="0"/>
           </a:p>
           <a:p>
             <a:pPr marL="0" marR="0" lvl="0" indent="0" algn="l" defTabSz="914400" rtl="0" eaLnBrk="1" fontAlgn="auto" latinLnBrk="0" hangingPunct="1">
@@ -2419,7 +2332,10 @@
               <a:tabLst/>
               <a:defRPr/>
             </a:pPr>
-            <a:endParaRPr lang="en-US" altLang="zh-CN" dirty="0"/>
+            <a:r>
+              <a:rPr lang="en-US" altLang="zh-CN" dirty="0"/>
+              <a:t>From these 20 features, I select two features each time .</a:t>
+            </a:r>
           </a:p>
           <a:p>
             <a:pPr marL="0" marR="0" lvl="0" indent="0" algn="l" defTabSz="914400" rtl="0" eaLnBrk="1" fontAlgn="auto" latinLnBrk="0" hangingPunct="1">
@@ -2461,7 +2377,7 @@
             </a:pPr>
             <a:r>
               <a:rPr lang="en-US" altLang="zh-CN" dirty="0"/>
-              <a:t>From 20 features, I select two features.</a:t>
+              <a:t>Then, I perform feature cross by applying addition, subtraction, multiplication, and division operations to these two selected features.</a:t>
             </a:r>
           </a:p>
           <a:p>
@@ -2504,50 +2420,7 @@
             </a:pPr>
             <a:r>
               <a:rPr lang="en-US" altLang="zh-CN" dirty="0"/>
-              <a:t>Then, I perform feature cross by applying addition, subtraction, multiplication, and division operations to these two selected features.</a:t>
-            </a:r>
-          </a:p>
-          <a:p>
-            <a:pPr marL="0" marR="0" lvl="0" indent="0" algn="l" defTabSz="914400" rtl="0" eaLnBrk="1" fontAlgn="auto" latinLnBrk="0" hangingPunct="1">
-              <a:lnSpc>
-                <a:spcPct val="100000"/>
-              </a:lnSpc>
-              <a:spcBef>
-                <a:spcPts val="0"/>
-              </a:spcBef>
-              <a:spcAft>
-                <a:spcPts val="0"/>
-              </a:spcAft>
-              <a:buClrTx/>
-              <a:buSzTx/>
-              <a:buFontTx/>
-              <a:buNone/>
-              <a:tabLst/>
-              <a:defRPr/>
-            </a:pPr>
-            <a:endParaRPr lang="en-US" altLang="zh-CN" dirty="0"/>
-          </a:p>
-          <a:p>
-            <a:pPr marL="0" marR="0" lvl="0" indent="0" algn="l" defTabSz="914400" rtl="0" eaLnBrk="1" fontAlgn="auto" latinLnBrk="0" hangingPunct="1">
-              <a:lnSpc>
-                <a:spcPct val="100000"/>
-              </a:lnSpc>
-              <a:spcBef>
-                <a:spcPts val="0"/>
-              </a:spcBef>
-              <a:spcAft>
-                <a:spcPts val="0"/>
-              </a:spcAft>
-              <a:buClrTx/>
-              <a:buSzTx/>
-              <a:buFontTx/>
-              <a:buNone/>
-              <a:tabLst/>
-              <a:defRPr/>
-            </a:pPr>
-            <a:r>
-              <a:rPr lang="en-US" altLang="zh-CN" dirty="0"/>
-              <a:t>Using this approach for feature cross on 20 features, I can obtain a total of 480 features.</a:t>
+              <a:t>Using this approach for feature cross, I can obtain a total of 480 features.</a:t>
             </a:r>
             <a:endParaRPr lang="en-US" altLang="zh-CN" baseline="0" dirty="0"/>
           </a:p>
@@ -2693,26 +2566,6 @@
               <a:tabLst/>
               <a:defRPr/>
             </a:pPr>
-            <a:endParaRPr lang="en-US" altLang="zh-CN" dirty="0"/>
-          </a:p>
-          <a:p>
-            <a:pPr marL="0" marR="0" lvl="0" indent="0" algn="l" defTabSz="914400" rtl="0" eaLnBrk="1" fontAlgn="auto" latinLnBrk="0" hangingPunct="1">
-              <a:lnSpc>
-                <a:spcPct val="100000"/>
-              </a:lnSpc>
-              <a:spcBef>
-                <a:spcPts val="0"/>
-              </a:spcBef>
-              <a:spcAft>
-                <a:spcPts val="0"/>
-              </a:spcAft>
-              <a:buClrTx/>
-              <a:buSzTx/>
-              <a:buFontTx/>
-              <a:buNone/>
-              <a:tabLst/>
-              <a:defRPr/>
-            </a:pPr>
             <a:r>
               <a:rPr lang="en-US" altLang="zh-CN" dirty="0"/>
               <a:t>Calculate relevance between </a:t>
@@ -2723,28 +2576,8 @@
             </a:r>
             <a:r>
               <a:rPr lang="en-US" altLang="zh-CN" dirty="0"/>
-              <a:t> and S/D, and then get p-value. If p-value &lt; 0.05, filter it out.</a:t>
-            </a:r>
-          </a:p>
-          <a:p>
-            <a:pPr marL="0" marR="0" lvl="0" indent="0" algn="l" defTabSz="914400" rtl="0" eaLnBrk="1" fontAlgn="auto" latinLnBrk="0" hangingPunct="1">
-              <a:lnSpc>
-                <a:spcPct val="100000"/>
-              </a:lnSpc>
-              <a:spcBef>
-                <a:spcPts val="0"/>
-              </a:spcBef>
-              <a:spcAft>
-                <a:spcPts val="0"/>
-              </a:spcAft>
-              <a:buClrTx/>
-              <a:buSzTx/>
-              <a:buFontTx/>
-              <a:buNone/>
-              <a:tabLst/>
-              <a:defRPr/>
-            </a:pPr>
-            <a:endParaRPr lang="en-US" altLang="zh-CN" dirty="0"/>
+              <a:t> and S/D, and then get p-value. If p-value is less than 5 percent, filter this feature out.</a:t>
+            </a:r>
           </a:p>
           <a:p>
             <a:pPr marL="0" marR="0" lvl="0" indent="0" algn="l" defTabSz="914400" rtl="0" eaLnBrk="1" fontAlgn="auto" latinLnBrk="0" hangingPunct="1">
@@ -3012,30 +2845,7 @@
             </a:r>
             <a:r>
               <a:rPr lang="en-US" altLang="zh-CN" dirty="0"/>
-              <a:t>I get 3 features.</a:t>
-            </a:r>
-          </a:p>
-          <a:p>
-            <a:pPr marL="0" marR="0" lvl="0" indent="0" algn="l" defTabSz="914400" rtl="0" eaLnBrk="1" fontAlgn="auto" latinLnBrk="0" hangingPunct="1">
-              <a:lnSpc>
-                <a:spcPct val="100000"/>
-              </a:lnSpc>
-              <a:spcBef>
-                <a:spcPts val="0"/>
-              </a:spcBef>
-              <a:spcAft>
-                <a:spcPts val="0"/>
-              </a:spcAft>
-              <a:buClrTx/>
-              <a:buSzTx/>
-              <a:buFontTx/>
-              <a:buNone/>
-              <a:tabLst/>
-              <a:defRPr/>
-            </a:pPr>
-            <a:r>
-              <a:rPr lang="en-US" altLang="zh-CN" dirty="0"/>
-              <a:t>For D prediction, I get 5 features.</a:t>
+              <a:t>I get 3 features. For D prediction, I get 5 features.</a:t>
             </a:r>
           </a:p>
           <a:p>
@@ -3215,7 +3025,7 @@
             </a:r>
             <a:r>
               <a:rPr lang="en-US" altLang="zh-CN" sz="1200" dirty="0"/>
-              <a:t>core feature is selected. For D, core feature is included in the final features selection.</a:t>
+              <a:t>core feature is selected. For D, core feature is included in the final feature selection.</a:t>
             </a:r>
           </a:p>
           <a:p>
@@ -8051,6 +7861,58 @@
           </a:p>
         </p:txBody>
       </p:sp>
+      <p:sp>
+        <p:nvSpPr>
+          <p:cNvPr id="3" name="文本框 2">
+            <a:extLst>
+              <a:ext uri="{FF2B5EF4-FFF2-40B4-BE49-F238E27FC236}">
+                <a16:creationId xmlns:a16="http://schemas.microsoft.com/office/drawing/2014/main" id="{AE00A490-AC89-9A1A-E158-FE4AE5EAB339}"/>
+              </a:ext>
+            </a:extLst>
+          </p:cNvPr>
+          <p:cNvSpPr txBox="1"/>
+          <p:nvPr/>
+        </p:nvSpPr>
+        <p:spPr>
+          <a:xfrm>
+            <a:off x="2856140" y="6064718"/>
+            <a:ext cx="6952879" cy="369332"/>
+          </a:xfrm>
+          <a:prstGeom prst="rect">
+            <a:avLst/>
+          </a:prstGeom>
+          <a:noFill/>
+        </p:spPr>
+        <p:txBody>
+          <a:bodyPr wrap="square">
+            <a:spAutoFit/>
+          </a:bodyPr>
+          <a:lstStyle/>
+          <a:p>
+            <a:pPr marL="0" marR="0" lvl="0" indent="0" algn="l" defTabSz="914400" rtl="0" eaLnBrk="1" fontAlgn="auto" latinLnBrk="0" hangingPunct="1">
+              <a:lnSpc>
+                <a:spcPct val="100000"/>
+              </a:lnSpc>
+              <a:spcBef>
+                <a:spcPts val="0"/>
+              </a:spcBef>
+              <a:spcAft>
+                <a:spcPts val="0"/>
+              </a:spcAft>
+              <a:buClrTx/>
+              <a:buSzTx/>
+              <a:buFontTx/>
+              <a:buNone/>
+              <a:tabLst/>
+              <a:defRPr/>
+            </a:pPr>
+            <a:r>
+              <a:rPr lang="en-US" altLang="zh-CN" dirty="0"/>
+              <a:t>Signal[Abs(Signal) &lt; threshold * max(Signal)] = 0</a:t>
+            </a:r>
+          </a:p>
+        </p:txBody>
+      </p:sp>
     </p:spTree>
     <p:extLst>
       <p:ext uri="{BB962C8B-B14F-4D97-AF65-F5344CB8AC3E}">
@@ -8301,7 +8163,7 @@
             </a:pPr>
             <a:r>
               <a:rPr lang="en-US" altLang="zh-CN" dirty="0"/>
-              <a:t>The prediction for D is unsuccessful due to the great alteration in relative heights of peaks.</a:t>
+              <a:t>The prediction for D is unsuccessful due to the great change in relative heights of peaks.</a:t>
             </a:r>
           </a:p>
         </p:txBody>
@@ -8667,7 +8529,7 @@
           <a:p>
             <a:r>
               <a:rPr lang="en-US" altLang="zh-CN" dirty="0"/>
-              <a:t>Some noise definitions are vague and difficult to implement accurately.</a:t>
+              <a:t>Some noise definitions are vague and difficult to implement accurately. (e.g. Transient Noise Pulses)</a:t>
             </a:r>
           </a:p>
         </p:txBody>
@@ -9264,7 +9126,15 @@
             </a:pPr>
             <a:r>
               <a:rPr lang="en-US" altLang="zh-CN" dirty="0"/>
-              <a:t>During the denoising process, how do we determine that the outcome is satisfactory and that denoising results are acceptable? Can we determine this before features are fed into the model?</a:t>
+              <a:t>During the denoising process, how do we determine that the outcome is satisfactory and that denoising results are acceptable? Can we determine this </a:t>
+            </a:r>
+            <a:r>
+              <a:rPr lang="en-US" altLang="zh-CN" b="1" dirty="0"/>
+              <a:t>before</a:t>
+            </a:r>
+            <a:r>
+              <a:rPr lang="en-US" altLang="zh-CN" dirty="0"/>
+              <a:t> features are fed into the model?</a:t>
             </a:r>
           </a:p>
         </p:txBody>
@@ -9704,7 +9574,7 @@
             </a:pPr>
             <a:r>
               <a:rPr lang="en-US" altLang="zh-CN" dirty="0"/>
-              <a:t>For the prediction of D, the final selection involves 4 features, including “Amplitude1/Amplitude2".</a:t>
+              <a:t>For the prediction of D, the final selection involves 4 features, including “P1/P2".</a:t>
             </a:r>
           </a:p>
         </p:txBody>
@@ -9807,7 +9677,7 @@
             </a:r>
             <a:r>
               <a:rPr lang="en-US" altLang="zh-CN" dirty="0"/>
-              <a:t>: Focusing on straightforward features like “Dis12” and “Dis21”, there's no need to manually engineer complex features like "Dis21/Dis21".</a:t>
+              <a:t>: Focusing on straightforward features like “Dis12” and “Dis21”, we don’t need to manually engineer complex features like "Dis21/Dis21".</a:t>
             </a:r>
           </a:p>
           <a:p>
@@ -12421,8 +12291,8 @@
           </a:p>
         </p:txBody>
       </p:sp>
-      <mc:AlternateContent xmlns:mc="http://schemas.openxmlformats.org/markup-compatibility/2006" xmlns:a14="http://schemas.microsoft.com/office/drawing/2010/main">
-        <mc:Choice Requires="a14">
+      <mc:AlternateContent xmlns:mc="http://schemas.openxmlformats.org/markup-compatibility/2006">
+        <mc:Choice xmlns:a14="http://schemas.microsoft.com/office/drawing/2010/main" Requires="a14">
           <p:sp>
             <p:nvSpPr>
               <p:cNvPr id="9" name="文本框 8">
@@ -12437,7 +12307,7 @@
             </p:nvSpPr>
             <p:spPr>
               <a:xfrm>
-                <a:off x="8454241" y="4148855"/>
+                <a:off x="8489867" y="4313639"/>
                 <a:ext cx="3488377" cy="1200329"/>
               </a:xfrm>
               <a:prstGeom prst="rect">
@@ -12520,7 +12390,7 @@
             </p:txBody>
           </p:sp>
         </mc:Choice>
-        <mc:Fallback xmlns="">
+        <mc:Fallback>
           <p:sp>
             <p:nvSpPr>
               <p:cNvPr id="9" name="文本框 8">
@@ -12537,7 +12407,7 @@
             </p:nvSpPr>
             <p:spPr>
               <a:xfrm>
-                <a:off x="8454241" y="4148855"/>
+                <a:off x="8489867" y="4313639"/>
                 <a:ext cx="3488377" cy="1200329"/>
               </a:xfrm>
               <a:prstGeom prst="rect">
@@ -12546,7 +12416,7 @@
               <a:blipFill>
                 <a:blip r:embed="rId3"/>
                 <a:stretch>
-                  <a:fillRect l="-1573" t="-3061"/>
+                  <a:fillRect l="-1573" t="-3046"/>
                 </a:stretch>
               </a:blipFill>
             </p:spPr>
@@ -13048,91 +12918,6 @@
           </a:p>
         </p:txBody>
       </p:sp>
-      <p:sp>
-        <p:nvSpPr>
-          <p:cNvPr id="34" name="文本框 33">
-            <a:extLst>
-              <a:ext uri="{FF2B5EF4-FFF2-40B4-BE49-F238E27FC236}">
-                <a16:creationId xmlns:a16="http://schemas.microsoft.com/office/drawing/2014/main" id="{69E158FB-22A6-62BC-F884-2C943005892A}"/>
-              </a:ext>
-            </a:extLst>
-          </p:cNvPr>
-          <p:cNvSpPr txBox="1"/>
-          <p:nvPr/>
-        </p:nvSpPr>
-        <p:spPr>
-          <a:xfrm>
-            <a:off x="8454241" y="5332722"/>
-            <a:ext cx="2994313" cy="646331"/>
-          </a:xfrm>
-          <a:prstGeom prst="rect">
-            <a:avLst/>
-          </a:prstGeom>
-          <a:noFill/>
-        </p:spPr>
-        <p:txBody>
-          <a:bodyPr wrap="square">
-            <a:spAutoFit/>
-          </a:bodyPr>
-          <a:lstStyle/>
-          <a:p>
-            <a:r>
-              <a:rPr lang="en-US" altLang="zh-CN" dirty="0"/>
-              <a:t>n = 20 ,</a:t>
-            </a:r>
-          </a:p>
-          <a:p>
-            <a:r>
-              <a:rPr lang="en-US" altLang="zh-CN" dirty="0"/>
-              <a:t>All Features = 480</a:t>
-            </a:r>
-          </a:p>
-        </p:txBody>
-      </p:sp>
-      <p:cxnSp>
-        <p:nvCxnSpPr>
-          <p:cNvPr id="35" name="直接箭头连接符 34">
-            <a:extLst>
-              <a:ext uri="{FF2B5EF4-FFF2-40B4-BE49-F238E27FC236}">
-                <a16:creationId xmlns:a16="http://schemas.microsoft.com/office/drawing/2014/main" id="{F22C7AD6-1513-70CA-1DF1-A51411D8BB4C}"/>
-              </a:ext>
-            </a:extLst>
-          </p:cNvPr>
-          <p:cNvCxnSpPr/>
-          <p:nvPr/>
-        </p:nvCxnSpPr>
-        <p:spPr>
-          <a:xfrm>
-            <a:off x="9792485" y="4967603"/>
-            <a:ext cx="0" cy="284632"/>
-          </a:xfrm>
-          <a:prstGeom prst="straightConnector1">
-            <a:avLst/>
-          </a:prstGeom>
-          <a:ln>
-            <a:solidFill>
-              <a:schemeClr val="bg1">
-                <a:lumMod val="50000"/>
-              </a:schemeClr>
-            </a:solidFill>
-            <a:tailEnd type="triangle"/>
-          </a:ln>
-        </p:spPr>
-        <p:style>
-          <a:lnRef idx="1">
-            <a:schemeClr val="accent1"/>
-          </a:lnRef>
-          <a:fillRef idx="0">
-            <a:schemeClr val="accent1"/>
-          </a:fillRef>
-          <a:effectRef idx="0">
-            <a:schemeClr val="accent1"/>
-          </a:effectRef>
-          <a:fontRef idx="minor">
-            <a:schemeClr val="tx1"/>
-          </a:fontRef>
-        </p:style>
-      </p:cxnSp>
       <p:cxnSp>
         <p:nvCxnSpPr>
           <p:cNvPr id="36" name="直接连接符 35">
@@ -13495,7 +13280,7 @@
         </p:nvSpPr>
         <p:spPr>
           <a:xfrm>
-            <a:off x="6494506" y="4334704"/>
+            <a:off x="6494506" y="4228248"/>
             <a:ext cx="5220009" cy="461665"/>
           </a:xfrm>
           <a:prstGeom prst="rect">
@@ -13622,7 +13407,15 @@
             </a:pPr>
             <a:r>
               <a:rPr lang="en-US" altLang="zh-CN" dirty="0"/>
-              <a:t>If p-value &lt; 0.05, filter it out.</a:t>
+              <a:t>If p-value &lt; 0.05, filter this </a:t>
+            </a:r>
+            <a:r>
+              <a:rPr lang="en-US" altLang="zh-CN" dirty="0" err="1"/>
+              <a:t>Feature_i</a:t>
+            </a:r>
+            <a:r>
+              <a:rPr lang="en-US" altLang="zh-CN" dirty="0"/>
+              <a:t> out.</a:t>
             </a:r>
           </a:p>
           <a:p>
@@ -15195,7 +14988,7 @@
           <a:p>
             <a:r>
               <a:rPr lang="en-US" altLang="zh-CN" dirty="0"/>
-              <a:t>The prediction performance using only the "P2_divide_P1" feature is not satisfactory.</a:t>
+              <a:t>At the same time, the prediction performance using only the "P2_divide_P1" feature is not satisfactory (MAE=4.09).</a:t>
             </a:r>
             <a:endParaRPr lang="zh-CN" altLang="en-US" dirty="0"/>
           </a:p>

--- a/Presentation_821_JiayuChen.pptx
+++ b/Presentation_821_JiayuChen.pptx
@@ -634,16 +634,33 @@
           <a:p>
             <a:r>
               <a:rPr lang="en-US" altLang="zh-CN" dirty="0"/>
-              <a:t>I've noticed that IMF1 closely resembles the original clean signal. The differences in peak heights are significant, while the intervals remain relatively consistent.</a:t>
+              <a:t>I've noticed that IMF1 closely resembles the original clean signal. The differences in peak heights are significant, while the intervals remain consistent.</a:t>
             </a:r>
           </a:p>
           <a:p>
             <a:endParaRPr lang="en-US" altLang="zh-CN" dirty="0"/>
           </a:p>
           <a:p>
+            <a:pPr marL="0" marR="0" lvl="0" indent="0" algn="l" defTabSz="914400" rtl="0" eaLnBrk="1" fontAlgn="auto" latinLnBrk="0" hangingPunct="1">
+              <a:lnSpc>
+                <a:spcPct val="100000"/>
+              </a:lnSpc>
+              <a:spcBef>
+                <a:spcPts val="0"/>
+              </a:spcBef>
+              <a:spcAft>
+                <a:spcPts val="0"/>
+              </a:spcAft>
+              <a:buClrTx/>
+              <a:buSzTx/>
+              <a:buFontTx/>
+              <a:buNone/>
+              <a:tabLst/>
+              <a:defRPr/>
+            </a:pPr>
             <a:r>
               <a:rPr lang="en-US" altLang="zh-CN" dirty="0"/>
-              <a:t>It could be feasible to utilize IMF1 for predicting S.</a:t>
+              <a:t>It might be possible to employ IMF_1 for predicting S, rather than D. </a:t>
             </a:r>
           </a:p>
           <a:p>
@@ -796,7 +813,7 @@
             </a:pPr>
             <a:r>
               <a:rPr lang="en-US" altLang="zh-CN" dirty="0"/>
-              <a:t>I attempt to make it smoother. In the end, the peaks detection have good results.</a:t>
+              <a:t>I attempt to make it smoother using the equation below. In the end, the peaks detection have good results.</a:t>
             </a:r>
           </a:p>
         </p:txBody>
@@ -1129,7 +1146,7 @@
           <a:p>
             <a:r>
               <a:rPr lang="en-US" altLang="zh-CN" dirty="0"/>
-              <a:t>I need to allocate some time to learning probability in order to better understand the concepts.</a:t>
+              <a:t>I need to allocate some time to learning probability in order to better understand advanced concepts.</a:t>
             </a:r>
             <a:endParaRPr lang="zh-CN" altLang="en-US" dirty="0"/>
           </a:p>
@@ -1527,7 +1544,7 @@
             </a:pPr>
             <a:r>
               <a:rPr lang="en-US" altLang="zh-CN" dirty="0"/>
-              <a:t>This approach presents several advantages:</a:t>
+              <a:t>This approach has several advantages:</a:t>
             </a:r>
           </a:p>
           <a:p>
@@ -1613,7 +1630,7 @@
             </a:pPr>
             <a:r>
               <a:rPr lang="en-US" altLang="zh-CN" dirty="0"/>
-              <a:t>2. Minimal Parameter Adjustment: The entire process hinges on a single parameter that has a negligible impact on the final results. </a:t>
+              <a:t>2.  Minimal Parameter Adjustment: The entire process hinges on a single parameter that has a negligible impact on the final results. </a:t>
             </a:r>
           </a:p>
           <a:p>
@@ -1863,11 +1880,11 @@
             </a:pPr>
             <a:r>
               <a:rPr lang="en-US" altLang="zh-CN" dirty="0"/>
-              <a:t>1. Extract Basic Features</a:t>
+              <a:t>1st. Extract Basic Features,</a:t>
             </a:r>
             <a:r>
               <a:rPr lang="zh-CN" altLang="en-US" dirty="0"/>
-              <a:t>， </a:t>
+              <a:t> </a:t>
             </a:r>
             <a:r>
               <a:rPr lang="en-US" altLang="zh-CN" dirty="0"/>
@@ -1915,7 +1932,7 @@
             </a:pPr>
             <a:r>
               <a:rPr lang="en-US" altLang="zh-CN" dirty="0"/>
-              <a:t>2. Perform Feature Cross and The 20 features are expanded into 480 features</a:t>
+              <a:t>2nd. Perform Feature Cross and The 20 features are expanded into 480 features</a:t>
             </a:r>
           </a:p>
           <a:p>
@@ -1958,7 +1975,7 @@
             </a:pPr>
             <a:r>
               <a:rPr lang="en-US" altLang="zh-CN" dirty="0"/>
-              <a:t>3. Calculate relevance between Features and Predicted Values</a:t>
+              <a:t>third. Calculate relevance between Features and Predicted Values</a:t>
             </a:r>
             <a:r>
               <a:rPr lang="en-US" altLang="zh-CN" sz="1400" dirty="0"/>
@@ -1970,15 +1987,7 @@
             </a:r>
             <a:r>
               <a:rPr lang="en-US" altLang="zh-CN" dirty="0"/>
-              <a:t>To S Prediction</a:t>
-            </a:r>
-            <a:r>
-              <a:rPr lang="zh-CN" altLang="en-US" dirty="0"/>
-              <a:t>，</a:t>
-            </a:r>
-            <a:r>
-              <a:rPr lang="en-US" altLang="zh-CN" dirty="0"/>
-              <a:t>480 are reduced to 428. To D Prediction, 480 are reduced to 370</a:t>
+              <a:t>This relevance is not Pearson corelated coefficient. It is hypothesis testing.</a:t>
             </a:r>
           </a:p>
           <a:p>
@@ -1999,7 +2008,18 @@
               <a:tabLst/>
               <a:defRPr/>
             </a:pPr>
-            <a:endParaRPr lang="en-US" altLang="zh-CN" dirty="0"/>
+            <a:r>
+              <a:rPr lang="en-US" altLang="zh-CN" dirty="0"/>
+              <a:t>To S Prediction</a:t>
+            </a:r>
+            <a:r>
+              <a:rPr lang="zh-CN" altLang="en-US" dirty="0"/>
+              <a:t>，</a:t>
+            </a:r>
+            <a:r>
+              <a:rPr lang="en-US" altLang="zh-CN" dirty="0"/>
+              <a:t>480 are reduced to 428. To D Prediction, 480 are reduced to 370</a:t>
+            </a:r>
           </a:p>
           <a:p>
             <a:pPr marL="0" marR="0" lvl="0" indent="0" algn="l" defTabSz="914400" rtl="0" eaLnBrk="1" fontAlgn="auto" latinLnBrk="0" hangingPunct="1">
@@ -2019,10 +2039,7 @@
               <a:tabLst/>
               <a:defRPr/>
             </a:pPr>
-            <a:r>
-              <a:rPr lang="en-US" altLang="zh-CN" dirty="0"/>
-              <a:t>4. Apply Univariate Feature Selection and Choose Best K. The number of features is significantly reduced.</a:t>
-            </a:r>
+            <a:endParaRPr lang="en-US" altLang="zh-CN" dirty="0"/>
           </a:p>
           <a:p>
             <a:pPr marL="0" marR="0" lvl="0" indent="0" algn="l" defTabSz="914400" rtl="0" eaLnBrk="1" fontAlgn="auto" latinLnBrk="0" hangingPunct="1">
@@ -2042,7 +2059,10 @@
               <a:tabLst/>
               <a:defRPr/>
             </a:pPr>
-            <a:endParaRPr lang="en-US" altLang="zh-CN" dirty="0"/>
+            <a:r>
+              <a:rPr lang="en-US" altLang="zh-CN" dirty="0"/>
+              <a:t>forth. Apply Univariate Feature Selection and Choose Best K. The number of features is significantly reduced.</a:t>
+            </a:r>
           </a:p>
           <a:p>
             <a:pPr marL="0" marR="0" lvl="0" indent="0" algn="l" defTabSz="914400" rtl="0" eaLnBrk="1" fontAlgn="auto" latinLnBrk="0" hangingPunct="1">
@@ -2062,22 +2082,7 @@
               <a:tabLst/>
               <a:defRPr/>
             </a:pPr>
-            <a:r>
-              <a:rPr lang="en-US" altLang="zh-CN" dirty="0"/>
-              <a:t>5. Perform Recursive Feature Elimination (RFE) for Final Feature Selection</a:t>
-            </a:r>
-            <a:r>
-              <a:rPr lang="en-US" altLang="zh-CN" sz="1400" dirty="0"/>
-              <a:t>. For S Prediction</a:t>
-            </a:r>
-            <a:r>
-              <a:rPr lang="zh-CN" altLang="en-US" sz="1400" dirty="0"/>
-              <a:t>，</a:t>
-            </a:r>
-            <a:r>
-              <a:rPr lang="en-US" altLang="zh-CN" sz="1400" dirty="0"/>
-              <a:t>core feature is selected. For D prediction, core feature is included in the final feature selection.</a:t>
-            </a:r>
+            <a:endParaRPr lang="en-US" altLang="zh-CN" dirty="0"/>
           </a:p>
           <a:p>
             <a:pPr marL="0" marR="0" lvl="0" indent="0" algn="l" defTabSz="914400" rtl="0" eaLnBrk="1" fontAlgn="auto" latinLnBrk="0" hangingPunct="1">
@@ -2097,7 +2102,22 @@
               <a:tabLst/>
               <a:defRPr/>
             </a:pPr>
-            <a:endParaRPr lang="en-US" altLang="zh-CN" dirty="0"/>
+            <a:r>
+              <a:rPr lang="en-US" altLang="zh-CN" dirty="0"/>
+              <a:t>Before that. Perform Recursive Feature Elimination (RFE) for Final Feature Selection</a:t>
+            </a:r>
+            <a:r>
+              <a:rPr lang="en-US" altLang="zh-CN" sz="1400" dirty="0"/>
+              <a:t>. For S Prediction</a:t>
+            </a:r>
+            <a:r>
+              <a:rPr lang="zh-CN" altLang="en-US" sz="1400" dirty="0"/>
+              <a:t>，</a:t>
+            </a:r>
+            <a:r>
+              <a:rPr lang="en-US" altLang="zh-CN" sz="1400" dirty="0"/>
+              <a:t>core feature is selected. For D prediction, core feature is included in the final feature selection.</a:t>
+            </a:r>
           </a:p>
           <a:p>
             <a:pPr marL="0" marR="0" lvl="0" indent="0" algn="l" defTabSz="914400" rtl="0" eaLnBrk="1" fontAlgn="auto" latinLnBrk="0" hangingPunct="1">
@@ -2117,9 +2137,29 @@
               <a:tabLst/>
               <a:defRPr/>
             </a:pPr>
+            <a:endParaRPr lang="en-US" altLang="zh-CN" dirty="0"/>
+          </a:p>
+          <a:p>
+            <a:pPr marL="0" marR="0" lvl="0" indent="0" algn="l" defTabSz="914400" rtl="0" eaLnBrk="1" fontAlgn="auto" latinLnBrk="0" hangingPunct="1">
+              <a:lnSpc>
+                <a:spcPct val="100000"/>
+              </a:lnSpc>
+              <a:spcBef>
+                <a:spcPts val="0"/>
+              </a:spcBef>
+              <a:spcAft>
+                <a:spcPts val="0"/>
+              </a:spcAft>
+              <a:buClrTx/>
+              <a:buSzTx/>
+              <a:buFontTx/>
+              <a:buNone/>
+              <a:tabLst/>
+              <a:defRPr/>
+            </a:pPr>
             <a:r>
               <a:rPr lang="en-US" altLang="zh-CN" dirty="0"/>
-              <a:t>6. Conclude with Testing Using the Test Set.</a:t>
+              <a:t>Lastly. Conclude with Testing Using the Test Set.</a:t>
             </a:r>
           </a:p>
           <a:p>
@@ -2837,7 +2877,7 @@
             </a:pPr>
             <a:r>
               <a:rPr lang="en-US" altLang="zh-CN" dirty="0"/>
-              <a:t>For S  prediction,</a:t>
+              <a:t>When K equals 3, For S  prediction,</a:t>
             </a:r>
             <a:r>
               <a:rPr lang="zh-CN" altLang="en-US" dirty="0"/>
@@ -3381,7 +3421,7 @@
                 <a:latin typeface="Consolas" panose="020B0609020204030204" pitchFamily="49" charset="0"/>
                 <a:cs typeface="Times New Roman" panose="02020603050405020304" pitchFamily="18" charset="0"/>
               </a:rPr>
-              <a:t>When dealing with data having a noise level of 0.8, I first apply a combination of Bandpass filtering and FFT/Wavelet Denoising. However, the results are not very promising.</a:t>
+              <a:t>Let’s look at the next work</a:t>
             </a:r>
           </a:p>
           <a:p>
@@ -3436,7 +3476,117 @@
                 <a:latin typeface="Consolas" panose="020B0609020204030204" pitchFamily="49" charset="0"/>
                 <a:cs typeface="Times New Roman" panose="02020603050405020304" pitchFamily="18" charset="0"/>
               </a:rPr>
-              <a:t>Then, I try out EEMD and notice that IMF1 closely resembles the original clean signal. As a result, I experiment with using IMF1 for prediction.</a:t>
+              <a:t>When dealing with data having a noise level of 0.8, I first apply a combination of Bandpass filtering and FFT/Wavelet Denoising. However, the results are not very promising.</a:t>
+            </a:r>
+          </a:p>
+          <a:p>
+            <a:pPr marL="0" marR="0" lvl="0" indent="0" algn="l" defTabSz="914400" rtl="0" eaLnBrk="1" fontAlgn="auto" latinLnBrk="0" hangingPunct="1">
+              <a:lnSpc>
+                <a:spcPct val="100000"/>
+              </a:lnSpc>
+              <a:spcBef>
+                <a:spcPts val="0"/>
+              </a:spcBef>
+              <a:spcAft>
+                <a:spcPts val="0"/>
+              </a:spcAft>
+              <a:buClrTx/>
+              <a:buSzTx/>
+              <a:buFontTx/>
+              <a:buNone/>
+              <a:tabLst/>
+              <a:defRPr/>
+            </a:pPr>
+            <a:endParaRPr lang="en-US" altLang="zh-CN" dirty="0">
+              <a:solidFill>
+                <a:schemeClr val="tx1"/>
+              </a:solidFill>
+              <a:latin typeface="Consolas" panose="020B0609020204030204" pitchFamily="49" charset="0"/>
+              <a:cs typeface="Times New Roman" panose="02020603050405020304" pitchFamily="18" charset="0"/>
+            </a:endParaRPr>
+          </a:p>
+          <a:p>
+            <a:pPr marL="0" marR="0" lvl="0" indent="0" algn="l" defTabSz="914400" rtl="0" eaLnBrk="1" fontAlgn="auto" latinLnBrk="0" hangingPunct="1">
+              <a:lnSpc>
+                <a:spcPct val="100000"/>
+              </a:lnSpc>
+              <a:spcBef>
+                <a:spcPts val="0"/>
+              </a:spcBef>
+              <a:spcAft>
+                <a:spcPts val="0"/>
+              </a:spcAft>
+              <a:buClrTx/>
+              <a:buSzTx/>
+              <a:buFontTx/>
+              <a:buNone/>
+              <a:tabLst/>
+              <a:defRPr/>
+            </a:pPr>
+            <a:r>
+              <a:rPr lang="en-US" altLang="zh-CN" dirty="0">
+                <a:solidFill>
+                  <a:schemeClr val="tx1"/>
+                </a:solidFill>
+                <a:latin typeface="Consolas" panose="020B0609020204030204" pitchFamily="49" charset="0"/>
+                <a:cs typeface="Times New Roman" panose="02020603050405020304" pitchFamily="18" charset="0"/>
+              </a:rPr>
+              <a:t>Then, I try out EEMD and notice that IMF1 closely resembles the original clean signal. As a result, </a:t>
+            </a:r>
+          </a:p>
+          <a:p>
+            <a:pPr marL="0" marR="0" lvl="0" indent="0" algn="l" defTabSz="914400" rtl="0" eaLnBrk="1" fontAlgn="auto" latinLnBrk="0" hangingPunct="1">
+              <a:lnSpc>
+                <a:spcPct val="100000"/>
+              </a:lnSpc>
+              <a:spcBef>
+                <a:spcPts val="0"/>
+              </a:spcBef>
+              <a:spcAft>
+                <a:spcPts val="0"/>
+              </a:spcAft>
+              <a:buClrTx/>
+              <a:buSzTx/>
+              <a:buFontTx/>
+              <a:buNone/>
+              <a:tabLst/>
+              <a:defRPr/>
+            </a:pPr>
+            <a:endParaRPr lang="en-US" altLang="zh-CN" dirty="0">
+              <a:solidFill>
+                <a:schemeClr val="tx1"/>
+              </a:solidFill>
+              <a:latin typeface="Consolas" panose="020B0609020204030204" pitchFamily="49" charset="0"/>
+              <a:cs typeface="Times New Roman" panose="02020603050405020304" pitchFamily="18" charset="0"/>
+            </a:endParaRPr>
+          </a:p>
+          <a:p>
+            <a:pPr marL="0" marR="0" lvl="0" indent="0" algn="l" defTabSz="914400" rtl="0" eaLnBrk="1" fontAlgn="auto" latinLnBrk="0" hangingPunct="1">
+              <a:lnSpc>
+                <a:spcPct val="100000"/>
+              </a:lnSpc>
+              <a:spcBef>
+                <a:spcPts val="0"/>
+              </a:spcBef>
+              <a:spcAft>
+                <a:spcPts val="0"/>
+              </a:spcAft>
+              <a:buClrTx/>
+              <a:buSzTx/>
+              <a:buFontTx/>
+              <a:buNone/>
+              <a:tabLst/>
+              <a:defRPr/>
+            </a:pPr>
+            <a:r>
+              <a:rPr lang="en-US" altLang="zh-CN" dirty="0">
+                <a:solidFill>
+                  <a:schemeClr val="tx1"/>
+                </a:solidFill>
+                <a:latin typeface="Consolas" panose="020B0609020204030204" pitchFamily="49" charset="0"/>
+                <a:cs typeface="Times New Roman" panose="02020603050405020304" pitchFamily="18" charset="0"/>
+              </a:rPr>
+              <a:t>I experiment with using IMF1 for prediction.</a:t>
             </a:r>
             <a:endParaRPr lang="zh-CN" altLang="en-US" dirty="0">
               <a:solidFill>
@@ -7033,8 +7183,8 @@
         </p:nvCxnSpPr>
         <p:spPr>
           <a:xfrm flipH="1">
-            <a:off x="5764031" y="4184296"/>
-            <a:ext cx="1061925" cy="1282370"/>
+            <a:off x="5820889" y="4226058"/>
+            <a:ext cx="959921" cy="1220627"/>
           </a:xfrm>
           <a:prstGeom prst="straightConnector1">
             <a:avLst/>
@@ -7075,8 +7225,8 @@
         </p:nvCxnSpPr>
         <p:spPr>
           <a:xfrm flipH="1">
-            <a:off x="5764031" y="4659600"/>
-            <a:ext cx="1061925" cy="807066"/>
+            <a:off x="5820889" y="4787528"/>
+            <a:ext cx="959921" cy="659157"/>
           </a:xfrm>
           <a:prstGeom prst="straightConnector1">
             <a:avLst/>
@@ -7312,8 +7462,8 @@
         </p:nvSpPr>
         <p:spPr>
           <a:xfrm>
-            <a:off x="1122218" y="3500191"/>
-            <a:ext cx="3827274" cy="646331"/>
+            <a:off x="56858" y="3500191"/>
+            <a:ext cx="4892634" cy="646331"/>
           </a:xfrm>
           <a:prstGeom prst="rect">
             <a:avLst/>
@@ -7364,8 +7514,8 @@
         </p:nvSpPr>
         <p:spPr>
           <a:xfrm>
-            <a:off x="0" y="4728002"/>
-            <a:ext cx="5764031" cy="1477328"/>
+            <a:off x="56858" y="4431022"/>
+            <a:ext cx="5764031" cy="2031325"/>
           </a:xfrm>
           <a:prstGeom prst="rect">
             <a:avLst/>
@@ -7396,8 +7546,58 @@
               <a:defRPr/>
             </a:pPr>
             <a:r>
+              <a:rPr lang="en-US" altLang="zh-CN" dirty="0">
+                <a:solidFill>
+                  <a:schemeClr val="tx1"/>
+                </a:solidFill>
+                <a:latin typeface="Consolas" panose="020B0609020204030204" pitchFamily="49" charset="0"/>
+                <a:cs typeface="Times New Roman" panose="02020603050405020304" pitchFamily="18" charset="0"/>
+              </a:rPr>
+              <a:t>IMF1 closely resembles original clean signal</a:t>
+            </a:r>
+            <a:endParaRPr lang="en-US" altLang="zh-CN" dirty="0"/>
+          </a:p>
+          <a:p>
+            <a:pPr marL="0" marR="0" lvl="0" indent="0" algn="l" defTabSz="914400" rtl="0" eaLnBrk="1" fontAlgn="auto" latinLnBrk="0" hangingPunct="1">
+              <a:lnSpc>
+                <a:spcPct val="100000"/>
+              </a:lnSpc>
+              <a:spcBef>
+                <a:spcPts val="0"/>
+              </a:spcBef>
+              <a:spcAft>
+                <a:spcPts val="0"/>
+              </a:spcAft>
+              <a:buClrTx/>
+              <a:buSzTx/>
+              <a:buFontTx/>
+              <a:buNone/>
+              <a:tabLst/>
+              <a:defRPr/>
+            </a:pPr>
+            <a:endParaRPr lang="en-US" altLang="zh-CN" dirty="0"/>
+          </a:p>
+          <a:p>
+            <a:pPr marL="0" marR="0" lvl="0" indent="0" algn="l" defTabSz="914400" rtl="0" eaLnBrk="1" fontAlgn="auto" latinLnBrk="0" hangingPunct="1">
+              <a:lnSpc>
+                <a:spcPct val="100000"/>
+              </a:lnSpc>
+              <a:spcBef>
+                <a:spcPts val="0"/>
+              </a:spcBef>
+              <a:spcAft>
+                <a:spcPts val="0"/>
+              </a:spcAft>
+              <a:buClrTx/>
+              <a:buSzTx/>
+              <a:buFontTx/>
+              <a:buNone/>
+              <a:tabLst/>
+              <a:defRPr/>
+            </a:pPr>
+            <a:r>
               <a:rPr lang="en-US" altLang="zh-CN" dirty="0"/>
-              <a:t>The variations in peak heights are great, while intervals remain relatively consistent. </a:t>
+              <a:t>The variations in peak heights are great, while intervals remain consistent. </a:t>
             </a:r>
           </a:p>
           <a:p>
@@ -8505,7 +8705,7 @@
         <p:spPr>
           <a:xfrm>
             <a:off x="4043548" y="5367753"/>
-            <a:ext cx="6858000" cy="1200329"/>
+            <a:ext cx="7843652" cy="1200329"/>
           </a:xfrm>
           <a:prstGeom prst="rect">
             <a:avLst/>
@@ -8529,7 +8729,7 @@
           <a:p>
             <a:r>
               <a:rPr lang="en-US" altLang="zh-CN" dirty="0"/>
-              <a:t>Some noise definitions are vague and difficult to implement accurately. (e.g. Transient Noise Pulses)</a:t>
+              <a:t>Some noise definitions are vague and difficult to implement accurately. (e.g. Transient Noise Pulses and Short Noise)</a:t>
             </a:r>
           </a:p>
         </p:txBody>
@@ -12291,8 +12491,8 @@
           </a:p>
         </p:txBody>
       </p:sp>
-      <mc:AlternateContent xmlns:mc="http://schemas.openxmlformats.org/markup-compatibility/2006">
-        <mc:Choice xmlns:a14="http://schemas.microsoft.com/office/drawing/2010/main" Requires="a14">
+      <mc:AlternateContent xmlns:mc="http://schemas.openxmlformats.org/markup-compatibility/2006" xmlns:a14="http://schemas.microsoft.com/office/drawing/2010/main">
+        <mc:Choice Requires="a14">
           <p:sp>
             <p:nvSpPr>
               <p:cNvPr id="9" name="文本框 8">
@@ -12390,7 +12590,7 @@
             </p:txBody>
           </p:sp>
         </mc:Choice>
-        <mc:Fallback>
+        <mc:Fallback xmlns="">
           <p:sp>
             <p:nvSpPr>
               <p:cNvPr id="9" name="文本框 8">
@@ -14961,7 +15161,7 @@
         <p:spPr>
           <a:xfrm>
             <a:off x="2146960" y="4956722"/>
-            <a:ext cx="8220693" cy="1477328"/>
+            <a:ext cx="8255824" cy="1754326"/>
           </a:xfrm>
           <a:prstGeom prst="rect">
             <a:avLst/>
@@ -14982,7 +15182,7 @@
           <a:p>
             <a:r>
               <a:rPr lang="en-US" altLang="zh-CN" dirty="0"/>
-              <a:t>the core feature for D is not selected because no denoising procedures are applied to signals with a noise level of 0.1. </a:t>
+              <a:t>the core feature for D is not selected because no appropriate denoising procedures are applied to signals with a noise level of 0.1. </a:t>
             </a:r>
           </a:p>
           <a:p>

--- a/Presentation_821_JiayuChen.pptx
+++ b/Presentation_821_JiayuChen.pptx
@@ -1263,6 +1263,90 @@
     <p:extLst>
       <p:ext uri="{BB962C8B-B14F-4D97-AF65-F5344CB8AC3E}">
         <p14:creationId xmlns:p14="http://schemas.microsoft.com/office/powerpoint/2010/main" val="689081089"/>
+      </p:ext>
+    </p:extLst>
+  </p:cSld>
+  <p:clrMapOvr>
+    <a:masterClrMapping/>
+  </p:clrMapOvr>
+</p:notes>
+</file>
+
+<file path=ppt/notesSlides/notesSlide16.xml><?xml version="1.0" encoding="utf-8"?>
+<p:notes xmlns:a="http://schemas.openxmlformats.org/drawingml/2006/main" xmlns:r="http://schemas.openxmlformats.org/officeDocument/2006/relationships" xmlns:p="http://schemas.openxmlformats.org/presentationml/2006/main">
+  <p:cSld>
+    <p:spTree>
+      <p:nvGrpSpPr>
+        <p:cNvPr id="1" name=""/>
+        <p:cNvGrpSpPr/>
+        <p:nvPr/>
+      </p:nvGrpSpPr>
+      <p:grpSpPr>
+        <a:xfrm>
+          <a:off x="0" y="0"/>
+          <a:ext cx="0" cy="0"/>
+          <a:chOff x="0" y="0"/>
+          <a:chExt cx="0" cy="0"/>
+        </a:xfrm>
+      </p:grpSpPr>
+      <p:sp>
+        <p:nvSpPr>
+          <p:cNvPr id="2" name="幻灯片图像占位符 1"/>
+          <p:cNvSpPr>
+            <a:spLocks noGrp="1" noRot="1" noChangeAspect="1"/>
+          </p:cNvSpPr>
+          <p:nvPr>
+            <p:ph type="sldImg"/>
+          </p:nvPr>
+        </p:nvSpPr>
+        <p:spPr/>
+      </p:sp>
+      <p:sp>
+        <p:nvSpPr>
+          <p:cNvPr id="3" name="备注占位符 2"/>
+          <p:cNvSpPr>
+            <a:spLocks noGrp="1"/>
+          </p:cNvSpPr>
+          <p:nvPr>
+            <p:ph type="body" idx="1"/>
+          </p:nvPr>
+        </p:nvSpPr>
+        <p:spPr/>
+        <p:txBody>
+          <a:bodyPr/>
+          <a:lstStyle/>
+          <a:p>
+            <a:endParaRPr lang="zh-CN" altLang="en-US" dirty="0"/>
+          </a:p>
+        </p:txBody>
+      </p:sp>
+      <p:sp>
+        <p:nvSpPr>
+          <p:cNvPr id="4" name="灯片编号占位符 3"/>
+          <p:cNvSpPr>
+            <a:spLocks noGrp="1"/>
+          </p:cNvSpPr>
+          <p:nvPr>
+            <p:ph type="sldNum" sz="quarter" idx="5"/>
+          </p:nvPr>
+        </p:nvSpPr>
+        <p:spPr/>
+        <p:txBody>
+          <a:bodyPr/>
+          <a:lstStyle/>
+          <a:p>
+            <a:fld id="{E39FA662-60CA-45D5-8BB1-0A7D21FB8FF0}" type="slidenum">
+              <a:rPr lang="zh-CN" altLang="en-US" smtClean="0"/>
+              <a:t>16</a:t>
+            </a:fld>
+            <a:endParaRPr lang="zh-CN" altLang="en-US"/>
+          </a:p>
+        </p:txBody>
+      </p:sp>
+    </p:spTree>
+    <p:extLst>
+      <p:ext uri="{BB962C8B-B14F-4D97-AF65-F5344CB8AC3E}">
+        <p14:creationId xmlns:p14="http://schemas.microsoft.com/office/powerpoint/2010/main" val="3344493625"/>
       </p:ext>
     </p:extLst>
   </p:cSld>
@@ -9295,7 +9379,7 @@
         <p:spPr>
           <a:xfrm>
             <a:off x="2085995" y="1962356"/>
-            <a:ext cx="8020009" cy="1200329"/>
+            <a:ext cx="8020009" cy="2862322"/>
           </a:xfrm>
           <a:prstGeom prst="rect">
             <a:avLst/>
@@ -9335,6 +9419,27 @@
             <a:r>
               <a:rPr lang="en-US" altLang="zh-CN" dirty="0"/>
               <a:t> features are fed into the model?</a:t>
+            </a:r>
+          </a:p>
+          <a:p>
+            <a:pPr marL="342900" indent="-342900">
+              <a:buAutoNum type="arabicPeriod"/>
+            </a:pPr>
+            <a:endParaRPr lang="en-US" altLang="zh-CN" dirty="0"/>
+          </a:p>
+          <a:p>
+            <a:pPr marL="342900" indent="-342900">
+              <a:buAutoNum type="arabicPeriod"/>
+            </a:pPr>
+            <a:endParaRPr lang="en-US" altLang="zh-CN" dirty="0"/>
+          </a:p>
+          <a:p>
+            <a:pPr marL="342900" indent="-342900">
+              <a:buAutoNum type="arabicPeriod"/>
+            </a:pPr>
+            <a:r>
+              <a:rPr lang="en-US" altLang="zh-CN" dirty="0"/>
+              <a:t>I just listened to a presentation by Yida. He has also put in a lot of effort into automated feature selection. Should we collaborate to solve this now, or should we each look for solutions independently?</a:t>
             </a:r>
           </a:p>
         </p:txBody>
@@ -15574,6 +15679,9 @@
               <a:gd name="adj1" fmla="val 7857"/>
             </a:avLst>
           </a:prstGeom>
+          <a:ln>
+            <a:noFill/>
+          </a:ln>
         </p:spPr>
         <p:style>
           <a:lnRef idx="2">
